--- a/Presentation/Jonas MQTT.pptx
+++ b/Presentation/Jonas MQTT.pptx
@@ -4,13 +4,22 @@
   <p:sldMasterIdLst>
     <p:sldMasterId id="2147483648" r:id="rId1"/>
   </p:sldMasterIdLst>
+  <p:notesMasterIdLst>
+    <p:notesMasterId r:id="rId14"/>
+  </p:notesMasterIdLst>
   <p:sldIdLst>
     <p:sldId id="256" r:id="rId2"/>
     <p:sldId id="257" r:id="rId3"/>
-    <p:sldId id="260" r:id="rId4"/>
-    <p:sldId id="261" r:id="rId5"/>
-    <p:sldId id="258" r:id="rId6"/>
-    <p:sldId id="259" r:id="rId7"/>
+    <p:sldId id="263" r:id="rId4"/>
+    <p:sldId id="266" r:id="rId5"/>
+    <p:sldId id="268" r:id="rId6"/>
+    <p:sldId id="269" r:id="rId7"/>
+    <p:sldId id="270" r:id="rId8"/>
+    <p:sldId id="271" r:id="rId9"/>
+    <p:sldId id="272" r:id="rId10"/>
+    <p:sldId id="273" r:id="rId11"/>
+    <p:sldId id="259" r:id="rId12"/>
+    <p:sldId id="262" r:id="rId13"/>
   </p:sldIdLst>
   <p:sldSz cx="12192000" cy="6858000"/>
   <p:notesSz cx="6858000" cy="9144000"/>
@@ -109,7 +118,361 @@
       </a:defRPr>
     </a:lvl9pPr>
   </p:defaultTextStyle>
+  <p:extLst>
+    <p:ext uri="{EFAFB233-063F-42B5-8137-9DF3F51BA10A}">
+      <p15:sldGuideLst xmlns:p15="http://schemas.microsoft.com/office/powerpoint/2012/main"/>
+    </p:ext>
+  </p:extLst>
 </p:presentation>
+</file>
+
+<file path=ppt/notesMasters/notesMaster1.xml><?xml version="1.0" encoding="utf-8"?>
+<p:notesMaster xmlns:a="http://schemas.openxmlformats.org/drawingml/2006/main" xmlns:r="http://schemas.openxmlformats.org/officeDocument/2006/relationships" xmlns:p="http://schemas.openxmlformats.org/presentationml/2006/main">
+  <p:cSld>
+    <p:bg>
+      <p:bgRef idx="1001">
+        <a:schemeClr val="bg1"/>
+      </p:bgRef>
+    </p:bg>
+    <p:spTree>
+      <p:nvGrpSpPr>
+        <p:cNvPr id="1" name=""/>
+        <p:cNvGrpSpPr/>
+        <p:nvPr/>
+      </p:nvGrpSpPr>
+      <p:grpSpPr>
+        <a:xfrm>
+          <a:off x="0" y="0"/>
+          <a:ext cx="0" cy="0"/>
+          <a:chOff x="0" y="0"/>
+          <a:chExt cx="0" cy="0"/>
+        </a:xfrm>
+      </p:grpSpPr>
+      <p:sp>
+        <p:nvSpPr>
+          <p:cNvPr id="2" name="Kopfzeilenplatzhalter 1"/>
+          <p:cNvSpPr>
+            <a:spLocks noGrp="1"/>
+          </p:cNvSpPr>
+          <p:nvPr>
+            <p:ph type="hdr" sz="quarter"/>
+          </p:nvPr>
+        </p:nvSpPr>
+        <p:spPr>
+          <a:xfrm>
+            <a:off x="0" y="0"/>
+            <a:ext cx="2971800" cy="458788"/>
+          </a:xfrm>
+          <a:prstGeom prst="rect">
+            <a:avLst/>
+          </a:prstGeom>
+        </p:spPr>
+        <p:txBody>
+          <a:bodyPr vert="horz" lIns="91440" tIns="45720" rIns="91440" bIns="45720" rtlCol="0"/>
+          <a:lstStyle>
+            <a:lvl1pPr algn="l">
+              <a:defRPr sz="1200"/>
+            </a:lvl1pPr>
+          </a:lstStyle>
+          <a:p>
+            <a:endParaRPr lang="de-DE"/>
+          </a:p>
+        </p:txBody>
+      </p:sp>
+      <p:sp>
+        <p:nvSpPr>
+          <p:cNvPr id="3" name="Datumsplatzhalter 2"/>
+          <p:cNvSpPr>
+            <a:spLocks noGrp="1"/>
+          </p:cNvSpPr>
+          <p:nvPr>
+            <p:ph type="dt" idx="1"/>
+          </p:nvPr>
+        </p:nvSpPr>
+        <p:spPr>
+          <a:xfrm>
+            <a:off x="3884613" y="0"/>
+            <a:ext cx="2971800" cy="458788"/>
+          </a:xfrm>
+          <a:prstGeom prst="rect">
+            <a:avLst/>
+          </a:prstGeom>
+        </p:spPr>
+        <p:txBody>
+          <a:bodyPr vert="horz" lIns="91440" tIns="45720" rIns="91440" bIns="45720" rtlCol="0"/>
+          <a:lstStyle>
+            <a:lvl1pPr algn="r">
+              <a:defRPr sz="1200"/>
+            </a:lvl1pPr>
+          </a:lstStyle>
+          <a:p>
+            <a:fld id="{AF0DA209-1851-4B23-8A4D-0FAF455351D0}" type="datetimeFigureOut">
+              <a:rPr lang="de-DE" smtClean="0"/>
+              <a:t>25.10.2023</a:t>
+            </a:fld>
+            <a:endParaRPr lang="de-DE"/>
+          </a:p>
+        </p:txBody>
+      </p:sp>
+      <p:sp>
+        <p:nvSpPr>
+          <p:cNvPr id="4" name="Folienbildplatzhalter 3"/>
+          <p:cNvSpPr>
+            <a:spLocks noGrp="1" noRot="1" noChangeAspect="1"/>
+          </p:cNvSpPr>
+          <p:nvPr>
+            <p:ph type="sldImg" idx="2"/>
+          </p:nvPr>
+        </p:nvSpPr>
+        <p:spPr>
+          <a:xfrm>
+            <a:off x="685800" y="1143000"/>
+            <a:ext cx="5486400" cy="3086100"/>
+          </a:xfrm>
+          <a:prstGeom prst="rect">
+            <a:avLst/>
+          </a:prstGeom>
+          <a:noFill/>
+          <a:ln w="12700">
+            <a:solidFill>
+              <a:prstClr val="black"/>
+            </a:solidFill>
+          </a:ln>
+        </p:spPr>
+        <p:txBody>
+          <a:bodyPr vert="horz" lIns="91440" tIns="45720" rIns="91440" bIns="45720" rtlCol="0" anchor="ctr"/>
+          <a:lstStyle/>
+          <a:p>
+            <a:endParaRPr lang="de-DE"/>
+          </a:p>
+        </p:txBody>
+      </p:sp>
+      <p:sp>
+        <p:nvSpPr>
+          <p:cNvPr id="5" name="Notizenplatzhalter 4"/>
+          <p:cNvSpPr>
+            <a:spLocks noGrp="1"/>
+          </p:cNvSpPr>
+          <p:nvPr>
+            <p:ph type="body" sz="quarter" idx="3"/>
+          </p:nvPr>
+        </p:nvSpPr>
+        <p:spPr>
+          <a:xfrm>
+            <a:off x="685800" y="4400550"/>
+            <a:ext cx="5486400" cy="3600450"/>
+          </a:xfrm>
+          <a:prstGeom prst="rect">
+            <a:avLst/>
+          </a:prstGeom>
+        </p:spPr>
+        <p:txBody>
+          <a:bodyPr vert="horz" lIns="91440" tIns="45720" rIns="91440" bIns="45720" rtlCol="0"/>
+          <a:lstStyle/>
+          <a:p>
+            <a:pPr lvl="0"/>
+            <a:r>
+              <a:rPr lang="de-DE"/>
+              <a:t>Mastertextformat bearbeiten</a:t>
+            </a:r>
+          </a:p>
+          <a:p>
+            <a:pPr lvl="1"/>
+            <a:r>
+              <a:rPr lang="de-DE"/>
+              <a:t>Zweite Ebene</a:t>
+            </a:r>
+          </a:p>
+          <a:p>
+            <a:pPr lvl="2"/>
+            <a:r>
+              <a:rPr lang="de-DE"/>
+              <a:t>Dritte Ebene</a:t>
+            </a:r>
+          </a:p>
+          <a:p>
+            <a:pPr lvl="3"/>
+            <a:r>
+              <a:rPr lang="de-DE"/>
+              <a:t>Vierte Ebene</a:t>
+            </a:r>
+          </a:p>
+          <a:p>
+            <a:pPr lvl="4"/>
+            <a:r>
+              <a:rPr lang="de-DE"/>
+              <a:t>Fünfte Ebene</a:t>
+            </a:r>
+          </a:p>
+        </p:txBody>
+      </p:sp>
+      <p:sp>
+        <p:nvSpPr>
+          <p:cNvPr id="6" name="Fußzeilenplatzhalter 5"/>
+          <p:cNvSpPr>
+            <a:spLocks noGrp="1"/>
+          </p:cNvSpPr>
+          <p:nvPr>
+            <p:ph type="ftr" sz="quarter" idx="4"/>
+          </p:nvPr>
+        </p:nvSpPr>
+        <p:spPr>
+          <a:xfrm>
+            <a:off x="0" y="8685213"/>
+            <a:ext cx="2971800" cy="458787"/>
+          </a:xfrm>
+          <a:prstGeom prst="rect">
+            <a:avLst/>
+          </a:prstGeom>
+        </p:spPr>
+        <p:txBody>
+          <a:bodyPr vert="horz" lIns="91440" tIns="45720" rIns="91440" bIns="45720" rtlCol="0" anchor="b"/>
+          <a:lstStyle>
+            <a:lvl1pPr algn="l">
+              <a:defRPr sz="1200"/>
+            </a:lvl1pPr>
+          </a:lstStyle>
+          <a:p>
+            <a:endParaRPr lang="de-DE"/>
+          </a:p>
+        </p:txBody>
+      </p:sp>
+      <p:sp>
+        <p:nvSpPr>
+          <p:cNvPr id="7" name="Foliennummernplatzhalter 6"/>
+          <p:cNvSpPr>
+            <a:spLocks noGrp="1"/>
+          </p:cNvSpPr>
+          <p:nvPr>
+            <p:ph type="sldNum" sz="quarter" idx="5"/>
+          </p:nvPr>
+        </p:nvSpPr>
+        <p:spPr>
+          <a:xfrm>
+            <a:off x="3884613" y="8685213"/>
+            <a:ext cx="2971800" cy="458787"/>
+          </a:xfrm>
+          <a:prstGeom prst="rect">
+            <a:avLst/>
+          </a:prstGeom>
+        </p:spPr>
+        <p:txBody>
+          <a:bodyPr vert="horz" lIns="91440" tIns="45720" rIns="91440" bIns="45720" rtlCol="0" anchor="b"/>
+          <a:lstStyle>
+            <a:lvl1pPr algn="r">
+              <a:defRPr sz="1200"/>
+            </a:lvl1pPr>
+          </a:lstStyle>
+          <a:p>
+            <a:fld id="{2E3129D7-B49F-44F2-BFF4-6285AD690B0C}" type="slidenum">
+              <a:rPr lang="de-DE" smtClean="0"/>
+              <a:t>‹Nr.›</a:t>
+            </a:fld>
+            <a:endParaRPr lang="de-DE"/>
+          </a:p>
+        </p:txBody>
+      </p:sp>
+    </p:spTree>
+    <p:extLst>
+      <p:ext uri="{BB962C8B-B14F-4D97-AF65-F5344CB8AC3E}">
+        <p14:creationId xmlns:p14="http://schemas.microsoft.com/office/powerpoint/2010/main" val="3388693193"/>
+      </p:ext>
+    </p:extLst>
+  </p:cSld>
+  <p:clrMap bg1="lt1" tx1="dk1" bg2="lt2" tx2="dk2" accent1="accent1" accent2="accent2" accent3="accent3" accent4="accent4" accent5="accent5" accent6="accent6" hlink="hlink" folHlink="folHlink"/>
+  <p:notesStyle>
+    <a:lvl1pPr marL="0" algn="l" defTabSz="914400" rtl="0" eaLnBrk="1" latinLnBrk="0" hangingPunct="1">
+      <a:defRPr sz="1200" kern="1200">
+        <a:solidFill>
+          <a:schemeClr val="tx1"/>
+        </a:solidFill>
+        <a:latin typeface="+mn-lt"/>
+        <a:ea typeface="+mn-ea"/>
+        <a:cs typeface="+mn-cs"/>
+      </a:defRPr>
+    </a:lvl1pPr>
+    <a:lvl2pPr marL="457200" algn="l" defTabSz="914400" rtl="0" eaLnBrk="1" latinLnBrk="0" hangingPunct="1">
+      <a:defRPr sz="1200" kern="1200">
+        <a:solidFill>
+          <a:schemeClr val="tx1"/>
+        </a:solidFill>
+        <a:latin typeface="+mn-lt"/>
+        <a:ea typeface="+mn-ea"/>
+        <a:cs typeface="+mn-cs"/>
+      </a:defRPr>
+    </a:lvl2pPr>
+    <a:lvl3pPr marL="914400" algn="l" defTabSz="914400" rtl="0" eaLnBrk="1" latinLnBrk="0" hangingPunct="1">
+      <a:defRPr sz="1200" kern="1200">
+        <a:solidFill>
+          <a:schemeClr val="tx1"/>
+        </a:solidFill>
+        <a:latin typeface="+mn-lt"/>
+        <a:ea typeface="+mn-ea"/>
+        <a:cs typeface="+mn-cs"/>
+      </a:defRPr>
+    </a:lvl3pPr>
+    <a:lvl4pPr marL="1371600" algn="l" defTabSz="914400" rtl="0" eaLnBrk="1" latinLnBrk="0" hangingPunct="1">
+      <a:defRPr sz="1200" kern="1200">
+        <a:solidFill>
+          <a:schemeClr val="tx1"/>
+        </a:solidFill>
+        <a:latin typeface="+mn-lt"/>
+        <a:ea typeface="+mn-ea"/>
+        <a:cs typeface="+mn-cs"/>
+      </a:defRPr>
+    </a:lvl4pPr>
+    <a:lvl5pPr marL="1828800" algn="l" defTabSz="914400" rtl="0" eaLnBrk="1" latinLnBrk="0" hangingPunct="1">
+      <a:defRPr sz="1200" kern="1200">
+        <a:solidFill>
+          <a:schemeClr val="tx1"/>
+        </a:solidFill>
+        <a:latin typeface="+mn-lt"/>
+        <a:ea typeface="+mn-ea"/>
+        <a:cs typeface="+mn-cs"/>
+      </a:defRPr>
+    </a:lvl5pPr>
+    <a:lvl6pPr marL="2286000" algn="l" defTabSz="914400" rtl="0" eaLnBrk="1" latinLnBrk="0" hangingPunct="1">
+      <a:defRPr sz="1200" kern="1200">
+        <a:solidFill>
+          <a:schemeClr val="tx1"/>
+        </a:solidFill>
+        <a:latin typeface="+mn-lt"/>
+        <a:ea typeface="+mn-ea"/>
+        <a:cs typeface="+mn-cs"/>
+      </a:defRPr>
+    </a:lvl6pPr>
+    <a:lvl7pPr marL="2743200" algn="l" defTabSz="914400" rtl="0" eaLnBrk="1" latinLnBrk="0" hangingPunct="1">
+      <a:defRPr sz="1200" kern="1200">
+        <a:solidFill>
+          <a:schemeClr val="tx1"/>
+        </a:solidFill>
+        <a:latin typeface="+mn-lt"/>
+        <a:ea typeface="+mn-ea"/>
+        <a:cs typeface="+mn-cs"/>
+      </a:defRPr>
+    </a:lvl7pPr>
+    <a:lvl8pPr marL="3200400" algn="l" defTabSz="914400" rtl="0" eaLnBrk="1" latinLnBrk="0" hangingPunct="1">
+      <a:defRPr sz="1200" kern="1200">
+        <a:solidFill>
+          <a:schemeClr val="tx1"/>
+        </a:solidFill>
+        <a:latin typeface="+mn-lt"/>
+        <a:ea typeface="+mn-ea"/>
+        <a:cs typeface="+mn-cs"/>
+      </a:defRPr>
+    </a:lvl8pPr>
+    <a:lvl9pPr marL="3657600" algn="l" defTabSz="914400" rtl="0" eaLnBrk="1" latinLnBrk="0" hangingPunct="1">
+      <a:defRPr sz="1200" kern="1200">
+        <a:solidFill>
+          <a:schemeClr val="tx1"/>
+        </a:solidFill>
+        <a:latin typeface="+mn-lt"/>
+        <a:ea typeface="+mn-ea"/>
+        <a:cs typeface="+mn-cs"/>
+      </a:defRPr>
+    </a:lvl9pPr>
+  </p:notesStyle>
+</p:notesMaster>
 </file>
 
 <file path=ppt/slideLayouts/slideLayout1.xml><?xml version="1.0" encoding="utf-8"?>
@@ -3416,6 +3779,649 @@
 </p:sld>
 </file>
 
+<file path=ppt/slides/slide10.xml><?xml version="1.0" encoding="utf-8"?>
+<p:sld xmlns:a="http://schemas.openxmlformats.org/drawingml/2006/main" xmlns:r="http://schemas.openxmlformats.org/officeDocument/2006/relationships" xmlns:p="http://schemas.openxmlformats.org/presentationml/2006/main">
+  <p:cSld>
+    <p:spTree>
+      <p:nvGrpSpPr>
+        <p:cNvPr id="1" name=""/>
+        <p:cNvGrpSpPr/>
+        <p:nvPr/>
+      </p:nvGrpSpPr>
+      <p:grpSpPr>
+        <a:xfrm>
+          <a:off x="0" y="0"/>
+          <a:ext cx="0" cy="0"/>
+          <a:chOff x="0" y="0"/>
+          <a:chExt cx="0" cy="0"/>
+        </a:xfrm>
+      </p:grpSpPr>
+      <p:sp>
+        <p:nvSpPr>
+          <p:cNvPr id="7" name="Titel 6">
+            <a:extLst>
+              <a:ext uri="{FF2B5EF4-FFF2-40B4-BE49-F238E27FC236}">
+                <a16:creationId xmlns:a16="http://schemas.microsoft.com/office/drawing/2014/main" id="{637EA79F-0792-94A5-D6B2-45074A2CDE2B}"/>
+              </a:ext>
+            </a:extLst>
+          </p:cNvPr>
+          <p:cNvSpPr>
+            <a:spLocks noGrp="1"/>
+          </p:cNvSpPr>
+          <p:nvPr>
+            <p:ph type="title"/>
+          </p:nvPr>
+        </p:nvSpPr>
+        <p:spPr/>
+        <p:txBody>
+          <a:bodyPr/>
+          <a:lstStyle/>
+          <a:p>
+            <a:r>
+              <a:rPr lang="de-DE" dirty="0" err="1"/>
+              <a:t>Example</a:t>
+            </a:r>
+            <a:endParaRPr lang="de-DE" dirty="0"/>
+          </a:p>
+        </p:txBody>
+      </p:sp>
+      <p:pic>
+        <p:nvPicPr>
+          <p:cNvPr id="9" name="Inhaltsplatzhalter 4" descr="Ein Bild, das Text, Screenshot, Schrift, Design enthält.&#10;&#10;Automatisch generierte Beschreibung">
+            <a:extLst>
+              <a:ext uri="{FF2B5EF4-FFF2-40B4-BE49-F238E27FC236}">
+                <a16:creationId xmlns:a16="http://schemas.microsoft.com/office/drawing/2014/main" id="{1700FAE1-8C1E-7561-C7B6-01A1ED8A5E2E}"/>
+              </a:ext>
+            </a:extLst>
+          </p:cNvPr>
+          <p:cNvPicPr>
+            <a:picLocks noChangeAspect="1"/>
+          </p:cNvPicPr>
+          <p:nvPr/>
+        </p:nvPicPr>
+        <p:blipFill>
+          <a:blip r:embed="rId2">
+            <a:extLst>
+              <a:ext uri="{28A0092B-C50C-407E-A947-70E740481C1C}">
+                <a14:useLocalDpi xmlns:a14="http://schemas.microsoft.com/office/drawing/2010/main" val="0"/>
+              </a:ext>
+            </a:extLst>
+          </a:blip>
+          <a:stretch>
+            <a:fillRect/>
+          </a:stretch>
+        </p:blipFill>
+        <p:spPr>
+          <a:xfrm>
+            <a:off x="838200" y="1785937"/>
+            <a:ext cx="10515599" cy="3286125"/>
+          </a:xfrm>
+          <a:prstGeom prst="rect">
+            <a:avLst/>
+          </a:prstGeom>
+        </p:spPr>
+      </p:pic>
+    </p:spTree>
+    <p:extLst>
+      <p:ext uri="{BB962C8B-B14F-4D97-AF65-F5344CB8AC3E}">
+        <p14:creationId xmlns:p14="http://schemas.microsoft.com/office/powerpoint/2010/main" val="1644468596"/>
+      </p:ext>
+    </p:extLst>
+  </p:cSld>
+  <p:clrMapOvr>
+    <a:masterClrMapping/>
+  </p:clrMapOvr>
+</p:sld>
+</file>
+
+<file path=ppt/slides/slide11.xml><?xml version="1.0" encoding="utf-8"?>
+<p:sld xmlns:a="http://schemas.openxmlformats.org/drawingml/2006/main" xmlns:r="http://schemas.openxmlformats.org/officeDocument/2006/relationships" xmlns:p="http://schemas.openxmlformats.org/presentationml/2006/main">
+  <p:cSld>
+    <p:spTree>
+      <p:nvGrpSpPr>
+        <p:cNvPr id="1" name=""/>
+        <p:cNvGrpSpPr/>
+        <p:nvPr/>
+      </p:nvGrpSpPr>
+      <p:grpSpPr>
+        <a:xfrm>
+          <a:off x="0" y="0"/>
+          <a:ext cx="0" cy="0"/>
+          <a:chOff x="0" y="0"/>
+          <a:chExt cx="0" cy="0"/>
+        </a:xfrm>
+      </p:grpSpPr>
+      <p:pic>
+        <p:nvPicPr>
+          <p:cNvPr id="7" name="Grafik 6" descr="Ein Bild, das Hand, Person, Finger, Nagel enthält.&#10;&#10;Automatisch generierte Beschreibung">
+            <a:extLst>
+              <a:ext uri="{FF2B5EF4-FFF2-40B4-BE49-F238E27FC236}">
+                <a16:creationId xmlns:a16="http://schemas.microsoft.com/office/drawing/2014/main" id="{39A7804A-BD5F-F6A1-28BB-08F9C5A583B5}"/>
+              </a:ext>
+            </a:extLst>
+          </p:cNvPr>
+          <p:cNvPicPr>
+            <a:picLocks noChangeAspect="1"/>
+          </p:cNvPicPr>
+          <p:nvPr/>
+        </p:nvPicPr>
+        <p:blipFill rotWithShape="1">
+          <a:blip r:embed="rId2">
+            <a:duotone>
+              <a:prstClr val="black"/>
+              <a:schemeClr val="accent3">
+                <a:tint val="45000"/>
+                <a:satMod val="400000"/>
+              </a:schemeClr>
+            </a:duotone>
+            <a:extLst>
+              <a:ext uri="{BEBA8EAE-BF5A-486C-A8C5-ECC9F3942E4B}">
+                <a14:imgProps xmlns:a14="http://schemas.microsoft.com/office/drawing/2010/main">
+                  <a14:imgLayer r:embed="rId3">
+                    <a14:imgEffect>
+                      <a14:sharpenSoften amount="-50000"/>
+                    </a14:imgEffect>
+                    <a14:imgEffect>
+                      <a14:colorTemperature colorTemp="11200"/>
+                    </a14:imgEffect>
+                    <a14:imgEffect>
+                      <a14:saturation sat="0"/>
+                    </a14:imgEffect>
+                  </a14:imgLayer>
+                </a14:imgProps>
+              </a:ext>
+              <a:ext uri="{28A0092B-C50C-407E-A947-70E740481C1C}">
+                <a14:useLocalDpi xmlns:a14="http://schemas.microsoft.com/office/drawing/2010/main" val="0"/>
+              </a:ext>
+            </a:extLst>
+          </a:blip>
+          <a:srcRect l="8164" r="4609"/>
+          <a:stretch/>
+        </p:blipFill>
+        <p:spPr>
+          <a:xfrm>
+            <a:off x="2078183" y="0"/>
+            <a:ext cx="8377382" cy="6858000"/>
+          </a:xfrm>
+          <a:prstGeom prst="ellipse">
+            <a:avLst/>
+          </a:prstGeom>
+          <a:effectLst>
+            <a:softEdge rad="635000"/>
+          </a:effectLst>
+        </p:spPr>
+      </p:pic>
+      <p:sp>
+        <p:nvSpPr>
+          <p:cNvPr id="4" name="Titel 3">
+            <a:extLst>
+              <a:ext uri="{FF2B5EF4-FFF2-40B4-BE49-F238E27FC236}">
+                <a16:creationId xmlns:a16="http://schemas.microsoft.com/office/drawing/2014/main" id="{59C014BF-217A-DE8C-0743-A2E36A946991}"/>
+              </a:ext>
+            </a:extLst>
+          </p:cNvPr>
+          <p:cNvSpPr>
+            <a:spLocks noGrp="1"/>
+          </p:cNvSpPr>
+          <p:nvPr>
+            <p:ph type="ctrTitle"/>
+          </p:nvPr>
+        </p:nvSpPr>
+        <p:spPr>
+          <a:xfrm>
+            <a:off x="1334655" y="1579420"/>
+            <a:ext cx="9522691" cy="2387600"/>
+          </a:xfrm>
+        </p:spPr>
+        <p:txBody>
+          <a:bodyPr/>
+          <a:lstStyle/>
+          <a:p>
+            <a:r>
+              <a:rPr lang="de-DE" b="1" dirty="0">
+                <a:solidFill>
+                  <a:srgbClr val="FF0000"/>
+                </a:solidFill>
+                <a:latin typeface="Arial Black" panose="020B0A04020102020204" pitchFamily="34" charset="0"/>
+              </a:rPr>
+              <a:t>NOW IST YOUR TURN!</a:t>
+            </a:r>
+          </a:p>
+        </p:txBody>
+      </p:sp>
+    </p:spTree>
+    <p:extLst>
+      <p:ext uri="{BB962C8B-B14F-4D97-AF65-F5344CB8AC3E}">
+        <p14:creationId xmlns:p14="http://schemas.microsoft.com/office/powerpoint/2010/main" val="1996518343"/>
+      </p:ext>
+    </p:extLst>
+  </p:cSld>
+  <p:clrMapOvr>
+    <a:masterClrMapping/>
+  </p:clrMapOvr>
+</p:sld>
+</file>
+
+<file path=ppt/slides/slide12.xml><?xml version="1.0" encoding="utf-8"?>
+<p:sld xmlns:a="http://schemas.openxmlformats.org/drawingml/2006/main" xmlns:r="http://schemas.openxmlformats.org/officeDocument/2006/relationships" xmlns:p="http://schemas.openxmlformats.org/presentationml/2006/main" show="0">
+  <p:cSld>
+    <p:spTree>
+      <p:nvGrpSpPr>
+        <p:cNvPr id="1" name=""/>
+        <p:cNvGrpSpPr/>
+        <p:nvPr/>
+      </p:nvGrpSpPr>
+      <p:grpSpPr>
+        <a:xfrm>
+          <a:off x="0" y="0"/>
+          <a:ext cx="0" cy="0"/>
+          <a:chOff x="0" y="0"/>
+          <a:chExt cx="0" cy="0"/>
+        </a:xfrm>
+      </p:grpSpPr>
+      <p:pic>
+        <p:nvPicPr>
+          <p:cNvPr id="9" name="Grafik 8" descr="Server mit einfarbiger Füllung">
+            <a:extLst>
+              <a:ext uri="{FF2B5EF4-FFF2-40B4-BE49-F238E27FC236}">
+                <a16:creationId xmlns:a16="http://schemas.microsoft.com/office/drawing/2014/main" id="{7B252510-6D25-4219-A282-A614F0D048DD}"/>
+              </a:ext>
+            </a:extLst>
+          </p:cNvPr>
+          <p:cNvPicPr>
+            <a:picLocks noChangeAspect="1"/>
+          </p:cNvPicPr>
+          <p:nvPr/>
+        </p:nvPicPr>
+        <p:blipFill>
+          <a:blip r:embed="rId2">
+            <a:extLst>
+              <a:ext uri="{28A0092B-C50C-407E-A947-70E740481C1C}">
+                <a14:useLocalDpi xmlns:a14="http://schemas.microsoft.com/office/drawing/2010/main" val="0"/>
+              </a:ext>
+              <a:ext uri="{96DAC541-7B7A-43D3-8B79-37D633B846F1}">
+                <asvg:svgBlip xmlns:asvg="http://schemas.microsoft.com/office/drawing/2016/SVG/main" r:embed="rId3"/>
+              </a:ext>
+            </a:extLst>
+          </a:blip>
+          <a:stretch>
+            <a:fillRect/>
+          </a:stretch>
+        </p:blipFill>
+        <p:spPr>
+          <a:xfrm>
+            <a:off x="5181600" y="3544454"/>
+            <a:ext cx="914400" cy="914400"/>
+          </a:xfrm>
+          <a:prstGeom prst="rect">
+            <a:avLst/>
+          </a:prstGeom>
+        </p:spPr>
+      </p:pic>
+      <p:pic>
+        <p:nvPicPr>
+          <p:cNvPr id="11" name="Grafik 10" descr="Prozessor mit einfarbiger Füllung">
+            <a:extLst>
+              <a:ext uri="{FF2B5EF4-FFF2-40B4-BE49-F238E27FC236}">
+                <a16:creationId xmlns:a16="http://schemas.microsoft.com/office/drawing/2014/main" id="{B4FA9F80-3A69-25D4-6AD4-67CA209D3287}"/>
+              </a:ext>
+            </a:extLst>
+          </p:cNvPr>
+          <p:cNvPicPr>
+            <a:picLocks noChangeAspect="1"/>
+          </p:cNvPicPr>
+          <p:nvPr/>
+        </p:nvPicPr>
+        <p:blipFill>
+          <a:blip r:embed="rId4">
+            <a:extLst>
+              <a:ext uri="{28A0092B-C50C-407E-A947-70E740481C1C}">
+                <a14:useLocalDpi xmlns:a14="http://schemas.microsoft.com/office/drawing/2010/main" val="0"/>
+              </a:ext>
+              <a:ext uri="{96DAC541-7B7A-43D3-8B79-37D633B846F1}">
+                <asvg:svgBlip xmlns:asvg="http://schemas.microsoft.com/office/drawing/2016/SVG/main" r:embed="rId5"/>
+              </a:ext>
+            </a:extLst>
+          </a:blip>
+          <a:stretch>
+            <a:fillRect/>
+          </a:stretch>
+        </p:blipFill>
+        <p:spPr>
+          <a:xfrm>
+            <a:off x="1780218" y="3429000"/>
+            <a:ext cx="914400" cy="914400"/>
+          </a:xfrm>
+          <a:prstGeom prst="rect">
+            <a:avLst/>
+          </a:prstGeom>
+        </p:spPr>
+      </p:pic>
+      <p:pic>
+        <p:nvPicPr>
+          <p:cNvPr id="13" name="Grafik 12" descr="Prozessor Silhouette">
+            <a:extLst>
+              <a:ext uri="{FF2B5EF4-FFF2-40B4-BE49-F238E27FC236}">
+                <a16:creationId xmlns:a16="http://schemas.microsoft.com/office/drawing/2014/main" id="{2C7C94CF-0AC2-B948-A848-D16BFE5CA5CA}"/>
+              </a:ext>
+            </a:extLst>
+          </p:cNvPr>
+          <p:cNvPicPr>
+            <a:picLocks noChangeAspect="1"/>
+          </p:cNvPicPr>
+          <p:nvPr/>
+        </p:nvPicPr>
+        <p:blipFill>
+          <a:blip r:embed="rId6">
+            <a:extLst>
+              <a:ext uri="{28A0092B-C50C-407E-A947-70E740481C1C}">
+                <a14:useLocalDpi xmlns:a14="http://schemas.microsoft.com/office/drawing/2010/main" val="0"/>
+              </a:ext>
+              <a:ext uri="{96DAC541-7B7A-43D3-8B79-37D633B846F1}">
+                <asvg:svgBlip xmlns:asvg="http://schemas.microsoft.com/office/drawing/2016/SVG/main" r:embed="rId7"/>
+              </a:ext>
+            </a:extLst>
+          </a:blip>
+          <a:stretch>
+            <a:fillRect/>
+          </a:stretch>
+        </p:blipFill>
+        <p:spPr>
+          <a:xfrm>
+            <a:off x="1119447" y="3886200"/>
+            <a:ext cx="914400" cy="914400"/>
+          </a:xfrm>
+          <a:prstGeom prst="rect">
+            <a:avLst/>
+          </a:prstGeom>
+        </p:spPr>
+      </p:pic>
+      <p:pic>
+        <p:nvPicPr>
+          <p:cNvPr id="15" name="Grafik 14" descr="Smartphone mit einfarbiger Füllung">
+            <a:extLst>
+              <a:ext uri="{FF2B5EF4-FFF2-40B4-BE49-F238E27FC236}">
+                <a16:creationId xmlns:a16="http://schemas.microsoft.com/office/drawing/2014/main" id="{419FAFCE-809E-7807-DD8D-09E0AEFF1FEF}"/>
+              </a:ext>
+            </a:extLst>
+          </p:cNvPr>
+          <p:cNvPicPr>
+            <a:picLocks noChangeAspect="1"/>
+          </p:cNvPicPr>
+          <p:nvPr/>
+        </p:nvPicPr>
+        <p:blipFill>
+          <a:blip r:embed="rId8">
+            <a:extLst>
+              <a:ext uri="{28A0092B-C50C-407E-A947-70E740481C1C}">
+                <a14:useLocalDpi xmlns:a14="http://schemas.microsoft.com/office/drawing/2010/main" val="0"/>
+              </a:ext>
+              <a:ext uri="{96DAC541-7B7A-43D3-8B79-37D633B846F1}">
+                <asvg:svgBlip xmlns:asvg="http://schemas.microsoft.com/office/drawing/2016/SVG/main" r:embed="rId9"/>
+              </a:ext>
+            </a:extLst>
+          </a:blip>
+          <a:stretch>
+            <a:fillRect/>
+          </a:stretch>
+        </p:blipFill>
+        <p:spPr>
+          <a:xfrm>
+            <a:off x="9455636" y="3087254"/>
+            <a:ext cx="914400" cy="914400"/>
+          </a:xfrm>
+          <a:prstGeom prst="rect">
+            <a:avLst/>
+          </a:prstGeom>
+        </p:spPr>
+      </p:pic>
+      <p:pic>
+        <p:nvPicPr>
+          <p:cNvPr id="17" name="Grafik 16" descr="Datenbank mit einfarbiger Füllung">
+            <a:extLst>
+              <a:ext uri="{FF2B5EF4-FFF2-40B4-BE49-F238E27FC236}">
+                <a16:creationId xmlns:a16="http://schemas.microsoft.com/office/drawing/2014/main" id="{974C0C4F-D2B8-AFF8-0F47-313E73FB95D0}"/>
+              </a:ext>
+            </a:extLst>
+          </p:cNvPr>
+          <p:cNvPicPr>
+            <a:picLocks noChangeAspect="1"/>
+          </p:cNvPicPr>
+          <p:nvPr/>
+        </p:nvPicPr>
+        <p:blipFill>
+          <a:blip r:embed="rId10">
+            <a:extLst>
+              <a:ext uri="{28A0092B-C50C-407E-A947-70E740481C1C}">
+                <a14:useLocalDpi xmlns:a14="http://schemas.microsoft.com/office/drawing/2010/main" val="0"/>
+              </a:ext>
+              <a:ext uri="{96DAC541-7B7A-43D3-8B79-37D633B846F1}">
+                <asvg:svgBlip xmlns:asvg="http://schemas.microsoft.com/office/drawing/2016/SVG/main" r:embed="rId11"/>
+              </a:ext>
+            </a:extLst>
+          </a:blip>
+          <a:stretch>
+            <a:fillRect/>
+          </a:stretch>
+        </p:blipFill>
+        <p:spPr>
+          <a:xfrm>
+            <a:off x="9376757" y="1823072"/>
+            <a:ext cx="914400" cy="914400"/>
+          </a:xfrm>
+          <a:prstGeom prst="rect">
+            <a:avLst/>
+          </a:prstGeom>
+        </p:spPr>
+      </p:pic>
+      <p:pic>
+        <p:nvPicPr>
+          <p:cNvPr id="19" name="Grafik 18" descr="Synchronisierende Cloud mit einfarbiger Füllung">
+            <a:extLst>
+              <a:ext uri="{FF2B5EF4-FFF2-40B4-BE49-F238E27FC236}">
+                <a16:creationId xmlns:a16="http://schemas.microsoft.com/office/drawing/2014/main" id="{BCB8A967-683E-E28C-B1FA-72651A42BF5F}"/>
+              </a:ext>
+            </a:extLst>
+          </p:cNvPr>
+          <p:cNvPicPr>
+            <a:picLocks noChangeAspect="1"/>
+          </p:cNvPicPr>
+          <p:nvPr/>
+        </p:nvPicPr>
+        <p:blipFill>
+          <a:blip r:embed="rId12">
+            <a:extLst>
+              <a:ext uri="{28A0092B-C50C-407E-A947-70E740481C1C}">
+                <a14:useLocalDpi xmlns:a14="http://schemas.microsoft.com/office/drawing/2010/main" val="0"/>
+              </a:ext>
+              <a:ext uri="{96DAC541-7B7A-43D3-8B79-37D633B846F1}">
+                <asvg:svgBlip xmlns:asvg="http://schemas.microsoft.com/office/drawing/2016/SVG/main" r:embed="rId13"/>
+              </a:ext>
+            </a:extLst>
+          </a:blip>
+          <a:stretch>
+            <a:fillRect/>
+          </a:stretch>
+        </p:blipFill>
+        <p:spPr>
+          <a:xfrm>
+            <a:off x="9455636" y="4701218"/>
+            <a:ext cx="914400" cy="914400"/>
+          </a:xfrm>
+          <a:prstGeom prst="rect">
+            <a:avLst/>
+          </a:prstGeom>
+        </p:spPr>
+      </p:pic>
+      <p:pic>
+        <p:nvPicPr>
+          <p:cNvPr id="23" name="Grafik 22" descr="Thermometer mit einfarbiger Füllung">
+            <a:extLst>
+              <a:ext uri="{FF2B5EF4-FFF2-40B4-BE49-F238E27FC236}">
+                <a16:creationId xmlns:a16="http://schemas.microsoft.com/office/drawing/2014/main" id="{796634B2-0F19-9510-50BE-7EC05A4EC6B0}"/>
+              </a:ext>
+            </a:extLst>
+          </p:cNvPr>
+          <p:cNvPicPr>
+            <a:picLocks noChangeAspect="1"/>
+          </p:cNvPicPr>
+          <p:nvPr/>
+        </p:nvPicPr>
+        <p:blipFill>
+          <a:blip r:embed="rId14">
+            <a:extLst>
+              <a:ext uri="{28A0092B-C50C-407E-A947-70E740481C1C}">
+                <a14:useLocalDpi xmlns:a14="http://schemas.microsoft.com/office/drawing/2010/main" val="0"/>
+              </a:ext>
+              <a:ext uri="{96DAC541-7B7A-43D3-8B79-37D633B846F1}">
+                <asvg:svgBlip xmlns:asvg="http://schemas.microsoft.com/office/drawing/2016/SVG/main" r:embed="rId15"/>
+              </a:ext>
+            </a:extLst>
+          </a:blip>
+          <a:stretch>
+            <a:fillRect/>
+          </a:stretch>
+        </p:blipFill>
+        <p:spPr>
+          <a:xfrm>
+            <a:off x="865818" y="2860963"/>
+            <a:ext cx="914400" cy="914400"/>
+          </a:xfrm>
+          <a:prstGeom prst="rect">
+            <a:avLst/>
+          </a:prstGeom>
+        </p:spPr>
+      </p:pic>
+      <p:pic>
+        <p:nvPicPr>
+          <p:cNvPr id="25" name="Grafik 24" descr="Haus mit einfarbiger Füllung">
+            <a:extLst>
+              <a:ext uri="{FF2B5EF4-FFF2-40B4-BE49-F238E27FC236}">
+                <a16:creationId xmlns:a16="http://schemas.microsoft.com/office/drawing/2014/main" id="{8A951E8F-5B5B-8286-1221-8FDF2B3AD82A}"/>
+              </a:ext>
+            </a:extLst>
+          </p:cNvPr>
+          <p:cNvPicPr>
+            <a:picLocks noChangeAspect="1"/>
+          </p:cNvPicPr>
+          <p:nvPr/>
+        </p:nvPicPr>
+        <p:blipFill>
+          <a:blip r:embed="rId16">
+            <a:extLst>
+              <a:ext uri="{28A0092B-C50C-407E-A947-70E740481C1C}">
+                <a14:useLocalDpi xmlns:a14="http://schemas.microsoft.com/office/drawing/2010/main" val="0"/>
+              </a:ext>
+              <a:ext uri="{96DAC541-7B7A-43D3-8B79-37D633B846F1}">
+                <asvg:svgBlip xmlns:asvg="http://schemas.microsoft.com/office/drawing/2016/SVG/main" r:embed="rId17"/>
+              </a:ext>
+            </a:extLst>
+          </a:blip>
+          <a:stretch>
+            <a:fillRect/>
+          </a:stretch>
+        </p:blipFill>
+        <p:spPr>
+          <a:xfrm>
+            <a:off x="9954582" y="3894236"/>
+            <a:ext cx="914400" cy="914400"/>
+          </a:xfrm>
+          <a:prstGeom prst="rect">
+            <a:avLst/>
+          </a:prstGeom>
+        </p:spPr>
+      </p:pic>
+      <p:sp>
+        <p:nvSpPr>
+          <p:cNvPr id="26" name="Textfeld 25">
+            <a:extLst>
+              <a:ext uri="{FF2B5EF4-FFF2-40B4-BE49-F238E27FC236}">
+                <a16:creationId xmlns:a16="http://schemas.microsoft.com/office/drawing/2014/main" id="{89D4BD98-E5CC-B4BE-4832-2A104B79480D}"/>
+              </a:ext>
+            </a:extLst>
+          </p:cNvPr>
+          <p:cNvSpPr txBox="1"/>
+          <p:nvPr/>
+        </p:nvSpPr>
+        <p:spPr>
+          <a:xfrm>
+            <a:off x="3075709" y="369455"/>
+            <a:ext cx="7215448" cy="369332"/>
+          </a:xfrm>
+          <a:prstGeom prst="rect">
+            <a:avLst/>
+          </a:prstGeom>
+          <a:noFill/>
+        </p:spPr>
+        <p:txBody>
+          <a:bodyPr wrap="square" rtlCol="0">
+            <a:spAutoFit/>
+          </a:bodyPr>
+          <a:lstStyle/>
+          <a:p>
+            <a:r>
+              <a:rPr lang="de-DE" i="1" dirty="0">
+                <a:solidFill>
+                  <a:schemeClr val="bg1">
+                    <a:lumMod val="50000"/>
+                  </a:schemeClr>
+                </a:solidFill>
+              </a:rPr>
+              <a:t>Design </a:t>
+            </a:r>
+            <a:r>
+              <a:rPr lang="de-DE" i="1" dirty="0" err="1">
+                <a:solidFill>
+                  <a:schemeClr val="bg1">
+                    <a:lumMod val="50000"/>
+                  </a:schemeClr>
+                </a:solidFill>
+              </a:rPr>
+              <a:t>for</a:t>
+            </a:r>
+            <a:r>
+              <a:rPr lang="de-DE" i="1" dirty="0">
+                <a:solidFill>
+                  <a:schemeClr val="bg1">
+                    <a:lumMod val="50000"/>
+                  </a:schemeClr>
+                </a:solidFill>
+              </a:rPr>
+              <a:t> </a:t>
+            </a:r>
+            <a:r>
+              <a:rPr lang="de-DE" i="1" dirty="0" err="1">
+                <a:solidFill>
+                  <a:schemeClr val="bg1">
+                    <a:lumMod val="50000"/>
+                  </a:schemeClr>
+                </a:solidFill>
+              </a:rPr>
+              <a:t>later</a:t>
+            </a:r>
+            <a:endParaRPr lang="de-DE" i="1" dirty="0">
+              <a:solidFill>
+                <a:schemeClr val="bg1">
+                  <a:lumMod val="50000"/>
+                </a:schemeClr>
+              </a:solidFill>
+            </a:endParaRPr>
+          </a:p>
+        </p:txBody>
+      </p:sp>
+    </p:spTree>
+    <p:extLst>
+      <p:ext uri="{BB962C8B-B14F-4D97-AF65-F5344CB8AC3E}">
+        <p14:creationId xmlns:p14="http://schemas.microsoft.com/office/powerpoint/2010/main" val="1297313907"/>
+      </p:ext>
+    </p:extLst>
+  </p:cSld>
+  <p:clrMapOvr>
+    <a:masterClrMapping/>
+  </p:clrMapOvr>
+</p:sld>
+</file>
+
 <file path=ppt/slides/slide2.xml><?xml version="1.0" encoding="utf-8"?>
 <p:sld xmlns:a="http://schemas.openxmlformats.org/drawingml/2006/main" xmlns:r="http://schemas.openxmlformats.org/officeDocument/2006/relationships" xmlns:p="http://schemas.openxmlformats.org/presentationml/2006/main">
   <p:cSld>
@@ -3479,60 +4485,75 @@
         </p:nvSpPr>
         <p:spPr/>
         <p:txBody>
-          <a:bodyPr/>
+          <a:bodyPr>
+            <a:normAutofit/>
+          </a:bodyPr>
           <a:lstStyle/>
           <a:p>
             <a:r>
-              <a:rPr lang="de-DE" dirty="0"/>
-              <a:t>Definition</a:t>
-            </a:r>
-          </a:p>
-          <a:p>
-            <a:r>
-              <a:rPr lang="de-DE" dirty="0" err="1"/>
-              <a:t>Application</a:t>
-            </a:r>
-            <a:r>
-              <a:rPr lang="de-DE" dirty="0"/>
-              <a:t> (</a:t>
-            </a:r>
-            <a:r>
-              <a:rPr lang="de-DE" dirty="0" err="1"/>
-              <a:t>where</a:t>
-            </a:r>
-            <a:r>
-              <a:rPr lang="de-DE" dirty="0"/>
-              <a:t> </a:t>
-            </a:r>
-            <a:r>
-              <a:rPr lang="de-DE" dirty="0" err="1"/>
-              <a:t>it</a:t>
-            </a:r>
-            <a:r>
-              <a:rPr lang="de-DE" dirty="0"/>
-              <a:t> </a:t>
-            </a:r>
-            <a:r>
-              <a:rPr lang="de-DE" dirty="0" err="1"/>
-              <a:t>is</a:t>
-            </a:r>
-            <a:r>
-              <a:rPr lang="de-DE" dirty="0"/>
-              <a:t> </a:t>
-            </a:r>
-            <a:r>
-              <a:rPr lang="de-DE" dirty="0" err="1"/>
-              <a:t>used</a:t>
-            </a:r>
-            <a:r>
-              <a:rPr lang="de-DE" dirty="0"/>
-              <a:t>)</a:t>
-            </a:r>
-          </a:p>
-          <a:p>
-            <a:r>
-              <a:rPr lang="de-DE" dirty="0" err="1"/>
-              <a:t>Functionality</a:t>
+              <a:rPr lang="de-DE" dirty="0" err="1"/>
+              <a:t>Introduction</a:t>
+            </a:r>
+            <a:r>
+              <a:rPr lang="de-DE" dirty="0"/>
+              <a:t> </a:t>
+            </a:r>
+            <a:r>
+              <a:rPr lang="de-DE" dirty="0" err="1"/>
+              <a:t>to</a:t>
+            </a:r>
+            <a:r>
+              <a:rPr lang="de-DE" dirty="0"/>
+              <a:t> MQTT</a:t>
+            </a:r>
+          </a:p>
+          <a:p>
+            <a:r>
+              <a:rPr lang="de-DE" dirty="0"/>
+              <a:t>Architecture</a:t>
+            </a:r>
+          </a:p>
+          <a:p>
+            <a:r>
+              <a:rPr lang="de-DE" dirty="0"/>
+              <a:t>Topics and Messages</a:t>
+            </a:r>
+          </a:p>
+          <a:p>
+            <a:r>
+              <a:rPr lang="de-DE" dirty="0"/>
+              <a:t>Quality </a:t>
+            </a:r>
+            <a:r>
+              <a:rPr lang="de-DE" dirty="0" err="1"/>
+              <a:t>of</a:t>
+            </a:r>
+            <a:r>
+              <a:rPr lang="de-DE" dirty="0"/>
+              <a:t> Service</a:t>
+            </a:r>
+          </a:p>
+          <a:p>
+            <a:r>
+              <a:rPr lang="de-DE" dirty="0"/>
+              <a:t>Security </a:t>
+            </a:r>
+            <a:r>
+              <a:rPr lang="de-DE" dirty="0" err="1"/>
+              <a:t>Considerations</a:t>
+            </a:r>
+            <a:endParaRPr lang="de-DE" dirty="0"/>
+          </a:p>
+          <a:p>
+            <a:r>
+              <a:rPr lang="de-DE" dirty="0"/>
+              <a:t>Use Cases</a:t>
+            </a:r>
+          </a:p>
+          <a:p>
+            <a:r>
+              <a:rPr lang="de-DE" dirty="0" err="1"/>
+              <a:t>Example</a:t>
             </a:r>
             <a:endParaRPr lang="de-DE" dirty="0"/>
           </a:p>
@@ -3580,7 +4601,7 @@
           <p:cNvPr id="2" name="Titel 1">
             <a:extLst>
               <a:ext uri="{FF2B5EF4-FFF2-40B4-BE49-F238E27FC236}">
-                <a16:creationId xmlns:a16="http://schemas.microsoft.com/office/drawing/2014/main" id="{88E87F25-2139-96F8-E999-ADA965C22BB8}"/>
+                <a16:creationId xmlns:a16="http://schemas.microsoft.com/office/drawing/2014/main" id="{746ADB02-2826-C81A-A368-A9736FA1CD56}"/>
               </a:ext>
             </a:extLst>
           </p:cNvPr>
@@ -3597,18 +4618,30 @@
           <a:lstStyle/>
           <a:p>
             <a:r>
-              <a:rPr lang="de-DE" dirty="0"/>
-              <a:t>Definition</a:t>
-            </a:r>
-          </a:p>
-        </p:txBody>
-      </p:sp>
-      <p:sp>
-        <p:nvSpPr>
-          <p:cNvPr id="3" name="Inhaltsplatzhalter 2">
-            <a:extLst>
-              <a:ext uri="{FF2B5EF4-FFF2-40B4-BE49-F238E27FC236}">
-                <a16:creationId xmlns:a16="http://schemas.microsoft.com/office/drawing/2014/main" id="{7ABF2383-E311-1177-2A93-0BE3A4D2A891}"/>
+              <a:rPr lang="de-DE" dirty="0" err="1"/>
+              <a:t>Introduction</a:t>
+            </a:r>
+            <a:r>
+              <a:rPr lang="de-DE" dirty="0"/>
+              <a:t> </a:t>
+            </a:r>
+            <a:r>
+              <a:rPr lang="de-DE" dirty="0" err="1"/>
+              <a:t>to</a:t>
+            </a:r>
+            <a:r>
+              <a:rPr lang="de-DE" dirty="0"/>
+              <a:t> MQTT</a:t>
+            </a:r>
+          </a:p>
+        </p:txBody>
+      </p:sp>
+      <p:sp>
+        <p:nvSpPr>
+          <p:cNvPr id="5" name="Inhaltsplatzhalter 4">
+            <a:extLst>
+              <a:ext uri="{FF2B5EF4-FFF2-40B4-BE49-F238E27FC236}">
+                <a16:creationId xmlns:a16="http://schemas.microsoft.com/office/drawing/2014/main" id="{122F3D8A-7CEE-8677-F587-6BE5EE1DF33F}"/>
               </a:ext>
             </a:extLst>
           </p:cNvPr>
@@ -3621,6 +4654,56 @@
         </p:nvSpPr>
         <p:spPr/>
         <p:txBody>
+          <a:bodyPr>
+            <a:normAutofit/>
+          </a:bodyPr>
+          <a:lstStyle/>
+          <a:p>
+            <a:pPr marL="0" indent="0">
+              <a:buNone/>
+            </a:pPr>
+            <a:r>
+              <a:rPr lang="de-DE" dirty="0"/>
+              <a:t>Message Queuing </a:t>
+            </a:r>
+            <a:r>
+              <a:rPr lang="de-DE" dirty="0" err="1"/>
+              <a:t>Telemetry</a:t>
+            </a:r>
+            <a:r>
+              <a:rPr lang="de-DE" dirty="0"/>
+              <a:t> Transport</a:t>
+            </a:r>
+            <a:r>
+              <a:rPr lang="en-US" dirty="0"/>
+              <a:t> is a standards-/rule-based messaging protocol used for communication between Internet-of-Things (IoT) devices, which typically need to transmit and receive data over a resource-constrained network with limited bandwidth.</a:t>
+            </a:r>
+          </a:p>
+        </p:txBody>
+      </p:sp>
+      <p:sp>
+        <p:nvSpPr>
+          <p:cNvPr id="4" name="Textplatzhalter 3">
+            <a:extLst>
+              <a:ext uri="{FF2B5EF4-FFF2-40B4-BE49-F238E27FC236}">
+                <a16:creationId xmlns:a16="http://schemas.microsoft.com/office/drawing/2014/main" id="{1AB95290-C72C-6ADF-FFE0-667E8E2DB0D8}"/>
+              </a:ext>
+            </a:extLst>
+          </p:cNvPr>
+          <p:cNvSpPr>
+            <a:spLocks noGrp="1"/>
+          </p:cNvSpPr>
+          <p:nvPr>
+            <p:ph type="body" idx="4294967295"/>
+          </p:nvPr>
+        </p:nvSpPr>
+        <p:spPr>
+          <a:xfrm>
+            <a:off x="838200" y="1336675"/>
+            <a:ext cx="5157788" cy="488950"/>
+          </a:xfrm>
+        </p:spPr>
+        <p:txBody>
           <a:bodyPr/>
           <a:lstStyle/>
           <a:p>
@@ -3638,7 +4721,7 @@
             </a:r>
             <a:r>
               <a:rPr lang="de-DE" dirty="0"/>
-              <a:t> MQTT</a:t>
+              <a:t> MQTT?</a:t>
             </a:r>
           </a:p>
         </p:txBody>
@@ -3646,7 +4729,7 @@
     </p:spTree>
     <p:extLst>
       <p:ext uri="{BB962C8B-B14F-4D97-AF65-F5344CB8AC3E}">
-        <p14:creationId xmlns:p14="http://schemas.microsoft.com/office/powerpoint/2010/main" val="2171316753"/>
+        <p14:creationId xmlns:p14="http://schemas.microsoft.com/office/powerpoint/2010/main" val="831655412"/>
       </p:ext>
     </p:extLst>
   </p:cSld>
@@ -3675,28 +4758,310 @@
       </p:grpSpPr>
       <p:sp>
         <p:nvSpPr>
-          <p:cNvPr id="2" name="Titel 1">
-            <a:extLst>
-              <a:ext uri="{FF2B5EF4-FFF2-40B4-BE49-F238E27FC236}">
-                <a16:creationId xmlns:a16="http://schemas.microsoft.com/office/drawing/2014/main" id="{88E87F25-2139-96F8-E999-ADA965C22BB8}"/>
-              </a:ext>
-            </a:extLst>
-          </p:cNvPr>
-          <p:cNvSpPr>
-            <a:spLocks noGrp="1"/>
-          </p:cNvSpPr>
-          <p:nvPr>
-            <p:ph type="title"/>
-          </p:nvPr>
-        </p:nvSpPr>
-        <p:spPr/>
-        <p:txBody>
-          <a:bodyPr/>
+          <p:cNvPr id="9" name="Rechteck 8">
+            <a:extLst>
+              <a:ext uri="{FF2B5EF4-FFF2-40B4-BE49-F238E27FC236}">
+                <a16:creationId xmlns:a16="http://schemas.microsoft.com/office/drawing/2014/main" id="{0A99909F-9301-C464-009B-34EE874E112A}"/>
+              </a:ext>
+            </a:extLst>
+          </p:cNvPr>
+          <p:cNvSpPr/>
+          <p:nvPr/>
+        </p:nvSpPr>
+        <p:spPr>
+          <a:xfrm>
+            <a:off x="-2" y="3429001"/>
+            <a:ext cx="6096001" cy="3429000"/>
+          </a:xfrm>
+          <a:prstGeom prst="rect">
+            <a:avLst/>
+          </a:prstGeom>
+          <a:solidFill>
+            <a:schemeClr val="accent2">
+              <a:alpha val="20000"/>
+            </a:schemeClr>
+          </a:solidFill>
+          <a:ln>
+            <a:noFill/>
+          </a:ln>
+        </p:spPr>
+        <p:style>
+          <a:lnRef idx="2">
+            <a:schemeClr val="accent2">
+              <a:shade val="15000"/>
+            </a:schemeClr>
+          </a:lnRef>
+          <a:fillRef idx="1">
+            <a:schemeClr val="accent2"/>
+          </a:fillRef>
+          <a:effectRef idx="0">
+            <a:schemeClr val="accent2"/>
+          </a:effectRef>
+          <a:fontRef idx="minor">
+            <a:schemeClr val="lt1"/>
+          </a:fontRef>
+        </p:style>
+        <p:txBody>
+          <a:bodyPr rtlCol="0" anchor="ctr"/>
           <a:lstStyle/>
           <a:p>
-            <a:r>
-              <a:rPr lang="de-DE" dirty="0" err="1"/>
-              <a:t>Application</a:t>
+            <a:pPr algn="ctr"/>
+            <a:endParaRPr lang="de-DE"/>
+          </a:p>
+        </p:txBody>
+      </p:sp>
+      <p:sp>
+        <p:nvSpPr>
+          <p:cNvPr id="11" name="Rechteck 10">
+            <a:extLst>
+              <a:ext uri="{FF2B5EF4-FFF2-40B4-BE49-F238E27FC236}">
+                <a16:creationId xmlns:a16="http://schemas.microsoft.com/office/drawing/2014/main" id="{FA2E763D-AD60-1390-531C-16CEE3FF654D}"/>
+              </a:ext>
+            </a:extLst>
+          </p:cNvPr>
+          <p:cNvSpPr/>
+          <p:nvPr/>
+        </p:nvSpPr>
+        <p:spPr>
+          <a:xfrm>
+            <a:off x="6095999" y="3429000"/>
+            <a:ext cx="6096001" cy="3429000"/>
+          </a:xfrm>
+          <a:prstGeom prst="rect">
+            <a:avLst/>
+          </a:prstGeom>
+          <a:solidFill>
+            <a:schemeClr val="accent3">
+              <a:alpha val="20000"/>
+            </a:schemeClr>
+          </a:solidFill>
+          <a:ln>
+            <a:noFill/>
+          </a:ln>
+        </p:spPr>
+        <p:style>
+          <a:lnRef idx="2">
+            <a:schemeClr val="accent3">
+              <a:shade val="15000"/>
+            </a:schemeClr>
+          </a:lnRef>
+          <a:fillRef idx="1">
+            <a:schemeClr val="accent3"/>
+          </a:fillRef>
+          <a:effectRef idx="0">
+            <a:schemeClr val="accent3"/>
+          </a:effectRef>
+          <a:fontRef idx="minor">
+            <a:schemeClr val="lt1"/>
+          </a:fontRef>
+        </p:style>
+        <p:txBody>
+          <a:bodyPr rtlCol="0" anchor="ctr"/>
+          <a:lstStyle/>
+          <a:p>
+            <a:pPr algn="ctr"/>
+            <a:endParaRPr lang="de-DE"/>
+          </a:p>
+        </p:txBody>
+      </p:sp>
+      <p:sp>
+        <p:nvSpPr>
+          <p:cNvPr id="14" name="Rechteck 13">
+            <a:extLst>
+              <a:ext uri="{FF2B5EF4-FFF2-40B4-BE49-F238E27FC236}">
+                <a16:creationId xmlns:a16="http://schemas.microsoft.com/office/drawing/2014/main" id="{5ED61ADD-5FBF-796D-B362-E2B2EE4605F9}"/>
+              </a:ext>
+            </a:extLst>
+          </p:cNvPr>
+          <p:cNvSpPr/>
+          <p:nvPr/>
+        </p:nvSpPr>
+        <p:spPr>
+          <a:xfrm>
+            <a:off x="0" y="-4"/>
+            <a:ext cx="4064400" cy="3428999"/>
+          </a:xfrm>
+          <a:prstGeom prst="rect">
+            <a:avLst/>
+          </a:prstGeom>
+          <a:solidFill>
+            <a:schemeClr val="accent1">
+              <a:alpha val="20000"/>
+            </a:schemeClr>
+          </a:solidFill>
+          <a:ln>
+            <a:noFill/>
+          </a:ln>
+        </p:spPr>
+        <p:style>
+          <a:lnRef idx="2">
+            <a:schemeClr val="accent1">
+              <a:shade val="15000"/>
+            </a:schemeClr>
+          </a:lnRef>
+          <a:fillRef idx="1">
+            <a:schemeClr val="accent1"/>
+          </a:fillRef>
+          <a:effectRef idx="0">
+            <a:schemeClr val="accent1"/>
+          </a:effectRef>
+          <a:fontRef idx="minor">
+            <a:schemeClr val="lt1"/>
+          </a:fontRef>
+        </p:style>
+        <p:txBody>
+          <a:bodyPr rtlCol="0" anchor="ctr"/>
+          <a:lstStyle/>
+          <a:p>
+            <a:pPr algn="ctr"/>
+            <a:endParaRPr lang="de-DE"/>
+          </a:p>
+        </p:txBody>
+      </p:sp>
+      <p:sp>
+        <p:nvSpPr>
+          <p:cNvPr id="15" name="Rechteck 14">
+            <a:extLst>
+              <a:ext uri="{FF2B5EF4-FFF2-40B4-BE49-F238E27FC236}">
+                <a16:creationId xmlns:a16="http://schemas.microsoft.com/office/drawing/2014/main" id="{774DCD78-650A-67EC-1FE0-F857CA62B9D9}"/>
+              </a:ext>
+            </a:extLst>
+          </p:cNvPr>
+          <p:cNvSpPr/>
+          <p:nvPr/>
+        </p:nvSpPr>
+        <p:spPr>
+          <a:xfrm>
+            <a:off x="8128199" y="0"/>
+            <a:ext cx="4064400" cy="3428999"/>
+          </a:xfrm>
+          <a:prstGeom prst="rect">
+            <a:avLst/>
+          </a:prstGeom>
+          <a:solidFill>
+            <a:schemeClr val="accent4">
+              <a:alpha val="20000"/>
+            </a:schemeClr>
+          </a:solidFill>
+          <a:ln>
+            <a:noFill/>
+          </a:ln>
+        </p:spPr>
+        <p:style>
+          <a:lnRef idx="2">
+            <a:schemeClr val="accent4">
+              <a:shade val="15000"/>
+            </a:schemeClr>
+          </a:lnRef>
+          <a:fillRef idx="1">
+            <a:schemeClr val="accent4"/>
+          </a:fillRef>
+          <a:effectRef idx="0">
+            <a:schemeClr val="accent4"/>
+          </a:effectRef>
+          <a:fontRef idx="minor">
+            <a:schemeClr val="lt1"/>
+          </a:fontRef>
+        </p:style>
+        <p:txBody>
+          <a:bodyPr rtlCol="0" anchor="ctr"/>
+          <a:lstStyle/>
+          <a:p>
+            <a:pPr algn="ctr"/>
+            <a:endParaRPr lang="de-DE"/>
+          </a:p>
+        </p:txBody>
+      </p:sp>
+      <p:sp>
+        <p:nvSpPr>
+          <p:cNvPr id="16" name="Rechteck 15">
+            <a:extLst>
+              <a:ext uri="{FF2B5EF4-FFF2-40B4-BE49-F238E27FC236}">
+                <a16:creationId xmlns:a16="http://schemas.microsoft.com/office/drawing/2014/main" id="{9ED0AC77-8B61-96BD-5AE1-C9F6DA9D3113}"/>
+              </a:ext>
+            </a:extLst>
+          </p:cNvPr>
+          <p:cNvSpPr/>
+          <p:nvPr/>
+        </p:nvSpPr>
+        <p:spPr>
+          <a:xfrm>
+            <a:off x="4063802" y="-10"/>
+            <a:ext cx="4064400" cy="3428999"/>
+          </a:xfrm>
+          <a:prstGeom prst="rect">
+            <a:avLst/>
+          </a:prstGeom>
+          <a:solidFill>
+            <a:schemeClr val="accent6">
+              <a:alpha val="20000"/>
+            </a:schemeClr>
+          </a:solidFill>
+          <a:ln>
+            <a:noFill/>
+          </a:ln>
+        </p:spPr>
+        <p:style>
+          <a:lnRef idx="2">
+            <a:schemeClr val="accent6">
+              <a:shade val="15000"/>
+            </a:schemeClr>
+          </a:lnRef>
+          <a:fillRef idx="1">
+            <a:schemeClr val="accent6"/>
+          </a:fillRef>
+          <a:effectRef idx="0">
+            <a:schemeClr val="accent6"/>
+          </a:effectRef>
+          <a:fontRef idx="minor">
+            <a:schemeClr val="lt1"/>
+          </a:fontRef>
+        </p:style>
+        <p:txBody>
+          <a:bodyPr rtlCol="0" anchor="ctr"/>
+          <a:lstStyle/>
+          <a:p>
+            <a:pPr algn="ctr"/>
+            <a:endParaRPr lang="de-DE"/>
+          </a:p>
+        </p:txBody>
+      </p:sp>
+      <p:sp>
+        <p:nvSpPr>
+          <p:cNvPr id="20" name="Textfeld 19">
+            <a:extLst>
+              <a:ext uri="{FF2B5EF4-FFF2-40B4-BE49-F238E27FC236}">
+                <a16:creationId xmlns:a16="http://schemas.microsoft.com/office/drawing/2014/main" id="{4C5E907F-FA35-8D27-2EB9-6149D3848E12}"/>
+              </a:ext>
+            </a:extLst>
+          </p:cNvPr>
+          <p:cNvSpPr txBox="1"/>
+          <p:nvPr/>
+        </p:nvSpPr>
+        <p:spPr>
+          <a:xfrm>
+            <a:off x="1073581" y="181834"/>
+            <a:ext cx="1916045" cy="369332"/>
+          </a:xfrm>
+          <a:prstGeom prst="rect">
+            <a:avLst/>
+          </a:prstGeom>
+          <a:noFill/>
+        </p:spPr>
+        <p:txBody>
+          <a:bodyPr wrap="square" rtlCol="0">
+            <a:spAutoFit/>
+          </a:bodyPr>
+          <a:lstStyle/>
+          <a:p>
+            <a:pPr algn="ctr"/>
+            <a:r>
+              <a:rPr lang="de-DE" dirty="0"/>
+              <a:t>Light and </a:t>
+            </a:r>
+            <a:r>
+              <a:rPr lang="de-DE" dirty="0" err="1"/>
+              <a:t>efficient</a:t>
             </a:r>
             <a:endParaRPr lang="de-DE" dirty="0"/>
           </a:p>
@@ -3704,61 +5069,762 @@
       </p:sp>
       <p:sp>
         <p:nvSpPr>
-          <p:cNvPr id="3" name="Inhaltsplatzhalter 2">
-            <a:extLst>
-              <a:ext uri="{FF2B5EF4-FFF2-40B4-BE49-F238E27FC236}">
-                <a16:creationId xmlns:a16="http://schemas.microsoft.com/office/drawing/2014/main" id="{7ABF2383-E311-1177-2A93-0BE3A4D2A891}"/>
-              </a:ext>
-            </a:extLst>
-          </p:cNvPr>
-          <p:cNvSpPr>
-            <a:spLocks noGrp="1"/>
-          </p:cNvSpPr>
-          <p:nvPr>
-            <p:ph idx="1"/>
-          </p:nvPr>
-        </p:nvSpPr>
-        <p:spPr/>
-        <p:txBody>
-          <a:bodyPr/>
+          <p:cNvPr id="21" name="Textfeld 20">
+            <a:extLst>
+              <a:ext uri="{FF2B5EF4-FFF2-40B4-BE49-F238E27FC236}">
+                <a16:creationId xmlns:a16="http://schemas.microsoft.com/office/drawing/2014/main" id="{C6BF058F-17AE-1F51-15B4-B3BB960CEE35}"/>
+              </a:ext>
+            </a:extLst>
+          </p:cNvPr>
+          <p:cNvSpPr txBox="1"/>
+          <p:nvPr/>
+        </p:nvSpPr>
+        <p:spPr>
+          <a:xfrm>
+            <a:off x="2147452" y="3647272"/>
+            <a:ext cx="1801091" cy="369332"/>
+          </a:xfrm>
+          <a:prstGeom prst="rect">
+            <a:avLst/>
+          </a:prstGeom>
+          <a:noFill/>
+        </p:spPr>
+        <p:txBody>
+          <a:bodyPr wrap="square" rtlCol="0">
+            <a:spAutoFit/>
+          </a:bodyPr>
           <a:lstStyle/>
           <a:p>
-            <a:r>
-              <a:rPr lang="de-DE" dirty="0" err="1"/>
-              <a:t>Where</a:t>
-            </a:r>
-            <a:r>
-              <a:rPr lang="de-DE" dirty="0"/>
-              <a:t> </a:t>
-            </a:r>
-            <a:r>
-              <a:rPr lang="de-DE" dirty="0" err="1"/>
-              <a:t>is</a:t>
-            </a:r>
-            <a:r>
-              <a:rPr lang="de-DE" dirty="0"/>
-              <a:t> </a:t>
-            </a:r>
-            <a:r>
-              <a:rPr lang="de-DE" dirty="0" err="1"/>
-              <a:t>it</a:t>
-            </a:r>
-            <a:r>
-              <a:rPr lang="de-DE" dirty="0"/>
-              <a:t> </a:t>
-            </a:r>
-            <a:r>
-              <a:rPr lang="de-DE" dirty="0" err="1"/>
-              <a:t>used</a:t>
+            <a:pPr algn="ctr"/>
+            <a:r>
+              <a:rPr lang="de-DE" dirty="0"/>
+              <a:t>Secure</a:t>
+            </a:r>
+          </a:p>
+        </p:txBody>
+      </p:sp>
+      <p:sp>
+        <p:nvSpPr>
+          <p:cNvPr id="22" name="Textfeld 21">
+            <a:extLst>
+              <a:ext uri="{FF2B5EF4-FFF2-40B4-BE49-F238E27FC236}">
+                <a16:creationId xmlns:a16="http://schemas.microsoft.com/office/drawing/2014/main" id="{4B4D3DBD-E5DA-E7D1-0882-A7FD4BB0891D}"/>
+              </a:ext>
+            </a:extLst>
+          </p:cNvPr>
+          <p:cNvSpPr txBox="1"/>
+          <p:nvPr/>
+        </p:nvSpPr>
+        <p:spPr>
+          <a:xfrm>
+            <a:off x="8243453" y="3647272"/>
+            <a:ext cx="1801091" cy="369332"/>
+          </a:xfrm>
+          <a:prstGeom prst="rect">
+            <a:avLst/>
+          </a:prstGeom>
+          <a:noFill/>
+        </p:spPr>
+        <p:txBody>
+          <a:bodyPr wrap="square" rtlCol="0">
+            <a:spAutoFit/>
+          </a:bodyPr>
+          <a:lstStyle/>
+          <a:p>
+            <a:pPr algn="ctr"/>
+            <a:r>
+              <a:rPr lang="de-DE" dirty="0"/>
+              <a:t>Well </a:t>
+            </a:r>
+            <a:r>
+              <a:rPr lang="de-DE" dirty="0" err="1"/>
+              <a:t>supported</a:t>
             </a:r>
             <a:endParaRPr lang="de-DE" dirty="0"/>
+          </a:p>
+        </p:txBody>
+      </p:sp>
+      <p:sp>
+        <p:nvSpPr>
+          <p:cNvPr id="23" name="Textfeld 22">
+            <a:extLst>
+              <a:ext uri="{FF2B5EF4-FFF2-40B4-BE49-F238E27FC236}">
+                <a16:creationId xmlns:a16="http://schemas.microsoft.com/office/drawing/2014/main" id="{C75CBD26-71FB-6B93-168C-C36DB011D35A}"/>
+              </a:ext>
+            </a:extLst>
+          </p:cNvPr>
+          <p:cNvSpPr txBox="1"/>
+          <p:nvPr/>
+        </p:nvSpPr>
+        <p:spPr>
+          <a:xfrm>
+            <a:off x="9259254" y="181834"/>
+            <a:ext cx="1801091" cy="369332"/>
+          </a:xfrm>
+          <a:prstGeom prst="rect">
+            <a:avLst/>
+          </a:prstGeom>
+          <a:noFill/>
+        </p:spPr>
+        <p:txBody>
+          <a:bodyPr wrap="square" rtlCol="0">
+            <a:spAutoFit/>
+          </a:bodyPr>
+          <a:lstStyle/>
+          <a:p>
+            <a:pPr algn="ctr"/>
+            <a:r>
+              <a:rPr lang="de-DE" dirty="0"/>
+              <a:t>Reliable</a:t>
+            </a:r>
+          </a:p>
+        </p:txBody>
+      </p:sp>
+      <p:sp>
+        <p:nvSpPr>
+          <p:cNvPr id="24" name="Textfeld 23">
+            <a:extLst>
+              <a:ext uri="{FF2B5EF4-FFF2-40B4-BE49-F238E27FC236}">
+                <a16:creationId xmlns:a16="http://schemas.microsoft.com/office/drawing/2014/main" id="{3C2B65E2-38CB-957B-4452-AFF9401FAF6F}"/>
+              </a:ext>
+            </a:extLst>
+          </p:cNvPr>
+          <p:cNvSpPr txBox="1"/>
+          <p:nvPr/>
+        </p:nvSpPr>
+        <p:spPr>
+          <a:xfrm>
+            <a:off x="5195455" y="181834"/>
+            <a:ext cx="1801091" cy="369332"/>
+          </a:xfrm>
+          <a:prstGeom prst="rect">
+            <a:avLst/>
+          </a:prstGeom>
+          <a:noFill/>
+        </p:spPr>
+        <p:txBody>
+          <a:bodyPr wrap="square" rtlCol="0">
+            <a:spAutoFit/>
+          </a:bodyPr>
+          <a:lstStyle/>
+          <a:p>
+            <a:pPr algn="ctr"/>
+            <a:r>
+              <a:rPr lang="de-DE" dirty="0" err="1"/>
+              <a:t>Scalable</a:t>
+            </a:r>
+            <a:endParaRPr lang="de-DE" dirty="0"/>
+          </a:p>
+        </p:txBody>
+      </p:sp>
+      <p:sp>
+        <p:nvSpPr>
+          <p:cNvPr id="25" name="Textfeld 24">
+            <a:extLst>
+              <a:ext uri="{FF2B5EF4-FFF2-40B4-BE49-F238E27FC236}">
+                <a16:creationId xmlns:a16="http://schemas.microsoft.com/office/drawing/2014/main" id="{64A6292D-0156-7061-B69F-99711B46D238}"/>
+              </a:ext>
+            </a:extLst>
+          </p:cNvPr>
+          <p:cNvSpPr txBox="1"/>
+          <p:nvPr/>
+        </p:nvSpPr>
+        <p:spPr>
+          <a:xfrm>
+            <a:off x="258618" y="551160"/>
+            <a:ext cx="3602181" cy="1477328"/>
+          </a:xfrm>
+          <a:prstGeom prst="rect">
+            <a:avLst/>
+          </a:prstGeom>
+          <a:noFill/>
+        </p:spPr>
+        <p:txBody>
+          <a:bodyPr wrap="square" rtlCol="0">
+            <a:spAutoFit/>
+          </a:bodyPr>
+          <a:lstStyle/>
+          <a:p>
+            <a:pPr marL="285750" indent="-285750">
+              <a:buFont typeface="Arial" panose="020B0604020202020204" pitchFamily="34" charset="0"/>
+              <a:buChar char="•"/>
+            </a:pPr>
+            <a:r>
+              <a:rPr lang="de-DE" dirty="0" err="1"/>
+              <a:t>Requires</a:t>
+            </a:r>
+            <a:r>
+              <a:rPr lang="de-DE" dirty="0"/>
+              <a:t> minimal </a:t>
+            </a:r>
+            <a:r>
+              <a:rPr lang="de-DE" dirty="0" err="1"/>
+              <a:t>resources</a:t>
+            </a:r>
+            <a:endParaRPr lang="de-DE" dirty="0"/>
+          </a:p>
+          <a:p>
+            <a:pPr marL="285750" indent="-285750">
+              <a:buFont typeface="Arial" panose="020B0604020202020204" pitchFamily="34" charset="0"/>
+              <a:buChar char="•"/>
+            </a:pPr>
+            <a:r>
+              <a:rPr lang="de-DE" dirty="0" err="1"/>
+              <a:t>Controll</a:t>
+            </a:r>
+            <a:r>
+              <a:rPr lang="de-DE" dirty="0"/>
+              <a:t> </a:t>
+            </a:r>
+            <a:r>
+              <a:rPr lang="de-DE" dirty="0" err="1"/>
+              <a:t>messages</a:t>
+            </a:r>
+            <a:r>
+              <a:rPr lang="de-DE" dirty="0"/>
+              <a:t> and </a:t>
+            </a:r>
+            <a:r>
+              <a:rPr lang="de-DE" dirty="0" err="1"/>
+              <a:t>message</a:t>
+            </a:r>
+            <a:r>
+              <a:rPr lang="de-DE" dirty="0"/>
+              <a:t> </a:t>
+            </a:r>
+            <a:r>
+              <a:rPr lang="de-DE" dirty="0" err="1"/>
+              <a:t>headers</a:t>
+            </a:r>
+            <a:r>
+              <a:rPr lang="de-DE" dirty="0"/>
+              <a:t> </a:t>
+            </a:r>
+            <a:r>
+              <a:rPr lang="de-DE" dirty="0" err="1"/>
+              <a:t>are</a:t>
+            </a:r>
+            <a:r>
+              <a:rPr lang="de-DE" dirty="0"/>
+              <a:t> </a:t>
+            </a:r>
+            <a:r>
+              <a:rPr lang="de-DE" dirty="0" err="1"/>
+              <a:t>very</a:t>
+            </a:r>
+            <a:r>
+              <a:rPr lang="de-DE" dirty="0"/>
+              <a:t> </a:t>
+            </a:r>
+            <a:r>
+              <a:rPr lang="de-DE" dirty="0" err="1"/>
+              <a:t>small</a:t>
+            </a:r>
+            <a:endParaRPr lang="de-DE" dirty="0"/>
+          </a:p>
+          <a:p>
+            <a:pPr marL="285750" indent="-285750">
+              <a:buFont typeface="Arial" panose="020B0604020202020204" pitchFamily="34" charset="0"/>
+              <a:buChar char="•"/>
+            </a:pPr>
+            <a:r>
+              <a:rPr lang="de-DE" dirty="0"/>
+              <a:t>So network </a:t>
+            </a:r>
+            <a:r>
+              <a:rPr lang="de-DE" dirty="0" err="1"/>
+              <a:t>bandwidth</a:t>
+            </a:r>
+            <a:r>
+              <a:rPr lang="de-DE" dirty="0"/>
+              <a:t> </a:t>
+            </a:r>
+            <a:r>
+              <a:rPr lang="de-DE" dirty="0" err="1"/>
+              <a:t>can</a:t>
+            </a:r>
+            <a:r>
+              <a:rPr lang="de-DE" dirty="0"/>
+              <a:t> </a:t>
+            </a:r>
+            <a:r>
+              <a:rPr lang="de-DE" dirty="0" err="1"/>
+              <a:t>be</a:t>
+            </a:r>
+            <a:r>
+              <a:rPr lang="de-DE" dirty="0"/>
+              <a:t> </a:t>
+            </a:r>
+            <a:r>
+              <a:rPr lang="de-DE" dirty="0" err="1"/>
+              <a:t>optimised</a:t>
+            </a:r>
+            <a:endParaRPr lang="de-DE" dirty="0"/>
+          </a:p>
+        </p:txBody>
+      </p:sp>
+      <p:sp>
+        <p:nvSpPr>
+          <p:cNvPr id="26" name="Textfeld 25">
+            <a:extLst>
+              <a:ext uri="{FF2B5EF4-FFF2-40B4-BE49-F238E27FC236}">
+                <a16:creationId xmlns:a16="http://schemas.microsoft.com/office/drawing/2014/main" id="{817C9782-1C94-5AC2-E31E-A33426F30097}"/>
+              </a:ext>
+            </a:extLst>
+          </p:cNvPr>
+          <p:cNvSpPr txBox="1"/>
+          <p:nvPr/>
+        </p:nvSpPr>
+        <p:spPr>
+          <a:xfrm>
+            <a:off x="4119417" y="548138"/>
+            <a:ext cx="3949507" cy="1477328"/>
+          </a:xfrm>
+          <a:prstGeom prst="rect">
+            <a:avLst/>
+          </a:prstGeom>
+          <a:noFill/>
+        </p:spPr>
+        <p:txBody>
+          <a:bodyPr wrap="square" rtlCol="0">
+            <a:spAutoFit/>
+          </a:bodyPr>
+          <a:lstStyle/>
+          <a:p>
+            <a:pPr marL="285750" indent="-285750">
+              <a:buFont typeface="Arial" panose="020B0604020202020204" pitchFamily="34" charset="0"/>
+              <a:buChar char="•"/>
+            </a:pPr>
+            <a:r>
+              <a:rPr lang="de-DE" dirty="0"/>
+              <a:t>Implementation </a:t>
+            </a:r>
+            <a:r>
+              <a:rPr lang="de-DE" dirty="0" err="1"/>
+              <a:t>requires</a:t>
+            </a:r>
+            <a:r>
+              <a:rPr lang="de-DE" dirty="0"/>
+              <a:t> minimal </a:t>
+            </a:r>
+            <a:r>
+              <a:rPr lang="de-DE" dirty="0" err="1"/>
+              <a:t>amount</a:t>
+            </a:r>
+            <a:r>
+              <a:rPr lang="de-DE" dirty="0"/>
+              <a:t> </a:t>
+            </a:r>
+            <a:r>
+              <a:rPr lang="de-DE" dirty="0" err="1"/>
+              <a:t>of</a:t>
+            </a:r>
+            <a:r>
+              <a:rPr lang="de-DE" dirty="0"/>
+              <a:t> code</a:t>
+            </a:r>
+          </a:p>
+          <a:p>
+            <a:pPr marL="285750" indent="-285750">
+              <a:buFont typeface="Arial" panose="020B0604020202020204" pitchFamily="34" charset="0"/>
+              <a:buChar char="•"/>
+            </a:pPr>
+            <a:r>
+              <a:rPr lang="de-DE" dirty="0" err="1"/>
+              <a:t>Build</a:t>
+            </a:r>
+            <a:r>
+              <a:rPr lang="de-DE" dirty="0"/>
+              <a:t> in </a:t>
+            </a:r>
+            <a:r>
+              <a:rPr lang="de-DE" dirty="0" err="1"/>
+              <a:t>capabilities</a:t>
+            </a:r>
+            <a:r>
+              <a:rPr lang="de-DE" dirty="0"/>
+              <a:t> </a:t>
+            </a:r>
+            <a:r>
+              <a:rPr lang="de-DE" dirty="0" err="1"/>
+              <a:t>to</a:t>
+            </a:r>
+            <a:r>
+              <a:rPr lang="de-DE" dirty="0"/>
+              <a:t> support </a:t>
+            </a:r>
+            <a:r>
+              <a:rPr lang="de-DE" dirty="0" err="1"/>
+              <a:t>communcation</a:t>
+            </a:r>
+            <a:r>
+              <a:rPr lang="de-DE" dirty="0"/>
+              <a:t> </a:t>
+            </a:r>
+            <a:r>
+              <a:rPr lang="de-DE" dirty="0" err="1"/>
+              <a:t>with</a:t>
+            </a:r>
+            <a:r>
+              <a:rPr lang="de-DE" dirty="0"/>
+              <a:t> large </a:t>
+            </a:r>
+            <a:r>
+              <a:rPr lang="de-DE" dirty="0" err="1"/>
+              <a:t>number</a:t>
+            </a:r>
+            <a:r>
+              <a:rPr lang="de-DE" dirty="0"/>
+              <a:t> </a:t>
+            </a:r>
+            <a:r>
+              <a:rPr lang="de-DE" dirty="0" err="1"/>
+              <a:t>of</a:t>
+            </a:r>
+            <a:r>
+              <a:rPr lang="de-DE" dirty="0"/>
+              <a:t> </a:t>
+            </a:r>
+            <a:r>
+              <a:rPr lang="de-DE" dirty="0" err="1"/>
+              <a:t>devices</a:t>
+            </a:r>
+            <a:endParaRPr lang="de-DE" dirty="0"/>
+          </a:p>
+        </p:txBody>
+      </p:sp>
+      <p:sp>
+        <p:nvSpPr>
+          <p:cNvPr id="27" name="Textfeld 26">
+            <a:extLst>
+              <a:ext uri="{FF2B5EF4-FFF2-40B4-BE49-F238E27FC236}">
+                <a16:creationId xmlns:a16="http://schemas.microsoft.com/office/drawing/2014/main" id="{D501D681-8BFC-6CFC-68C7-1799F09B406A}"/>
+              </a:ext>
+            </a:extLst>
+          </p:cNvPr>
+          <p:cNvSpPr txBox="1"/>
+          <p:nvPr/>
+        </p:nvSpPr>
+        <p:spPr>
+          <a:xfrm>
+            <a:off x="8183219" y="545116"/>
+            <a:ext cx="3842526" cy="1477328"/>
+          </a:xfrm>
+          <a:prstGeom prst="rect">
+            <a:avLst/>
+          </a:prstGeom>
+          <a:noFill/>
+        </p:spPr>
+        <p:txBody>
+          <a:bodyPr wrap="square" rtlCol="0">
+            <a:spAutoFit/>
+          </a:bodyPr>
+          <a:lstStyle/>
+          <a:p>
+            <a:pPr marL="285750" indent="-285750">
+              <a:buFont typeface="Arial" panose="020B0604020202020204" pitchFamily="34" charset="0"/>
+              <a:buChar char="•"/>
+            </a:pPr>
+            <a:r>
+              <a:rPr lang="de-DE" dirty="0"/>
+              <a:t>IoT </a:t>
+            </a:r>
+            <a:r>
+              <a:rPr lang="de-DE" dirty="0" err="1"/>
+              <a:t>devices</a:t>
+            </a:r>
+            <a:r>
+              <a:rPr lang="de-DE" dirty="0"/>
+              <a:t> connect </a:t>
+            </a:r>
+            <a:r>
+              <a:rPr lang="de-DE" dirty="0" err="1"/>
+              <a:t>over</a:t>
+            </a:r>
+            <a:r>
+              <a:rPr lang="de-DE" dirty="0"/>
+              <a:t> </a:t>
+            </a:r>
+            <a:r>
+              <a:rPr lang="de-DE" dirty="0" err="1"/>
+              <a:t>unreliable</a:t>
+            </a:r>
+            <a:r>
+              <a:rPr lang="de-DE" dirty="0"/>
+              <a:t>, </a:t>
+            </a:r>
+            <a:r>
+              <a:rPr lang="de-DE" dirty="0" err="1"/>
+              <a:t>low</a:t>
+            </a:r>
+            <a:r>
+              <a:rPr lang="de-DE" dirty="0"/>
+              <a:t> </a:t>
+            </a:r>
+            <a:r>
+              <a:rPr lang="de-DE" dirty="0" err="1"/>
+              <a:t>bandwidth</a:t>
+            </a:r>
+            <a:r>
+              <a:rPr lang="de-DE" dirty="0"/>
+              <a:t>, high </a:t>
+            </a:r>
+            <a:r>
+              <a:rPr lang="de-DE" dirty="0" err="1"/>
+              <a:t>latency</a:t>
+            </a:r>
+            <a:r>
+              <a:rPr lang="de-DE" dirty="0"/>
+              <a:t> </a:t>
+            </a:r>
+            <a:r>
+              <a:rPr lang="de-DE" dirty="0" err="1"/>
+              <a:t>networks</a:t>
+            </a:r>
+            <a:endParaRPr lang="de-DE" dirty="0"/>
+          </a:p>
+          <a:p>
+            <a:pPr marL="285750" indent="-285750">
+              <a:buFont typeface="Arial" panose="020B0604020202020204" pitchFamily="34" charset="0"/>
+              <a:buChar char="•"/>
+            </a:pPr>
+            <a:r>
+              <a:rPr lang="de-DE" dirty="0" err="1"/>
+              <a:t>Build</a:t>
+            </a:r>
+            <a:r>
+              <a:rPr lang="de-DE" dirty="0"/>
+              <a:t> in feature </a:t>
+            </a:r>
+            <a:r>
+              <a:rPr lang="de-DE" dirty="0" err="1"/>
+              <a:t>to</a:t>
+            </a:r>
+            <a:r>
+              <a:rPr lang="de-DE" dirty="0"/>
+              <a:t> </a:t>
+            </a:r>
+            <a:r>
+              <a:rPr lang="de-DE" dirty="0" err="1"/>
+              <a:t>reduce</a:t>
+            </a:r>
+            <a:r>
+              <a:rPr lang="de-DE" dirty="0"/>
+              <a:t> time </a:t>
+            </a:r>
+            <a:r>
+              <a:rPr lang="de-DE" dirty="0" err="1"/>
+              <a:t>to</a:t>
+            </a:r>
+            <a:r>
+              <a:rPr lang="de-DE" dirty="0"/>
+              <a:t> connect </a:t>
+            </a:r>
+            <a:r>
+              <a:rPr lang="de-DE" dirty="0" err="1"/>
+              <a:t>to</a:t>
+            </a:r>
+            <a:r>
+              <a:rPr lang="de-DE" dirty="0"/>
+              <a:t> </a:t>
+            </a:r>
+            <a:r>
+              <a:rPr lang="de-DE" dirty="0" err="1"/>
+              <a:t>cloud</a:t>
+            </a:r>
+            <a:r>
+              <a:rPr lang="de-DE" dirty="0"/>
+              <a:t> </a:t>
+            </a:r>
+            <a:r>
+              <a:rPr lang="de-DE" dirty="0" err="1"/>
+              <a:t>servers</a:t>
+            </a:r>
+            <a:endParaRPr lang="de-DE" dirty="0"/>
+          </a:p>
+        </p:txBody>
+      </p:sp>
+      <p:sp>
+        <p:nvSpPr>
+          <p:cNvPr id="28" name="Textfeld 27">
+            <a:extLst>
+              <a:ext uri="{FF2B5EF4-FFF2-40B4-BE49-F238E27FC236}">
+                <a16:creationId xmlns:a16="http://schemas.microsoft.com/office/drawing/2014/main" id="{5E059FC7-136A-F1B0-1855-DF384E4DCD68}"/>
+              </a:ext>
+            </a:extLst>
+          </p:cNvPr>
+          <p:cNvSpPr txBox="1"/>
+          <p:nvPr/>
+        </p:nvSpPr>
+        <p:spPr>
+          <a:xfrm>
+            <a:off x="683491" y="4016604"/>
+            <a:ext cx="4969163" cy="923330"/>
+          </a:xfrm>
+          <a:prstGeom prst="rect">
+            <a:avLst/>
+          </a:prstGeom>
+          <a:noFill/>
+        </p:spPr>
+        <p:txBody>
+          <a:bodyPr wrap="square" rtlCol="0">
+            <a:spAutoFit/>
+          </a:bodyPr>
+          <a:lstStyle/>
+          <a:p>
+            <a:pPr marL="285750" indent="-285750">
+              <a:buFont typeface="Arial" panose="020B0604020202020204" pitchFamily="34" charset="0"/>
+              <a:buChar char="•"/>
+            </a:pPr>
+            <a:r>
+              <a:rPr lang="de-DE" dirty="0" err="1"/>
+              <a:t>Uses</a:t>
+            </a:r>
+            <a:r>
+              <a:rPr lang="de-DE" dirty="0"/>
+              <a:t> modern </a:t>
+            </a:r>
+            <a:r>
+              <a:rPr lang="de-DE" dirty="0" err="1"/>
+              <a:t>authentication</a:t>
+            </a:r>
+            <a:r>
+              <a:rPr lang="de-DE" dirty="0"/>
+              <a:t> </a:t>
+            </a:r>
+            <a:r>
+              <a:rPr lang="de-DE" dirty="0" err="1"/>
+              <a:t>protocols</a:t>
+            </a:r>
+            <a:endParaRPr lang="de-DE" dirty="0"/>
+          </a:p>
+          <a:p>
+            <a:pPr marL="742950" lvl="1" indent="-285750">
+              <a:buFont typeface="Arial" panose="020B0604020202020204" pitchFamily="34" charset="0"/>
+              <a:buChar char="•"/>
+            </a:pPr>
+            <a:r>
+              <a:rPr lang="de-DE" dirty="0" err="1"/>
+              <a:t>Oauth</a:t>
+            </a:r>
+            <a:r>
+              <a:rPr lang="de-DE" dirty="0"/>
+              <a:t>, TLS1.3, Customer </a:t>
+            </a:r>
+            <a:r>
+              <a:rPr lang="de-DE" dirty="0" err="1"/>
+              <a:t>Managed</a:t>
+            </a:r>
+            <a:r>
+              <a:rPr lang="de-DE" dirty="0"/>
+              <a:t> </a:t>
+            </a:r>
+            <a:r>
+              <a:rPr lang="de-DE" dirty="0" err="1"/>
+              <a:t>Certificates</a:t>
+            </a:r>
+            <a:endParaRPr lang="de-DE" dirty="0"/>
+          </a:p>
+        </p:txBody>
+      </p:sp>
+      <p:sp>
+        <p:nvSpPr>
+          <p:cNvPr id="29" name="Textfeld 28">
+            <a:extLst>
+              <a:ext uri="{FF2B5EF4-FFF2-40B4-BE49-F238E27FC236}">
+                <a16:creationId xmlns:a16="http://schemas.microsoft.com/office/drawing/2014/main" id="{609AEE22-DCAD-1AC1-D10D-3BE221D5E937}"/>
+              </a:ext>
+            </a:extLst>
+          </p:cNvPr>
+          <p:cNvSpPr txBox="1"/>
+          <p:nvPr/>
+        </p:nvSpPr>
+        <p:spPr>
+          <a:xfrm>
+            <a:off x="6631709" y="4016604"/>
+            <a:ext cx="4978400" cy="923330"/>
+          </a:xfrm>
+          <a:prstGeom prst="rect">
+            <a:avLst/>
+          </a:prstGeom>
+          <a:noFill/>
+        </p:spPr>
+        <p:txBody>
+          <a:bodyPr wrap="square" rtlCol="0">
+            <a:spAutoFit/>
+          </a:bodyPr>
+          <a:lstStyle/>
+          <a:p>
+            <a:pPr marL="285750" indent="-285750">
+              <a:buFont typeface="Arial" panose="020B0604020202020204" pitchFamily="34" charset="0"/>
+              <a:buChar char="•"/>
+            </a:pPr>
+            <a:r>
+              <a:rPr lang="de-DE" dirty="0"/>
+              <a:t>Extensive support </a:t>
+            </a:r>
+            <a:r>
+              <a:rPr lang="de-DE" dirty="0" err="1"/>
+              <a:t>for</a:t>
+            </a:r>
+            <a:r>
+              <a:rPr lang="de-DE" dirty="0"/>
+              <a:t> quick </a:t>
+            </a:r>
+            <a:r>
+              <a:rPr lang="de-DE" dirty="0" err="1"/>
+              <a:t>implementation</a:t>
+            </a:r>
+            <a:r>
+              <a:rPr lang="de-DE" dirty="0"/>
+              <a:t> </a:t>
+            </a:r>
+            <a:r>
+              <a:rPr lang="de-DE" dirty="0" err="1"/>
+              <a:t>for</a:t>
+            </a:r>
+            <a:r>
+              <a:rPr lang="de-DE" dirty="0"/>
+              <a:t> </a:t>
+            </a:r>
+            <a:r>
+              <a:rPr lang="de-DE" dirty="0" err="1"/>
+              <a:t>various</a:t>
+            </a:r>
+            <a:r>
+              <a:rPr lang="de-DE" dirty="0"/>
+              <a:t> </a:t>
+            </a:r>
+            <a:r>
+              <a:rPr lang="de-DE" dirty="0" err="1"/>
+              <a:t>programming</a:t>
+            </a:r>
+            <a:r>
+              <a:rPr lang="de-DE" dirty="0"/>
+              <a:t> </a:t>
+            </a:r>
+            <a:r>
+              <a:rPr lang="de-DE" dirty="0" err="1"/>
+              <a:t>languages</a:t>
+            </a:r>
+            <a:endParaRPr lang="de-DE" dirty="0"/>
+          </a:p>
+          <a:p>
+            <a:pPr marL="742950" lvl="1" indent="-285750">
+              <a:buFont typeface="Arial" panose="020B0604020202020204" pitchFamily="34" charset="0"/>
+              <a:buChar char="•"/>
+            </a:pPr>
+            <a:r>
+              <a:rPr lang="de-DE" dirty="0"/>
+              <a:t>C++, Python, Java, JavaScript</a:t>
+            </a:r>
           </a:p>
         </p:txBody>
       </p:sp>
     </p:spTree>
     <p:extLst>
       <p:ext uri="{BB962C8B-B14F-4D97-AF65-F5344CB8AC3E}">
-        <p14:creationId xmlns:p14="http://schemas.microsoft.com/office/powerpoint/2010/main" val="2732369881"/>
+        <p14:creationId xmlns:p14="http://schemas.microsoft.com/office/powerpoint/2010/main" val="1387257827"/>
       </p:ext>
     </p:extLst>
   </p:cSld>
@@ -3787,10 +5853,10 @@
       </p:grpSpPr>
       <p:sp>
         <p:nvSpPr>
-          <p:cNvPr id="2" name="Titel 1">
-            <a:extLst>
-              <a:ext uri="{FF2B5EF4-FFF2-40B4-BE49-F238E27FC236}">
-                <a16:creationId xmlns:a16="http://schemas.microsoft.com/office/drawing/2014/main" id="{ABA6C954-1E04-BBDF-382F-E321995260EF}"/>
+          <p:cNvPr id="4" name="Titel 3">
+            <a:extLst>
+              <a:ext uri="{FF2B5EF4-FFF2-40B4-BE49-F238E27FC236}">
+                <a16:creationId xmlns:a16="http://schemas.microsoft.com/office/drawing/2014/main" id="{966E5128-E133-09E8-0ABB-9E64E02E4BF2}"/>
               </a:ext>
             </a:extLst>
           </p:cNvPr>
@@ -3801,58 +5867,601 @@
             <p:ph type="title"/>
           </p:nvPr>
         </p:nvSpPr>
-        <p:spPr/>
+        <p:spPr>
+          <a:xfrm>
+            <a:off x="914400" y="5555"/>
+            <a:ext cx="10515600" cy="1325563"/>
+          </a:xfrm>
+        </p:spPr>
         <p:txBody>
           <a:bodyPr/>
           <a:lstStyle/>
           <a:p>
             <a:r>
-              <a:rPr lang="de-DE" dirty="0" err="1"/>
-              <a:t>Functionality</a:t>
+              <a:rPr lang="de-DE" dirty="0"/>
+              <a:t>Architecture</a:t>
+            </a:r>
+          </a:p>
+        </p:txBody>
+      </p:sp>
+      <p:sp>
+        <p:nvSpPr>
+          <p:cNvPr id="5" name="Textplatzhalter 4">
+            <a:extLst>
+              <a:ext uri="{FF2B5EF4-FFF2-40B4-BE49-F238E27FC236}">
+                <a16:creationId xmlns:a16="http://schemas.microsoft.com/office/drawing/2014/main" id="{3DE2647E-577D-50BF-8768-0BDA43BCD597}"/>
+              </a:ext>
+            </a:extLst>
+          </p:cNvPr>
+          <p:cNvSpPr>
+            <a:spLocks noGrp="1"/>
+          </p:cNvSpPr>
+          <p:nvPr>
+            <p:ph type="body" idx="1"/>
+          </p:nvPr>
+        </p:nvSpPr>
+        <p:spPr/>
+        <p:txBody>
+          <a:bodyPr/>
+          <a:lstStyle/>
+          <a:p>
+            <a:r>
+              <a:rPr lang="de-DE" dirty="0"/>
+              <a:t>Clients</a:t>
+            </a:r>
+          </a:p>
+        </p:txBody>
+      </p:sp>
+      <p:sp>
+        <p:nvSpPr>
+          <p:cNvPr id="6" name="Inhaltsplatzhalter 5">
+            <a:extLst>
+              <a:ext uri="{FF2B5EF4-FFF2-40B4-BE49-F238E27FC236}">
+                <a16:creationId xmlns:a16="http://schemas.microsoft.com/office/drawing/2014/main" id="{6C29148C-9F1B-0B62-FF35-330C3BBAD9A9}"/>
+              </a:ext>
+            </a:extLst>
+          </p:cNvPr>
+          <p:cNvSpPr>
+            <a:spLocks noGrp="1"/>
+          </p:cNvSpPr>
+          <p:nvPr>
+            <p:ph sz="half" idx="2"/>
+          </p:nvPr>
+        </p:nvSpPr>
+        <p:spPr/>
+        <p:txBody>
+          <a:bodyPr/>
+          <a:lstStyle/>
+          <a:p>
+            <a:r>
+              <a:rPr lang="de-DE" dirty="0"/>
+              <a:t>Devices/</a:t>
+            </a:r>
+            <a:r>
+              <a:rPr lang="de-DE" dirty="0" err="1"/>
+              <a:t>applications</a:t>
+            </a:r>
+            <a:r>
+              <a:rPr lang="de-DE" dirty="0"/>
+              <a:t> </a:t>
+            </a:r>
+            <a:r>
+              <a:rPr lang="de-DE" dirty="0" err="1"/>
+              <a:t>that</a:t>
+            </a:r>
+            <a:r>
+              <a:rPr lang="de-DE" dirty="0"/>
+              <a:t> publish </a:t>
+            </a:r>
+            <a:r>
+              <a:rPr lang="de-DE" dirty="0" err="1"/>
+              <a:t>or</a:t>
+            </a:r>
+            <a:r>
+              <a:rPr lang="de-DE" dirty="0"/>
+              <a:t> </a:t>
+            </a:r>
+            <a:r>
+              <a:rPr lang="de-DE" dirty="0" err="1"/>
+              <a:t>subscribe</a:t>
+            </a:r>
+            <a:r>
+              <a:rPr lang="de-DE" dirty="0"/>
+              <a:t> </a:t>
+            </a:r>
+            <a:r>
+              <a:rPr lang="de-DE" dirty="0" err="1"/>
+              <a:t>to</a:t>
+            </a:r>
+            <a:r>
+              <a:rPr lang="de-DE" dirty="0"/>
+              <a:t> MQTT </a:t>
+            </a:r>
+            <a:r>
+              <a:rPr lang="de-DE" dirty="0" err="1"/>
+              <a:t>topics</a:t>
             </a:r>
             <a:endParaRPr lang="de-DE" dirty="0"/>
           </a:p>
-        </p:txBody>
-      </p:sp>
-      <p:pic>
-        <p:nvPicPr>
-          <p:cNvPr id="5" name="Inhaltsplatzhalter 4" descr="Ein Bild, das Text, Screenshot, Schrift, Design enthält.&#10;&#10;Automatisch generierte Beschreibung">
-            <a:extLst>
-              <a:ext uri="{FF2B5EF4-FFF2-40B4-BE49-F238E27FC236}">
-                <a16:creationId xmlns:a16="http://schemas.microsoft.com/office/drawing/2014/main" id="{050D2035-ACA5-DC52-F366-47EA1A0D203E}"/>
-              </a:ext>
-            </a:extLst>
-          </p:cNvPr>
-          <p:cNvPicPr>
-            <a:picLocks noGrp="1" noChangeAspect="1"/>
-          </p:cNvPicPr>
+          <a:p>
+            <a:r>
+              <a:rPr lang="de-DE" dirty="0"/>
+              <a:t>Publisher, Subscriber </a:t>
+            </a:r>
+            <a:r>
+              <a:rPr lang="de-DE" dirty="0" err="1"/>
+              <a:t>or</a:t>
+            </a:r>
+            <a:r>
+              <a:rPr lang="de-DE" dirty="0"/>
+              <a:t> </a:t>
+            </a:r>
+            <a:r>
+              <a:rPr lang="de-DE" dirty="0" err="1"/>
+              <a:t>both</a:t>
+            </a:r>
+            <a:endParaRPr lang="de-DE" dirty="0"/>
+          </a:p>
+          <a:p>
+            <a:r>
+              <a:rPr lang="de-DE" dirty="0"/>
+              <a:t>Connect </a:t>
+            </a:r>
+            <a:r>
+              <a:rPr lang="de-DE" dirty="0" err="1"/>
+              <a:t>to</a:t>
+            </a:r>
+            <a:r>
+              <a:rPr lang="de-DE" dirty="0"/>
+              <a:t> Brokers </a:t>
+            </a:r>
+            <a:r>
+              <a:rPr lang="de-DE" dirty="0" err="1"/>
+              <a:t>over</a:t>
+            </a:r>
+            <a:r>
+              <a:rPr lang="de-DE" dirty="0"/>
+              <a:t> a network </a:t>
+            </a:r>
+            <a:r>
+              <a:rPr lang="de-DE" dirty="0" err="1"/>
+              <a:t>to</a:t>
+            </a:r>
+            <a:r>
+              <a:rPr lang="de-DE" dirty="0"/>
+              <a:t> </a:t>
+            </a:r>
+            <a:r>
+              <a:rPr lang="de-DE" dirty="0" err="1"/>
+              <a:t>communicate</a:t>
+            </a:r>
+            <a:r>
+              <a:rPr lang="de-DE" dirty="0"/>
+              <a:t> </a:t>
+            </a:r>
+            <a:r>
+              <a:rPr lang="de-DE" dirty="0" err="1"/>
+              <a:t>using</a:t>
+            </a:r>
+            <a:r>
+              <a:rPr lang="de-DE" dirty="0"/>
+              <a:t> </a:t>
+            </a:r>
+            <a:r>
+              <a:rPr lang="de-DE" dirty="0" err="1"/>
+              <a:t>the</a:t>
+            </a:r>
+            <a:r>
+              <a:rPr lang="de-DE" dirty="0"/>
+              <a:t> MQTT </a:t>
+            </a:r>
+            <a:r>
+              <a:rPr lang="de-DE" dirty="0" err="1"/>
+              <a:t>protocol</a:t>
+            </a:r>
+            <a:endParaRPr lang="de-DE" dirty="0"/>
+          </a:p>
+        </p:txBody>
+      </p:sp>
+      <p:sp>
+        <p:nvSpPr>
+          <p:cNvPr id="7" name="Textplatzhalter 6">
+            <a:extLst>
+              <a:ext uri="{FF2B5EF4-FFF2-40B4-BE49-F238E27FC236}">
+                <a16:creationId xmlns:a16="http://schemas.microsoft.com/office/drawing/2014/main" id="{7F15A9F9-8B8B-8648-C501-606DB80A308B}"/>
+              </a:ext>
+            </a:extLst>
+          </p:cNvPr>
+          <p:cNvSpPr>
+            <a:spLocks noGrp="1"/>
+          </p:cNvSpPr>
           <p:nvPr>
-            <p:ph idx="1"/>
+            <p:ph type="body" sz="quarter" idx="3"/>
           </p:nvPr>
-        </p:nvPicPr>
-        <p:blipFill>
-          <a:blip r:embed="rId2">
-            <a:extLst>
-              <a:ext uri="{28A0092B-C50C-407E-A947-70E740481C1C}">
-                <a14:useLocalDpi xmlns:a14="http://schemas.microsoft.com/office/drawing/2010/main" val="0"/>
-              </a:ext>
-            </a:extLst>
-          </a:blip>
-          <a:stretch>
-            <a:fillRect/>
-          </a:stretch>
-        </p:blipFill>
+        </p:nvSpPr>
+        <p:spPr/>
+        <p:txBody>
+          <a:bodyPr/>
+          <a:lstStyle/>
+          <a:p>
+            <a:r>
+              <a:rPr lang="de-DE" dirty="0"/>
+              <a:t>Broker</a:t>
+            </a:r>
+          </a:p>
+        </p:txBody>
+      </p:sp>
+      <p:sp>
+        <p:nvSpPr>
+          <p:cNvPr id="8" name="Inhaltsplatzhalter 7">
+            <a:extLst>
+              <a:ext uri="{FF2B5EF4-FFF2-40B4-BE49-F238E27FC236}">
+                <a16:creationId xmlns:a16="http://schemas.microsoft.com/office/drawing/2014/main" id="{C2A6528F-D7BB-7371-F43B-C1923AD0AF4D}"/>
+              </a:ext>
+            </a:extLst>
+          </p:cNvPr>
+          <p:cNvSpPr>
+            <a:spLocks noGrp="1"/>
+          </p:cNvSpPr>
+          <p:nvPr>
+            <p:ph sz="quarter" idx="4"/>
+          </p:nvPr>
+        </p:nvSpPr>
+        <p:spPr/>
+        <p:txBody>
+          <a:bodyPr/>
+          <a:lstStyle/>
+          <a:p>
+            <a:r>
+              <a:rPr lang="de-DE" dirty="0"/>
+              <a:t>Servers </a:t>
+            </a:r>
+            <a:r>
+              <a:rPr lang="de-DE" dirty="0" err="1"/>
+              <a:t>that</a:t>
+            </a:r>
+            <a:r>
+              <a:rPr lang="de-DE" dirty="0"/>
+              <a:t> </a:t>
+            </a:r>
+            <a:r>
+              <a:rPr lang="de-DE" dirty="0" err="1"/>
+              <a:t>recieve</a:t>
+            </a:r>
+            <a:r>
+              <a:rPr lang="de-DE" dirty="0"/>
+              <a:t> </a:t>
+            </a:r>
+            <a:r>
+              <a:rPr lang="de-DE" dirty="0" err="1"/>
+              <a:t>messages</a:t>
+            </a:r>
+            <a:r>
+              <a:rPr lang="de-DE" dirty="0"/>
+              <a:t> </a:t>
+            </a:r>
+            <a:r>
+              <a:rPr lang="de-DE" dirty="0" err="1"/>
+              <a:t>published</a:t>
+            </a:r>
+            <a:r>
+              <a:rPr lang="de-DE" dirty="0"/>
+              <a:t> </a:t>
+            </a:r>
+            <a:r>
+              <a:rPr lang="de-DE" dirty="0" err="1"/>
+              <a:t>by</a:t>
+            </a:r>
+            <a:r>
+              <a:rPr lang="de-DE" dirty="0"/>
+              <a:t> MQTT Clients and </a:t>
+            </a:r>
+            <a:r>
+              <a:rPr lang="de-DE" dirty="0" err="1"/>
+              <a:t>deliver</a:t>
+            </a:r>
+            <a:r>
+              <a:rPr lang="de-DE" dirty="0"/>
+              <a:t> </a:t>
+            </a:r>
+            <a:r>
+              <a:rPr lang="de-DE" dirty="0" err="1"/>
+              <a:t>them</a:t>
+            </a:r>
+            <a:r>
+              <a:rPr lang="de-DE" dirty="0"/>
+              <a:t> </a:t>
+            </a:r>
+            <a:r>
+              <a:rPr lang="de-DE" dirty="0" err="1"/>
+              <a:t>to</a:t>
+            </a:r>
+            <a:r>
+              <a:rPr lang="de-DE" dirty="0"/>
+              <a:t> </a:t>
+            </a:r>
+            <a:r>
+              <a:rPr lang="de-DE" dirty="0" err="1"/>
+              <a:t>subscribers</a:t>
+            </a:r>
+            <a:endParaRPr lang="de-DE" dirty="0"/>
+          </a:p>
+          <a:p>
+            <a:r>
+              <a:rPr lang="de-DE" dirty="0"/>
+              <a:t>Manage </a:t>
+            </a:r>
+            <a:r>
+              <a:rPr lang="de-DE" dirty="0" err="1"/>
+              <a:t>subscriptions</a:t>
+            </a:r>
+            <a:r>
+              <a:rPr lang="de-DE" dirty="0"/>
+              <a:t> and </a:t>
+            </a:r>
+            <a:r>
+              <a:rPr lang="de-DE" dirty="0" err="1"/>
+              <a:t>ensure</a:t>
+            </a:r>
+            <a:r>
+              <a:rPr lang="de-DE" dirty="0"/>
+              <a:t> </a:t>
+            </a:r>
+            <a:r>
+              <a:rPr lang="de-DE" dirty="0" err="1"/>
+              <a:t>messages</a:t>
+            </a:r>
+            <a:r>
+              <a:rPr lang="de-DE" dirty="0"/>
+              <a:t> </a:t>
+            </a:r>
+            <a:r>
+              <a:rPr lang="de-DE" dirty="0" err="1"/>
+              <a:t>are</a:t>
+            </a:r>
+            <a:r>
+              <a:rPr lang="de-DE" dirty="0"/>
+              <a:t> </a:t>
+            </a:r>
+            <a:r>
+              <a:rPr lang="de-DE" dirty="0" err="1"/>
+              <a:t>delivered</a:t>
+            </a:r>
+            <a:r>
+              <a:rPr lang="de-DE" dirty="0"/>
+              <a:t> </a:t>
+            </a:r>
+            <a:r>
+              <a:rPr lang="de-DE" dirty="0" err="1"/>
+              <a:t>according</a:t>
+            </a:r>
+            <a:r>
+              <a:rPr lang="de-DE" dirty="0"/>
+              <a:t> </a:t>
+            </a:r>
+            <a:r>
+              <a:rPr lang="de-DE" dirty="0" err="1"/>
+              <a:t>to</a:t>
+            </a:r>
+            <a:r>
+              <a:rPr lang="de-DE" dirty="0"/>
+              <a:t> </a:t>
+            </a:r>
+            <a:r>
+              <a:rPr lang="de-DE" dirty="0" err="1"/>
+              <a:t>quality</a:t>
+            </a:r>
+            <a:r>
+              <a:rPr lang="de-DE" dirty="0"/>
+              <a:t> </a:t>
+            </a:r>
+            <a:r>
+              <a:rPr lang="de-DE" dirty="0" err="1"/>
+              <a:t>of</a:t>
+            </a:r>
+            <a:r>
+              <a:rPr lang="de-DE" dirty="0"/>
+              <a:t> </a:t>
+            </a:r>
+            <a:r>
+              <a:rPr lang="de-DE" dirty="0" err="1"/>
+              <a:t>service</a:t>
+            </a:r>
+            <a:r>
+              <a:rPr lang="de-DE" dirty="0"/>
+              <a:t> </a:t>
+            </a:r>
+            <a:r>
+              <a:rPr lang="de-DE" dirty="0" err="1"/>
+              <a:t>level</a:t>
+            </a:r>
+            <a:endParaRPr lang="de-DE" dirty="0"/>
+          </a:p>
+        </p:txBody>
+      </p:sp>
+      <p:sp>
+        <p:nvSpPr>
+          <p:cNvPr id="9" name="Textfeld 8">
+            <a:extLst>
+              <a:ext uri="{FF2B5EF4-FFF2-40B4-BE49-F238E27FC236}">
+                <a16:creationId xmlns:a16="http://schemas.microsoft.com/office/drawing/2014/main" id="{BB14FE4E-C7DD-94FA-94F7-1E745977ECD0}"/>
+              </a:ext>
+            </a:extLst>
+          </p:cNvPr>
+          <p:cNvSpPr txBox="1"/>
+          <p:nvPr/>
+        </p:nvSpPr>
         <p:spPr>
           <a:xfrm>
-            <a:off x="1219200" y="2477294"/>
-            <a:ext cx="9753600" cy="3048000"/>
+            <a:off x="942112" y="1094542"/>
+            <a:ext cx="10337799" cy="646331"/>
           </a:xfrm>
+          <a:prstGeom prst="rect">
+            <a:avLst/>
+          </a:prstGeom>
+          <a:noFill/>
         </p:spPr>
-      </p:pic>
+        <p:txBody>
+          <a:bodyPr wrap="square" rtlCol="0">
+            <a:spAutoFit/>
+          </a:bodyPr>
+          <a:lstStyle/>
+          <a:p>
+            <a:r>
+              <a:rPr lang="de-DE" dirty="0"/>
+              <a:t>MQTT </a:t>
+            </a:r>
+            <a:r>
+              <a:rPr lang="de-DE" dirty="0" err="1"/>
+              <a:t>follows</a:t>
+            </a:r>
+            <a:r>
+              <a:rPr lang="de-DE" dirty="0"/>
+              <a:t> a publish/</a:t>
+            </a:r>
+            <a:r>
+              <a:rPr lang="de-DE" dirty="0" err="1"/>
+              <a:t>subscribe</a:t>
+            </a:r>
+            <a:r>
+              <a:rPr lang="de-DE" dirty="0"/>
+              <a:t> </a:t>
+            </a:r>
+            <a:r>
+              <a:rPr lang="de-DE" dirty="0" err="1"/>
+              <a:t>messaging</a:t>
+            </a:r>
+            <a:r>
+              <a:rPr lang="de-DE" dirty="0"/>
+              <a:t> </a:t>
+            </a:r>
+            <a:r>
+              <a:rPr lang="de-DE" dirty="0" err="1"/>
+              <a:t>model</a:t>
+            </a:r>
+            <a:r>
+              <a:rPr lang="de-DE" dirty="0"/>
+              <a:t>, </a:t>
+            </a:r>
+            <a:r>
+              <a:rPr lang="de-DE" dirty="0" err="1"/>
+              <a:t>where</a:t>
+            </a:r>
+            <a:r>
+              <a:rPr lang="de-DE" dirty="0"/>
+              <a:t> </a:t>
+            </a:r>
+            <a:r>
+              <a:rPr lang="de-DE" dirty="0" err="1"/>
+              <a:t>clients</a:t>
+            </a:r>
+            <a:r>
+              <a:rPr lang="de-DE" dirty="0"/>
+              <a:t> </a:t>
+            </a:r>
+            <a:r>
+              <a:rPr lang="de-DE" dirty="0" err="1"/>
+              <a:t>subscribe</a:t>
+            </a:r>
+            <a:r>
+              <a:rPr lang="de-DE" dirty="0"/>
+              <a:t> </a:t>
+            </a:r>
+            <a:r>
+              <a:rPr lang="de-DE" dirty="0" err="1"/>
+              <a:t>to</a:t>
+            </a:r>
+            <a:r>
+              <a:rPr lang="de-DE" dirty="0"/>
+              <a:t> </a:t>
+            </a:r>
+            <a:r>
+              <a:rPr lang="de-DE" dirty="0" err="1"/>
+              <a:t>topics</a:t>
+            </a:r>
+            <a:r>
+              <a:rPr lang="de-DE" dirty="0"/>
+              <a:t> and </a:t>
+            </a:r>
+            <a:r>
+              <a:rPr lang="de-DE" dirty="0" err="1"/>
+              <a:t>reviece</a:t>
+            </a:r>
+            <a:r>
+              <a:rPr lang="de-DE" dirty="0"/>
+              <a:t> </a:t>
+            </a:r>
+            <a:r>
+              <a:rPr lang="de-DE" dirty="0" err="1"/>
+              <a:t>messages</a:t>
+            </a:r>
+            <a:r>
+              <a:rPr lang="de-DE" dirty="0"/>
+              <a:t> </a:t>
+            </a:r>
+            <a:r>
+              <a:rPr lang="de-DE" dirty="0" err="1"/>
+              <a:t>published</a:t>
+            </a:r>
+            <a:r>
+              <a:rPr lang="de-DE" dirty="0"/>
+              <a:t> </a:t>
+            </a:r>
+            <a:r>
+              <a:rPr lang="de-DE" dirty="0" err="1"/>
+              <a:t>to</a:t>
+            </a:r>
+            <a:r>
+              <a:rPr lang="de-DE" dirty="0"/>
+              <a:t> </a:t>
+            </a:r>
+            <a:r>
+              <a:rPr lang="de-DE" dirty="0" err="1"/>
+              <a:t>those</a:t>
+            </a:r>
+            <a:r>
+              <a:rPr lang="de-DE" dirty="0"/>
+              <a:t> </a:t>
+            </a:r>
+            <a:r>
+              <a:rPr lang="de-DE" dirty="0" err="1"/>
+              <a:t>topics</a:t>
+            </a:r>
+            <a:r>
+              <a:rPr lang="de-DE" dirty="0"/>
+              <a:t>. The </a:t>
+            </a:r>
+            <a:r>
+              <a:rPr lang="de-DE" dirty="0" err="1"/>
+              <a:t>architecture</a:t>
+            </a:r>
+            <a:r>
+              <a:rPr lang="de-DE" dirty="0"/>
+              <a:t> </a:t>
+            </a:r>
+            <a:r>
+              <a:rPr lang="de-DE" dirty="0" err="1"/>
+              <a:t>consists</a:t>
+            </a:r>
+            <a:r>
+              <a:rPr lang="de-DE" dirty="0"/>
+              <a:t> </a:t>
+            </a:r>
+            <a:r>
+              <a:rPr lang="de-DE" dirty="0" err="1"/>
+              <a:t>of</a:t>
+            </a:r>
+            <a:r>
+              <a:rPr lang="de-DE" dirty="0"/>
+              <a:t>:</a:t>
+            </a:r>
+          </a:p>
+        </p:txBody>
+      </p:sp>
     </p:spTree>
     <p:extLst>
       <p:ext uri="{BB962C8B-B14F-4D97-AF65-F5344CB8AC3E}">
-        <p14:creationId xmlns:p14="http://schemas.microsoft.com/office/powerpoint/2010/main" val="1479208189"/>
+        <p14:creationId xmlns:p14="http://schemas.microsoft.com/office/powerpoint/2010/main" val="165877275"/>
       </p:ext>
     </p:extLst>
   </p:cSld>
@@ -3879,103 +6488,2969 @@
           <a:chExt cx="0" cy="0"/>
         </a:xfrm>
       </p:grpSpPr>
-      <p:pic>
-        <p:nvPicPr>
-          <p:cNvPr id="7" name="Grafik 6" descr="Ein Bild, das Hand, Person, Finger, Nagel enthält.&#10;&#10;Automatisch generierte Beschreibung">
-            <a:extLst>
-              <a:ext uri="{FF2B5EF4-FFF2-40B4-BE49-F238E27FC236}">
-                <a16:creationId xmlns:a16="http://schemas.microsoft.com/office/drawing/2014/main" id="{39A7804A-BD5F-F6A1-28BB-08F9C5A583B5}"/>
-              </a:ext>
-            </a:extLst>
-          </p:cNvPr>
-          <p:cNvPicPr>
-            <a:picLocks noChangeAspect="1"/>
-          </p:cNvPicPr>
-          <p:nvPr/>
-        </p:nvPicPr>
-        <p:blipFill>
-          <a:blip r:embed="rId2">
-            <a:extLst>
-              <a:ext uri="{28A0092B-C50C-407E-A947-70E740481C1C}">
-                <a14:useLocalDpi xmlns:a14="http://schemas.microsoft.com/office/drawing/2010/main" val="0"/>
-              </a:ext>
-            </a:extLst>
-          </a:blip>
-          <a:stretch>
-            <a:fillRect/>
-          </a:stretch>
-        </p:blipFill>
+      <p:sp>
+        <p:nvSpPr>
+          <p:cNvPr id="4" name="Titel 3">
+            <a:extLst>
+              <a:ext uri="{FF2B5EF4-FFF2-40B4-BE49-F238E27FC236}">
+                <a16:creationId xmlns:a16="http://schemas.microsoft.com/office/drawing/2014/main" id="{966E5128-E133-09E8-0ABB-9E64E02E4BF2}"/>
+              </a:ext>
+            </a:extLst>
+          </p:cNvPr>
+          <p:cNvSpPr>
+            <a:spLocks noGrp="1"/>
+          </p:cNvSpPr>
+          <p:nvPr>
+            <p:ph type="title"/>
+          </p:nvPr>
+        </p:nvSpPr>
         <p:spPr>
           <a:xfrm>
-            <a:off x="1293831" y="0"/>
-            <a:ext cx="9604338" cy="6858000"/>
+            <a:off x="914400" y="5555"/>
+            <a:ext cx="10515600" cy="1325563"/>
+          </a:xfrm>
+        </p:spPr>
+        <p:txBody>
+          <a:bodyPr/>
+          <a:lstStyle/>
+          <a:p>
+            <a:r>
+              <a:rPr lang="de-DE" dirty="0"/>
+              <a:t>Topics and </a:t>
+            </a:r>
+            <a:r>
+              <a:rPr lang="de-DE" dirty="0" err="1"/>
+              <a:t>messages</a:t>
+            </a:r>
+            <a:endParaRPr lang="de-DE" dirty="0"/>
+          </a:p>
+        </p:txBody>
+      </p:sp>
+      <p:sp>
+        <p:nvSpPr>
+          <p:cNvPr id="5" name="Textplatzhalter 4">
+            <a:extLst>
+              <a:ext uri="{FF2B5EF4-FFF2-40B4-BE49-F238E27FC236}">
+                <a16:creationId xmlns:a16="http://schemas.microsoft.com/office/drawing/2014/main" id="{3DE2647E-577D-50BF-8768-0BDA43BCD597}"/>
+              </a:ext>
+            </a:extLst>
+          </p:cNvPr>
+          <p:cNvSpPr>
+            <a:spLocks noGrp="1"/>
+          </p:cNvSpPr>
+          <p:nvPr>
+            <p:ph type="body" idx="1"/>
+          </p:nvPr>
+        </p:nvSpPr>
+        <p:spPr/>
+        <p:txBody>
+          <a:bodyPr/>
+          <a:lstStyle/>
+          <a:p>
+            <a:r>
+              <a:rPr lang="de-DE" dirty="0"/>
+              <a:t>Topics</a:t>
+            </a:r>
+          </a:p>
+        </p:txBody>
+      </p:sp>
+      <p:sp>
+        <p:nvSpPr>
+          <p:cNvPr id="6" name="Inhaltsplatzhalter 5">
+            <a:extLst>
+              <a:ext uri="{FF2B5EF4-FFF2-40B4-BE49-F238E27FC236}">
+                <a16:creationId xmlns:a16="http://schemas.microsoft.com/office/drawing/2014/main" id="{6C29148C-9F1B-0B62-FF35-330C3BBAD9A9}"/>
+              </a:ext>
+            </a:extLst>
+          </p:cNvPr>
+          <p:cNvSpPr>
+            <a:spLocks noGrp="1"/>
+          </p:cNvSpPr>
+          <p:nvPr>
+            <p:ph sz="half" idx="2"/>
+          </p:nvPr>
+        </p:nvSpPr>
+        <p:spPr/>
+        <p:txBody>
+          <a:bodyPr/>
+          <a:lstStyle/>
+          <a:p>
+            <a:r>
+              <a:rPr lang="de-DE" dirty="0"/>
+              <a:t>Messages </a:t>
+            </a:r>
+            <a:r>
+              <a:rPr lang="de-DE" dirty="0" err="1"/>
+              <a:t>are</a:t>
+            </a:r>
+            <a:r>
+              <a:rPr lang="de-DE" dirty="0"/>
+              <a:t> </a:t>
+            </a:r>
+            <a:r>
+              <a:rPr lang="de-DE" dirty="0" err="1"/>
+              <a:t>published</a:t>
+            </a:r>
+            <a:r>
+              <a:rPr lang="de-DE" dirty="0"/>
+              <a:t> </a:t>
+            </a:r>
+            <a:r>
+              <a:rPr lang="de-DE" dirty="0" err="1"/>
+              <a:t>to</a:t>
+            </a:r>
+            <a:r>
+              <a:rPr lang="de-DE" dirty="0"/>
+              <a:t> </a:t>
+            </a:r>
+            <a:r>
+              <a:rPr lang="de-DE" dirty="0" err="1"/>
+              <a:t>topics</a:t>
+            </a:r>
+            <a:endParaRPr lang="de-DE" dirty="0"/>
+          </a:p>
+          <a:p>
+            <a:r>
+              <a:rPr lang="de-DE" dirty="0"/>
+              <a:t>Topics </a:t>
+            </a:r>
+            <a:r>
+              <a:rPr lang="de-DE" dirty="0" err="1"/>
+              <a:t>are</a:t>
+            </a:r>
+            <a:r>
+              <a:rPr lang="de-DE" dirty="0"/>
+              <a:t> </a:t>
+            </a:r>
+            <a:r>
+              <a:rPr lang="de-DE" dirty="0" err="1"/>
+              <a:t>hierarchial</a:t>
+            </a:r>
+            <a:r>
+              <a:rPr lang="de-DE" dirty="0"/>
+              <a:t>, </a:t>
+            </a:r>
+            <a:r>
+              <a:rPr lang="de-DE" dirty="0" err="1"/>
+              <a:t>using</a:t>
+            </a:r>
+            <a:r>
+              <a:rPr lang="de-DE" dirty="0"/>
+              <a:t> </a:t>
+            </a:r>
+            <a:r>
+              <a:rPr lang="de-DE" dirty="0" err="1"/>
+              <a:t>forward</a:t>
+            </a:r>
+            <a:r>
+              <a:rPr lang="de-DE" dirty="0"/>
+              <a:t> </a:t>
+            </a:r>
+            <a:r>
+              <a:rPr lang="de-DE" dirty="0" err="1"/>
+              <a:t>slashes</a:t>
+            </a:r>
+            <a:r>
+              <a:rPr lang="de-DE" dirty="0"/>
+              <a:t> </a:t>
+            </a:r>
+            <a:r>
+              <a:rPr lang="de-DE" dirty="0" err="1"/>
+              <a:t>to</a:t>
+            </a:r>
+            <a:r>
+              <a:rPr lang="de-DE" dirty="0"/>
+              <a:t> </a:t>
+            </a:r>
+            <a:r>
+              <a:rPr lang="de-DE" dirty="0" err="1"/>
+              <a:t>seperate</a:t>
+            </a:r>
+            <a:r>
+              <a:rPr lang="de-DE" dirty="0"/>
+              <a:t> </a:t>
+            </a:r>
+            <a:r>
+              <a:rPr lang="de-DE" dirty="0" err="1"/>
+              <a:t>levels</a:t>
+            </a:r>
+            <a:endParaRPr lang="de-DE" dirty="0"/>
+          </a:p>
+          <a:p>
+            <a:pPr lvl="1"/>
+            <a:r>
+              <a:rPr lang="de-DE" dirty="0"/>
+              <a:t>(1lvltopic/2lvltopic/3lvltopic)</a:t>
+            </a:r>
+          </a:p>
+        </p:txBody>
+      </p:sp>
+      <p:sp>
+        <p:nvSpPr>
+          <p:cNvPr id="7" name="Textplatzhalter 6">
+            <a:extLst>
+              <a:ext uri="{FF2B5EF4-FFF2-40B4-BE49-F238E27FC236}">
+                <a16:creationId xmlns:a16="http://schemas.microsoft.com/office/drawing/2014/main" id="{7F15A9F9-8B8B-8648-C501-606DB80A308B}"/>
+              </a:ext>
+            </a:extLst>
+          </p:cNvPr>
+          <p:cNvSpPr>
+            <a:spLocks noGrp="1"/>
+          </p:cNvSpPr>
+          <p:nvPr>
+            <p:ph type="body" sz="quarter" idx="3"/>
+          </p:nvPr>
+        </p:nvSpPr>
+        <p:spPr/>
+        <p:txBody>
+          <a:bodyPr/>
+          <a:lstStyle/>
+          <a:p>
+            <a:r>
+              <a:rPr lang="de-DE" dirty="0"/>
+              <a:t>Messages</a:t>
+            </a:r>
+          </a:p>
+        </p:txBody>
+      </p:sp>
+      <p:sp>
+        <p:nvSpPr>
+          <p:cNvPr id="8" name="Inhaltsplatzhalter 7">
+            <a:extLst>
+              <a:ext uri="{FF2B5EF4-FFF2-40B4-BE49-F238E27FC236}">
+                <a16:creationId xmlns:a16="http://schemas.microsoft.com/office/drawing/2014/main" id="{C2A6528F-D7BB-7371-F43B-C1923AD0AF4D}"/>
+              </a:ext>
+            </a:extLst>
+          </p:cNvPr>
+          <p:cNvSpPr>
+            <a:spLocks noGrp="1"/>
+          </p:cNvSpPr>
+          <p:nvPr>
+            <p:ph sz="quarter" idx="4"/>
+          </p:nvPr>
+        </p:nvSpPr>
+        <p:spPr/>
+        <p:txBody>
+          <a:bodyPr/>
+          <a:lstStyle/>
+          <a:p>
+            <a:r>
+              <a:rPr lang="de-DE" dirty="0" err="1"/>
+              <a:t>Consist</a:t>
+            </a:r>
+            <a:r>
+              <a:rPr lang="de-DE" dirty="0"/>
+              <a:t> </a:t>
+            </a:r>
+            <a:r>
+              <a:rPr lang="de-DE" dirty="0" err="1"/>
+              <a:t>of</a:t>
+            </a:r>
+            <a:r>
+              <a:rPr lang="de-DE" dirty="0"/>
+              <a:t> a </a:t>
+            </a:r>
+            <a:r>
+              <a:rPr lang="de-DE" dirty="0" err="1"/>
+              <a:t>topic</a:t>
+            </a:r>
+            <a:r>
+              <a:rPr lang="de-DE" dirty="0"/>
+              <a:t> and a </a:t>
+            </a:r>
+            <a:r>
+              <a:rPr lang="de-DE" dirty="0" err="1"/>
+              <a:t>payload</a:t>
+            </a:r>
+            <a:r>
+              <a:rPr lang="de-DE" dirty="0"/>
+              <a:t>.</a:t>
+            </a:r>
+          </a:p>
+          <a:p>
+            <a:pPr lvl="1"/>
+            <a:r>
+              <a:rPr lang="de-DE" dirty="0"/>
+              <a:t>Payload </a:t>
+            </a:r>
+            <a:r>
+              <a:rPr lang="de-DE" dirty="0" err="1"/>
+              <a:t>can</a:t>
+            </a:r>
+            <a:r>
+              <a:rPr lang="de-DE" dirty="0"/>
+              <a:t> </a:t>
+            </a:r>
+            <a:r>
+              <a:rPr lang="de-DE" dirty="0" err="1"/>
+              <a:t>be</a:t>
+            </a:r>
+            <a:r>
+              <a:rPr lang="de-DE" dirty="0"/>
+              <a:t> </a:t>
+            </a:r>
+            <a:r>
+              <a:rPr lang="de-DE" dirty="0" err="1"/>
+              <a:t>any</a:t>
+            </a:r>
+            <a:r>
+              <a:rPr lang="de-DE" dirty="0"/>
+              <a:t> </a:t>
+            </a:r>
+            <a:r>
+              <a:rPr lang="de-DE" dirty="0" err="1"/>
+              <a:t>data</a:t>
+            </a:r>
+            <a:endParaRPr lang="de-DE" dirty="0"/>
+          </a:p>
+          <a:p>
+            <a:r>
+              <a:rPr lang="de-DE" dirty="0"/>
+              <a:t>Messages </a:t>
+            </a:r>
+            <a:r>
+              <a:rPr lang="de-DE" dirty="0" err="1"/>
+              <a:t>can</a:t>
+            </a:r>
+            <a:r>
+              <a:rPr lang="de-DE" dirty="0"/>
+              <a:t> </a:t>
+            </a:r>
+            <a:r>
+              <a:rPr lang="de-DE" dirty="0" err="1"/>
+              <a:t>include</a:t>
+            </a:r>
+            <a:r>
+              <a:rPr lang="de-DE" dirty="0"/>
+              <a:t> QoS </a:t>
+            </a:r>
+            <a:r>
+              <a:rPr lang="de-DE" dirty="0" err="1"/>
+              <a:t>level</a:t>
+            </a:r>
+            <a:r>
+              <a:rPr lang="de-DE" dirty="0"/>
+              <a:t> </a:t>
+            </a:r>
+            <a:r>
+              <a:rPr lang="de-DE" dirty="0" err="1"/>
+              <a:t>which</a:t>
+            </a:r>
+            <a:r>
+              <a:rPr lang="de-DE" dirty="0"/>
+              <a:t> </a:t>
+            </a:r>
+            <a:r>
+              <a:rPr lang="de-DE" dirty="0" err="1"/>
+              <a:t>determains</a:t>
+            </a:r>
+            <a:r>
+              <a:rPr lang="de-DE" dirty="0"/>
+              <a:t> </a:t>
+            </a:r>
+            <a:r>
+              <a:rPr lang="de-DE" dirty="0" err="1"/>
+              <a:t>the</a:t>
+            </a:r>
+            <a:r>
+              <a:rPr lang="de-DE" dirty="0"/>
+              <a:t> </a:t>
+            </a:r>
+            <a:r>
+              <a:rPr lang="de-DE" dirty="0" err="1"/>
+              <a:t>reliability</a:t>
+            </a:r>
+            <a:r>
+              <a:rPr lang="de-DE" dirty="0"/>
+              <a:t> </a:t>
+            </a:r>
+            <a:r>
+              <a:rPr lang="de-DE" dirty="0" err="1"/>
+              <a:t>of</a:t>
+            </a:r>
+            <a:r>
+              <a:rPr lang="de-DE" dirty="0"/>
+              <a:t> </a:t>
+            </a:r>
+            <a:r>
+              <a:rPr lang="de-DE" dirty="0" err="1"/>
+              <a:t>the</a:t>
+            </a:r>
+            <a:r>
+              <a:rPr lang="de-DE" dirty="0"/>
+              <a:t> </a:t>
+            </a:r>
+            <a:r>
+              <a:rPr lang="de-DE" dirty="0" err="1"/>
+              <a:t>message</a:t>
+            </a:r>
+            <a:r>
+              <a:rPr lang="de-DE" dirty="0"/>
+              <a:t> </a:t>
+            </a:r>
+            <a:r>
+              <a:rPr lang="de-DE" dirty="0" err="1"/>
+              <a:t>delivery</a:t>
+            </a:r>
+            <a:endParaRPr lang="de-DE" dirty="0"/>
+          </a:p>
+        </p:txBody>
+      </p:sp>
+    </p:spTree>
+    <p:extLst>
+      <p:ext uri="{BB962C8B-B14F-4D97-AF65-F5344CB8AC3E}">
+        <p14:creationId xmlns:p14="http://schemas.microsoft.com/office/powerpoint/2010/main" val="1657659593"/>
+      </p:ext>
+    </p:extLst>
+  </p:cSld>
+  <p:clrMapOvr>
+    <a:masterClrMapping/>
+  </p:clrMapOvr>
+</p:sld>
+</file>
+
+<file path=ppt/slides/slide7.xml><?xml version="1.0" encoding="utf-8"?>
+<p:sld xmlns:a="http://schemas.openxmlformats.org/drawingml/2006/main" xmlns:r="http://schemas.openxmlformats.org/officeDocument/2006/relationships" xmlns:p="http://schemas.openxmlformats.org/presentationml/2006/main">
+  <p:cSld>
+    <p:spTree>
+      <p:nvGrpSpPr>
+        <p:cNvPr id="1" name=""/>
+        <p:cNvGrpSpPr/>
+        <p:nvPr/>
+      </p:nvGrpSpPr>
+      <p:grpSpPr>
+        <a:xfrm>
+          <a:off x="0" y="0"/>
+          <a:ext cx="0" cy="0"/>
+          <a:chOff x="0" y="0"/>
+          <a:chExt cx="0" cy="0"/>
+        </a:xfrm>
+      </p:grpSpPr>
+      <p:sp>
+        <p:nvSpPr>
+          <p:cNvPr id="7" name="Titel 6">
+            <a:extLst>
+              <a:ext uri="{FF2B5EF4-FFF2-40B4-BE49-F238E27FC236}">
+                <a16:creationId xmlns:a16="http://schemas.microsoft.com/office/drawing/2014/main" id="{4370959D-1587-E332-58AA-4620DBEB8BFB}"/>
+              </a:ext>
+            </a:extLst>
+          </p:cNvPr>
+          <p:cNvSpPr>
+            <a:spLocks noGrp="1"/>
+          </p:cNvSpPr>
+          <p:nvPr>
+            <p:ph type="title"/>
+          </p:nvPr>
+        </p:nvSpPr>
+        <p:spPr/>
+        <p:txBody>
+          <a:bodyPr/>
+          <a:lstStyle/>
+          <a:p>
+            <a:r>
+              <a:rPr lang="de-DE" dirty="0"/>
+              <a:t>Quality </a:t>
+            </a:r>
+            <a:r>
+              <a:rPr lang="de-DE" dirty="0" err="1"/>
+              <a:t>of</a:t>
+            </a:r>
+            <a:r>
+              <a:rPr lang="de-DE" dirty="0"/>
+              <a:t> Service</a:t>
+            </a:r>
+          </a:p>
+        </p:txBody>
+      </p:sp>
+      <p:sp>
+        <p:nvSpPr>
+          <p:cNvPr id="8" name="Inhaltsplatzhalter 7">
+            <a:extLst>
+              <a:ext uri="{FF2B5EF4-FFF2-40B4-BE49-F238E27FC236}">
+                <a16:creationId xmlns:a16="http://schemas.microsoft.com/office/drawing/2014/main" id="{AFC5552F-A4B2-4D12-2EC4-46F7A507D0F7}"/>
+              </a:ext>
+            </a:extLst>
+          </p:cNvPr>
+          <p:cNvSpPr>
+            <a:spLocks noGrp="1"/>
+          </p:cNvSpPr>
+          <p:nvPr>
+            <p:ph idx="1"/>
+          </p:nvPr>
+        </p:nvSpPr>
+        <p:spPr/>
+        <p:txBody>
+          <a:bodyPr/>
+          <a:lstStyle/>
+          <a:p>
+            <a:pPr marL="514350" indent="-514350">
+              <a:buFont typeface="+mj-lt"/>
+              <a:buAutoNum type="arabicPeriod"/>
+            </a:pPr>
+            <a:r>
+              <a:rPr lang="de-DE" dirty="0"/>
+              <a:t>QoS 0: Messages </a:t>
+            </a:r>
+            <a:r>
+              <a:rPr lang="de-DE" dirty="0" err="1"/>
+              <a:t>are</a:t>
+            </a:r>
+            <a:r>
+              <a:rPr lang="de-DE" dirty="0"/>
+              <a:t> </a:t>
+            </a:r>
+            <a:r>
+              <a:rPr lang="de-DE" dirty="0" err="1"/>
+              <a:t>delivered</a:t>
+            </a:r>
+            <a:r>
+              <a:rPr lang="de-DE" dirty="0"/>
+              <a:t> at </a:t>
+            </a:r>
+            <a:r>
+              <a:rPr lang="de-DE" dirty="0" err="1"/>
+              <a:t>most</a:t>
+            </a:r>
+            <a:r>
+              <a:rPr lang="de-DE" dirty="0"/>
+              <a:t> </a:t>
+            </a:r>
+            <a:r>
+              <a:rPr lang="de-DE" dirty="0" err="1"/>
+              <a:t>once</a:t>
+            </a:r>
+            <a:r>
+              <a:rPr lang="de-DE" dirty="0"/>
+              <a:t> </a:t>
+            </a:r>
+            <a:r>
+              <a:rPr lang="de-DE" dirty="0" err="1"/>
+              <a:t>or</a:t>
+            </a:r>
+            <a:r>
+              <a:rPr lang="de-DE" dirty="0"/>
+              <a:t> not at all, </a:t>
+            </a:r>
+            <a:r>
+              <a:rPr lang="de-DE" dirty="0" err="1"/>
+              <a:t>with</a:t>
+            </a:r>
+            <a:r>
+              <a:rPr lang="de-DE" dirty="0"/>
+              <a:t> </a:t>
+            </a:r>
+            <a:r>
+              <a:rPr lang="de-DE" dirty="0" err="1"/>
+              <a:t>no</a:t>
+            </a:r>
+            <a:r>
+              <a:rPr lang="de-DE" dirty="0"/>
+              <a:t> </a:t>
+            </a:r>
+            <a:r>
+              <a:rPr lang="de-DE" dirty="0" err="1"/>
+              <a:t>confirmation</a:t>
+            </a:r>
+            <a:r>
+              <a:rPr lang="de-DE" dirty="0"/>
+              <a:t> </a:t>
+            </a:r>
+            <a:r>
+              <a:rPr lang="de-DE" dirty="0" err="1"/>
+              <a:t>from</a:t>
+            </a:r>
+            <a:r>
+              <a:rPr lang="de-DE" dirty="0"/>
+              <a:t> </a:t>
+            </a:r>
+            <a:r>
+              <a:rPr lang="de-DE" dirty="0" err="1"/>
+              <a:t>the</a:t>
+            </a:r>
+            <a:r>
+              <a:rPr lang="de-DE" dirty="0"/>
+              <a:t> </a:t>
+            </a:r>
+            <a:r>
+              <a:rPr lang="de-DE" dirty="0" err="1"/>
+              <a:t>reciever</a:t>
+            </a:r>
+            <a:endParaRPr lang="de-DE" dirty="0"/>
+          </a:p>
+          <a:p>
+            <a:pPr marL="0" indent="0">
+              <a:buNone/>
+            </a:pPr>
+            <a:r>
+              <a:rPr lang="de-DE" dirty="0"/>
+              <a:t>		Fastest but least reliable QoS Level</a:t>
+            </a:r>
+          </a:p>
+          <a:p>
+            <a:pPr marL="514350" indent="-514350">
+              <a:buFont typeface="+mj-lt"/>
+              <a:buAutoNum type="arabicPeriod" startAt="2"/>
+            </a:pPr>
+            <a:r>
+              <a:rPr lang="de-DE" dirty="0"/>
+              <a:t>QoS 1: Messages </a:t>
+            </a:r>
+            <a:r>
+              <a:rPr lang="de-DE" dirty="0" err="1"/>
+              <a:t>are</a:t>
+            </a:r>
+            <a:r>
+              <a:rPr lang="de-DE" dirty="0"/>
+              <a:t> </a:t>
+            </a:r>
+            <a:r>
+              <a:rPr lang="de-DE" dirty="0" err="1"/>
+              <a:t>delivered</a:t>
+            </a:r>
+            <a:r>
+              <a:rPr lang="de-DE" dirty="0"/>
+              <a:t> at least </a:t>
+            </a:r>
+            <a:r>
+              <a:rPr lang="de-DE" dirty="0" err="1"/>
+              <a:t>once</a:t>
+            </a:r>
+            <a:r>
+              <a:rPr lang="de-DE" dirty="0"/>
+              <a:t>, but </a:t>
+            </a:r>
+            <a:r>
+              <a:rPr lang="de-DE" dirty="0" err="1"/>
+              <a:t>may</a:t>
+            </a:r>
+            <a:r>
+              <a:rPr lang="de-DE" dirty="0"/>
+              <a:t> </a:t>
+            </a:r>
+            <a:r>
+              <a:rPr lang="de-DE" dirty="0" err="1"/>
+              <a:t>be</a:t>
+            </a:r>
+            <a:r>
+              <a:rPr lang="de-DE" dirty="0"/>
+              <a:t> </a:t>
+            </a:r>
+            <a:r>
+              <a:rPr lang="de-DE" dirty="0" err="1"/>
+              <a:t>duplicated</a:t>
+            </a:r>
+            <a:r>
+              <a:rPr lang="de-DE" dirty="0"/>
+              <a:t>, </a:t>
+            </a:r>
+            <a:r>
+              <a:rPr lang="de-DE" dirty="0" err="1"/>
+              <a:t>with</a:t>
+            </a:r>
+            <a:r>
+              <a:rPr lang="de-DE" dirty="0"/>
+              <a:t> </a:t>
+            </a:r>
+            <a:r>
+              <a:rPr lang="de-DE" dirty="0" err="1"/>
+              <a:t>confirmation</a:t>
+            </a:r>
+            <a:r>
+              <a:rPr lang="de-DE" dirty="0"/>
+              <a:t> </a:t>
+            </a:r>
+            <a:r>
+              <a:rPr lang="de-DE" dirty="0" err="1"/>
+              <a:t>required</a:t>
+            </a:r>
+            <a:r>
+              <a:rPr lang="de-DE" dirty="0"/>
+              <a:t> </a:t>
+            </a:r>
+            <a:r>
+              <a:rPr lang="de-DE" dirty="0" err="1"/>
+              <a:t>from</a:t>
+            </a:r>
+            <a:r>
+              <a:rPr lang="de-DE" dirty="0"/>
+              <a:t> </a:t>
+            </a:r>
+            <a:r>
+              <a:rPr lang="de-DE" dirty="0" err="1"/>
+              <a:t>the</a:t>
+            </a:r>
+            <a:r>
+              <a:rPr lang="de-DE" dirty="0"/>
+              <a:t> </a:t>
+            </a:r>
+            <a:r>
+              <a:rPr lang="de-DE" dirty="0" err="1"/>
+              <a:t>reciever</a:t>
+            </a:r>
+            <a:endParaRPr lang="de-DE" dirty="0"/>
+          </a:p>
+          <a:p>
+            <a:pPr marL="0" indent="0">
+              <a:buNone/>
+            </a:pPr>
+            <a:r>
+              <a:rPr lang="de-DE" dirty="0"/>
+              <a:t>		</a:t>
+            </a:r>
+            <a:r>
+              <a:rPr lang="de-DE" dirty="0" err="1"/>
+              <a:t>Guaranteed</a:t>
+            </a:r>
+            <a:r>
+              <a:rPr lang="de-DE" dirty="0"/>
+              <a:t> </a:t>
+            </a:r>
+            <a:r>
+              <a:rPr lang="de-DE" dirty="0" err="1"/>
+              <a:t>delivery</a:t>
+            </a:r>
+            <a:r>
+              <a:rPr lang="de-DE" dirty="0"/>
+              <a:t>, </a:t>
+            </a:r>
+            <a:r>
+              <a:rPr lang="de-DE" dirty="0" err="1"/>
+              <a:t>with</a:t>
+            </a:r>
+            <a:r>
+              <a:rPr lang="de-DE" dirty="0"/>
+              <a:t> </a:t>
+            </a:r>
+            <a:r>
+              <a:rPr lang="de-DE" dirty="0" err="1"/>
+              <a:t>higher</a:t>
+            </a:r>
+            <a:r>
+              <a:rPr lang="de-DE" dirty="0"/>
+              <a:t> </a:t>
+            </a:r>
+            <a:r>
+              <a:rPr lang="de-DE" dirty="0" err="1"/>
+              <a:t>overhead</a:t>
+            </a:r>
+            <a:r>
+              <a:rPr lang="de-DE" dirty="0"/>
+              <a:t> </a:t>
+            </a:r>
+            <a:r>
+              <a:rPr lang="de-DE" dirty="0" err="1"/>
+              <a:t>than</a:t>
+            </a:r>
+            <a:r>
+              <a:rPr lang="de-DE" dirty="0"/>
+              <a:t> QoS 0</a:t>
+            </a:r>
+          </a:p>
+          <a:p>
+            <a:pPr marL="514350" indent="-514350">
+              <a:buFont typeface="+mj-lt"/>
+              <a:buAutoNum type="arabicPeriod" startAt="3"/>
+            </a:pPr>
+            <a:r>
+              <a:rPr lang="de-DE" dirty="0"/>
+              <a:t>QoS 2: Messages </a:t>
+            </a:r>
+            <a:r>
+              <a:rPr lang="de-DE" dirty="0" err="1"/>
+              <a:t>are</a:t>
+            </a:r>
+            <a:r>
+              <a:rPr lang="de-DE" dirty="0"/>
+              <a:t> </a:t>
+            </a:r>
+            <a:r>
+              <a:rPr lang="de-DE" dirty="0" err="1"/>
+              <a:t>delivered</a:t>
+            </a:r>
+            <a:r>
+              <a:rPr lang="de-DE" dirty="0"/>
+              <a:t> </a:t>
+            </a:r>
+            <a:r>
+              <a:rPr lang="de-DE" dirty="0" err="1"/>
+              <a:t>exactly</a:t>
+            </a:r>
+            <a:r>
+              <a:rPr lang="de-DE" dirty="0"/>
+              <a:t> </a:t>
+            </a:r>
+            <a:r>
+              <a:rPr lang="de-DE" dirty="0" err="1"/>
+              <a:t>once</a:t>
+            </a:r>
+            <a:r>
+              <a:rPr lang="de-DE" dirty="0"/>
+              <a:t>, </a:t>
+            </a:r>
+            <a:r>
+              <a:rPr lang="de-DE" dirty="0" err="1"/>
+              <a:t>with</a:t>
+            </a:r>
+            <a:r>
+              <a:rPr lang="de-DE" dirty="0"/>
+              <a:t> </a:t>
+            </a:r>
+            <a:r>
+              <a:rPr lang="de-DE" dirty="0" err="1"/>
+              <a:t>confirmation</a:t>
+            </a:r>
+            <a:r>
+              <a:rPr lang="de-DE" dirty="0"/>
+              <a:t> </a:t>
+            </a:r>
+            <a:r>
+              <a:rPr lang="de-DE" dirty="0" err="1"/>
+              <a:t>required</a:t>
+            </a:r>
+            <a:r>
+              <a:rPr lang="de-DE" dirty="0"/>
+              <a:t> </a:t>
+            </a:r>
+            <a:r>
+              <a:rPr lang="de-DE" dirty="0" err="1"/>
+              <a:t>from</a:t>
+            </a:r>
+            <a:r>
+              <a:rPr lang="de-DE" dirty="0"/>
+              <a:t> </a:t>
+            </a:r>
+            <a:r>
+              <a:rPr lang="de-DE" dirty="0" err="1"/>
+              <a:t>both</a:t>
+            </a:r>
+            <a:r>
+              <a:rPr lang="de-DE" dirty="0"/>
+              <a:t> </a:t>
+            </a:r>
+            <a:r>
+              <a:rPr lang="de-DE" dirty="0" err="1"/>
+              <a:t>the</a:t>
+            </a:r>
+            <a:r>
+              <a:rPr lang="de-DE" dirty="0"/>
+              <a:t> </a:t>
+            </a:r>
+            <a:r>
+              <a:rPr lang="de-DE" dirty="0" err="1"/>
+              <a:t>sender</a:t>
+            </a:r>
+            <a:r>
+              <a:rPr lang="de-DE" dirty="0"/>
+              <a:t> and </a:t>
+            </a:r>
+            <a:r>
+              <a:rPr lang="de-DE" dirty="0" err="1"/>
+              <a:t>the</a:t>
+            </a:r>
+            <a:r>
+              <a:rPr lang="de-DE" dirty="0"/>
+              <a:t> </a:t>
+            </a:r>
+            <a:r>
+              <a:rPr lang="de-DE" dirty="0" err="1"/>
+              <a:t>reciever</a:t>
+            </a:r>
+            <a:r>
+              <a:rPr lang="de-DE" dirty="0"/>
+              <a:t>.</a:t>
+            </a:r>
+          </a:p>
+          <a:p>
+            <a:pPr marL="0" indent="0">
+              <a:buNone/>
+            </a:pPr>
+            <a:r>
+              <a:rPr lang="de-DE" dirty="0"/>
+              <a:t>		</a:t>
+            </a:r>
+            <a:r>
+              <a:rPr lang="de-DE" dirty="0" err="1"/>
+              <a:t>Highest</a:t>
+            </a:r>
+            <a:r>
+              <a:rPr lang="de-DE" dirty="0"/>
+              <a:t> </a:t>
+            </a:r>
+            <a:r>
+              <a:rPr lang="de-DE" dirty="0" err="1"/>
+              <a:t>overhead</a:t>
+            </a:r>
+            <a:r>
+              <a:rPr lang="de-DE" dirty="0"/>
+              <a:t> (</a:t>
+            </a:r>
+            <a:r>
+              <a:rPr lang="de-DE" dirty="0" err="1"/>
+              <a:t>Slowest</a:t>
+            </a:r>
+            <a:r>
+              <a:rPr lang="de-DE" dirty="0"/>
+              <a:t>) but </a:t>
+            </a:r>
+            <a:r>
+              <a:rPr lang="de-DE" dirty="0" err="1"/>
+              <a:t>most</a:t>
+            </a:r>
+            <a:r>
+              <a:rPr lang="de-DE" dirty="0"/>
+              <a:t> reliable QoS Level</a:t>
+            </a:r>
+          </a:p>
+        </p:txBody>
+      </p:sp>
+    </p:spTree>
+    <p:extLst>
+      <p:ext uri="{BB962C8B-B14F-4D97-AF65-F5344CB8AC3E}">
+        <p14:creationId xmlns:p14="http://schemas.microsoft.com/office/powerpoint/2010/main" val="2978766367"/>
+      </p:ext>
+    </p:extLst>
+  </p:cSld>
+  <p:clrMapOvr>
+    <a:masterClrMapping/>
+  </p:clrMapOvr>
+</p:sld>
+</file>
+
+<file path=ppt/slides/slide8.xml><?xml version="1.0" encoding="utf-8"?>
+<p:sld xmlns:a="http://schemas.openxmlformats.org/drawingml/2006/main" xmlns:r="http://schemas.openxmlformats.org/officeDocument/2006/relationships" xmlns:p="http://schemas.openxmlformats.org/presentationml/2006/main">
+  <p:cSld>
+    <p:spTree>
+      <p:nvGrpSpPr>
+        <p:cNvPr id="1" name=""/>
+        <p:cNvGrpSpPr/>
+        <p:nvPr/>
+      </p:nvGrpSpPr>
+      <p:grpSpPr>
+        <a:xfrm>
+          <a:off x="0" y="0"/>
+          <a:ext cx="0" cy="0"/>
+          <a:chOff x="0" y="0"/>
+          <a:chExt cx="0" cy="0"/>
+        </a:xfrm>
+      </p:grpSpPr>
+      <p:sp>
+        <p:nvSpPr>
+          <p:cNvPr id="2" name="Titel 1">
+            <a:extLst>
+              <a:ext uri="{FF2B5EF4-FFF2-40B4-BE49-F238E27FC236}">
+                <a16:creationId xmlns:a16="http://schemas.microsoft.com/office/drawing/2014/main" id="{55342071-9B29-5A1D-7273-F455609F6967}"/>
+              </a:ext>
+            </a:extLst>
+          </p:cNvPr>
+          <p:cNvSpPr>
+            <a:spLocks noGrp="1"/>
+          </p:cNvSpPr>
+          <p:nvPr>
+            <p:ph type="title"/>
+          </p:nvPr>
+        </p:nvSpPr>
+        <p:spPr>
+          <a:xfrm>
+            <a:off x="838200" y="0"/>
+            <a:ext cx="10515600" cy="1325563"/>
+          </a:xfrm>
+        </p:spPr>
+        <p:txBody>
+          <a:bodyPr/>
+          <a:lstStyle/>
+          <a:p>
+            <a:r>
+              <a:rPr lang="de-DE" dirty="0"/>
+              <a:t>Security </a:t>
+            </a:r>
+            <a:r>
+              <a:rPr lang="de-DE" dirty="0" err="1"/>
+              <a:t>Considerations</a:t>
+            </a:r>
+            <a:endParaRPr lang="de-DE" dirty="0"/>
+          </a:p>
+        </p:txBody>
+      </p:sp>
+      <p:sp>
+        <p:nvSpPr>
+          <p:cNvPr id="3" name="Inhaltsplatzhalter 2">
+            <a:extLst>
+              <a:ext uri="{FF2B5EF4-FFF2-40B4-BE49-F238E27FC236}">
+                <a16:creationId xmlns:a16="http://schemas.microsoft.com/office/drawing/2014/main" id="{31ADE372-0E08-C4A5-6F81-661A53344928}"/>
+              </a:ext>
+            </a:extLst>
+          </p:cNvPr>
+          <p:cNvSpPr>
+            <a:spLocks noGrp="1"/>
+          </p:cNvSpPr>
+          <p:nvPr>
+            <p:ph idx="1"/>
+          </p:nvPr>
+        </p:nvSpPr>
+        <p:spPr/>
+        <p:txBody>
+          <a:bodyPr/>
+          <a:lstStyle/>
+          <a:p>
+            <a:pPr marL="0" indent="0">
+              <a:buNone/>
+            </a:pPr>
+            <a:r>
+              <a:rPr lang="de-DE" dirty="0"/>
+              <a:t>Authentication</a:t>
+            </a:r>
+          </a:p>
+          <a:p>
+            <a:r>
+              <a:rPr lang="de-DE" sz="2000" dirty="0"/>
+              <a:t>Supports </a:t>
+            </a:r>
+            <a:r>
+              <a:rPr lang="de-DE" sz="2000" dirty="0" err="1"/>
+              <a:t>including</a:t>
+            </a:r>
+            <a:r>
+              <a:rPr lang="de-DE" sz="2000" dirty="0"/>
+              <a:t> </a:t>
+            </a:r>
+            <a:r>
+              <a:rPr lang="de-DE" sz="2000" dirty="0" err="1"/>
+              <a:t>username</a:t>
+            </a:r>
+            <a:r>
+              <a:rPr lang="de-DE" sz="2000" dirty="0"/>
+              <a:t>/</a:t>
+            </a:r>
+            <a:r>
+              <a:rPr lang="de-DE" sz="2000" dirty="0" err="1"/>
+              <a:t>password</a:t>
+            </a:r>
+            <a:r>
+              <a:rPr lang="de-DE" sz="2000" dirty="0"/>
+              <a:t>, </a:t>
+            </a:r>
+            <a:r>
+              <a:rPr lang="de-DE" sz="2000" dirty="0" err="1"/>
+              <a:t>client</a:t>
+            </a:r>
+            <a:r>
+              <a:rPr lang="de-DE" sz="2000" dirty="0"/>
+              <a:t> </a:t>
+            </a:r>
+            <a:r>
+              <a:rPr lang="de-DE" sz="2000" dirty="0" err="1"/>
+              <a:t>certificates</a:t>
+            </a:r>
+            <a:r>
+              <a:rPr lang="de-DE" sz="2000" dirty="0"/>
+              <a:t> and </a:t>
+            </a:r>
+            <a:r>
+              <a:rPr lang="de-DE" sz="2000" dirty="0" err="1"/>
+              <a:t>anonymous</a:t>
+            </a:r>
+            <a:r>
+              <a:rPr lang="de-DE" sz="2000" dirty="0"/>
+              <a:t> </a:t>
+            </a:r>
+            <a:r>
+              <a:rPr lang="de-DE" sz="2000" dirty="0" err="1"/>
+              <a:t>access</a:t>
+            </a:r>
+            <a:r>
+              <a:rPr lang="de-DE" sz="2000" dirty="0"/>
+              <a:t> </a:t>
+            </a:r>
+            <a:r>
+              <a:rPr lang="de-DE" sz="2000" dirty="0" err="1"/>
+              <a:t>authentication</a:t>
+            </a:r>
+            <a:r>
+              <a:rPr lang="de-DE" sz="2000" dirty="0"/>
+              <a:t> </a:t>
+            </a:r>
+            <a:r>
+              <a:rPr lang="de-DE" sz="2000" dirty="0" err="1"/>
+              <a:t>mechanisms</a:t>
+            </a:r>
+            <a:endParaRPr lang="de-DE" sz="2000" dirty="0"/>
+          </a:p>
+          <a:p>
+            <a:r>
+              <a:rPr lang="de-DE" sz="2000" dirty="0"/>
+              <a:t>Strong </a:t>
+            </a:r>
+            <a:r>
+              <a:rPr lang="de-DE" sz="2000" dirty="0" err="1"/>
+              <a:t>authentication</a:t>
+            </a:r>
+            <a:r>
+              <a:rPr lang="de-DE" sz="2000" dirty="0"/>
+              <a:t> </a:t>
+            </a:r>
+            <a:r>
+              <a:rPr lang="de-DE" sz="2000" dirty="0" err="1"/>
+              <a:t>mechanism</a:t>
+            </a:r>
+            <a:r>
+              <a:rPr lang="de-DE" sz="2000" dirty="0"/>
+              <a:t> </a:t>
+            </a:r>
+            <a:r>
+              <a:rPr lang="de-DE" sz="2000" dirty="0" err="1"/>
+              <a:t>needed</a:t>
+            </a:r>
+            <a:r>
+              <a:rPr lang="de-DE" sz="2000" dirty="0"/>
+              <a:t> </a:t>
+            </a:r>
+            <a:r>
+              <a:rPr lang="de-DE" sz="2000" dirty="0" err="1"/>
+              <a:t>to</a:t>
+            </a:r>
+            <a:r>
+              <a:rPr lang="de-DE" sz="2000" dirty="0"/>
+              <a:t> </a:t>
+            </a:r>
+            <a:r>
+              <a:rPr lang="de-DE" sz="2000" dirty="0" err="1"/>
+              <a:t>prevent</a:t>
+            </a:r>
+            <a:r>
+              <a:rPr lang="de-DE" sz="2000" dirty="0"/>
+              <a:t> </a:t>
+            </a:r>
+            <a:r>
+              <a:rPr lang="de-DE" sz="2000" dirty="0" err="1"/>
+              <a:t>unauthorized</a:t>
+            </a:r>
+            <a:r>
+              <a:rPr lang="de-DE" sz="2000" dirty="0"/>
+              <a:t> </a:t>
+            </a:r>
+            <a:r>
+              <a:rPr lang="de-DE" sz="2000" dirty="0" err="1"/>
+              <a:t>access</a:t>
+            </a:r>
+            <a:r>
+              <a:rPr lang="de-DE" sz="2000" dirty="0"/>
+              <a:t> </a:t>
+            </a:r>
+            <a:r>
+              <a:rPr lang="de-DE" sz="2000" dirty="0" err="1"/>
+              <a:t>to</a:t>
+            </a:r>
+            <a:r>
+              <a:rPr lang="de-DE" sz="2000" dirty="0"/>
+              <a:t> </a:t>
+            </a:r>
+            <a:r>
+              <a:rPr lang="de-DE" sz="2000" dirty="0" err="1"/>
+              <a:t>the</a:t>
+            </a:r>
+            <a:r>
+              <a:rPr lang="de-DE" sz="2000" dirty="0"/>
+              <a:t> </a:t>
+            </a:r>
+            <a:r>
+              <a:rPr lang="de-DE" sz="2000" dirty="0" err="1"/>
+              <a:t>broker</a:t>
+            </a:r>
+            <a:endParaRPr lang="de-DE" sz="2000" dirty="0"/>
+          </a:p>
+          <a:p>
+            <a:pPr marL="0" indent="0">
+              <a:buNone/>
+            </a:pPr>
+            <a:r>
+              <a:rPr lang="de-DE" dirty="0"/>
+              <a:t>Encryption</a:t>
+            </a:r>
+          </a:p>
+          <a:p>
+            <a:r>
+              <a:rPr lang="de-DE" sz="2000" dirty="0"/>
+              <a:t>Messages </a:t>
+            </a:r>
+            <a:r>
+              <a:rPr lang="de-DE" sz="2000" dirty="0" err="1"/>
+              <a:t>can</a:t>
+            </a:r>
+            <a:r>
+              <a:rPr lang="de-DE" sz="2000" dirty="0"/>
+              <a:t> </a:t>
+            </a:r>
+            <a:r>
+              <a:rPr lang="de-DE" sz="2000" dirty="0" err="1"/>
+              <a:t>be</a:t>
+            </a:r>
+            <a:r>
+              <a:rPr lang="de-DE" sz="2000" dirty="0"/>
+              <a:t> </a:t>
+            </a:r>
+            <a:r>
+              <a:rPr lang="de-DE" sz="2000" dirty="0" err="1"/>
+              <a:t>encripted</a:t>
+            </a:r>
+            <a:r>
+              <a:rPr lang="de-DE" sz="2000" dirty="0"/>
+              <a:t> </a:t>
+            </a:r>
+            <a:r>
+              <a:rPr lang="de-DE" sz="2000" dirty="0" err="1"/>
+              <a:t>using</a:t>
+            </a:r>
+            <a:r>
+              <a:rPr lang="de-DE" sz="2000" dirty="0"/>
+              <a:t> SSL/TLS </a:t>
+            </a:r>
+            <a:r>
+              <a:rPr lang="de-DE" sz="2000" dirty="0" err="1"/>
+              <a:t>to</a:t>
+            </a:r>
+            <a:r>
+              <a:rPr lang="de-DE" sz="2000" dirty="0"/>
+              <a:t> </a:t>
+            </a:r>
+            <a:r>
+              <a:rPr lang="de-DE" sz="2000" dirty="0" err="1"/>
+              <a:t>ensure</a:t>
+            </a:r>
+            <a:r>
+              <a:rPr lang="de-DE" sz="2000" dirty="0"/>
+              <a:t> </a:t>
+            </a:r>
+            <a:r>
+              <a:rPr lang="de-DE" sz="2000" dirty="0" err="1"/>
+              <a:t>data</a:t>
+            </a:r>
+            <a:r>
+              <a:rPr lang="de-DE" sz="2000" dirty="0"/>
+              <a:t> </a:t>
+            </a:r>
+            <a:r>
+              <a:rPr lang="de-DE" sz="2000" dirty="0" err="1"/>
+              <a:t>integrity</a:t>
+            </a:r>
+            <a:r>
+              <a:rPr lang="de-DE" sz="2000" dirty="0"/>
+              <a:t> and </a:t>
+            </a:r>
+            <a:r>
+              <a:rPr lang="de-DE" sz="2000" dirty="0" err="1"/>
+              <a:t>confidentiality</a:t>
+            </a:r>
+            <a:endParaRPr lang="de-DE" sz="2000" dirty="0"/>
+          </a:p>
+          <a:p>
+            <a:pPr marL="0" indent="0">
+              <a:buNone/>
+            </a:pPr>
+            <a:r>
+              <a:rPr lang="de-DE" dirty="0" err="1"/>
+              <a:t>Authorization</a:t>
+            </a:r>
+            <a:endParaRPr lang="de-DE" dirty="0"/>
+          </a:p>
+          <a:p>
+            <a:r>
+              <a:rPr lang="de-DE" sz="2000" dirty="0"/>
+              <a:t>Supports </a:t>
+            </a:r>
+            <a:r>
+              <a:rPr lang="de-DE" sz="2000" dirty="0" err="1"/>
+              <a:t>access</a:t>
+            </a:r>
+            <a:r>
+              <a:rPr lang="de-DE" sz="2000" dirty="0"/>
+              <a:t> </a:t>
+            </a:r>
+            <a:r>
+              <a:rPr lang="de-DE" sz="2000" dirty="0" err="1"/>
+              <a:t>controll</a:t>
+            </a:r>
+            <a:r>
+              <a:rPr lang="de-DE" sz="2000" dirty="0"/>
+              <a:t> </a:t>
+            </a:r>
+            <a:r>
+              <a:rPr lang="de-DE" sz="2000" dirty="0" err="1"/>
+              <a:t>lists</a:t>
+            </a:r>
+            <a:r>
+              <a:rPr lang="de-DE" sz="2000" dirty="0"/>
+              <a:t> </a:t>
+            </a:r>
+            <a:r>
+              <a:rPr lang="de-DE" sz="2000" dirty="0" err="1"/>
+              <a:t>to</a:t>
+            </a:r>
+            <a:r>
+              <a:rPr lang="de-DE" sz="2000" dirty="0"/>
+              <a:t> </a:t>
+            </a:r>
+            <a:r>
+              <a:rPr lang="de-DE" sz="2000" dirty="0" err="1"/>
+              <a:t>restrict</a:t>
+            </a:r>
+            <a:r>
+              <a:rPr lang="de-DE" sz="2000" dirty="0"/>
+              <a:t> </a:t>
+            </a:r>
+            <a:r>
+              <a:rPr lang="de-DE" sz="2000" dirty="0" err="1"/>
+              <a:t>access</a:t>
+            </a:r>
+            <a:r>
+              <a:rPr lang="de-DE" sz="2000" dirty="0"/>
+              <a:t> </a:t>
+            </a:r>
+            <a:r>
+              <a:rPr lang="de-DE" sz="2000" dirty="0" err="1"/>
+              <a:t>to</a:t>
+            </a:r>
+            <a:r>
+              <a:rPr lang="de-DE" sz="2000" dirty="0"/>
+              <a:t> </a:t>
+            </a:r>
+            <a:r>
+              <a:rPr lang="de-DE" sz="2000" dirty="0" err="1"/>
+              <a:t>specific</a:t>
+            </a:r>
+            <a:r>
+              <a:rPr lang="de-DE" sz="2000" dirty="0"/>
+              <a:t> </a:t>
+            </a:r>
+            <a:r>
+              <a:rPr lang="de-DE" sz="2000" dirty="0" err="1"/>
+              <a:t>topics</a:t>
+            </a:r>
+            <a:r>
+              <a:rPr lang="de-DE" sz="2000" dirty="0"/>
+              <a:t> and </a:t>
+            </a:r>
+            <a:r>
+              <a:rPr lang="de-DE" sz="2000" dirty="0" err="1"/>
+              <a:t>messages</a:t>
+            </a:r>
+            <a:endParaRPr lang="de-DE" sz="2000" dirty="0"/>
+          </a:p>
+        </p:txBody>
+      </p:sp>
+      <p:sp>
+        <p:nvSpPr>
+          <p:cNvPr id="4" name="Textfeld 3">
+            <a:extLst>
+              <a:ext uri="{FF2B5EF4-FFF2-40B4-BE49-F238E27FC236}">
+                <a16:creationId xmlns:a16="http://schemas.microsoft.com/office/drawing/2014/main" id="{91867EA8-A761-181D-B704-C376857FFD7D}"/>
+              </a:ext>
+            </a:extLst>
+          </p:cNvPr>
+          <p:cNvSpPr txBox="1"/>
+          <p:nvPr/>
+        </p:nvSpPr>
+        <p:spPr>
+          <a:xfrm>
+            <a:off x="927100" y="1076069"/>
+            <a:ext cx="10337799" cy="369332"/>
+          </a:xfrm>
+          <a:prstGeom prst="rect">
+            <a:avLst/>
+          </a:prstGeom>
+          <a:noFill/>
+        </p:spPr>
+        <p:txBody>
+          <a:bodyPr wrap="square" rtlCol="0">
+            <a:spAutoFit/>
+          </a:bodyPr>
+          <a:lstStyle/>
+          <a:p>
+            <a:r>
+              <a:rPr lang="de-DE" dirty="0"/>
+              <a:t>Due </a:t>
+            </a:r>
+            <a:r>
+              <a:rPr lang="de-DE" dirty="0" err="1"/>
+              <a:t>to</a:t>
+            </a:r>
+            <a:r>
+              <a:rPr lang="de-DE" dirty="0"/>
+              <a:t> </a:t>
+            </a:r>
+            <a:r>
+              <a:rPr lang="de-DE" dirty="0" err="1"/>
+              <a:t>MQTT‘s</a:t>
+            </a:r>
+            <a:r>
+              <a:rPr lang="de-DE" dirty="0"/>
+              <a:t> </a:t>
+            </a:r>
+            <a:r>
+              <a:rPr lang="de-DE" dirty="0" err="1"/>
+              <a:t>simplicity</a:t>
+            </a:r>
+            <a:r>
+              <a:rPr lang="de-DE" dirty="0"/>
+              <a:t> </a:t>
+            </a:r>
+            <a:r>
+              <a:rPr lang="de-DE" dirty="0" err="1"/>
+              <a:t>it</a:t>
+            </a:r>
+            <a:r>
+              <a:rPr lang="de-DE" dirty="0"/>
+              <a:t> </a:t>
+            </a:r>
+            <a:r>
+              <a:rPr lang="de-DE" dirty="0" err="1"/>
+              <a:t>is</a:t>
+            </a:r>
+            <a:r>
+              <a:rPr lang="de-DE" dirty="0"/>
+              <a:t> vulnerable </a:t>
+            </a:r>
+            <a:r>
+              <a:rPr lang="de-DE" dirty="0" err="1"/>
+              <a:t>to</a:t>
+            </a:r>
+            <a:r>
+              <a:rPr lang="de-DE" dirty="0"/>
+              <a:t> </a:t>
+            </a:r>
+            <a:r>
+              <a:rPr lang="de-DE" dirty="0" err="1"/>
+              <a:t>security</a:t>
+            </a:r>
+            <a:r>
+              <a:rPr lang="de-DE" dirty="0"/>
+              <a:t> </a:t>
+            </a:r>
+            <a:r>
+              <a:rPr lang="de-DE" dirty="0" err="1"/>
+              <a:t>threats</a:t>
+            </a:r>
+            <a:r>
+              <a:rPr lang="de-DE" dirty="0"/>
+              <a:t> </a:t>
+            </a:r>
+            <a:r>
+              <a:rPr lang="de-DE" dirty="0" err="1"/>
+              <a:t>if</a:t>
+            </a:r>
+            <a:r>
+              <a:rPr lang="de-DE" dirty="0"/>
+              <a:t> not </a:t>
+            </a:r>
+            <a:r>
+              <a:rPr lang="de-DE" dirty="0" err="1"/>
+              <a:t>implemented</a:t>
+            </a:r>
+            <a:r>
+              <a:rPr lang="de-DE" dirty="0"/>
+              <a:t> </a:t>
+            </a:r>
+            <a:r>
+              <a:rPr lang="de-DE" dirty="0" err="1"/>
+              <a:t>correctly</a:t>
+            </a:r>
+            <a:r>
+              <a:rPr lang="de-DE" dirty="0"/>
+              <a:t>.</a:t>
+            </a:r>
+          </a:p>
+        </p:txBody>
+      </p:sp>
+    </p:spTree>
+    <p:extLst>
+      <p:ext uri="{BB962C8B-B14F-4D97-AF65-F5344CB8AC3E}">
+        <p14:creationId xmlns:p14="http://schemas.microsoft.com/office/powerpoint/2010/main" val="3308617259"/>
+      </p:ext>
+    </p:extLst>
+  </p:cSld>
+  <p:clrMapOvr>
+    <a:masterClrMapping/>
+  </p:clrMapOvr>
+</p:sld>
+</file>
+
+<file path=ppt/slides/slide9.xml><?xml version="1.0" encoding="utf-8"?>
+<p:sld xmlns:a="http://schemas.openxmlformats.org/drawingml/2006/main" xmlns:r="http://schemas.openxmlformats.org/officeDocument/2006/relationships" xmlns:p="http://schemas.openxmlformats.org/presentationml/2006/main">
+  <p:cSld>
+    <p:spTree>
+      <p:nvGrpSpPr>
+        <p:cNvPr id="1" name=""/>
+        <p:cNvGrpSpPr/>
+        <p:nvPr/>
+      </p:nvGrpSpPr>
+      <p:grpSpPr>
+        <a:xfrm>
+          <a:off x="0" y="0"/>
+          <a:ext cx="0" cy="0"/>
+          <a:chOff x="0" y="0"/>
+          <a:chExt cx="0" cy="0"/>
+        </a:xfrm>
+      </p:grpSpPr>
+      <p:sp>
+        <p:nvSpPr>
+          <p:cNvPr id="2" name="Titel 1">
+            <a:extLst>
+              <a:ext uri="{FF2B5EF4-FFF2-40B4-BE49-F238E27FC236}">
+                <a16:creationId xmlns:a16="http://schemas.microsoft.com/office/drawing/2014/main" id="{C113726F-D046-BD60-D83A-A76ECA7BEE33}"/>
+              </a:ext>
+            </a:extLst>
+          </p:cNvPr>
+          <p:cNvSpPr>
+            <a:spLocks noGrp="1"/>
+          </p:cNvSpPr>
+          <p:nvPr>
+            <p:ph type="title"/>
+          </p:nvPr>
+        </p:nvSpPr>
+        <p:spPr/>
+        <p:txBody>
+          <a:bodyPr/>
+          <a:lstStyle/>
+          <a:p>
+            <a:r>
+              <a:rPr lang="de-DE" dirty="0"/>
+              <a:t>Use Cases</a:t>
+            </a:r>
+          </a:p>
+        </p:txBody>
+      </p:sp>
+      <p:sp>
+        <p:nvSpPr>
+          <p:cNvPr id="4" name="Textplatzhalter 3">
+            <a:extLst>
+              <a:ext uri="{FF2B5EF4-FFF2-40B4-BE49-F238E27FC236}">
+                <a16:creationId xmlns:a16="http://schemas.microsoft.com/office/drawing/2014/main" id="{27932AF5-FF39-3EAF-3E35-B53B94B764C6}"/>
+              </a:ext>
+            </a:extLst>
+          </p:cNvPr>
+          <p:cNvSpPr>
+            <a:spLocks noGrp="1"/>
+          </p:cNvSpPr>
+          <p:nvPr>
+            <p:ph type="body" idx="1"/>
+          </p:nvPr>
+        </p:nvSpPr>
+        <p:spPr>
+          <a:xfrm>
+            <a:off x="470337" y="1681163"/>
+            <a:ext cx="3575195" cy="823912"/>
+          </a:xfrm>
+        </p:spPr>
+        <p:txBody>
+          <a:bodyPr/>
+          <a:lstStyle/>
+          <a:p>
+            <a:r>
+              <a:rPr lang="de-DE" dirty="0"/>
+              <a:t>Smart </a:t>
+            </a:r>
+            <a:r>
+              <a:rPr lang="de-DE" dirty="0" err="1"/>
+              <a:t>homes</a:t>
+            </a:r>
+            <a:endParaRPr lang="de-DE" dirty="0"/>
+          </a:p>
+        </p:txBody>
+      </p:sp>
+      <p:sp>
+        <p:nvSpPr>
+          <p:cNvPr id="5" name="Inhaltsplatzhalter 4">
+            <a:extLst>
+              <a:ext uri="{FF2B5EF4-FFF2-40B4-BE49-F238E27FC236}">
+                <a16:creationId xmlns:a16="http://schemas.microsoft.com/office/drawing/2014/main" id="{755A22F8-15D2-4BD2-95A5-0D243A1393A9}"/>
+              </a:ext>
+            </a:extLst>
+          </p:cNvPr>
+          <p:cNvSpPr>
+            <a:spLocks noGrp="1"/>
+          </p:cNvSpPr>
+          <p:nvPr>
+            <p:ph sz="half" idx="2"/>
+          </p:nvPr>
+        </p:nvSpPr>
+        <p:spPr>
+          <a:xfrm>
+            <a:off x="470338" y="2505075"/>
+            <a:ext cx="3575194" cy="3684588"/>
+          </a:xfrm>
+        </p:spPr>
+        <p:txBody>
+          <a:bodyPr>
+            <a:normAutofit/>
+          </a:bodyPr>
+          <a:lstStyle/>
+          <a:p>
+            <a:r>
+              <a:rPr lang="de-DE" sz="2000" dirty="0" err="1"/>
+              <a:t>Allowes</a:t>
+            </a:r>
+            <a:r>
+              <a:rPr lang="de-DE" sz="2000" dirty="0"/>
+              <a:t> </a:t>
+            </a:r>
+            <a:r>
+              <a:rPr lang="de-DE" sz="2000" dirty="0" err="1"/>
+              <a:t>devices</a:t>
+            </a:r>
+            <a:r>
+              <a:rPr lang="de-DE" sz="2000" dirty="0"/>
+              <a:t> </a:t>
+            </a:r>
+            <a:r>
+              <a:rPr lang="de-DE" sz="2000" dirty="0" err="1"/>
+              <a:t>to</a:t>
+            </a:r>
+            <a:r>
+              <a:rPr lang="de-DE" sz="2000" dirty="0"/>
+              <a:t> </a:t>
+            </a:r>
+            <a:r>
+              <a:rPr lang="de-DE" sz="2000" dirty="0" err="1"/>
+              <a:t>communicate</a:t>
+            </a:r>
+            <a:r>
+              <a:rPr lang="de-DE" sz="2000" dirty="0"/>
+              <a:t> </a:t>
+            </a:r>
+            <a:r>
+              <a:rPr lang="de-DE" sz="2000" dirty="0" err="1"/>
+              <a:t>with</a:t>
+            </a:r>
+            <a:r>
+              <a:rPr lang="de-DE" sz="2000" dirty="0"/>
+              <a:t> </a:t>
+            </a:r>
+            <a:r>
+              <a:rPr lang="de-DE" sz="2000" dirty="0" err="1"/>
+              <a:t>each</a:t>
+            </a:r>
+            <a:r>
+              <a:rPr lang="de-DE" sz="2000" dirty="0"/>
+              <a:t> </a:t>
+            </a:r>
+            <a:r>
+              <a:rPr lang="de-DE" sz="2000" dirty="0" err="1"/>
+              <a:t>other</a:t>
+            </a:r>
+            <a:r>
+              <a:rPr lang="de-DE" sz="2000" dirty="0"/>
+              <a:t> in real time</a:t>
+            </a:r>
+          </a:p>
+          <a:p>
+            <a:r>
+              <a:rPr lang="de-DE" sz="2000" dirty="0" err="1"/>
+              <a:t>No</a:t>
+            </a:r>
+            <a:r>
+              <a:rPr lang="de-DE" sz="2000" dirty="0"/>
+              <a:t> </a:t>
+            </a:r>
+            <a:r>
+              <a:rPr lang="de-DE" sz="2000" dirty="0" err="1"/>
+              <a:t>need</a:t>
+            </a:r>
+            <a:r>
+              <a:rPr lang="de-DE" sz="2000" dirty="0"/>
+              <a:t> </a:t>
+            </a:r>
+            <a:r>
+              <a:rPr lang="de-DE" sz="2000" dirty="0" err="1"/>
+              <a:t>for</a:t>
+            </a:r>
+            <a:r>
+              <a:rPr lang="de-DE" sz="2000" dirty="0"/>
+              <a:t> a </a:t>
+            </a:r>
+            <a:r>
+              <a:rPr lang="de-DE" sz="2000" dirty="0" err="1"/>
+              <a:t>centralized</a:t>
+            </a:r>
+            <a:r>
+              <a:rPr lang="de-DE" sz="2000" dirty="0"/>
+              <a:t> </a:t>
+            </a:r>
+            <a:r>
+              <a:rPr lang="de-DE" sz="2000" dirty="0" err="1"/>
+              <a:t>server</a:t>
+            </a:r>
+            <a:endParaRPr lang="de-DE" sz="2000" dirty="0"/>
+          </a:p>
+          <a:p>
+            <a:r>
+              <a:rPr lang="de-DE" sz="2000" dirty="0"/>
+              <a:t>Easy </a:t>
+            </a:r>
+            <a:r>
+              <a:rPr lang="de-DE" sz="2000" dirty="0" err="1"/>
+              <a:t>to</a:t>
+            </a:r>
+            <a:r>
+              <a:rPr lang="de-DE" sz="2000" dirty="0"/>
+              <a:t> </a:t>
+            </a:r>
+            <a:r>
+              <a:rPr lang="de-DE" sz="2000" dirty="0" err="1"/>
+              <a:t>add</a:t>
+            </a:r>
+            <a:r>
+              <a:rPr lang="de-DE" sz="2000" dirty="0"/>
+              <a:t> </a:t>
+            </a:r>
+            <a:r>
+              <a:rPr lang="de-DE" sz="2000" dirty="0" err="1"/>
+              <a:t>new</a:t>
+            </a:r>
+            <a:r>
+              <a:rPr lang="de-DE" sz="2000" dirty="0"/>
+              <a:t> </a:t>
+            </a:r>
+            <a:r>
+              <a:rPr lang="de-DE" sz="2000" dirty="0" err="1"/>
+              <a:t>devices</a:t>
+            </a:r>
+            <a:r>
+              <a:rPr lang="de-DE" sz="2000" dirty="0"/>
+              <a:t> </a:t>
+            </a:r>
+            <a:r>
+              <a:rPr lang="de-DE" sz="2000" dirty="0" err="1"/>
+              <a:t>without</a:t>
+            </a:r>
+            <a:r>
+              <a:rPr lang="de-DE" sz="2000" dirty="0"/>
+              <a:t> </a:t>
+            </a:r>
+            <a:r>
+              <a:rPr lang="de-DE" sz="2000" dirty="0" err="1"/>
+              <a:t>giving</a:t>
+            </a:r>
+            <a:r>
+              <a:rPr lang="de-DE" sz="2000" dirty="0"/>
+              <a:t> </a:t>
+            </a:r>
+            <a:r>
+              <a:rPr lang="de-DE" sz="2000" dirty="0" err="1"/>
+              <a:t>up</a:t>
+            </a:r>
+            <a:r>
+              <a:rPr lang="de-DE" sz="2000" dirty="0"/>
+              <a:t> </a:t>
+            </a:r>
+            <a:r>
+              <a:rPr lang="de-DE" sz="2000" dirty="0" err="1"/>
+              <a:t>scalability</a:t>
+            </a:r>
+            <a:endParaRPr lang="de-DE" sz="2000" dirty="0"/>
+          </a:p>
+        </p:txBody>
+      </p:sp>
+      <p:sp>
+        <p:nvSpPr>
+          <p:cNvPr id="8" name="Textplatzhalter 3">
+            <a:extLst>
+              <a:ext uri="{FF2B5EF4-FFF2-40B4-BE49-F238E27FC236}">
+                <a16:creationId xmlns:a16="http://schemas.microsoft.com/office/drawing/2014/main" id="{F7CBE5B5-43E0-5FD3-DF2E-259875927D20}"/>
+              </a:ext>
+            </a:extLst>
+          </p:cNvPr>
+          <p:cNvSpPr txBox="1">
+            <a:spLocks/>
+          </p:cNvSpPr>
+          <p:nvPr/>
+        </p:nvSpPr>
+        <p:spPr>
+          <a:xfrm>
+            <a:off x="4298810" y="1681163"/>
+            <a:ext cx="3575195" cy="823912"/>
           </a:xfrm>
           <a:prstGeom prst="rect">
             <a:avLst/>
           </a:prstGeom>
         </p:spPr>
-      </p:pic>
-      <p:sp>
-        <p:nvSpPr>
-          <p:cNvPr id="4" name="Titel 3">
-            <a:extLst>
-              <a:ext uri="{FF2B5EF4-FFF2-40B4-BE49-F238E27FC236}">
-                <a16:creationId xmlns:a16="http://schemas.microsoft.com/office/drawing/2014/main" id="{59C014BF-217A-DE8C-0743-A2E36A946991}"/>
-              </a:ext>
-            </a:extLst>
-          </p:cNvPr>
-          <p:cNvSpPr>
-            <a:spLocks noGrp="1"/>
+        <p:txBody>
+          <a:bodyPr vert="horz" lIns="91440" tIns="45720" rIns="91440" bIns="45720" rtlCol="0" anchor="b">
+            <a:normAutofit/>
+          </a:bodyPr>
+          <a:lstStyle>
+            <a:lvl1pPr marL="0" indent="0" algn="l" defTabSz="914400" rtl="0" eaLnBrk="1" latinLnBrk="0" hangingPunct="1">
+              <a:lnSpc>
+                <a:spcPct val="90000"/>
+              </a:lnSpc>
+              <a:spcBef>
+                <a:spcPts val="1000"/>
+              </a:spcBef>
+              <a:buFont typeface="Arial" panose="020B0604020202020204" pitchFamily="34" charset="0"/>
+              <a:buNone/>
+              <a:defRPr sz="2400" b="1" kern="1200">
+                <a:solidFill>
+                  <a:schemeClr val="tx1"/>
+                </a:solidFill>
+                <a:latin typeface="+mn-lt"/>
+                <a:ea typeface="+mn-ea"/>
+                <a:cs typeface="+mn-cs"/>
+              </a:defRPr>
+            </a:lvl1pPr>
+            <a:lvl2pPr marL="457200" indent="0" algn="l" defTabSz="914400" rtl="0" eaLnBrk="1" latinLnBrk="0" hangingPunct="1">
+              <a:lnSpc>
+                <a:spcPct val="90000"/>
+              </a:lnSpc>
+              <a:spcBef>
+                <a:spcPts val="500"/>
+              </a:spcBef>
+              <a:buFont typeface="Arial" panose="020B0604020202020204" pitchFamily="34" charset="0"/>
+              <a:buNone/>
+              <a:defRPr sz="2000" b="1" kern="1200">
+                <a:solidFill>
+                  <a:schemeClr val="tx1"/>
+                </a:solidFill>
+                <a:latin typeface="+mn-lt"/>
+                <a:ea typeface="+mn-ea"/>
+                <a:cs typeface="+mn-cs"/>
+              </a:defRPr>
+            </a:lvl2pPr>
+            <a:lvl3pPr marL="914400" indent="0" algn="l" defTabSz="914400" rtl="0" eaLnBrk="1" latinLnBrk="0" hangingPunct="1">
+              <a:lnSpc>
+                <a:spcPct val="90000"/>
+              </a:lnSpc>
+              <a:spcBef>
+                <a:spcPts val="500"/>
+              </a:spcBef>
+              <a:buFont typeface="Arial" panose="020B0604020202020204" pitchFamily="34" charset="0"/>
+              <a:buNone/>
+              <a:defRPr sz="1800" b="1" kern="1200">
+                <a:solidFill>
+                  <a:schemeClr val="tx1"/>
+                </a:solidFill>
+                <a:latin typeface="+mn-lt"/>
+                <a:ea typeface="+mn-ea"/>
+                <a:cs typeface="+mn-cs"/>
+              </a:defRPr>
+            </a:lvl3pPr>
+            <a:lvl4pPr marL="1371600" indent="0" algn="l" defTabSz="914400" rtl="0" eaLnBrk="1" latinLnBrk="0" hangingPunct="1">
+              <a:lnSpc>
+                <a:spcPct val="90000"/>
+              </a:lnSpc>
+              <a:spcBef>
+                <a:spcPts val="500"/>
+              </a:spcBef>
+              <a:buFont typeface="Arial" panose="020B0604020202020204" pitchFamily="34" charset="0"/>
+              <a:buNone/>
+              <a:defRPr sz="1600" b="1" kern="1200">
+                <a:solidFill>
+                  <a:schemeClr val="tx1"/>
+                </a:solidFill>
+                <a:latin typeface="+mn-lt"/>
+                <a:ea typeface="+mn-ea"/>
+                <a:cs typeface="+mn-cs"/>
+              </a:defRPr>
+            </a:lvl4pPr>
+            <a:lvl5pPr marL="1828800" indent="0" algn="l" defTabSz="914400" rtl="0" eaLnBrk="1" latinLnBrk="0" hangingPunct="1">
+              <a:lnSpc>
+                <a:spcPct val="90000"/>
+              </a:lnSpc>
+              <a:spcBef>
+                <a:spcPts val="500"/>
+              </a:spcBef>
+              <a:buFont typeface="Arial" panose="020B0604020202020204" pitchFamily="34" charset="0"/>
+              <a:buNone/>
+              <a:defRPr sz="1600" b="1" kern="1200">
+                <a:solidFill>
+                  <a:schemeClr val="tx1"/>
+                </a:solidFill>
+                <a:latin typeface="+mn-lt"/>
+                <a:ea typeface="+mn-ea"/>
+                <a:cs typeface="+mn-cs"/>
+              </a:defRPr>
+            </a:lvl5pPr>
+            <a:lvl6pPr marL="2286000" indent="0" algn="l" defTabSz="914400" rtl="0" eaLnBrk="1" latinLnBrk="0" hangingPunct="1">
+              <a:lnSpc>
+                <a:spcPct val="90000"/>
+              </a:lnSpc>
+              <a:spcBef>
+                <a:spcPts val="500"/>
+              </a:spcBef>
+              <a:buFont typeface="Arial" panose="020B0604020202020204" pitchFamily="34" charset="0"/>
+              <a:buNone/>
+              <a:defRPr sz="1600" b="1" kern="1200">
+                <a:solidFill>
+                  <a:schemeClr val="tx1"/>
+                </a:solidFill>
+                <a:latin typeface="+mn-lt"/>
+                <a:ea typeface="+mn-ea"/>
+                <a:cs typeface="+mn-cs"/>
+              </a:defRPr>
+            </a:lvl6pPr>
+            <a:lvl7pPr marL="2743200" indent="0" algn="l" defTabSz="914400" rtl="0" eaLnBrk="1" latinLnBrk="0" hangingPunct="1">
+              <a:lnSpc>
+                <a:spcPct val="90000"/>
+              </a:lnSpc>
+              <a:spcBef>
+                <a:spcPts val="500"/>
+              </a:spcBef>
+              <a:buFont typeface="Arial" panose="020B0604020202020204" pitchFamily="34" charset="0"/>
+              <a:buNone/>
+              <a:defRPr sz="1600" b="1" kern="1200">
+                <a:solidFill>
+                  <a:schemeClr val="tx1"/>
+                </a:solidFill>
+                <a:latin typeface="+mn-lt"/>
+                <a:ea typeface="+mn-ea"/>
+                <a:cs typeface="+mn-cs"/>
+              </a:defRPr>
+            </a:lvl7pPr>
+            <a:lvl8pPr marL="3200400" indent="0" algn="l" defTabSz="914400" rtl="0" eaLnBrk="1" latinLnBrk="0" hangingPunct="1">
+              <a:lnSpc>
+                <a:spcPct val="90000"/>
+              </a:lnSpc>
+              <a:spcBef>
+                <a:spcPts val="500"/>
+              </a:spcBef>
+              <a:buFont typeface="Arial" panose="020B0604020202020204" pitchFamily="34" charset="0"/>
+              <a:buNone/>
+              <a:defRPr sz="1600" b="1" kern="1200">
+                <a:solidFill>
+                  <a:schemeClr val="tx1"/>
+                </a:solidFill>
+                <a:latin typeface="+mn-lt"/>
+                <a:ea typeface="+mn-ea"/>
+                <a:cs typeface="+mn-cs"/>
+              </a:defRPr>
+            </a:lvl8pPr>
+            <a:lvl9pPr marL="3657600" indent="0" algn="l" defTabSz="914400" rtl="0" eaLnBrk="1" latinLnBrk="0" hangingPunct="1">
+              <a:lnSpc>
+                <a:spcPct val="90000"/>
+              </a:lnSpc>
+              <a:spcBef>
+                <a:spcPts val="500"/>
+              </a:spcBef>
+              <a:buFont typeface="Arial" panose="020B0604020202020204" pitchFamily="34" charset="0"/>
+              <a:buNone/>
+              <a:defRPr sz="1600" b="1" kern="1200">
+                <a:solidFill>
+                  <a:schemeClr val="tx1"/>
+                </a:solidFill>
+                <a:latin typeface="+mn-lt"/>
+                <a:ea typeface="+mn-ea"/>
+                <a:cs typeface="+mn-cs"/>
+              </a:defRPr>
+            </a:lvl9pPr>
+          </a:lstStyle>
+          <a:p>
+            <a:r>
+              <a:rPr lang="de-DE" dirty="0"/>
+              <a:t>Industrial</a:t>
+            </a:r>
+          </a:p>
+        </p:txBody>
+      </p:sp>
+      <p:sp>
+        <p:nvSpPr>
+          <p:cNvPr id="9" name="Inhaltsplatzhalter 4">
+            <a:extLst>
+              <a:ext uri="{FF2B5EF4-FFF2-40B4-BE49-F238E27FC236}">
+                <a16:creationId xmlns:a16="http://schemas.microsoft.com/office/drawing/2014/main" id="{680BB1B6-1D9A-B793-FBEA-1807417FF258}"/>
+              </a:ext>
+            </a:extLst>
+          </p:cNvPr>
+          <p:cNvSpPr txBox="1">
+            <a:spLocks/>
           </p:cNvSpPr>
-          <p:nvPr>
-            <p:ph type="ctrTitle"/>
-          </p:nvPr>
-        </p:nvSpPr>
-        <p:spPr/>
-        <p:txBody>
-          <a:bodyPr/>
-          <a:lstStyle/>
-          <a:p>
-            <a:r>
-              <a:rPr lang="de-DE" dirty="0">
+          <p:nvPr/>
+        </p:nvSpPr>
+        <p:spPr>
+          <a:xfrm>
+            <a:off x="4298811" y="2505075"/>
+            <a:ext cx="3575194" cy="3684588"/>
+          </a:xfrm>
+          <a:prstGeom prst="rect">
+            <a:avLst/>
+          </a:prstGeom>
+        </p:spPr>
+        <p:txBody>
+          <a:bodyPr vert="horz" lIns="91440" tIns="45720" rIns="91440" bIns="45720" rtlCol="0">
+            <a:normAutofit/>
+          </a:bodyPr>
+          <a:lstStyle>
+            <a:lvl1pPr marL="228600" indent="-228600" algn="l" defTabSz="914400" rtl="0" eaLnBrk="1" latinLnBrk="0" hangingPunct="1">
+              <a:lnSpc>
+                <a:spcPct val="90000"/>
+              </a:lnSpc>
+              <a:spcBef>
+                <a:spcPts val="1000"/>
+              </a:spcBef>
+              <a:buFont typeface="Arial" panose="020B0604020202020204" pitchFamily="34" charset="0"/>
+              <a:buChar char="•"/>
+              <a:defRPr sz="2800" kern="1200">
                 <a:solidFill>
-                  <a:srgbClr val="FF0000"/>
+                  <a:schemeClr val="tx1"/>
                 </a:solidFill>
-              </a:rPr>
-              <a:t>NOW IST YOUR TURN!</a:t>
-            </a:r>
-          </a:p>
-        </p:txBody>
-      </p:sp>
-      <p:sp>
-        <p:nvSpPr>
-          <p:cNvPr id="5" name="Untertitel 4">
-            <a:extLst>
-              <a:ext uri="{FF2B5EF4-FFF2-40B4-BE49-F238E27FC236}">
-                <a16:creationId xmlns:a16="http://schemas.microsoft.com/office/drawing/2014/main" id="{643F7516-98DF-6217-0ADC-80DDEA6F6BFD}"/>
-              </a:ext>
-            </a:extLst>
-          </p:cNvPr>
-          <p:cNvSpPr>
-            <a:spLocks noGrp="1"/>
+                <a:latin typeface="+mn-lt"/>
+                <a:ea typeface="+mn-ea"/>
+                <a:cs typeface="+mn-cs"/>
+              </a:defRPr>
+            </a:lvl1pPr>
+            <a:lvl2pPr marL="685800" indent="-228600" algn="l" defTabSz="914400" rtl="0" eaLnBrk="1" latinLnBrk="0" hangingPunct="1">
+              <a:lnSpc>
+                <a:spcPct val="90000"/>
+              </a:lnSpc>
+              <a:spcBef>
+                <a:spcPts val="500"/>
+              </a:spcBef>
+              <a:buFont typeface="Arial" panose="020B0604020202020204" pitchFamily="34" charset="0"/>
+              <a:buChar char="•"/>
+              <a:defRPr sz="2400" kern="1200">
+                <a:solidFill>
+                  <a:schemeClr val="tx1"/>
+                </a:solidFill>
+                <a:latin typeface="+mn-lt"/>
+                <a:ea typeface="+mn-ea"/>
+                <a:cs typeface="+mn-cs"/>
+              </a:defRPr>
+            </a:lvl2pPr>
+            <a:lvl3pPr marL="1143000" indent="-228600" algn="l" defTabSz="914400" rtl="0" eaLnBrk="1" latinLnBrk="0" hangingPunct="1">
+              <a:lnSpc>
+                <a:spcPct val="90000"/>
+              </a:lnSpc>
+              <a:spcBef>
+                <a:spcPts val="500"/>
+              </a:spcBef>
+              <a:buFont typeface="Arial" panose="020B0604020202020204" pitchFamily="34" charset="0"/>
+              <a:buChar char="•"/>
+              <a:defRPr sz="2000" kern="1200">
+                <a:solidFill>
+                  <a:schemeClr val="tx1"/>
+                </a:solidFill>
+                <a:latin typeface="+mn-lt"/>
+                <a:ea typeface="+mn-ea"/>
+                <a:cs typeface="+mn-cs"/>
+              </a:defRPr>
+            </a:lvl3pPr>
+            <a:lvl4pPr marL="1600200" indent="-228600" algn="l" defTabSz="914400" rtl="0" eaLnBrk="1" latinLnBrk="0" hangingPunct="1">
+              <a:lnSpc>
+                <a:spcPct val="90000"/>
+              </a:lnSpc>
+              <a:spcBef>
+                <a:spcPts val="500"/>
+              </a:spcBef>
+              <a:buFont typeface="Arial" panose="020B0604020202020204" pitchFamily="34" charset="0"/>
+              <a:buChar char="•"/>
+              <a:defRPr sz="1800" kern="1200">
+                <a:solidFill>
+                  <a:schemeClr val="tx1"/>
+                </a:solidFill>
+                <a:latin typeface="+mn-lt"/>
+                <a:ea typeface="+mn-ea"/>
+                <a:cs typeface="+mn-cs"/>
+              </a:defRPr>
+            </a:lvl4pPr>
+            <a:lvl5pPr marL="2057400" indent="-228600" algn="l" defTabSz="914400" rtl="0" eaLnBrk="1" latinLnBrk="0" hangingPunct="1">
+              <a:lnSpc>
+                <a:spcPct val="90000"/>
+              </a:lnSpc>
+              <a:spcBef>
+                <a:spcPts val="500"/>
+              </a:spcBef>
+              <a:buFont typeface="Arial" panose="020B0604020202020204" pitchFamily="34" charset="0"/>
+              <a:buChar char="•"/>
+              <a:defRPr sz="1800" kern="1200">
+                <a:solidFill>
+                  <a:schemeClr val="tx1"/>
+                </a:solidFill>
+                <a:latin typeface="+mn-lt"/>
+                <a:ea typeface="+mn-ea"/>
+                <a:cs typeface="+mn-cs"/>
+              </a:defRPr>
+            </a:lvl5pPr>
+            <a:lvl6pPr marL="2514600" indent="-228600" algn="l" defTabSz="914400" rtl="0" eaLnBrk="1" latinLnBrk="0" hangingPunct="1">
+              <a:lnSpc>
+                <a:spcPct val="90000"/>
+              </a:lnSpc>
+              <a:spcBef>
+                <a:spcPts val="500"/>
+              </a:spcBef>
+              <a:buFont typeface="Arial" panose="020B0604020202020204" pitchFamily="34" charset="0"/>
+              <a:buChar char="•"/>
+              <a:defRPr sz="1800" kern="1200">
+                <a:solidFill>
+                  <a:schemeClr val="tx1"/>
+                </a:solidFill>
+                <a:latin typeface="+mn-lt"/>
+                <a:ea typeface="+mn-ea"/>
+                <a:cs typeface="+mn-cs"/>
+              </a:defRPr>
+            </a:lvl6pPr>
+            <a:lvl7pPr marL="2971800" indent="-228600" algn="l" defTabSz="914400" rtl="0" eaLnBrk="1" latinLnBrk="0" hangingPunct="1">
+              <a:lnSpc>
+                <a:spcPct val="90000"/>
+              </a:lnSpc>
+              <a:spcBef>
+                <a:spcPts val="500"/>
+              </a:spcBef>
+              <a:buFont typeface="Arial" panose="020B0604020202020204" pitchFamily="34" charset="0"/>
+              <a:buChar char="•"/>
+              <a:defRPr sz="1800" kern="1200">
+                <a:solidFill>
+                  <a:schemeClr val="tx1"/>
+                </a:solidFill>
+                <a:latin typeface="+mn-lt"/>
+                <a:ea typeface="+mn-ea"/>
+                <a:cs typeface="+mn-cs"/>
+              </a:defRPr>
+            </a:lvl7pPr>
+            <a:lvl8pPr marL="3429000" indent="-228600" algn="l" defTabSz="914400" rtl="0" eaLnBrk="1" latinLnBrk="0" hangingPunct="1">
+              <a:lnSpc>
+                <a:spcPct val="90000"/>
+              </a:lnSpc>
+              <a:spcBef>
+                <a:spcPts val="500"/>
+              </a:spcBef>
+              <a:buFont typeface="Arial" panose="020B0604020202020204" pitchFamily="34" charset="0"/>
+              <a:buChar char="•"/>
+              <a:defRPr sz="1800" kern="1200">
+                <a:solidFill>
+                  <a:schemeClr val="tx1"/>
+                </a:solidFill>
+                <a:latin typeface="+mn-lt"/>
+                <a:ea typeface="+mn-ea"/>
+                <a:cs typeface="+mn-cs"/>
+              </a:defRPr>
+            </a:lvl8pPr>
+            <a:lvl9pPr marL="3886200" indent="-228600" algn="l" defTabSz="914400" rtl="0" eaLnBrk="1" latinLnBrk="0" hangingPunct="1">
+              <a:lnSpc>
+                <a:spcPct val="90000"/>
+              </a:lnSpc>
+              <a:spcBef>
+                <a:spcPts val="500"/>
+              </a:spcBef>
+              <a:buFont typeface="Arial" panose="020B0604020202020204" pitchFamily="34" charset="0"/>
+              <a:buChar char="•"/>
+              <a:defRPr sz="1800" kern="1200">
+                <a:solidFill>
+                  <a:schemeClr val="tx1"/>
+                </a:solidFill>
+                <a:latin typeface="+mn-lt"/>
+                <a:ea typeface="+mn-ea"/>
+                <a:cs typeface="+mn-cs"/>
+              </a:defRPr>
+            </a:lvl9pPr>
+          </a:lstStyle>
+          <a:p>
+            <a:r>
+              <a:rPr lang="de-DE" sz="2000" dirty="0" err="1"/>
+              <a:t>Widly</a:t>
+            </a:r>
+            <a:r>
+              <a:rPr lang="de-DE" sz="2000" dirty="0"/>
+              <a:t> </a:t>
+            </a:r>
+            <a:r>
+              <a:rPr lang="de-DE" sz="2000" dirty="0" err="1"/>
+              <a:t>used</a:t>
+            </a:r>
+            <a:r>
+              <a:rPr lang="de-DE" sz="2000" dirty="0"/>
+              <a:t> in IoT </a:t>
+            </a:r>
+            <a:r>
+              <a:rPr lang="de-DE" sz="2000" dirty="0" err="1"/>
+              <a:t>applications</a:t>
+            </a:r>
+            <a:endParaRPr lang="de-DE" sz="2000" dirty="0"/>
+          </a:p>
+          <a:p>
+            <a:r>
+              <a:rPr lang="de-DE" sz="2000" dirty="0" err="1"/>
+              <a:t>Allowes</a:t>
+            </a:r>
+            <a:r>
+              <a:rPr lang="de-DE" sz="2000" dirty="0"/>
+              <a:t> </a:t>
+            </a:r>
+            <a:r>
+              <a:rPr lang="de-DE" sz="2000" dirty="0" err="1"/>
+              <a:t>sensors</a:t>
+            </a:r>
+            <a:r>
+              <a:rPr lang="de-DE" sz="2000" dirty="0"/>
+              <a:t> </a:t>
+            </a:r>
+            <a:r>
+              <a:rPr lang="de-DE" sz="2000" dirty="0" err="1"/>
+              <a:t>to</a:t>
+            </a:r>
+            <a:r>
+              <a:rPr lang="de-DE" sz="2000" dirty="0"/>
+              <a:t> </a:t>
+            </a:r>
+            <a:r>
+              <a:rPr lang="de-DE" sz="2000" dirty="0" err="1"/>
+              <a:t>communicate</a:t>
+            </a:r>
+            <a:r>
+              <a:rPr lang="de-DE" sz="2000" dirty="0"/>
+              <a:t> </a:t>
+            </a:r>
+            <a:r>
+              <a:rPr lang="de-DE" sz="2000" dirty="0" err="1"/>
+              <a:t>with</a:t>
+            </a:r>
+            <a:r>
+              <a:rPr lang="de-DE" sz="2000" dirty="0"/>
+              <a:t> </a:t>
+            </a:r>
+            <a:r>
+              <a:rPr lang="de-DE" sz="2000" dirty="0" err="1"/>
+              <a:t>each</a:t>
+            </a:r>
+            <a:r>
+              <a:rPr lang="de-DE" sz="2000" dirty="0"/>
+              <a:t> </a:t>
+            </a:r>
+            <a:r>
+              <a:rPr lang="de-DE" sz="2000" dirty="0" err="1"/>
+              <a:t>other</a:t>
+            </a:r>
+            <a:r>
+              <a:rPr lang="de-DE" sz="2000" dirty="0"/>
+              <a:t> in real time</a:t>
+            </a:r>
+          </a:p>
+          <a:p>
+            <a:r>
+              <a:rPr lang="de-DE" sz="2000" dirty="0" err="1"/>
+              <a:t>Provides</a:t>
+            </a:r>
+            <a:r>
+              <a:rPr lang="de-DE" sz="2000" dirty="0"/>
+              <a:t> </a:t>
+            </a:r>
+            <a:r>
+              <a:rPr lang="de-DE" sz="2000" dirty="0" err="1"/>
+              <a:t>insights</a:t>
+            </a:r>
+            <a:r>
+              <a:rPr lang="de-DE" sz="2000" dirty="0"/>
+              <a:t> </a:t>
+            </a:r>
+            <a:r>
+              <a:rPr lang="de-DE" sz="2000" dirty="0" err="1"/>
+              <a:t>into</a:t>
+            </a:r>
+            <a:r>
+              <a:rPr lang="de-DE" sz="2000" dirty="0"/>
+              <a:t> </a:t>
+            </a:r>
+            <a:r>
+              <a:rPr lang="de-DE" sz="2000" dirty="0" err="1"/>
+              <a:t>performance</a:t>
+            </a:r>
+            <a:r>
+              <a:rPr lang="de-DE" sz="2000" dirty="0"/>
+              <a:t> </a:t>
+            </a:r>
+            <a:r>
+              <a:rPr lang="de-DE" sz="2000" dirty="0" err="1"/>
+              <a:t>of</a:t>
+            </a:r>
+            <a:r>
+              <a:rPr lang="de-DE" sz="2000" dirty="0"/>
+              <a:t> </a:t>
+            </a:r>
+            <a:r>
+              <a:rPr lang="de-DE" sz="2000" dirty="0" err="1"/>
+              <a:t>machines</a:t>
+            </a:r>
+            <a:r>
+              <a:rPr lang="de-DE" sz="2000" dirty="0"/>
+              <a:t> and </a:t>
+            </a:r>
+            <a:r>
+              <a:rPr lang="de-DE" sz="2000" dirty="0" err="1"/>
+              <a:t>equipment</a:t>
+            </a:r>
+            <a:endParaRPr lang="de-DE" sz="2000" dirty="0"/>
+          </a:p>
+          <a:p>
+            <a:r>
+              <a:rPr lang="de-DE" sz="2000" dirty="0"/>
+              <a:t>Ideal </a:t>
+            </a:r>
+            <a:r>
+              <a:rPr lang="de-DE" sz="2000" dirty="0" err="1"/>
+              <a:t>choice</a:t>
+            </a:r>
+            <a:r>
+              <a:rPr lang="de-DE" sz="2000" dirty="0"/>
+              <a:t> </a:t>
+            </a:r>
+            <a:r>
+              <a:rPr lang="de-DE" sz="2000" dirty="0" err="1"/>
+              <a:t>for</a:t>
+            </a:r>
+            <a:r>
+              <a:rPr lang="de-DE" sz="2000" dirty="0"/>
+              <a:t> </a:t>
+            </a:r>
+            <a:r>
+              <a:rPr lang="de-DE" sz="2000" dirty="0" err="1"/>
+              <a:t>applications</a:t>
+            </a:r>
+            <a:r>
+              <a:rPr lang="de-DE" sz="2000" dirty="0"/>
+              <a:t> </a:t>
+            </a:r>
+            <a:r>
+              <a:rPr lang="de-DE" sz="2000" dirty="0" err="1"/>
+              <a:t>where</a:t>
+            </a:r>
+            <a:r>
+              <a:rPr lang="de-DE" sz="2000" dirty="0"/>
+              <a:t> </a:t>
+            </a:r>
+            <a:r>
+              <a:rPr lang="de-DE" sz="2000" dirty="0" err="1"/>
+              <a:t>reliability</a:t>
+            </a:r>
+            <a:r>
+              <a:rPr lang="de-DE" sz="2000" dirty="0"/>
+              <a:t> and </a:t>
+            </a:r>
+            <a:r>
+              <a:rPr lang="de-DE" sz="2000" dirty="0" err="1"/>
+              <a:t>efficiency</a:t>
+            </a:r>
+            <a:r>
+              <a:rPr lang="de-DE" sz="2000" dirty="0"/>
+              <a:t> </a:t>
+            </a:r>
+            <a:r>
+              <a:rPr lang="de-DE" sz="2000" dirty="0" err="1"/>
+              <a:t>are</a:t>
+            </a:r>
+            <a:r>
+              <a:rPr lang="de-DE" sz="2000" dirty="0"/>
+              <a:t> </a:t>
+            </a:r>
+            <a:r>
+              <a:rPr lang="de-DE" sz="2000" dirty="0" err="1"/>
+              <a:t>critical</a:t>
+            </a:r>
+            <a:endParaRPr lang="de-DE" sz="2000" dirty="0"/>
+          </a:p>
+        </p:txBody>
+      </p:sp>
+      <p:sp>
+        <p:nvSpPr>
+          <p:cNvPr id="12" name="Textplatzhalter 3">
+            <a:extLst>
+              <a:ext uri="{FF2B5EF4-FFF2-40B4-BE49-F238E27FC236}">
+                <a16:creationId xmlns:a16="http://schemas.microsoft.com/office/drawing/2014/main" id="{C318BA81-1CB7-2078-BFA0-CD7C26379C3B}"/>
+              </a:ext>
+            </a:extLst>
+          </p:cNvPr>
+          <p:cNvSpPr txBox="1">
+            <a:spLocks/>
           </p:cNvSpPr>
-          <p:nvPr>
-            <p:ph type="subTitle" idx="1"/>
-          </p:nvPr>
-        </p:nvSpPr>
-        <p:spPr/>
-        <p:txBody>
-          <a:bodyPr/>
-          <a:lstStyle/>
-          <a:p>
-            <a:endParaRPr lang="de-DE"/>
+          <p:nvPr/>
+        </p:nvSpPr>
+        <p:spPr>
+          <a:xfrm>
+            <a:off x="8127283" y="1701945"/>
+            <a:ext cx="3575195" cy="823912"/>
+          </a:xfrm>
+          <a:prstGeom prst="rect">
+            <a:avLst/>
+          </a:prstGeom>
+        </p:spPr>
+        <p:txBody>
+          <a:bodyPr vert="horz" lIns="91440" tIns="45720" rIns="91440" bIns="45720" rtlCol="0" anchor="b">
+            <a:normAutofit/>
+          </a:bodyPr>
+          <a:lstStyle>
+            <a:lvl1pPr marL="0" indent="0" algn="l" defTabSz="914400" rtl="0" eaLnBrk="1" latinLnBrk="0" hangingPunct="1">
+              <a:lnSpc>
+                <a:spcPct val="90000"/>
+              </a:lnSpc>
+              <a:spcBef>
+                <a:spcPts val="1000"/>
+              </a:spcBef>
+              <a:buFont typeface="Arial" panose="020B0604020202020204" pitchFamily="34" charset="0"/>
+              <a:buNone/>
+              <a:defRPr sz="2400" b="1" kern="1200">
+                <a:solidFill>
+                  <a:schemeClr val="tx1"/>
+                </a:solidFill>
+                <a:latin typeface="+mn-lt"/>
+                <a:ea typeface="+mn-ea"/>
+                <a:cs typeface="+mn-cs"/>
+              </a:defRPr>
+            </a:lvl1pPr>
+            <a:lvl2pPr marL="457200" indent="0" algn="l" defTabSz="914400" rtl="0" eaLnBrk="1" latinLnBrk="0" hangingPunct="1">
+              <a:lnSpc>
+                <a:spcPct val="90000"/>
+              </a:lnSpc>
+              <a:spcBef>
+                <a:spcPts val="500"/>
+              </a:spcBef>
+              <a:buFont typeface="Arial" panose="020B0604020202020204" pitchFamily="34" charset="0"/>
+              <a:buNone/>
+              <a:defRPr sz="2000" b="1" kern="1200">
+                <a:solidFill>
+                  <a:schemeClr val="tx1"/>
+                </a:solidFill>
+                <a:latin typeface="+mn-lt"/>
+                <a:ea typeface="+mn-ea"/>
+                <a:cs typeface="+mn-cs"/>
+              </a:defRPr>
+            </a:lvl2pPr>
+            <a:lvl3pPr marL="914400" indent="0" algn="l" defTabSz="914400" rtl="0" eaLnBrk="1" latinLnBrk="0" hangingPunct="1">
+              <a:lnSpc>
+                <a:spcPct val="90000"/>
+              </a:lnSpc>
+              <a:spcBef>
+                <a:spcPts val="500"/>
+              </a:spcBef>
+              <a:buFont typeface="Arial" panose="020B0604020202020204" pitchFamily="34" charset="0"/>
+              <a:buNone/>
+              <a:defRPr sz="1800" b="1" kern="1200">
+                <a:solidFill>
+                  <a:schemeClr val="tx1"/>
+                </a:solidFill>
+                <a:latin typeface="+mn-lt"/>
+                <a:ea typeface="+mn-ea"/>
+                <a:cs typeface="+mn-cs"/>
+              </a:defRPr>
+            </a:lvl3pPr>
+            <a:lvl4pPr marL="1371600" indent="0" algn="l" defTabSz="914400" rtl="0" eaLnBrk="1" latinLnBrk="0" hangingPunct="1">
+              <a:lnSpc>
+                <a:spcPct val="90000"/>
+              </a:lnSpc>
+              <a:spcBef>
+                <a:spcPts val="500"/>
+              </a:spcBef>
+              <a:buFont typeface="Arial" panose="020B0604020202020204" pitchFamily="34" charset="0"/>
+              <a:buNone/>
+              <a:defRPr sz="1600" b="1" kern="1200">
+                <a:solidFill>
+                  <a:schemeClr val="tx1"/>
+                </a:solidFill>
+                <a:latin typeface="+mn-lt"/>
+                <a:ea typeface="+mn-ea"/>
+                <a:cs typeface="+mn-cs"/>
+              </a:defRPr>
+            </a:lvl4pPr>
+            <a:lvl5pPr marL="1828800" indent="0" algn="l" defTabSz="914400" rtl="0" eaLnBrk="1" latinLnBrk="0" hangingPunct="1">
+              <a:lnSpc>
+                <a:spcPct val="90000"/>
+              </a:lnSpc>
+              <a:spcBef>
+                <a:spcPts val="500"/>
+              </a:spcBef>
+              <a:buFont typeface="Arial" panose="020B0604020202020204" pitchFamily="34" charset="0"/>
+              <a:buNone/>
+              <a:defRPr sz="1600" b="1" kern="1200">
+                <a:solidFill>
+                  <a:schemeClr val="tx1"/>
+                </a:solidFill>
+                <a:latin typeface="+mn-lt"/>
+                <a:ea typeface="+mn-ea"/>
+                <a:cs typeface="+mn-cs"/>
+              </a:defRPr>
+            </a:lvl5pPr>
+            <a:lvl6pPr marL="2286000" indent="0" algn="l" defTabSz="914400" rtl="0" eaLnBrk="1" latinLnBrk="0" hangingPunct="1">
+              <a:lnSpc>
+                <a:spcPct val="90000"/>
+              </a:lnSpc>
+              <a:spcBef>
+                <a:spcPts val="500"/>
+              </a:spcBef>
+              <a:buFont typeface="Arial" panose="020B0604020202020204" pitchFamily="34" charset="0"/>
+              <a:buNone/>
+              <a:defRPr sz="1600" b="1" kern="1200">
+                <a:solidFill>
+                  <a:schemeClr val="tx1"/>
+                </a:solidFill>
+                <a:latin typeface="+mn-lt"/>
+                <a:ea typeface="+mn-ea"/>
+                <a:cs typeface="+mn-cs"/>
+              </a:defRPr>
+            </a:lvl6pPr>
+            <a:lvl7pPr marL="2743200" indent="0" algn="l" defTabSz="914400" rtl="0" eaLnBrk="1" latinLnBrk="0" hangingPunct="1">
+              <a:lnSpc>
+                <a:spcPct val="90000"/>
+              </a:lnSpc>
+              <a:spcBef>
+                <a:spcPts val="500"/>
+              </a:spcBef>
+              <a:buFont typeface="Arial" panose="020B0604020202020204" pitchFamily="34" charset="0"/>
+              <a:buNone/>
+              <a:defRPr sz="1600" b="1" kern="1200">
+                <a:solidFill>
+                  <a:schemeClr val="tx1"/>
+                </a:solidFill>
+                <a:latin typeface="+mn-lt"/>
+                <a:ea typeface="+mn-ea"/>
+                <a:cs typeface="+mn-cs"/>
+              </a:defRPr>
+            </a:lvl7pPr>
+            <a:lvl8pPr marL="3200400" indent="0" algn="l" defTabSz="914400" rtl="0" eaLnBrk="1" latinLnBrk="0" hangingPunct="1">
+              <a:lnSpc>
+                <a:spcPct val="90000"/>
+              </a:lnSpc>
+              <a:spcBef>
+                <a:spcPts val="500"/>
+              </a:spcBef>
+              <a:buFont typeface="Arial" panose="020B0604020202020204" pitchFamily="34" charset="0"/>
+              <a:buNone/>
+              <a:defRPr sz="1600" b="1" kern="1200">
+                <a:solidFill>
+                  <a:schemeClr val="tx1"/>
+                </a:solidFill>
+                <a:latin typeface="+mn-lt"/>
+                <a:ea typeface="+mn-ea"/>
+                <a:cs typeface="+mn-cs"/>
+              </a:defRPr>
+            </a:lvl8pPr>
+            <a:lvl9pPr marL="3657600" indent="0" algn="l" defTabSz="914400" rtl="0" eaLnBrk="1" latinLnBrk="0" hangingPunct="1">
+              <a:lnSpc>
+                <a:spcPct val="90000"/>
+              </a:lnSpc>
+              <a:spcBef>
+                <a:spcPts val="500"/>
+              </a:spcBef>
+              <a:buFont typeface="Arial" panose="020B0604020202020204" pitchFamily="34" charset="0"/>
+              <a:buNone/>
+              <a:defRPr sz="1600" b="1" kern="1200">
+                <a:solidFill>
+                  <a:schemeClr val="tx1"/>
+                </a:solidFill>
+                <a:latin typeface="+mn-lt"/>
+                <a:ea typeface="+mn-ea"/>
+                <a:cs typeface="+mn-cs"/>
+              </a:defRPr>
+            </a:lvl9pPr>
+          </a:lstStyle>
+          <a:p>
+            <a:r>
+              <a:rPr lang="de-DE" dirty="0"/>
+              <a:t>Cars</a:t>
+            </a:r>
+          </a:p>
+        </p:txBody>
+      </p:sp>
+      <p:sp>
+        <p:nvSpPr>
+          <p:cNvPr id="13" name="Inhaltsplatzhalter 4">
+            <a:extLst>
+              <a:ext uri="{FF2B5EF4-FFF2-40B4-BE49-F238E27FC236}">
+                <a16:creationId xmlns:a16="http://schemas.microsoft.com/office/drawing/2014/main" id="{D68AAB3C-2CFE-02B3-948E-76C69BAF8ACD}"/>
+              </a:ext>
+            </a:extLst>
+          </p:cNvPr>
+          <p:cNvSpPr txBox="1">
+            <a:spLocks/>
+          </p:cNvSpPr>
+          <p:nvPr/>
+        </p:nvSpPr>
+        <p:spPr>
+          <a:xfrm>
+            <a:off x="8127284" y="2525857"/>
+            <a:ext cx="3575194" cy="3684588"/>
+          </a:xfrm>
+          <a:prstGeom prst="rect">
+            <a:avLst/>
+          </a:prstGeom>
+        </p:spPr>
+        <p:txBody>
+          <a:bodyPr vert="horz" lIns="91440" tIns="45720" rIns="91440" bIns="45720" rtlCol="0">
+            <a:normAutofit/>
+          </a:bodyPr>
+          <a:lstStyle>
+            <a:lvl1pPr marL="228600" indent="-228600" algn="l" defTabSz="914400" rtl="0" eaLnBrk="1" latinLnBrk="0" hangingPunct="1">
+              <a:lnSpc>
+                <a:spcPct val="90000"/>
+              </a:lnSpc>
+              <a:spcBef>
+                <a:spcPts val="1000"/>
+              </a:spcBef>
+              <a:buFont typeface="Arial" panose="020B0604020202020204" pitchFamily="34" charset="0"/>
+              <a:buChar char="•"/>
+              <a:defRPr sz="2800" kern="1200">
+                <a:solidFill>
+                  <a:schemeClr val="tx1"/>
+                </a:solidFill>
+                <a:latin typeface="+mn-lt"/>
+                <a:ea typeface="+mn-ea"/>
+                <a:cs typeface="+mn-cs"/>
+              </a:defRPr>
+            </a:lvl1pPr>
+            <a:lvl2pPr marL="685800" indent="-228600" algn="l" defTabSz="914400" rtl="0" eaLnBrk="1" latinLnBrk="0" hangingPunct="1">
+              <a:lnSpc>
+                <a:spcPct val="90000"/>
+              </a:lnSpc>
+              <a:spcBef>
+                <a:spcPts val="500"/>
+              </a:spcBef>
+              <a:buFont typeface="Arial" panose="020B0604020202020204" pitchFamily="34" charset="0"/>
+              <a:buChar char="•"/>
+              <a:defRPr sz="2400" kern="1200">
+                <a:solidFill>
+                  <a:schemeClr val="tx1"/>
+                </a:solidFill>
+                <a:latin typeface="+mn-lt"/>
+                <a:ea typeface="+mn-ea"/>
+                <a:cs typeface="+mn-cs"/>
+              </a:defRPr>
+            </a:lvl2pPr>
+            <a:lvl3pPr marL="1143000" indent="-228600" algn="l" defTabSz="914400" rtl="0" eaLnBrk="1" latinLnBrk="0" hangingPunct="1">
+              <a:lnSpc>
+                <a:spcPct val="90000"/>
+              </a:lnSpc>
+              <a:spcBef>
+                <a:spcPts val="500"/>
+              </a:spcBef>
+              <a:buFont typeface="Arial" panose="020B0604020202020204" pitchFamily="34" charset="0"/>
+              <a:buChar char="•"/>
+              <a:defRPr sz="2000" kern="1200">
+                <a:solidFill>
+                  <a:schemeClr val="tx1"/>
+                </a:solidFill>
+                <a:latin typeface="+mn-lt"/>
+                <a:ea typeface="+mn-ea"/>
+                <a:cs typeface="+mn-cs"/>
+              </a:defRPr>
+            </a:lvl3pPr>
+            <a:lvl4pPr marL="1600200" indent="-228600" algn="l" defTabSz="914400" rtl="0" eaLnBrk="1" latinLnBrk="0" hangingPunct="1">
+              <a:lnSpc>
+                <a:spcPct val="90000"/>
+              </a:lnSpc>
+              <a:spcBef>
+                <a:spcPts val="500"/>
+              </a:spcBef>
+              <a:buFont typeface="Arial" panose="020B0604020202020204" pitchFamily="34" charset="0"/>
+              <a:buChar char="•"/>
+              <a:defRPr sz="1800" kern="1200">
+                <a:solidFill>
+                  <a:schemeClr val="tx1"/>
+                </a:solidFill>
+                <a:latin typeface="+mn-lt"/>
+                <a:ea typeface="+mn-ea"/>
+                <a:cs typeface="+mn-cs"/>
+              </a:defRPr>
+            </a:lvl4pPr>
+            <a:lvl5pPr marL="2057400" indent="-228600" algn="l" defTabSz="914400" rtl="0" eaLnBrk="1" latinLnBrk="0" hangingPunct="1">
+              <a:lnSpc>
+                <a:spcPct val="90000"/>
+              </a:lnSpc>
+              <a:spcBef>
+                <a:spcPts val="500"/>
+              </a:spcBef>
+              <a:buFont typeface="Arial" panose="020B0604020202020204" pitchFamily="34" charset="0"/>
+              <a:buChar char="•"/>
+              <a:defRPr sz="1800" kern="1200">
+                <a:solidFill>
+                  <a:schemeClr val="tx1"/>
+                </a:solidFill>
+                <a:latin typeface="+mn-lt"/>
+                <a:ea typeface="+mn-ea"/>
+                <a:cs typeface="+mn-cs"/>
+              </a:defRPr>
+            </a:lvl5pPr>
+            <a:lvl6pPr marL="2514600" indent="-228600" algn="l" defTabSz="914400" rtl="0" eaLnBrk="1" latinLnBrk="0" hangingPunct="1">
+              <a:lnSpc>
+                <a:spcPct val="90000"/>
+              </a:lnSpc>
+              <a:spcBef>
+                <a:spcPts val="500"/>
+              </a:spcBef>
+              <a:buFont typeface="Arial" panose="020B0604020202020204" pitchFamily="34" charset="0"/>
+              <a:buChar char="•"/>
+              <a:defRPr sz="1800" kern="1200">
+                <a:solidFill>
+                  <a:schemeClr val="tx1"/>
+                </a:solidFill>
+                <a:latin typeface="+mn-lt"/>
+                <a:ea typeface="+mn-ea"/>
+                <a:cs typeface="+mn-cs"/>
+              </a:defRPr>
+            </a:lvl6pPr>
+            <a:lvl7pPr marL="2971800" indent="-228600" algn="l" defTabSz="914400" rtl="0" eaLnBrk="1" latinLnBrk="0" hangingPunct="1">
+              <a:lnSpc>
+                <a:spcPct val="90000"/>
+              </a:lnSpc>
+              <a:spcBef>
+                <a:spcPts val="500"/>
+              </a:spcBef>
+              <a:buFont typeface="Arial" panose="020B0604020202020204" pitchFamily="34" charset="0"/>
+              <a:buChar char="•"/>
+              <a:defRPr sz="1800" kern="1200">
+                <a:solidFill>
+                  <a:schemeClr val="tx1"/>
+                </a:solidFill>
+                <a:latin typeface="+mn-lt"/>
+                <a:ea typeface="+mn-ea"/>
+                <a:cs typeface="+mn-cs"/>
+              </a:defRPr>
+            </a:lvl7pPr>
+            <a:lvl8pPr marL="3429000" indent="-228600" algn="l" defTabSz="914400" rtl="0" eaLnBrk="1" latinLnBrk="0" hangingPunct="1">
+              <a:lnSpc>
+                <a:spcPct val="90000"/>
+              </a:lnSpc>
+              <a:spcBef>
+                <a:spcPts val="500"/>
+              </a:spcBef>
+              <a:buFont typeface="Arial" panose="020B0604020202020204" pitchFamily="34" charset="0"/>
+              <a:buChar char="•"/>
+              <a:defRPr sz="1800" kern="1200">
+                <a:solidFill>
+                  <a:schemeClr val="tx1"/>
+                </a:solidFill>
+                <a:latin typeface="+mn-lt"/>
+                <a:ea typeface="+mn-ea"/>
+                <a:cs typeface="+mn-cs"/>
+              </a:defRPr>
+            </a:lvl8pPr>
+            <a:lvl9pPr marL="3886200" indent="-228600" algn="l" defTabSz="914400" rtl="0" eaLnBrk="1" latinLnBrk="0" hangingPunct="1">
+              <a:lnSpc>
+                <a:spcPct val="90000"/>
+              </a:lnSpc>
+              <a:spcBef>
+                <a:spcPts val="500"/>
+              </a:spcBef>
+              <a:buFont typeface="Arial" panose="020B0604020202020204" pitchFamily="34" charset="0"/>
+              <a:buChar char="•"/>
+              <a:defRPr sz="1800" kern="1200">
+                <a:solidFill>
+                  <a:schemeClr val="tx1"/>
+                </a:solidFill>
+                <a:latin typeface="+mn-lt"/>
+                <a:ea typeface="+mn-ea"/>
+                <a:cs typeface="+mn-cs"/>
+              </a:defRPr>
+            </a:lvl9pPr>
+          </a:lstStyle>
+          <a:p>
+            <a:r>
+              <a:rPr lang="de-DE" sz="2000" dirty="0" err="1"/>
+              <a:t>Used</a:t>
+            </a:r>
+            <a:r>
+              <a:rPr lang="de-DE" sz="2000" dirty="0"/>
+              <a:t> </a:t>
+            </a:r>
+            <a:r>
+              <a:rPr lang="de-DE" sz="2000" dirty="0" err="1"/>
+              <a:t>for</a:t>
+            </a:r>
+            <a:r>
+              <a:rPr lang="de-DE" sz="2000" dirty="0"/>
+              <a:t> </a:t>
+            </a:r>
+            <a:r>
+              <a:rPr lang="de-DE" sz="2000" dirty="0" err="1"/>
+              <a:t>connected</a:t>
+            </a:r>
+            <a:r>
+              <a:rPr lang="de-DE" sz="2000" dirty="0"/>
+              <a:t> </a:t>
+            </a:r>
+            <a:r>
+              <a:rPr lang="de-DE" sz="2000" dirty="0" err="1"/>
+              <a:t>car</a:t>
+            </a:r>
+            <a:r>
+              <a:rPr lang="de-DE" sz="2000" dirty="0"/>
+              <a:t> </a:t>
+            </a:r>
+            <a:r>
+              <a:rPr lang="de-DE" sz="2000" dirty="0" err="1"/>
+              <a:t>applications</a:t>
+            </a:r>
+            <a:endParaRPr lang="de-DE" sz="2000" dirty="0"/>
+          </a:p>
+          <a:p>
+            <a:r>
+              <a:rPr lang="de-DE" sz="2000" dirty="0" err="1"/>
+              <a:t>Allows</a:t>
+            </a:r>
+            <a:r>
+              <a:rPr lang="de-DE" sz="2000" dirty="0"/>
+              <a:t> </a:t>
+            </a:r>
+            <a:r>
+              <a:rPr lang="de-DE" sz="2000" dirty="0" err="1"/>
+              <a:t>cars</a:t>
+            </a:r>
+            <a:r>
+              <a:rPr lang="de-DE" sz="2000" dirty="0"/>
+              <a:t> </a:t>
+            </a:r>
+            <a:r>
+              <a:rPr lang="de-DE" sz="2000" dirty="0" err="1"/>
+              <a:t>to</a:t>
+            </a:r>
+            <a:r>
+              <a:rPr lang="de-DE" sz="2000" dirty="0"/>
+              <a:t> </a:t>
+            </a:r>
+            <a:r>
+              <a:rPr lang="de-DE" sz="2000" dirty="0" err="1"/>
+              <a:t>communicate</a:t>
+            </a:r>
+            <a:r>
+              <a:rPr lang="de-DE" sz="2000" dirty="0"/>
+              <a:t> </a:t>
+            </a:r>
+            <a:r>
+              <a:rPr lang="de-DE" sz="2000" dirty="0" err="1"/>
+              <a:t>with</a:t>
+            </a:r>
+            <a:r>
+              <a:rPr lang="de-DE" sz="2000" dirty="0"/>
+              <a:t> </a:t>
+            </a:r>
+            <a:r>
+              <a:rPr lang="de-DE" sz="2000" dirty="0" err="1"/>
+              <a:t>each</a:t>
+            </a:r>
+            <a:r>
+              <a:rPr lang="de-DE" sz="2000" dirty="0"/>
+              <a:t> </a:t>
+            </a:r>
+            <a:r>
+              <a:rPr lang="de-DE" sz="2000" dirty="0" err="1"/>
+              <a:t>other</a:t>
+            </a:r>
+            <a:r>
+              <a:rPr lang="de-DE" sz="2000" dirty="0"/>
+              <a:t> and </a:t>
+            </a:r>
+            <a:r>
+              <a:rPr lang="de-DE" sz="2000" dirty="0" err="1"/>
+              <a:t>infrastructure</a:t>
+            </a:r>
+            <a:r>
+              <a:rPr lang="de-DE" sz="2000" dirty="0"/>
+              <a:t> in real time</a:t>
+            </a:r>
+          </a:p>
+          <a:p>
+            <a:r>
+              <a:rPr lang="de-DE" sz="2000" dirty="0" err="1"/>
+              <a:t>Improving</a:t>
+            </a:r>
+            <a:r>
+              <a:rPr lang="de-DE" sz="2000" dirty="0"/>
+              <a:t> </a:t>
+            </a:r>
+            <a:r>
+              <a:rPr lang="de-DE" sz="2000" dirty="0" err="1"/>
+              <a:t>safety</a:t>
+            </a:r>
+            <a:r>
+              <a:rPr lang="de-DE" sz="2000" dirty="0"/>
+              <a:t> and </a:t>
+            </a:r>
+            <a:r>
+              <a:rPr lang="de-DE" sz="2000" dirty="0" err="1"/>
+              <a:t>efficiency</a:t>
+            </a:r>
+            <a:r>
+              <a:rPr lang="de-DE" sz="2000" dirty="0"/>
+              <a:t> on </a:t>
+            </a:r>
+            <a:r>
+              <a:rPr lang="de-DE" sz="2000" dirty="0" err="1"/>
+              <a:t>the</a:t>
+            </a:r>
+            <a:r>
+              <a:rPr lang="de-DE" sz="2000" dirty="0"/>
+              <a:t> </a:t>
+            </a:r>
+            <a:r>
+              <a:rPr lang="de-DE" sz="2000" dirty="0" err="1"/>
+              <a:t>roads</a:t>
+            </a:r>
+            <a:endParaRPr lang="de-DE" sz="2000" dirty="0"/>
+          </a:p>
+          <a:p>
+            <a:r>
+              <a:rPr lang="de-DE" sz="2000" dirty="0"/>
+              <a:t>Ideal </a:t>
+            </a:r>
+            <a:r>
+              <a:rPr lang="de-DE" sz="2000" dirty="0" err="1"/>
+              <a:t>choice</a:t>
+            </a:r>
+            <a:r>
+              <a:rPr lang="de-DE" sz="2000" dirty="0"/>
+              <a:t> </a:t>
+            </a:r>
+            <a:r>
+              <a:rPr lang="de-DE" sz="2000" dirty="0" err="1"/>
+              <a:t>for</a:t>
+            </a:r>
+            <a:r>
+              <a:rPr lang="de-DE" sz="2000" dirty="0"/>
+              <a:t> time sensitive </a:t>
+            </a:r>
+            <a:r>
+              <a:rPr lang="de-DE" sz="2000" dirty="0" err="1"/>
+              <a:t>applications</a:t>
+            </a:r>
+            <a:r>
+              <a:rPr lang="de-DE" sz="2000" dirty="0"/>
+              <a:t>, </a:t>
+            </a:r>
+            <a:r>
+              <a:rPr lang="de-DE" sz="2000" dirty="0" err="1"/>
+              <a:t>because</a:t>
+            </a:r>
+            <a:r>
+              <a:rPr lang="de-DE" sz="2000" dirty="0"/>
+              <a:t> </a:t>
+            </a:r>
+            <a:r>
+              <a:rPr lang="de-DE" sz="2000" dirty="0" err="1"/>
+              <a:t>of</a:t>
+            </a:r>
+            <a:r>
+              <a:rPr lang="de-DE" sz="2000" dirty="0"/>
+              <a:t> </a:t>
+            </a:r>
+            <a:r>
+              <a:rPr lang="de-DE" sz="2000" dirty="0" err="1"/>
+              <a:t>low</a:t>
+            </a:r>
+            <a:r>
+              <a:rPr lang="de-DE" sz="2000" dirty="0"/>
+              <a:t> </a:t>
+            </a:r>
+            <a:r>
+              <a:rPr lang="de-DE" sz="2000" dirty="0" err="1"/>
+              <a:t>latency</a:t>
+            </a:r>
+            <a:r>
+              <a:rPr lang="de-DE" sz="2000" dirty="0"/>
+              <a:t> and QoS </a:t>
+            </a:r>
+            <a:r>
+              <a:rPr lang="de-DE" sz="2000" dirty="0" err="1"/>
+              <a:t>levels</a:t>
+            </a:r>
+            <a:endParaRPr lang="de-DE" sz="2000" dirty="0"/>
           </a:p>
         </p:txBody>
       </p:sp>
     </p:spTree>
     <p:extLst>
       <p:ext uri="{BB962C8B-B14F-4D97-AF65-F5344CB8AC3E}">
-        <p14:creationId xmlns:p14="http://schemas.microsoft.com/office/powerpoint/2010/main" val="1996518343"/>
+        <p14:creationId xmlns:p14="http://schemas.microsoft.com/office/powerpoint/2010/main" val="969927176"/>
       </p:ext>
     </p:extLst>
   </p:cSld>
@@ -4278,4 +9753,299 @@
     </a:ext>
   </a:extLst>
 </a:theme>
+</file>
+
+<file path=ppt/theme/theme2.xml><?xml version="1.0" encoding="utf-8"?>
+<a:theme xmlns:a="http://schemas.openxmlformats.org/drawingml/2006/main" name="Office">
+  <a:themeElements>
+    <a:clrScheme name="Office">
+      <a:dk1>
+        <a:sysClr val="windowText" lastClr="000000"/>
+      </a:dk1>
+      <a:lt1>
+        <a:sysClr val="window" lastClr="FFFFFF"/>
+      </a:lt1>
+      <a:dk2>
+        <a:srgbClr val="44546A"/>
+      </a:dk2>
+      <a:lt2>
+        <a:srgbClr val="E7E6E6"/>
+      </a:lt2>
+      <a:accent1>
+        <a:srgbClr val="4472C4"/>
+      </a:accent1>
+      <a:accent2>
+        <a:srgbClr val="ED7D31"/>
+      </a:accent2>
+      <a:accent3>
+        <a:srgbClr val="A5A5A5"/>
+      </a:accent3>
+      <a:accent4>
+        <a:srgbClr val="FFC000"/>
+      </a:accent4>
+      <a:accent5>
+        <a:srgbClr val="5B9BD5"/>
+      </a:accent5>
+      <a:accent6>
+        <a:srgbClr val="70AD47"/>
+      </a:accent6>
+      <a:hlink>
+        <a:srgbClr val="0563C1"/>
+      </a:hlink>
+      <a:folHlink>
+        <a:srgbClr val="954F72"/>
+      </a:folHlink>
+    </a:clrScheme>
+    <a:fontScheme name="Office">
+      <a:majorFont>
+        <a:latin typeface="Calibri Light" panose="020F0302020204030204"/>
+        <a:ea typeface=""/>
+        <a:cs typeface=""/>
+        <a:font script="Jpan" typeface="游ゴシック Light"/>
+        <a:font script="Hang" typeface="맑은 고딕"/>
+        <a:font script="Hans" typeface="等线 Light"/>
+        <a:font script="Hant" typeface="新細明體"/>
+        <a:font script="Arab" typeface="Times New Roman"/>
+        <a:font script="Hebr" typeface="Times New Roman"/>
+        <a:font script="Thai" typeface="Angsana New"/>
+        <a:font script="Ethi" typeface="Nyala"/>
+        <a:font script="Beng" typeface="Vrinda"/>
+        <a:font script="Gujr" typeface="Shruti"/>
+        <a:font script="Khmr" typeface="MoolBoran"/>
+        <a:font script="Knda" typeface="Tunga"/>
+        <a:font script="Guru" typeface="Raavi"/>
+        <a:font script="Cans" typeface="Euphemia"/>
+        <a:font script="Cher" typeface="Plantagenet Cherokee"/>
+        <a:font script="Yiii" typeface="Microsoft Yi Baiti"/>
+        <a:font script="Tibt" typeface="Microsoft Himalaya"/>
+        <a:font script="Thaa" typeface="MV Boli"/>
+        <a:font script="Deva" typeface="Mangal"/>
+        <a:font script="Telu" typeface="Gautami"/>
+        <a:font script="Taml" typeface="Latha"/>
+        <a:font script="Syrc" typeface="Estrangelo Edessa"/>
+        <a:font script="Orya" typeface="Kalinga"/>
+        <a:font script="Mlym" typeface="Kartika"/>
+        <a:font script="Laoo" typeface="DokChampa"/>
+        <a:font script="Sinh" typeface="Iskoola Pota"/>
+        <a:font script="Mong" typeface="Mongolian Baiti"/>
+        <a:font script="Viet" typeface="Times New Roman"/>
+        <a:font script="Uigh" typeface="Microsoft Uighur"/>
+        <a:font script="Geor" typeface="Sylfaen"/>
+        <a:font script="Armn" typeface="Arial"/>
+        <a:font script="Bugi" typeface="Leelawadee UI"/>
+        <a:font script="Bopo" typeface="Microsoft JhengHei"/>
+        <a:font script="Java" typeface="Javanese Text"/>
+        <a:font script="Lisu" typeface="Segoe UI"/>
+        <a:font script="Mymr" typeface="Myanmar Text"/>
+        <a:font script="Nkoo" typeface="Ebrima"/>
+        <a:font script="Olck" typeface="Nirmala UI"/>
+        <a:font script="Osma" typeface="Ebrima"/>
+        <a:font script="Phag" typeface="Phagspa"/>
+        <a:font script="Syrn" typeface="Estrangelo Edessa"/>
+        <a:font script="Syrj" typeface="Estrangelo Edessa"/>
+        <a:font script="Syre" typeface="Estrangelo Edessa"/>
+        <a:font script="Sora" typeface="Nirmala UI"/>
+        <a:font script="Tale" typeface="Microsoft Tai Le"/>
+        <a:font script="Talu" typeface="Microsoft New Tai Lue"/>
+        <a:font script="Tfng" typeface="Ebrima"/>
+      </a:majorFont>
+      <a:minorFont>
+        <a:latin typeface="Calibri" panose="020F0502020204030204"/>
+        <a:ea typeface=""/>
+        <a:cs typeface=""/>
+        <a:font script="Jpan" typeface="游ゴシック"/>
+        <a:font script="Hang" typeface="맑은 고딕"/>
+        <a:font script="Hans" typeface="等线"/>
+        <a:font script="Hant" typeface="新細明體"/>
+        <a:font script="Arab" typeface="Arial"/>
+        <a:font script="Hebr" typeface="Arial"/>
+        <a:font script="Thai" typeface="Cordia New"/>
+        <a:font script="Ethi" typeface="Nyala"/>
+        <a:font script="Beng" typeface="Vrinda"/>
+        <a:font script="Gujr" typeface="Shruti"/>
+        <a:font script="Khmr" typeface="DaunPenh"/>
+        <a:font script="Knda" typeface="Tunga"/>
+        <a:font script="Guru" typeface="Raavi"/>
+        <a:font script="Cans" typeface="Euphemia"/>
+        <a:font script="Cher" typeface="Plantagenet Cherokee"/>
+        <a:font script="Yiii" typeface="Microsoft Yi Baiti"/>
+        <a:font script="Tibt" typeface="Microsoft Himalaya"/>
+        <a:font script="Thaa" typeface="MV Boli"/>
+        <a:font script="Deva" typeface="Mangal"/>
+        <a:font script="Telu" typeface="Gautami"/>
+        <a:font script="Taml" typeface="Latha"/>
+        <a:font script="Syrc" typeface="Estrangelo Edessa"/>
+        <a:font script="Orya" typeface="Kalinga"/>
+        <a:font script="Mlym" typeface="Kartika"/>
+        <a:font script="Laoo" typeface="DokChampa"/>
+        <a:font script="Sinh" typeface="Iskoola Pota"/>
+        <a:font script="Mong" typeface="Mongolian Baiti"/>
+        <a:font script="Viet" typeface="Arial"/>
+        <a:font script="Uigh" typeface="Microsoft Uighur"/>
+        <a:font script="Geor" typeface="Sylfaen"/>
+        <a:font script="Armn" typeface="Arial"/>
+        <a:font script="Bugi" typeface="Leelawadee UI"/>
+        <a:font script="Bopo" typeface="Microsoft JhengHei"/>
+        <a:font script="Java" typeface="Javanese Text"/>
+        <a:font script="Lisu" typeface="Segoe UI"/>
+        <a:font script="Mymr" typeface="Myanmar Text"/>
+        <a:font script="Nkoo" typeface="Ebrima"/>
+        <a:font script="Olck" typeface="Nirmala UI"/>
+        <a:font script="Osma" typeface="Ebrima"/>
+        <a:font script="Phag" typeface="Phagspa"/>
+        <a:font script="Syrn" typeface="Estrangelo Edessa"/>
+        <a:font script="Syrj" typeface="Estrangelo Edessa"/>
+        <a:font script="Syre" typeface="Estrangelo Edessa"/>
+        <a:font script="Sora" typeface="Nirmala UI"/>
+        <a:font script="Tale" typeface="Microsoft Tai Le"/>
+        <a:font script="Talu" typeface="Microsoft New Tai Lue"/>
+        <a:font script="Tfng" typeface="Ebrima"/>
+      </a:minorFont>
+    </a:fontScheme>
+    <a:fmtScheme name="Office">
+      <a:fillStyleLst>
+        <a:solidFill>
+          <a:schemeClr val="phClr"/>
+        </a:solidFill>
+        <a:gradFill rotWithShape="1">
+          <a:gsLst>
+            <a:gs pos="0">
+              <a:schemeClr val="phClr">
+                <a:lumMod val="110000"/>
+                <a:satMod val="105000"/>
+                <a:tint val="67000"/>
+              </a:schemeClr>
+            </a:gs>
+            <a:gs pos="50000">
+              <a:schemeClr val="phClr">
+                <a:lumMod val="105000"/>
+                <a:satMod val="103000"/>
+                <a:tint val="73000"/>
+              </a:schemeClr>
+            </a:gs>
+            <a:gs pos="100000">
+              <a:schemeClr val="phClr">
+                <a:lumMod val="105000"/>
+                <a:satMod val="109000"/>
+                <a:tint val="81000"/>
+              </a:schemeClr>
+            </a:gs>
+          </a:gsLst>
+          <a:lin ang="5400000" scaled="0"/>
+        </a:gradFill>
+        <a:gradFill rotWithShape="1">
+          <a:gsLst>
+            <a:gs pos="0">
+              <a:schemeClr val="phClr">
+                <a:satMod val="103000"/>
+                <a:lumMod val="102000"/>
+                <a:tint val="94000"/>
+              </a:schemeClr>
+            </a:gs>
+            <a:gs pos="50000">
+              <a:schemeClr val="phClr">
+                <a:satMod val="110000"/>
+                <a:lumMod val="100000"/>
+                <a:shade val="100000"/>
+              </a:schemeClr>
+            </a:gs>
+            <a:gs pos="100000">
+              <a:schemeClr val="phClr">
+                <a:lumMod val="99000"/>
+                <a:satMod val="120000"/>
+                <a:shade val="78000"/>
+              </a:schemeClr>
+            </a:gs>
+          </a:gsLst>
+          <a:lin ang="5400000" scaled="0"/>
+        </a:gradFill>
+      </a:fillStyleLst>
+      <a:lnStyleLst>
+        <a:ln w="6350" cap="flat" cmpd="sng" algn="ctr">
+          <a:solidFill>
+            <a:schemeClr val="phClr"/>
+          </a:solidFill>
+          <a:prstDash val="solid"/>
+          <a:miter lim="800000"/>
+        </a:ln>
+        <a:ln w="12700" cap="flat" cmpd="sng" algn="ctr">
+          <a:solidFill>
+            <a:schemeClr val="phClr"/>
+          </a:solidFill>
+          <a:prstDash val="solid"/>
+          <a:miter lim="800000"/>
+        </a:ln>
+        <a:ln w="19050" cap="flat" cmpd="sng" algn="ctr">
+          <a:solidFill>
+            <a:schemeClr val="phClr"/>
+          </a:solidFill>
+          <a:prstDash val="solid"/>
+          <a:miter lim="800000"/>
+        </a:ln>
+      </a:lnStyleLst>
+      <a:effectStyleLst>
+        <a:effectStyle>
+          <a:effectLst/>
+        </a:effectStyle>
+        <a:effectStyle>
+          <a:effectLst/>
+        </a:effectStyle>
+        <a:effectStyle>
+          <a:effectLst>
+            <a:outerShdw blurRad="57150" dist="19050" dir="5400000" algn="ctr" rotWithShape="0">
+              <a:srgbClr val="000000">
+                <a:alpha val="63000"/>
+              </a:srgbClr>
+            </a:outerShdw>
+          </a:effectLst>
+        </a:effectStyle>
+      </a:effectStyleLst>
+      <a:bgFillStyleLst>
+        <a:solidFill>
+          <a:schemeClr val="phClr"/>
+        </a:solidFill>
+        <a:solidFill>
+          <a:schemeClr val="phClr">
+            <a:tint val="95000"/>
+            <a:satMod val="170000"/>
+          </a:schemeClr>
+        </a:solidFill>
+        <a:gradFill rotWithShape="1">
+          <a:gsLst>
+            <a:gs pos="0">
+              <a:schemeClr val="phClr">
+                <a:tint val="93000"/>
+                <a:satMod val="150000"/>
+                <a:shade val="98000"/>
+                <a:lumMod val="102000"/>
+              </a:schemeClr>
+            </a:gs>
+            <a:gs pos="50000">
+              <a:schemeClr val="phClr">
+                <a:tint val="98000"/>
+                <a:satMod val="130000"/>
+                <a:shade val="90000"/>
+                <a:lumMod val="103000"/>
+              </a:schemeClr>
+            </a:gs>
+            <a:gs pos="100000">
+              <a:schemeClr val="phClr">
+                <a:shade val="63000"/>
+                <a:satMod val="120000"/>
+              </a:schemeClr>
+            </a:gs>
+          </a:gsLst>
+          <a:lin ang="5400000" scaled="0"/>
+        </a:gradFill>
+      </a:bgFillStyleLst>
+    </a:fmtScheme>
+  </a:themeElements>
+  <a:objectDefaults/>
+  <a:extraClrSchemeLst/>
+  <a:extLst>
+    <a:ext uri="{05A4C25C-085E-4340-85A3-A5531E510DB2}">
+      <thm15:themeFamily xmlns:thm15="http://schemas.microsoft.com/office/thememl/2012/main" name="Office Theme" id="{62F939B6-93AF-4DB8-9C6B-D6C7DFDC589F}" vid="{4A3C46E8-61CC-4603-A589-7422A47A8E4A}"/>
+    </a:ext>
+  </a:extLst>
+</a:theme>
 </file>
--- a/Presentation/Jonas MQTT.pptx
+++ b/Presentation/Jonas MQTT.pptx
@@ -11,8 +11,8 @@
     <p:sldId id="256" r:id="rId2"/>
     <p:sldId id="257" r:id="rId3"/>
     <p:sldId id="263" r:id="rId4"/>
-    <p:sldId id="277" r:id="rId5"/>
-    <p:sldId id="276" r:id="rId6"/>
+    <p:sldId id="276" r:id="rId5"/>
+    <p:sldId id="281" r:id="rId6"/>
     <p:sldId id="275" r:id="rId7"/>
     <p:sldId id="278" r:id="rId8"/>
     <p:sldId id="270" r:id="rId9"/>
@@ -208,7 +208,7 @@
           <a:p>
             <a:fld id="{AF0DA209-1851-4B23-8A4D-0FAF455351D0}" type="datetimeFigureOut">
               <a:rPr lang="de-DE" smtClean="0"/>
-              <a:t>06.11.2023</a:t>
+              <a:t>09.11.2023</a:t>
             </a:fld>
             <a:endParaRPr lang="de-DE"/>
           </a:p>
@@ -604,9 +604,10 @@
           <a:lstStyle/>
           <a:p>
             <a:r>
-              <a:rPr lang="de-DE" dirty="0"/>
-              <a:t>Teaser</a:t>
-            </a:r>
+              <a:rPr lang="de-DE" dirty="0" err="1"/>
+              <a:t>Explaination</a:t>
+            </a:r>
+            <a:endParaRPr lang="de-DE" dirty="0"/>
           </a:p>
         </p:txBody>
       </p:sp>
@@ -628,94 +629,6 @@
             <a:fld id="{2E3129D7-B49F-44F2-BFF4-6285AD690B0C}" type="slidenum">
               <a:rPr lang="de-DE" smtClean="0"/>
               <a:t>4</a:t>
-            </a:fld>
-            <a:endParaRPr lang="de-DE"/>
-          </a:p>
-        </p:txBody>
-      </p:sp>
-    </p:spTree>
-    <p:extLst>
-      <p:ext uri="{BB962C8B-B14F-4D97-AF65-F5344CB8AC3E}">
-        <p14:creationId xmlns:p14="http://schemas.microsoft.com/office/powerpoint/2010/main" val="2228031707"/>
-      </p:ext>
-    </p:extLst>
-  </p:cSld>
-  <p:clrMapOvr>
-    <a:masterClrMapping/>
-  </p:clrMapOvr>
-</p:notes>
-</file>
-
-<file path=ppt/notesSlides/notesSlide3.xml><?xml version="1.0" encoding="utf-8"?>
-<p:notes xmlns:a="http://schemas.openxmlformats.org/drawingml/2006/main" xmlns:r="http://schemas.openxmlformats.org/officeDocument/2006/relationships" xmlns:p="http://schemas.openxmlformats.org/presentationml/2006/main">
-  <p:cSld>
-    <p:spTree>
-      <p:nvGrpSpPr>
-        <p:cNvPr id="1" name=""/>
-        <p:cNvGrpSpPr/>
-        <p:nvPr/>
-      </p:nvGrpSpPr>
-      <p:grpSpPr>
-        <a:xfrm>
-          <a:off x="0" y="0"/>
-          <a:ext cx="0" cy="0"/>
-          <a:chOff x="0" y="0"/>
-          <a:chExt cx="0" cy="0"/>
-        </a:xfrm>
-      </p:grpSpPr>
-      <p:sp>
-        <p:nvSpPr>
-          <p:cNvPr id="2" name="Folienbildplatzhalter 1"/>
-          <p:cNvSpPr>
-            <a:spLocks noGrp="1" noRot="1" noChangeAspect="1"/>
-          </p:cNvSpPr>
-          <p:nvPr>
-            <p:ph type="sldImg"/>
-          </p:nvPr>
-        </p:nvSpPr>
-        <p:spPr/>
-      </p:sp>
-      <p:sp>
-        <p:nvSpPr>
-          <p:cNvPr id="3" name="Notizenplatzhalter 2"/>
-          <p:cNvSpPr>
-            <a:spLocks noGrp="1"/>
-          </p:cNvSpPr>
-          <p:nvPr>
-            <p:ph type="body" idx="1"/>
-          </p:nvPr>
-        </p:nvSpPr>
-        <p:spPr/>
-        <p:txBody>
-          <a:bodyPr/>
-          <a:lstStyle/>
-          <a:p>
-            <a:r>
-              <a:rPr lang="de-DE" dirty="0" err="1"/>
-              <a:t>Explaination</a:t>
-            </a:r>
-            <a:endParaRPr lang="de-DE" dirty="0"/>
-          </a:p>
-        </p:txBody>
-      </p:sp>
-      <p:sp>
-        <p:nvSpPr>
-          <p:cNvPr id="4" name="Foliennummernplatzhalter 3"/>
-          <p:cNvSpPr>
-            <a:spLocks noGrp="1"/>
-          </p:cNvSpPr>
-          <p:nvPr>
-            <p:ph type="sldNum" sz="quarter" idx="5"/>
-          </p:nvPr>
-        </p:nvSpPr>
-        <p:spPr/>
-        <p:txBody>
-          <a:bodyPr/>
-          <a:lstStyle/>
-          <a:p>
-            <a:fld id="{2E3129D7-B49F-44F2-BFF4-6285AD690B0C}" type="slidenum">
-              <a:rPr lang="de-DE" smtClean="0"/>
-              <a:t>5</a:t>
             </a:fld>
             <a:endParaRPr lang="de-DE"/>
           </a:p>
@@ -784,7 +697,7 @@
           <a:noFill/>
           <a:extLst>
             <a:ext uri="{909E8E84-426E-40dd-AFC4-6F175D3DCCD1}">
-              <a14:hiddenFill xmlns:a14="http://schemas.microsoft.com/office/drawing/2010/main" xmlns="">
+              <a14:hiddenFill xmlns="" xmlns:a14="http://schemas.microsoft.com/office/drawing/2010/main">
                 <a:solidFill>
                   <a:srgbClr val="FFFFFF"/>
                 </a:solidFill>
@@ -844,7 +757,7 @@
             </a:ln>
             <a:extLst>
               <a:ext uri="{91240B29-F687-4f45-9708-019B960494DF}">
-                <a14:hiddenLine xmlns:a14="http://schemas.microsoft.com/office/drawing/2010/main" xmlns="" w="9525">
+                <a14:hiddenLine xmlns="" xmlns:a14="http://schemas.microsoft.com/office/drawing/2010/main" w="9525">
                   <a:solidFill>
                     <a:srgbClr val="000000"/>
                   </a:solidFill>
@@ -934,7 +847,7 @@
             </a:ln>
             <a:extLst>
               <a:ext uri="{91240B29-F687-4f45-9708-019B960494DF}">
-                <a14:hiddenLine xmlns:a14="http://schemas.microsoft.com/office/drawing/2010/main" xmlns="" w="9525">
+                <a14:hiddenLine xmlns="" xmlns:a14="http://schemas.microsoft.com/office/drawing/2010/main" w="9525">
                   <a:solidFill>
                     <a:srgbClr val="000000"/>
                   </a:solidFill>
@@ -1024,7 +937,7 @@
             </a:ln>
             <a:extLst>
               <a:ext uri="{91240B29-F687-4f45-9708-019B960494DF}">
-                <a14:hiddenLine xmlns:a14="http://schemas.microsoft.com/office/drawing/2010/main" xmlns="" w="9525">
+                <a14:hiddenLine xmlns="" xmlns:a14="http://schemas.microsoft.com/office/drawing/2010/main" w="9525">
                   <a:solidFill>
                     <a:srgbClr val="000000"/>
                   </a:solidFill>
@@ -1058,7 +971,7 @@
             </a:ln>
             <a:extLst>
               <a:ext uri="{91240B29-F687-4f45-9708-019B960494DF}">
-                <a14:hiddenLine xmlns:a14="http://schemas.microsoft.com/office/drawing/2010/main" xmlns="" w="9525">
+                <a14:hiddenLine xmlns="" xmlns:a14="http://schemas.microsoft.com/office/drawing/2010/main" w="9525">
                   <a:solidFill>
                     <a:srgbClr val="000000"/>
                   </a:solidFill>
@@ -1148,7 +1061,7 @@
             </a:ln>
             <a:extLst>
               <a:ext uri="{91240B29-F687-4f45-9708-019B960494DF}">
-                <a14:hiddenLine xmlns:a14="http://schemas.microsoft.com/office/drawing/2010/main" xmlns="" w="9525">
+                <a14:hiddenLine xmlns="" xmlns:a14="http://schemas.microsoft.com/office/drawing/2010/main" w="9525">
                   <a:solidFill>
                     <a:srgbClr val="000000"/>
                   </a:solidFill>
@@ -1210,7 +1123,7 @@
             </a:ln>
             <a:extLst>
               <a:ext uri="{91240B29-F687-4f45-9708-019B960494DF}">
-                <a14:hiddenLine xmlns:a14="http://schemas.microsoft.com/office/drawing/2010/main" xmlns="" w="9525">
+                <a14:hiddenLine xmlns="" xmlns:a14="http://schemas.microsoft.com/office/drawing/2010/main" w="9525">
                   <a:solidFill>
                     <a:srgbClr val="000000"/>
                   </a:solidFill>
@@ -1272,7 +1185,7 @@
             </a:ln>
             <a:extLst>
               <a:ext uri="{91240B29-F687-4f45-9708-019B960494DF}">
-                <a14:hiddenLine xmlns:a14="http://schemas.microsoft.com/office/drawing/2010/main" xmlns="" w="9525">
+                <a14:hiddenLine xmlns="" xmlns:a14="http://schemas.microsoft.com/office/drawing/2010/main" w="9525">
                   <a:solidFill>
                     <a:srgbClr val="000000"/>
                   </a:solidFill>
@@ -1362,7 +1275,7 @@
             </a:ln>
             <a:extLst>
               <a:ext uri="{91240B29-F687-4f45-9708-019B960494DF}">
-                <a14:hiddenLine xmlns:a14="http://schemas.microsoft.com/office/drawing/2010/main" xmlns="" w="9525">
+                <a14:hiddenLine xmlns="" xmlns:a14="http://schemas.microsoft.com/office/drawing/2010/main" w="9525">
                   <a:solidFill>
                     <a:srgbClr val="000000"/>
                   </a:solidFill>
@@ -1424,7 +1337,7 @@
             </a:ln>
             <a:extLst>
               <a:ext uri="{91240B29-F687-4f45-9708-019B960494DF}">
-                <a14:hiddenLine xmlns:a14="http://schemas.microsoft.com/office/drawing/2010/main" xmlns="" w="9525">
+                <a14:hiddenLine xmlns="" xmlns:a14="http://schemas.microsoft.com/office/drawing/2010/main" w="9525">
                   <a:solidFill>
                     <a:srgbClr val="000000"/>
                   </a:solidFill>
@@ -1486,7 +1399,7 @@
             </a:ln>
             <a:extLst>
               <a:ext uri="{91240B29-F687-4f45-9708-019B960494DF}">
-                <a14:hiddenLine xmlns:a14="http://schemas.microsoft.com/office/drawing/2010/main" xmlns="" w="9525">
+                <a14:hiddenLine xmlns="" xmlns:a14="http://schemas.microsoft.com/office/drawing/2010/main" w="9525">
                   <a:solidFill>
                     <a:srgbClr val="000000"/>
                   </a:solidFill>
@@ -1576,7 +1489,7 @@
             </a:ln>
             <a:extLst>
               <a:ext uri="{91240B29-F687-4f45-9708-019B960494DF}">
-                <a14:hiddenLine xmlns:a14="http://schemas.microsoft.com/office/drawing/2010/main" xmlns="" w="9525">
+                <a14:hiddenLine xmlns="" xmlns:a14="http://schemas.microsoft.com/office/drawing/2010/main" w="9525">
                   <a:solidFill>
                     <a:srgbClr val="000000"/>
                   </a:solidFill>
@@ -1666,7 +1579,7 @@
             </a:ln>
             <a:extLst>
               <a:ext uri="{91240B29-F687-4f45-9708-019B960494DF}">
-                <a14:hiddenLine xmlns:a14="http://schemas.microsoft.com/office/drawing/2010/main" xmlns="" w="9525">
+                <a14:hiddenLine xmlns="" xmlns:a14="http://schemas.microsoft.com/office/drawing/2010/main" w="9525">
                   <a:solidFill>
                     <a:srgbClr val="000000"/>
                   </a:solidFill>
@@ -1728,7 +1641,7 @@
             </a:ln>
             <a:extLst>
               <a:ext uri="{91240B29-F687-4f45-9708-019B960494DF}">
-                <a14:hiddenLine xmlns:a14="http://schemas.microsoft.com/office/drawing/2010/main" xmlns="" w="9525">
+                <a14:hiddenLine xmlns="" xmlns:a14="http://schemas.microsoft.com/office/drawing/2010/main" w="9525">
                   <a:solidFill>
                     <a:srgbClr val="000000"/>
                   </a:solidFill>
@@ -1838,7 +1751,7 @@
             </a:ln>
             <a:extLst>
               <a:ext uri="{91240B29-F687-4f45-9708-019B960494DF}">
-                <a14:hiddenLine xmlns:a14="http://schemas.microsoft.com/office/drawing/2010/main" xmlns="" w="9525">
+                <a14:hiddenLine xmlns="" xmlns:a14="http://schemas.microsoft.com/office/drawing/2010/main" w="9525">
                   <a:solidFill>
                     <a:srgbClr val="000000"/>
                   </a:solidFill>
@@ -1900,7 +1813,7 @@
             </a:ln>
             <a:extLst>
               <a:ext uri="{91240B29-F687-4f45-9708-019B960494DF}">
-                <a14:hiddenLine xmlns:a14="http://schemas.microsoft.com/office/drawing/2010/main" xmlns="" w="9525">
+                <a14:hiddenLine xmlns="" xmlns:a14="http://schemas.microsoft.com/office/drawing/2010/main" w="9525">
                   <a:solidFill>
                     <a:srgbClr val="000000"/>
                   </a:solidFill>
@@ -1990,7 +1903,7 @@
             </a:ln>
             <a:extLst>
               <a:ext uri="{91240B29-F687-4f45-9708-019B960494DF}">
-                <a14:hiddenLine xmlns:a14="http://schemas.microsoft.com/office/drawing/2010/main" xmlns="" w="9525">
+                <a14:hiddenLine xmlns="" xmlns:a14="http://schemas.microsoft.com/office/drawing/2010/main" w="9525">
                   <a:solidFill>
                     <a:srgbClr val="000000"/>
                   </a:solidFill>
@@ -2080,7 +1993,7 @@
             </a:ln>
             <a:extLst>
               <a:ext uri="{91240B29-F687-4f45-9708-019B960494DF}">
-                <a14:hiddenLine xmlns:a14="http://schemas.microsoft.com/office/drawing/2010/main" xmlns="" w="9525">
+                <a14:hiddenLine xmlns="" xmlns:a14="http://schemas.microsoft.com/office/drawing/2010/main" w="9525">
                   <a:solidFill>
                     <a:srgbClr val="000000"/>
                   </a:solidFill>
@@ -2142,7 +2055,7 @@
             </a:ln>
             <a:extLst>
               <a:ext uri="{91240B29-F687-4f45-9708-019B960494DF}">
-                <a14:hiddenLine xmlns:a14="http://schemas.microsoft.com/office/drawing/2010/main" xmlns="" w="9525">
+                <a14:hiddenLine xmlns="" xmlns:a14="http://schemas.microsoft.com/office/drawing/2010/main" w="9525">
                   <a:solidFill>
                     <a:srgbClr val="000000"/>
                   </a:solidFill>
@@ -2232,7 +2145,7 @@
             </a:ln>
             <a:extLst>
               <a:ext uri="{91240B29-F687-4f45-9708-019B960494DF}">
-                <a14:hiddenLine xmlns:a14="http://schemas.microsoft.com/office/drawing/2010/main" xmlns="" w="9525">
+                <a14:hiddenLine xmlns="" xmlns:a14="http://schemas.microsoft.com/office/drawing/2010/main" w="9525">
                   <a:solidFill>
                     <a:srgbClr val="000000"/>
                   </a:solidFill>
@@ -2322,7 +2235,7 @@
             </a:ln>
             <a:extLst>
               <a:ext uri="{91240B29-F687-4f45-9708-019B960494DF}">
-                <a14:hiddenLine xmlns:a14="http://schemas.microsoft.com/office/drawing/2010/main" xmlns="" w="9525">
+                <a14:hiddenLine xmlns="" xmlns:a14="http://schemas.microsoft.com/office/drawing/2010/main" w="9525">
                   <a:solidFill>
                     <a:srgbClr val="000000"/>
                   </a:solidFill>
@@ -2378,7 +2291,7 @@
             </a:ln>
             <a:extLst>
               <a:ext uri="{91240B29-F687-4f45-9708-019B960494DF}">
-                <a14:hiddenLine xmlns:a14="http://schemas.microsoft.com/office/drawing/2010/main" xmlns="" w="9525">
+                <a14:hiddenLine xmlns="" xmlns:a14="http://schemas.microsoft.com/office/drawing/2010/main" w="9525">
                   <a:solidFill>
                     <a:srgbClr val="000000"/>
                   </a:solidFill>
@@ -2468,7 +2381,7 @@
             </a:ln>
             <a:extLst>
               <a:ext uri="{91240B29-F687-4f45-9708-019B960494DF}">
-                <a14:hiddenLine xmlns:a14="http://schemas.microsoft.com/office/drawing/2010/main" xmlns="" w="9525">
+                <a14:hiddenLine xmlns="" xmlns:a14="http://schemas.microsoft.com/office/drawing/2010/main" w="9525">
                   <a:solidFill>
                     <a:srgbClr val="000000"/>
                   </a:solidFill>
@@ -2524,7 +2437,7 @@
             </a:ln>
             <a:extLst>
               <a:ext uri="{91240B29-F687-4f45-9708-019B960494DF}">
-                <a14:hiddenLine xmlns:a14="http://schemas.microsoft.com/office/drawing/2010/main" xmlns="" w="9525">
+                <a14:hiddenLine xmlns="" xmlns:a14="http://schemas.microsoft.com/office/drawing/2010/main" w="9525">
                   <a:solidFill>
                     <a:srgbClr val="000000"/>
                   </a:solidFill>
@@ -2614,7 +2527,7 @@
             </a:ln>
             <a:extLst>
               <a:ext uri="{91240B29-F687-4f45-9708-019B960494DF}">
-                <a14:hiddenLine xmlns:a14="http://schemas.microsoft.com/office/drawing/2010/main" xmlns="" w="9525">
+                <a14:hiddenLine xmlns="" xmlns:a14="http://schemas.microsoft.com/office/drawing/2010/main" w="9525">
                   <a:solidFill>
                     <a:srgbClr val="000000"/>
                   </a:solidFill>
@@ -2682,7 +2595,7 @@
             </a:ln>
             <a:extLst>
               <a:ext uri="{91240B29-F687-4f45-9708-019B960494DF}">
-                <a14:hiddenLine xmlns:a14="http://schemas.microsoft.com/office/drawing/2010/main" xmlns="" w="9525">
+                <a14:hiddenLine xmlns="" xmlns:a14="http://schemas.microsoft.com/office/drawing/2010/main" w="9525">
                   <a:solidFill>
                     <a:srgbClr val="000000"/>
                   </a:solidFill>
@@ -2772,7 +2685,7 @@
             </a:ln>
             <a:extLst>
               <a:ext uri="{91240B29-F687-4f45-9708-019B960494DF}">
-                <a14:hiddenLine xmlns:a14="http://schemas.microsoft.com/office/drawing/2010/main" xmlns="" w="9525">
+                <a14:hiddenLine xmlns="" xmlns:a14="http://schemas.microsoft.com/office/drawing/2010/main" w="9525">
                   <a:solidFill>
                     <a:srgbClr val="000000"/>
                   </a:solidFill>
@@ -2840,7 +2753,7 @@
             </a:ln>
             <a:extLst>
               <a:ext uri="{91240B29-F687-4f45-9708-019B960494DF}">
-                <a14:hiddenLine xmlns:a14="http://schemas.microsoft.com/office/drawing/2010/main" xmlns="" w="9525">
+                <a14:hiddenLine xmlns="" xmlns:a14="http://schemas.microsoft.com/office/drawing/2010/main" w="9525">
                   <a:solidFill>
                     <a:srgbClr val="000000"/>
                   </a:solidFill>
@@ -2930,7 +2843,7 @@
             </a:ln>
             <a:extLst>
               <a:ext uri="{91240B29-F687-4f45-9708-019B960494DF}">
-                <a14:hiddenLine xmlns:a14="http://schemas.microsoft.com/office/drawing/2010/main" xmlns="" w="9525">
+                <a14:hiddenLine xmlns="" xmlns:a14="http://schemas.microsoft.com/office/drawing/2010/main" w="9525">
                   <a:solidFill>
                     <a:srgbClr val="000000"/>
                   </a:solidFill>
@@ -2964,7 +2877,7 @@
             </a:ln>
             <a:extLst>
               <a:ext uri="{91240B29-F687-4f45-9708-019B960494DF}">
-                <a14:hiddenLine xmlns:a14="http://schemas.microsoft.com/office/drawing/2010/main" xmlns="" w="9525">
+                <a14:hiddenLine xmlns="" xmlns:a14="http://schemas.microsoft.com/office/drawing/2010/main" w="9525">
                   <a:solidFill>
                     <a:srgbClr val="000000"/>
                   </a:solidFill>
@@ -3054,7 +2967,7 @@
             </a:ln>
             <a:extLst>
               <a:ext uri="{91240B29-F687-4f45-9708-019B960494DF}">
-                <a14:hiddenLine xmlns:a14="http://schemas.microsoft.com/office/drawing/2010/main" xmlns="" w="9525">
+                <a14:hiddenLine xmlns="" xmlns:a14="http://schemas.microsoft.com/office/drawing/2010/main" w="9525">
                   <a:solidFill>
                     <a:srgbClr val="000000"/>
                   </a:solidFill>
@@ -3116,7 +3029,7 @@
             </a:ln>
             <a:extLst>
               <a:ext uri="{91240B29-F687-4f45-9708-019B960494DF}">
-                <a14:hiddenLine xmlns:a14="http://schemas.microsoft.com/office/drawing/2010/main" xmlns="" w="9525">
+                <a14:hiddenLine xmlns="" xmlns:a14="http://schemas.microsoft.com/office/drawing/2010/main" w="9525">
                   <a:solidFill>
                     <a:srgbClr val="000000"/>
                   </a:solidFill>
@@ -3178,7 +3091,7 @@
             </a:ln>
             <a:extLst>
               <a:ext uri="{91240B29-F687-4f45-9708-019B960494DF}">
-                <a14:hiddenLine xmlns:a14="http://schemas.microsoft.com/office/drawing/2010/main" xmlns="" w="9525">
+                <a14:hiddenLine xmlns="" xmlns:a14="http://schemas.microsoft.com/office/drawing/2010/main" w="9525">
                   <a:solidFill>
                     <a:srgbClr val="000000"/>
                   </a:solidFill>
@@ -3268,7 +3181,7 @@
             </a:ln>
             <a:extLst>
               <a:ext uri="{91240B29-F687-4f45-9708-019B960494DF}">
-                <a14:hiddenLine xmlns:a14="http://schemas.microsoft.com/office/drawing/2010/main" xmlns="" w="9525">
+                <a14:hiddenLine xmlns="" xmlns:a14="http://schemas.microsoft.com/office/drawing/2010/main" w="9525">
                   <a:solidFill>
                     <a:srgbClr val="000000"/>
                   </a:solidFill>
@@ -3336,7 +3249,7 @@
             </a:ln>
             <a:extLst>
               <a:ext uri="{91240B29-F687-4f45-9708-019B960494DF}">
-                <a14:hiddenLine xmlns:a14="http://schemas.microsoft.com/office/drawing/2010/main" xmlns="" w="9525">
+                <a14:hiddenLine xmlns="" xmlns:a14="http://schemas.microsoft.com/office/drawing/2010/main" w="9525">
                   <a:solidFill>
                     <a:srgbClr val="000000"/>
                   </a:solidFill>
@@ -3398,7 +3311,7 @@
             </a:ln>
             <a:extLst>
               <a:ext uri="{91240B29-F687-4f45-9708-019B960494DF}">
-                <a14:hiddenLine xmlns:a14="http://schemas.microsoft.com/office/drawing/2010/main" xmlns="" w="9525">
+                <a14:hiddenLine xmlns="" xmlns:a14="http://schemas.microsoft.com/office/drawing/2010/main" w="9525">
                   <a:solidFill>
                     <a:srgbClr val="000000"/>
                   </a:solidFill>
@@ -3488,7 +3401,7 @@
             </a:ln>
             <a:extLst>
               <a:ext uri="{91240B29-F687-4f45-9708-019B960494DF}">
-                <a14:hiddenLine xmlns:a14="http://schemas.microsoft.com/office/drawing/2010/main" xmlns="" w="9525">
+                <a14:hiddenLine xmlns="" xmlns:a14="http://schemas.microsoft.com/office/drawing/2010/main" w="9525">
                   <a:solidFill>
                     <a:srgbClr val="000000"/>
                   </a:solidFill>
@@ -3550,7 +3463,7 @@
             </a:ln>
             <a:extLst>
               <a:ext uri="{91240B29-F687-4f45-9708-019B960494DF}">
-                <a14:hiddenLine xmlns:a14="http://schemas.microsoft.com/office/drawing/2010/main" xmlns="" w="9525">
+                <a14:hiddenLine xmlns="" xmlns:a14="http://schemas.microsoft.com/office/drawing/2010/main" w="9525">
                   <a:solidFill>
                     <a:srgbClr val="000000"/>
                   </a:solidFill>
@@ -3640,7 +3553,7 @@
             </a:ln>
             <a:extLst>
               <a:ext uri="{91240B29-F687-4f45-9708-019B960494DF}">
-                <a14:hiddenLine xmlns:a14="http://schemas.microsoft.com/office/drawing/2010/main" xmlns="" w="9525">
+                <a14:hiddenLine xmlns="" xmlns:a14="http://schemas.microsoft.com/office/drawing/2010/main" w="9525">
                   <a:solidFill>
                     <a:srgbClr val="000000"/>
                   </a:solidFill>
@@ -3702,7 +3615,7 @@
             </a:ln>
             <a:extLst>
               <a:ext uri="{91240B29-F687-4f45-9708-019B960494DF}">
-                <a14:hiddenLine xmlns:a14="http://schemas.microsoft.com/office/drawing/2010/main" xmlns="" w="9525">
+                <a14:hiddenLine xmlns="" xmlns:a14="http://schemas.microsoft.com/office/drawing/2010/main" w="9525">
                   <a:solidFill>
                     <a:srgbClr val="000000"/>
                   </a:solidFill>
@@ -3792,7 +3705,7 @@
             </a:ln>
             <a:extLst>
               <a:ext uri="{91240B29-F687-4f45-9708-019B960494DF}">
-                <a14:hiddenLine xmlns:a14="http://schemas.microsoft.com/office/drawing/2010/main" xmlns="" w="9525">
+                <a14:hiddenLine xmlns="" xmlns:a14="http://schemas.microsoft.com/office/drawing/2010/main" w="9525">
                   <a:solidFill>
                     <a:srgbClr val="000000"/>
                   </a:solidFill>
@@ -3826,7 +3739,7 @@
             </a:ln>
             <a:extLst>
               <a:ext uri="{91240B29-F687-4f45-9708-019B960494DF}">
-                <a14:hiddenLine xmlns:a14="http://schemas.microsoft.com/office/drawing/2010/main" xmlns="" w="9525">
+                <a14:hiddenLine xmlns="" xmlns:a14="http://schemas.microsoft.com/office/drawing/2010/main" w="9525">
                   <a:solidFill>
                     <a:srgbClr val="000000"/>
                   </a:solidFill>
@@ -3891,7 +3804,7 @@
             </a:ln>
             <a:extLst>
               <a:ext uri="{91240B29-F687-4f45-9708-019B960494DF}">
-                <a14:hiddenLine xmlns:a14="http://schemas.microsoft.com/office/drawing/2010/main" xmlns="" w="9525">
+                <a14:hiddenLine xmlns="" xmlns:a14="http://schemas.microsoft.com/office/drawing/2010/main" w="9525">
                   <a:solidFill>
                     <a:srgbClr val="000000"/>
                   </a:solidFill>
@@ -3981,7 +3894,7 @@
             </a:ln>
             <a:extLst>
               <a:ext uri="{91240B29-F687-4f45-9708-019B960494DF}">
-                <a14:hiddenLine xmlns:a14="http://schemas.microsoft.com/office/drawing/2010/main" xmlns="" w="9525">
+                <a14:hiddenLine xmlns="" xmlns:a14="http://schemas.microsoft.com/office/drawing/2010/main" w="9525">
                   <a:solidFill>
                     <a:srgbClr val="000000"/>
                   </a:solidFill>
@@ -4043,7 +3956,7 @@
             </a:ln>
             <a:extLst>
               <a:ext uri="{91240B29-F687-4f45-9708-019B960494DF}">
-                <a14:hiddenLine xmlns:a14="http://schemas.microsoft.com/office/drawing/2010/main" xmlns="" w="9525">
+                <a14:hiddenLine xmlns="" xmlns:a14="http://schemas.microsoft.com/office/drawing/2010/main" w="9525">
                   <a:solidFill>
                     <a:srgbClr val="000000"/>
                   </a:solidFill>
@@ -4133,7 +4046,7 @@
             </a:ln>
             <a:extLst>
               <a:ext uri="{91240B29-F687-4f45-9708-019B960494DF}">
-                <a14:hiddenLine xmlns:a14="http://schemas.microsoft.com/office/drawing/2010/main" xmlns="" w="9525">
+                <a14:hiddenLine xmlns="" xmlns:a14="http://schemas.microsoft.com/office/drawing/2010/main" w="9525">
                   <a:solidFill>
                     <a:srgbClr val="000000"/>
                   </a:solidFill>
@@ -4223,7 +4136,7 @@
             </a:ln>
             <a:extLst>
               <a:ext uri="{91240B29-F687-4f45-9708-019B960494DF}">
-                <a14:hiddenLine xmlns:a14="http://schemas.microsoft.com/office/drawing/2010/main" xmlns="" w="9525">
+                <a14:hiddenLine xmlns="" xmlns:a14="http://schemas.microsoft.com/office/drawing/2010/main" w="9525">
                   <a:solidFill>
                     <a:srgbClr val="000000"/>
                   </a:solidFill>
@@ -4288,7 +4201,7 @@
             </a:ln>
             <a:extLst>
               <a:ext uri="{91240B29-F687-4f45-9708-019B960494DF}">
-                <a14:hiddenLine xmlns:a14="http://schemas.microsoft.com/office/drawing/2010/main" xmlns="" w="9525">
+                <a14:hiddenLine xmlns="" xmlns:a14="http://schemas.microsoft.com/office/drawing/2010/main" w="9525">
                   <a:solidFill>
                     <a:srgbClr val="000000"/>
                   </a:solidFill>
@@ -4350,7 +4263,7 @@
             </a:ln>
             <a:extLst>
               <a:ext uri="{91240B29-F687-4f45-9708-019B960494DF}">
-                <a14:hiddenLine xmlns:a14="http://schemas.microsoft.com/office/drawing/2010/main" xmlns="" w="9525">
+                <a14:hiddenLine xmlns="" xmlns:a14="http://schemas.microsoft.com/office/drawing/2010/main" w="9525">
                   <a:solidFill>
                     <a:srgbClr val="000000"/>
                   </a:solidFill>
@@ -4440,7 +4353,7 @@
             </a:ln>
             <a:extLst>
               <a:ext uri="{91240B29-F687-4f45-9708-019B960494DF}">
-                <a14:hiddenLine xmlns:a14="http://schemas.microsoft.com/office/drawing/2010/main" xmlns="" w="9525">
+                <a14:hiddenLine xmlns="" xmlns:a14="http://schemas.microsoft.com/office/drawing/2010/main" w="9525">
                   <a:solidFill>
                     <a:srgbClr val="000000"/>
                   </a:solidFill>
@@ -4530,7 +4443,7 @@
             </a:ln>
             <a:extLst>
               <a:ext uri="{91240B29-F687-4f45-9708-019B960494DF}">
-                <a14:hiddenLine xmlns:a14="http://schemas.microsoft.com/office/drawing/2010/main" xmlns="" w="9525">
+                <a14:hiddenLine xmlns="" xmlns:a14="http://schemas.microsoft.com/office/drawing/2010/main" w="9525">
                   <a:solidFill>
                     <a:srgbClr val="000000"/>
                   </a:solidFill>
@@ -4592,7 +4505,7 @@
             </a:ln>
             <a:extLst>
               <a:ext uri="{91240B29-F687-4f45-9708-019B960494DF}">
-                <a14:hiddenLine xmlns:a14="http://schemas.microsoft.com/office/drawing/2010/main" xmlns="" w="9525">
+                <a14:hiddenLine xmlns="" xmlns:a14="http://schemas.microsoft.com/office/drawing/2010/main" w="9525">
                   <a:solidFill>
                     <a:srgbClr val="000000"/>
                   </a:solidFill>
@@ -4712,7 +4625,7 @@
             </a:ln>
             <a:extLst>
               <a:ext uri="{91240B29-F687-4f45-9708-019B960494DF}">
-                <a14:hiddenLine xmlns:a14="http://schemas.microsoft.com/office/drawing/2010/main" xmlns="" w="9525">
+                <a14:hiddenLine xmlns="" xmlns:a14="http://schemas.microsoft.com/office/drawing/2010/main" w="9525">
                   <a:solidFill>
                     <a:srgbClr val="000000"/>
                   </a:solidFill>
@@ -4780,7 +4693,7 @@
             </a:ln>
             <a:extLst>
               <a:ext uri="{91240B29-F687-4f45-9708-019B960494DF}">
-                <a14:hiddenLine xmlns:a14="http://schemas.microsoft.com/office/drawing/2010/main" xmlns="" w="9525">
+                <a14:hiddenLine xmlns="" xmlns:a14="http://schemas.microsoft.com/office/drawing/2010/main" w="9525">
                   <a:solidFill>
                     <a:srgbClr val="000000"/>
                   </a:solidFill>
@@ -4870,7 +4783,7 @@
             </a:ln>
             <a:extLst>
               <a:ext uri="{91240B29-F687-4f45-9708-019B960494DF}">
-                <a14:hiddenLine xmlns:a14="http://schemas.microsoft.com/office/drawing/2010/main" xmlns="" w="9525">
+                <a14:hiddenLine xmlns="" xmlns:a14="http://schemas.microsoft.com/office/drawing/2010/main" w="9525">
                   <a:solidFill>
                     <a:srgbClr val="000000"/>
                   </a:solidFill>
@@ -5010,7 +4923,7 @@
           <a:p>
             <a:fld id="{7E5EFD55-E948-495A-A8DF-FD6A31B0BA4B}" type="datetimeFigureOut">
               <a:rPr lang="de-DE" smtClean="0"/>
-              <a:t>06.11.2023</a:t>
+              <a:t>09.11.2023</a:t>
             </a:fld>
             <a:endParaRPr lang="de-DE"/>
           </a:p>
@@ -5277,7 +5190,7 @@
           <a:p>
             <a:fld id="{7E5EFD55-E948-495A-A8DF-FD6A31B0BA4B}" type="datetimeFigureOut">
               <a:rPr lang="de-DE" smtClean="0"/>
-              <a:t>06.11.2023</a:t>
+              <a:t>09.11.2023</a:t>
             </a:fld>
             <a:endParaRPr lang="de-DE"/>
           </a:p>
@@ -5473,7 +5386,7 @@
           <a:p>
             <a:fld id="{7E5EFD55-E948-495A-A8DF-FD6A31B0BA4B}" type="datetimeFigureOut">
               <a:rPr lang="de-DE" smtClean="0"/>
-              <a:t>06.11.2023</a:t>
+              <a:t>09.11.2023</a:t>
             </a:fld>
             <a:endParaRPr lang="de-DE"/>
           </a:p>
@@ -5736,7 +5649,7 @@
           <a:p>
             <a:fld id="{7E5EFD55-E948-495A-A8DF-FD6A31B0BA4B}" type="datetimeFigureOut">
               <a:rPr lang="de-DE" smtClean="0"/>
-              <a:t>06.11.2023</a:t>
+              <a:t>09.11.2023</a:t>
             </a:fld>
             <a:endParaRPr lang="de-DE"/>
           </a:p>
@@ -6170,7 +6083,7 @@
           <a:p>
             <a:fld id="{7E5EFD55-E948-495A-A8DF-FD6A31B0BA4B}" type="datetimeFigureOut">
               <a:rPr lang="de-DE" smtClean="0"/>
-              <a:t>06.11.2023</a:t>
+              <a:t>09.11.2023</a:t>
             </a:fld>
             <a:endParaRPr lang="de-DE"/>
           </a:p>
@@ -6716,7 +6629,7 @@
           <a:p>
             <a:fld id="{7E5EFD55-E948-495A-A8DF-FD6A31B0BA4B}" type="datetimeFigureOut">
               <a:rPr lang="de-DE" smtClean="0"/>
-              <a:t>06.11.2023</a:t>
+              <a:t>09.11.2023</a:t>
             </a:fld>
             <a:endParaRPr lang="de-DE"/>
           </a:p>
@@ -7436,7 +7349,7 @@
           <a:p>
             <a:fld id="{7E5EFD55-E948-495A-A8DF-FD6A31B0BA4B}" type="datetimeFigureOut">
               <a:rPr lang="de-DE" smtClean="0"/>
-              <a:t>06.11.2023</a:t>
+              <a:t>09.11.2023</a:t>
             </a:fld>
             <a:endParaRPr lang="de-DE"/>
           </a:p>
@@ -7606,7 +7519,7 @@
           <a:p>
             <a:fld id="{7E5EFD55-E948-495A-A8DF-FD6A31B0BA4B}" type="datetimeFigureOut">
               <a:rPr lang="de-DE" smtClean="0"/>
-              <a:t>06.11.2023</a:t>
+              <a:t>09.11.2023</a:t>
             </a:fld>
             <a:endParaRPr lang="de-DE"/>
           </a:p>
@@ -7786,7 +7699,7 @@
           <a:p>
             <a:fld id="{7E5EFD55-E948-495A-A8DF-FD6A31B0BA4B}" type="datetimeFigureOut">
               <a:rPr lang="de-DE" smtClean="0"/>
-              <a:t>06.11.2023</a:t>
+              <a:t>09.11.2023</a:t>
             </a:fld>
             <a:endParaRPr lang="de-DE"/>
           </a:p>
@@ -7956,7 +7869,7 @@
           <a:p>
             <a:fld id="{7E5EFD55-E948-495A-A8DF-FD6A31B0BA4B}" type="datetimeFigureOut">
               <a:rPr lang="de-DE" smtClean="0"/>
-              <a:t>06.11.2023</a:t>
+              <a:t>09.11.2023</a:t>
             </a:fld>
             <a:endParaRPr lang="de-DE"/>
           </a:p>
@@ -8206,7 +8119,7 @@
           <a:p>
             <a:fld id="{7E5EFD55-E948-495A-A8DF-FD6A31B0BA4B}" type="datetimeFigureOut">
               <a:rPr lang="de-DE" smtClean="0"/>
-              <a:t>06.11.2023</a:t>
+              <a:t>09.11.2023</a:t>
             </a:fld>
             <a:endParaRPr lang="de-DE"/>
           </a:p>
@@ -8438,7 +8351,7 @@
           <a:p>
             <a:fld id="{7E5EFD55-E948-495A-A8DF-FD6A31B0BA4B}" type="datetimeFigureOut">
               <a:rPr lang="de-DE" smtClean="0"/>
-              <a:t>06.11.2023</a:t>
+              <a:t>09.11.2023</a:t>
             </a:fld>
             <a:endParaRPr lang="de-DE"/>
           </a:p>
@@ -8819,7 +8732,7 @@
           <a:p>
             <a:fld id="{7E5EFD55-E948-495A-A8DF-FD6A31B0BA4B}" type="datetimeFigureOut">
               <a:rPr lang="de-DE" smtClean="0"/>
-              <a:t>06.11.2023</a:t>
+              <a:t>09.11.2023</a:t>
             </a:fld>
             <a:endParaRPr lang="de-DE"/>
           </a:p>
@@ -8937,7 +8850,7 @@
           <a:p>
             <a:fld id="{7E5EFD55-E948-495A-A8DF-FD6A31B0BA4B}" type="datetimeFigureOut">
               <a:rPr lang="de-DE" smtClean="0"/>
-              <a:t>06.11.2023</a:t>
+              <a:t>09.11.2023</a:t>
             </a:fld>
             <a:endParaRPr lang="de-DE"/>
           </a:p>
@@ -9032,7 +8945,7 @@
           <a:p>
             <a:fld id="{7E5EFD55-E948-495A-A8DF-FD6A31B0BA4B}" type="datetimeFigureOut">
               <a:rPr lang="de-DE" smtClean="0"/>
-              <a:t>06.11.2023</a:t>
+              <a:t>09.11.2023</a:t>
             </a:fld>
             <a:endParaRPr lang="de-DE"/>
           </a:p>
@@ -9281,7 +9194,7 @@
           <a:p>
             <a:fld id="{7E5EFD55-E948-495A-A8DF-FD6A31B0BA4B}" type="datetimeFigureOut">
               <a:rPr lang="de-DE" smtClean="0"/>
-              <a:t>06.11.2023</a:t>
+              <a:t>09.11.2023</a:t>
             </a:fld>
             <a:endParaRPr lang="de-DE"/>
           </a:p>
@@ -9561,7 +9474,7 @@
           <a:p>
             <a:fld id="{7E5EFD55-E948-495A-A8DF-FD6A31B0BA4B}" type="datetimeFigureOut">
               <a:rPr lang="de-DE" smtClean="0"/>
-              <a:t>06.11.2023</a:t>
+              <a:t>09.11.2023</a:t>
             </a:fld>
             <a:endParaRPr lang="de-DE"/>
           </a:p>
@@ -9677,7 +9590,7 @@
           <a:noFill/>
           <a:extLst>
             <a:ext uri="{909E8E84-426E-40dd-AFC4-6F175D3DCCD1}">
-              <a14:hiddenFill xmlns:a14="http://schemas.microsoft.com/office/drawing/2010/main" xmlns="">
+              <a14:hiddenFill xmlns="" xmlns:a14="http://schemas.microsoft.com/office/drawing/2010/main">
                 <a:solidFill>
                   <a:srgbClr val="FFFFFF"/>
                 </a:solidFill>
@@ -9751,7 +9664,7 @@
               </a:ln>
               <a:extLst>
                 <a:ext uri="{91240B29-F687-4f45-9708-019B960494DF}">
-                  <a14:hiddenLine xmlns:a14="http://schemas.microsoft.com/office/drawing/2010/main" xmlns="" w="9525">
+                  <a14:hiddenLine xmlns="" xmlns:a14="http://schemas.microsoft.com/office/drawing/2010/main" w="9525">
                     <a:solidFill>
                       <a:srgbClr val="000000"/>
                     </a:solidFill>
@@ -9841,7 +9754,7 @@
               </a:ln>
               <a:extLst>
                 <a:ext uri="{91240B29-F687-4f45-9708-019B960494DF}">
-                  <a14:hiddenLine xmlns:a14="http://schemas.microsoft.com/office/drawing/2010/main" xmlns="" w="9525">
+                  <a14:hiddenLine xmlns="" xmlns:a14="http://schemas.microsoft.com/office/drawing/2010/main" w="9525">
                     <a:solidFill>
                       <a:srgbClr val="000000"/>
                     </a:solidFill>
@@ -9931,7 +9844,7 @@
               </a:ln>
               <a:extLst>
                 <a:ext uri="{91240B29-F687-4f45-9708-019B960494DF}">
-                  <a14:hiddenLine xmlns:a14="http://schemas.microsoft.com/office/drawing/2010/main" xmlns="" w="9525">
+                  <a14:hiddenLine xmlns="" xmlns:a14="http://schemas.microsoft.com/office/drawing/2010/main" w="9525">
                     <a:solidFill>
                       <a:srgbClr val="000000"/>
                     </a:solidFill>
@@ -9993,7 +9906,7 @@
               </a:ln>
               <a:extLst>
                 <a:ext uri="{91240B29-F687-4f45-9708-019B960494DF}">
-                  <a14:hiddenLine xmlns:a14="http://schemas.microsoft.com/office/drawing/2010/main" xmlns="" w="9525">
+                  <a14:hiddenLine xmlns="" xmlns:a14="http://schemas.microsoft.com/office/drawing/2010/main" w="9525">
                     <a:solidFill>
                       <a:srgbClr val="000000"/>
                     </a:solidFill>
@@ -10083,7 +9996,7 @@
               </a:ln>
               <a:extLst>
                 <a:ext uri="{91240B29-F687-4f45-9708-019B960494DF}">
-                  <a14:hiddenLine xmlns:a14="http://schemas.microsoft.com/office/drawing/2010/main" xmlns="" w="9525">
+                  <a14:hiddenLine xmlns="" xmlns:a14="http://schemas.microsoft.com/office/drawing/2010/main" w="9525">
                     <a:solidFill>
                       <a:srgbClr val="000000"/>
                     </a:solidFill>
@@ -10145,7 +10058,7 @@
               </a:ln>
               <a:extLst>
                 <a:ext uri="{91240B29-F687-4f45-9708-019B960494DF}">
-                  <a14:hiddenLine xmlns:a14="http://schemas.microsoft.com/office/drawing/2010/main" xmlns="" w="9525">
+                  <a14:hiddenLine xmlns="" xmlns:a14="http://schemas.microsoft.com/office/drawing/2010/main" w="9525">
                     <a:solidFill>
                       <a:srgbClr val="000000"/>
                     </a:solidFill>
@@ -10207,7 +10120,7 @@
               </a:ln>
               <a:extLst>
                 <a:ext uri="{91240B29-F687-4f45-9708-019B960494DF}">
-                  <a14:hiddenLine xmlns:a14="http://schemas.microsoft.com/office/drawing/2010/main" xmlns="" w="9525">
+                  <a14:hiddenLine xmlns="" xmlns:a14="http://schemas.microsoft.com/office/drawing/2010/main" w="9525">
                     <a:solidFill>
                       <a:srgbClr val="000000"/>
                     </a:solidFill>
@@ -10297,7 +10210,7 @@
               </a:ln>
               <a:extLst>
                 <a:ext uri="{91240B29-F687-4f45-9708-019B960494DF}">
-                  <a14:hiddenLine xmlns:a14="http://schemas.microsoft.com/office/drawing/2010/main" xmlns="" w="9525">
+                  <a14:hiddenLine xmlns="" xmlns:a14="http://schemas.microsoft.com/office/drawing/2010/main" w="9525">
                     <a:solidFill>
                       <a:srgbClr val="000000"/>
                     </a:solidFill>
@@ -10387,7 +10300,7 @@
               </a:ln>
               <a:extLst>
                 <a:ext uri="{91240B29-F687-4f45-9708-019B960494DF}">
-                  <a14:hiddenLine xmlns:a14="http://schemas.microsoft.com/office/drawing/2010/main" xmlns="" w="9525">
+                  <a14:hiddenLine xmlns="" xmlns:a14="http://schemas.microsoft.com/office/drawing/2010/main" w="9525">
                     <a:solidFill>
                       <a:srgbClr val="000000"/>
                     </a:solidFill>
@@ -10449,7 +10362,7 @@
               </a:ln>
               <a:extLst>
                 <a:ext uri="{91240B29-F687-4f45-9708-019B960494DF}">
-                  <a14:hiddenLine xmlns:a14="http://schemas.microsoft.com/office/drawing/2010/main" xmlns="" w="9525">
+                  <a14:hiddenLine xmlns="" xmlns:a14="http://schemas.microsoft.com/office/drawing/2010/main" w="9525">
                     <a:solidFill>
                       <a:srgbClr val="000000"/>
                     </a:solidFill>
@@ -10559,7 +10472,7 @@
               </a:ln>
               <a:extLst>
                 <a:ext uri="{91240B29-F687-4f45-9708-019B960494DF}">
-                  <a14:hiddenLine xmlns:a14="http://schemas.microsoft.com/office/drawing/2010/main" xmlns="" w="9525">
+                  <a14:hiddenLine xmlns="" xmlns:a14="http://schemas.microsoft.com/office/drawing/2010/main" w="9525">
                     <a:solidFill>
                       <a:srgbClr val="000000"/>
                     </a:solidFill>
@@ -10643,7 +10556,7 @@
               </a:ln>
               <a:extLst>
                 <a:ext uri="{91240B29-F687-4f45-9708-019B960494DF}">
-                  <a14:hiddenLine xmlns:a14="http://schemas.microsoft.com/office/drawing/2010/main" xmlns="" w="9525">
+                  <a14:hiddenLine xmlns="" xmlns:a14="http://schemas.microsoft.com/office/drawing/2010/main" w="9525">
                     <a:solidFill>
                       <a:srgbClr val="000000"/>
                     </a:solidFill>
@@ -10705,7 +10618,7 @@
               </a:ln>
               <a:extLst>
                 <a:ext uri="{91240B29-F687-4f45-9708-019B960494DF}">
-                  <a14:hiddenLine xmlns:a14="http://schemas.microsoft.com/office/drawing/2010/main" xmlns="" w="9525">
+                  <a14:hiddenLine xmlns="" xmlns:a14="http://schemas.microsoft.com/office/drawing/2010/main" w="9525">
                     <a:solidFill>
                       <a:srgbClr val="000000"/>
                     </a:solidFill>
@@ -10767,7 +10680,7 @@
               </a:ln>
               <a:extLst>
                 <a:ext uri="{91240B29-F687-4f45-9708-019B960494DF}">
-                  <a14:hiddenLine xmlns:a14="http://schemas.microsoft.com/office/drawing/2010/main" xmlns="" w="9525">
+                  <a14:hiddenLine xmlns="" xmlns:a14="http://schemas.microsoft.com/office/drawing/2010/main" w="9525">
                     <a:solidFill>
                       <a:srgbClr val="000000"/>
                     </a:solidFill>
@@ -10857,7 +10770,7 @@
               </a:ln>
               <a:extLst>
                 <a:ext uri="{91240B29-F687-4f45-9708-019B960494DF}">
-                  <a14:hiddenLine xmlns:a14="http://schemas.microsoft.com/office/drawing/2010/main" xmlns="" w="9525">
+                  <a14:hiddenLine xmlns="" xmlns:a14="http://schemas.microsoft.com/office/drawing/2010/main" w="9525">
                     <a:solidFill>
                       <a:srgbClr val="000000"/>
                     </a:solidFill>
@@ -10891,7 +10804,7 @@
               </a:ln>
               <a:extLst>
                 <a:ext uri="{91240B29-F687-4f45-9708-019B960494DF}">
-                  <a14:hiddenLine xmlns:a14="http://schemas.microsoft.com/office/drawing/2010/main" xmlns="" w="9525">
+                  <a14:hiddenLine xmlns="" xmlns:a14="http://schemas.microsoft.com/office/drawing/2010/main" w="9525">
                     <a:solidFill>
                       <a:srgbClr val="000000"/>
                     </a:solidFill>
@@ -10956,7 +10869,7 @@
               </a:ln>
               <a:extLst>
                 <a:ext uri="{91240B29-F687-4f45-9708-019B960494DF}">
-                  <a14:hiddenLine xmlns:a14="http://schemas.microsoft.com/office/drawing/2010/main" xmlns="" w="9525">
+                  <a14:hiddenLine xmlns="" xmlns:a14="http://schemas.microsoft.com/office/drawing/2010/main" w="9525">
                     <a:solidFill>
                       <a:srgbClr val="000000"/>
                     </a:solidFill>
@@ -11046,7 +10959,7 @@
               </a:ln>
               <a:extLst>
                 <a:ext uri="{91240B29-F687-4f45-9708-019B960494DF}">
-                  <a14:hiddenLine xmlns:a14="http://schemas.microsoft.com/office/drawing/2010/main" xmlns="" w="9525">
+                  <a14:hiddenLine xmlns="" xmlns:a14="http://schemas.microsoft.com/office/drawing/2010/main" w="9525">
                     <a:solidFill>
                       <a:srgbClr val="000000"/>
                     </a:solidFill>
@@ -11108,7 +11021,7 @@
               </a:ln>
               <a:extLst>
                 <a:ext uri="{91240B29-F687-4f45-9708-019B960494DF}">
-                  <a14:hiddenLine xmlns:a14="http://schemas.microsoft.com/office/drawing/2010/main" xmlns="" w="9525">
+                  <a14:hiddenLine xmlns="" xmlns:a14="http://schemas.microsoft.com/office/drawing/2010/main" w="9525">
                     <a:solidFill>
                       <a:srgbClr val="000000"/>
                     </a:solidFill>
@@ -11198,7 +11111,7 @@
               </a:ln>
               <a:extLst>
                 <a:ext uri="{91240B29-F687-4f45-9708-019B960494DF}">
-                  <a14:hiddenLine xmlns:a14="http://schemas.microsoft.com/office/drawing/2010/main" xmlns="" w="9525">
+                  <a14:hiddenLine xmlns="" xmlns:a14="http://schemas.microsoft.com/office/drawing/2010/main" w="9525">
                     <a:solidFill>
                       <a:srgbClr val="000000"/>
                     </a:solidFill>
@@ -11263,7 +11176,7 @@
               </a:ln>
               <a:extLst>
                 <a:ext uri="{91240B29-F687-4f45-9708-019B960494DF}">
-                  <a14:hiddenLine xmlns:a14="http://schemas.microsoft.com/office/drawing/2010/main" xmlns="" w="9525">
+                  <a14:hiddenLine xmlns="" xmlns:a14="http://schemas.microsoft.com/office/drawing/2010/main" w="9525">
                     <a:solidFill>
                       <a:srgbClr val="000000"/>
                     </a:solidFill>
@@ -11325,7 +11238,7 @@
               </a:ln>
               <a:extLst>
                 <a:ext uri="{91240B29-F687-4f45-9708-019B960494DF}">
-                  <a14:hiddenLine xmlns:a14="http://schemas.microsoft.com/office/drawing/2010/main" xmlns="" w="9525">
+                  <a14:hiddenLine xmlns="" xmlns:a14="http://schemas.microsoft.com/office/drawing/2010/main" w="9525">
                     <a:solidFill>
                       <a:srgbClr val="000000"/>
                     </a:solidFill>
@@ -11415,7 +11328,7 @@
               </a:ln>
               <a:extLst>
                 <a:ext uri="{91240B29-F687-4f45-9708-019B960494DF}">
-                  <a14:hiddenLine xmlns:a14="http://schemas.microsoft.com/office/drawing/2010/main" xmlns="" w="9525">
+                  <a14:hiddenLine xmlns="" xmlns:a14="http://schemas.microsoft.com/office/drawing/2010/main" w="9525">
                     <a:solidFill>
                       <a:srgbClr val="000000"/>
                     </a:solidFill>
@@ -11505,7 +11418,7 @@
               </a:ln>
               <a:extLst>
                 <a:ext uri="{91240B29-F687-4f45-9708-019B960494DF}">
-                  <a14:hiddenLine xmlns:a14="http://schemas.microsoft.com/office/drawing/2010/main" xmlns="" w="9525">
+                  <a14:hiddenLine xmlns="" xmlns:a14="http://schemas.microsoft.com/office/drawing/2010/main" w="9525">
                     <a:solidFill>
                       <a:srgbClr val="000000"/>
                     </a:solidFill>
@@ -11570,7 +11483,7 @@
               </a:ln>
               <a:extLst>
                 <a:ext uri="{91240B29-F687-4f45-9708-019B960494DF}">
-                  <a14:hiddenLine xmlns:a14="http://schemas.microsoft.com/office/drawing/2010/main" xmlns="" w="9525">
+                  <a14:hiddenLine xmlns="" xmlns:a14="http://schemas.microsoft.com/office/drawing/2010/main" w="9525">
                     <a:solidFill>
                       <a:srgbClr val="000000"/>
                     </a:solidFill>
@@ -11690,7 +11603,7 @@
               </a:ln>
               <a:extLst>
                 <a:ext uri="{91240B29-F687-4f45-9708-019B960494DF}">
-                  <a14:hiddenLine xmlns:a14="http://schemas.microsoft.com/office/drawing/2010/main" xmlns="" w="9525">
+                  <a14:hiddenLine xmlns="" xmlns:a14="http://schemas.microsoft.com/office/drawing/2010/main" w="9525">
                     <a:solidFill>
                       <a:srgbClr val="000000"/>
                     </a:solidFill>
@@ -11788,7 +11701,7 @@
               </a:ln>
               <a:extLst>
                 <a:ext uri="{91240B29-F687-4f45-9708-019B960494DF}">
-                  <a14:hiddenLine xmlns:a14="http://schemas.microsoft.com/office/drawing/2010/main" xmlns="" w="9525">
+                  <a14:hiddenLine xmlns="" xmlns:a14="http://schemas.microsoft.com/office/drawing/2010/main" w="9525">
                     <a:solidFill>
                       <a:srgbClr val="000000"/>
                     </a:solidFill>
@@ -11903,7 +11816,7 @@
               </a:ln>
               <a:extLst>
                 <a:ext uri="{91240B29-F687-4f45-9708-019B960494DF}">
-                  <a14:hiddenLine xmlns:a14="http://schemas.microsoft.com/office/drawing/2010/main" xmlns="" w="9525">
+                  <a14:hiddenLine xmlns="" xmlns:a14="http://schemas.microsoft.com/office/drawing/2010/main" w="9525">
                     <a:solidFill>
                       <a:srgbClr val="000000"/>
                     </a:solidFill>
@@ -11993,7 +11906,7 @@
               </a:ln>
               <a:extLst>
                 <a:ext uri="{91240B29-F687-4f45-9708-019B960494DF}">
-                  <a14:hiddenLine xmlns:a14="http://schemas.microsoft.com/office/drawing/2010/main" xmlns="" w="9525">
+                  <a14:hiddenLine xmlns="" xmlns:a14="http://schemas.microsoft.com/office/drawing/2010/main" w="9525">
                     <a:solidFill>
                       <a:srgbClr val="000000"/>
                     </a:solidFill>
@@ -12058,7 +11971,7 @@
               </a:ln>
               <a:extLst>
                 <a:ext uri="{91240B29-F687-4f45-9708-019B960494DF}">
-                  <a14:hiddenLine xmlns:a14="http://schemas.microsoft.com/office/drawing/2010/main" xmlns="" w="9525">
+                  <a14:hiddenLine xmlns="" xmlns:a14="http://schemas.microsoft.com/office/drawing/2010/main" w="9525">
                     <a:solidFill>
                       <a:srgbClr val="000000"/>
                     </a:solidFill>
@@ -12148,7 +12061,7 @@
               </a:ln>
               <a:extLst>
                 <a:ext uri="{91240B29-F687-4f45-9708-019B960494DF}">
-                  <a14:hiddenLine xmlns:a14="http://schemas.microsoft.com/office/drawing/2010/main" xmlns="" w="9525">
+                  <a14:hiddenLine xmlns="" xmlns:a14="http://schemas.microsoft.com/office/drawing/2010/main" w="9525">
                     <a:solidFill>
                       <a:srgbClr val="000000"/>
                     </a:solidFill>
@@ -12216,7 +12129,7 @@
               </a:ln>
               <a:extLst>
                 <a:ext uri="{91240B29-F687-4f45-9708-019B960494DF}">
-                  <a14:hiddenLine xmlns:a14="http://schemas.microsoft.com/office/drawing/2010/main" xmlns="" w="9525">
+                  <a14:hiddenLine xmlns="" xmlns:a14="http://schemas.microsoft.com/office/drawing/2010/main" w="9525">
                     <a:solidFill>
                       <a:srgbClr val="000000"/>
                     </a:solidFill>
@@ -12306,7 +12219,7 @@
               </a:ln>
               <a:extLst>
                 <a:ext uri="{91240B29-F687-4f45-9708-019B960494DF}">
-                  <a14:hiddenLine xmlns:a14="http://schemas.microsoft.com/office/drawing/2010/main" xmlns="" w="9525">
+                  <a14:hiddenLine xmlns="" xmlns:a14="http://schemas.microsoft.com/office/drawing/2010/main" w="9525">
                     <a:solidFill>
                       <a:srgbClr val="000000"/>
                     </a:solidFill>
@@ -12374,7 +12287,7 @@
               </a:ln>
               <a:extLst>
                 <a:ext uri="{91240B29-F687-4f45-9708-019B960494DF}">
-                  <a14:hiddenLine xmlns:a14="http://schemas.microsoft.com/office/drawing/2010/main" xmlns="" w="9525">
+                  <a14:hiddenLine xmlns="" xmlns:a14="http://schemas.microsoft.com/office/drawing/2010/main" w="9525">
                     <a:solidFill>
                       <a:srgbClr val="000000"/>
                     </a:solidFill>
@@ -12464,7 +12377,7 @@
               </a:ln>
               <a:extLst>
                 <a:ext uri="{91240B29-F687-4f45-9708-019B960494DF}">
-                  <a14:hiddenLine xmlns:a14="http://schemas.microsoft.com/office/drawing/2010/main" xmlns="" w="9525">
+                  <a14:hiddenLine xmlns="" xmlns:a14="http://schemas.microsoft.com/office/drawing/2010/main" w="9525">
                     <a:solidFill>
                       <a:srgbClr val="000000"/>
                     </a:solidFill>
@@ -12498,7 +12411,7 @@
               </a:ln>
               <a:extLst>
                 <a:ext uri="{91240B29-F687-4f45-9708-019B960494DF}">
-                  <a14:hiddenLine xmlns:a14="http://schemas.microsoft.com/office/drawing/2010/main" xmlns="" w="9525">
+                  <a14:hiddenLine xmlns="" xmlns:a14="http://schemas.microsoft.com/office/drawing/2010/main" w="9525">
                     <a:solidFill>
                       <a:srgbClr val="000000"/>
                     </a:solidFill>
@@ -12638,7 +12551,7 @@
           <a:p>
             <a:fld id="{7E5EFD55-E948-495A-A8DF-FD6A31B0BA4B}" type="datetimeFigureOut">
               <a:rPr lang="de-DE" smtClean="0"/>
-              <a:t>06.11.2023</a:t>
+              <a:t>09.11.2023</a:t>
             </a:fld>
             <a:endParaRPr lang="de-DE"/>
           </a:p>
@@ -14881,13 +14794,13 @@
   <p:clrMapOvr>
     <a:masterClrMapping/>
   </p:clrMapOvr>
-  <mc:AlternateContent xmlns:mc="http://schemas.openxmlformats.org/markup-compatibility/2006">
-    <mc:Choice xmlns:p14="http://schemas.microsoft.com/office/powerpoint/2010/main" Requires="p14">
+  <mc:AlternateContent xmlns:mc="http://schemas.openxmlformats.org/markup-compatibility/2006" xmlns:p14="http://schemas.microsoft.com/office/powerpoint/2010/main">
+    <mc:Choice Requires="p14">
       <p:transition spd="slow" p14:dur="1250">
         <p14:conveyor dir="l"/>
       </p:transition>
     </mc:Choice>
-    <mc:Fallback>
+    <mc:Fallback xmlns="">
       <p:transition spd="slow">
         <p:fade/>
       </p:transition>
@@ -15945,13 +15858,13 @@
   <p:clrMapOvr>
     <a:masterClrMapping/>
   </p:clrMapOvr>
-  <mc:AlternateContent xmlns:mc="http://schemas.openxmlformats.org/markup-compatibility/2006">
-    <mc:Choice xmlns:p14="http://schemas.microsoft.com/office/powerpoint/2010/main" Requires="p14">
+  <mc:AlternateContent xmlns:mc="http://schemas.openxmlformats.org/markup-compatibility/2006" xmlns:p14="http://schemas.microsoft.com/office/powerpoint/2010/main">
+    <mc:Choice Requires="p14">
       <p:transition spd="slow" p14:dur="1250">
         <p14:conveyor dir="l"/>
       </p:transition>
     </mc:Choice>
-    <mc:Fallback>
+    <mc:Fallback xmlns="">
       <p:transition spd="slow">
         <p:fade/>
       </p:transition>
@@ -16040,13 +15953,13 @@
   <p:clrMapOvr>
     <a:masterClrMapping/>
   </p:clrMapOvr>
-  <mc:AlternateContent xmlns:mc="http://schemas.openxmlformats.org/markup-compatibility/2006">
-    <mc:Choice xmlns:p159="http://schemas.microsoft.com/office/powerpoint/2015/09/main" Requires="p159">
+  <mc:AlternateContent xmlns:mc="http://schemas.openxmlformats.org/markup-compatibility/2006" xmlns:p159="http://schemas.microsoft.com/office/powerpoint/2015/09/main">
+    <mc:Choice Requires="p159">
       <p:transition xmlns:p14="http://schemas.microsoft.com/office/powerpoint/2010/main" spd="slow" p14:dur="2000">
         <p159:morph option="byObject"/>
       </p:transition>
     </mc:Choice>
-    <mc:Fallback>
+    <mc:Fallback xmlns="">
       <p:transition spd="slow">
         <p:fade/>
       </p:transition>
@@ -16118,13 +16031,13 @@
         </p:nvSpPr>
         <p:spPr>
           <a:xfrm>
-            <a:off x="1141412" y="1875934"/>
+            <a:off x="1141412" y="1746624"/>
             <a:ext cx="9905999" cy="4562573"/>
           </a:xfrm>
         </p:spPr>
         <p:txBody>
           <a:bodyPr>
-            <a:normAutofit fontScale="77500" lnSpcReduction="20000"/>
+            <a:normAutofit fontScale="70000" lnSpcReduction="20000"/>
           </a:bodyPr>
           <a:lstStyle/>
           <a:p>
@@ -16168,7 +16081,7 @@
             </a:pPr>
             <a:r>
               <a:rPr lang="de-DE" dirty="0"/>
-              <a:t> Architecture</a:t>
+              <a:t>Competition</a:t>
             </a:r>
           </a:p>
           <a:p>
@@ -16182,7 +16095,7 @@
             </a:pPr>
             <a:r>
               <a:rPr lang="de-DE" dirty="0"/>
-              <a:t> Topics and Messages</a:t>
+              <a:t> Architecture</a:t>
             </a:r>
           </a:p>
           <a:p>
@@ -16196,15 +16109,7 @@
             </a:pPr>
             <a:r>
               <a:rPr lang="de-DE" dirty="0"/>
-              <a:t> Quality </a:t>
-            </a:r>
-            <a:r>
-              <a:rPr lang="de-DE" dirty="0" err="1"/>
-              <a:t>of</a:t>
-            </a:r>
-            <a:r>
-              <a:rPr lang="de-DE" dirty="0"/>
-              <a:t> Service</a:t>
+              <a:t> Topics and Messages</a:t>
             </a:r>
           </a:p>
           <a:p>
@@ -16218,13 +16123,16 @@
             </a:pPr>
             <a:r>
               <a:rPr lang="de-DE" dirty="0"/>
-              <a:t> Security </a:t>
+              <a:t> Quality </a:t>
             </a:r>
             <a:r>
               <a:rPr lang="de-DE" dirty="0" err="1"/>
-              <a:t>Considerations</a:t>
-            </a:r>
-            <a:endParaRPr lang="de-DE" dirty="0"/>
+              <a:t>of</a:t>
+            </a:r>
+            <a:r>
+              <a:rPr lang="de-DE" dirty="0"/>
+              <a:t> Service</a:t>
+            </a:r>
           </a:p>
           <a:p>
             <a:pPr>
@@ -16237,8 +16145,13 @@
             </a:pPr>
             <a:r>
               <a:rPr lang="de-DE" dirty="0"/>
-              <a:t> Use Cases</a:t>
-            </a:r>
+              <a:t> Security </a:t>
+            </a:r>
+            <a:r>
+              <a:rPr lang="de-DE" dirty="0" err="1"/>
+              <a:t>Considerations</a:t>
+            </a:r>
+            <a:endParaRPr lang="de-DE" dirty="0"/>
           </a:p>
           <a:p>
             <a:pPr>
@@ -16251,13 +16164,8 @@
             </a:pPr>
             <a:r>
               <a:rPr lang="de-DE" dirty="0"/>
-              <a:t> </a:t>
-            </a:r>
-            <a:r>
-              <a:rPr lang="de-DE" dirty="0" err="1"/>
-              <a:t>Example</a:t>
-            </a:r>
-            <a:endParaRPr lang="de-DE" dirty="0"/>
+              <a:t> Use Cases</a:t>
+            </a:r>
           </a:p>
           <a:p>
             <a:pPr>
@@ -16272,6 +16180,21 @@
               <a:rPr lang="de-DE" dirty="0"/>
               <a:t> </a:t>
             </a:r>
+            <a:r>
+              <a:rPr lang="de-DE" dirty="0" err="1"/>
+              <a:t>Example</a:t>
+            </a:r>
+            <a:endParaRPr lang="de-DE" dirty="0"/>
+          </a:p>
+          <a:p>
+            <a:pPr>
+              <a:lnSpc>
+                <a:spcPct val="170000"/>
+              </a:lnSpc>
+              <a:buSzPct val="100000"/>
+              <a:buFont typeface="Wingdings" panose="05000000000000000000" pitchFamily="2" charset="2"/>
+              <a:buChar char="v"/>
+            </a:pPr>
             <a:r>
               <a:rPr lang="de-DE" dirty="0" err="1"/>
               <a:t>Exercise</a:t>
@@ -16290,13 +16213,13 @@
   <p:clrMapOvr>
     <a:masterClrMapping/>
   </p:clrMapOvr>
-  <mc:AlternateContent xmlns:mc="http://schemas.openxmlformats.org/markup-compatibility/2006">
-    <mc:Choice xmlns:p14="http://schemas.microsoft.com/office/powerpoint/2010/main" Requires="p14">
+  <mc:AlternateContent xmlns:mc="http://schemas.openxmlformats.org/markup-compatibility/2006" xmlns:p14="http://schemas.microsoft.com/office/powerpoint/2010/main">
+    <mc:Choice Requires="p14">
       <p:transition spd="slow" p14:dur="1250">
         <p14:conveyor dir="l"/>
       </p:transition>
     </mc:Choice>
-    <mc:Fallback>
+    <mc:Fallback xmlns="">
       <p:transition spd="slow">
         <p:fade/>
       </p:transition>
@@ -16494,13 +16417,13 @@
   <p:clrMapOvr>
     <a:masterClrMapping/>
   </p:clrMapOvr>
-  <mc:AlternateContent xmlns:mc="http://schemas.openxmlformats.org/markup-compatibility/2006">
-    <mc:Choice xmlns:p14="http://schemas.microsoft.com/office/powerpoint/2010/main" Requires="p14">
+  <mc:AlternateContent xmlns:mc="http://schemas.openxmlformats.org/markup-compatibility/2006" xmlns:p14="http://schemas.microsoft.com/office/powerpoint/2010/main">
+    <mc:Choice Requires="p14">
       <p:transition spd="slow" p14:dur="1250">
         <p14:conveyor dir="l"/>
       </p:transition>
     </mc:Choice>
-    <mc:Fallback>
+    <mc:Fallback xmlns="">
       <p:transition spd="slow">
         <p:fade/>
       </p:transition>
@@ -16510,446 +16433,6 @@
 </file>
 
 <file path=ppt/slides/slide4.xml><?xml version="1.0" encoding="utf-8"?>
-<p:sld xmlns:a="http://schemas.openxmlformats.org/drawingml/2006/main" xmlns:r="http://schemas.openxmlformats.org/officeDocument/2006/relationships" xmlns:p="http://schemas.openxmlformats.org/presentationml/2006/main">
-  <p:cSld>
-    <p:spTree>
-      <p:nvGrpSpPr>
-        <p:cNvPr id="1" name=""/>
-        <p:cNvGrpSpPr/>
-        <p:nvPr/>
-      </p:nvGrpSpPr>
-      <p:grpSpPr>
-        <a:xfrm>
-          <a:off x="0" y="0"/>
-          <a:ext cx="0" cy="0"/>
-          <a:chOff x="0" y="0"/>
-          <a:chExt cx="0" cy="0"/>
-        </a:xfrm>
-      </p:grpSpPr>
-      <p:sp>
-        <p:nvSpPr>
-          <p:cNvPr id="2" name="Titel 1">
-            <a:extLst>
-              <a:ext uri="{FF2B5EF4-FFF2-40B4-BE49-F238E27FC236}">
-                <a16:creationId xmlns:a16="http://schemas.microsoft.com/office/drawing/2014/main" id="{7555AB54-8C32-81A1-8F9E-F0E962720E2B}"/>
-              </a:ext>
-            </a:extLst>
-          </p:cNvPr>
-          <p:cNvSpPr>
-            <a:spLocks noGrp="1"/>
-          </p:cNvSpPr>
-          <p:nvPr>
-            <p:ph type="title"/>
-          </p:nvPr>
-        </p:nvSpPr>
-        <p:spPr/>
-        <p:txBody>
-          <a:bodyPr/>
-          <a:lstStyle/>
-          <a:p>
-            <a:r>
-              <a:rPr lang="de-DE" dirty="0" err="1"/>
-              <a:t>Introduction</a:t>
-            </a:r>
-            <a:r>
-              <a:rPr lang="de-DE" dirty="0"/>
-              <a:t> </a:t>
-            </a:r>
-            <a:r>
-              <a:rPr lang="de-DE" dirty="0" err="1"/>
-              <a:t>to</a:t>
-            </a:r>
-            <a:r>
-              <a:rPr lang="de-DE" dirty="0"/>
-              <a:t> MQTT</a:t>
-            </a:r>
-          </a:p>
-        </p:txBody>
-      </p:sp>
-      <p:sp>
-        <p:nvSpPr>
-          <p:cNvPr id="5" name="Rechteck: abgerundete Ecken 4">
-            <a:extLst>
-              <a:ext uri="{FF2B5EF4-FFF2-40B4-BE49-F238E27FC236}">
-                <a16:creationId xmlns:a16="http://schemas.microsoft.com/office/drawing/2014/main" id="{81A6460C-5601-E109-7E7D-0963B9105B8A}"/>
-              </a:ext>
-            </a:extLst>
-          </p:cNvPr>
-          <p:cNvSpPr/>
-          <p:nvPr/>
-        </p:nvSpPr>
-        <p:spPr>
-          <a:xfrm>
-            <a:off x="1143000" y="1941733"/>
-            <a:ext cx="3082566" cy="1975291"/>
-          </a:xfrm>
-          <a:prstGeom prst="roundRect">
-            <a:avLst/>
-          </a:prstGeom>
-          <a:solidFill>
-            <a:schemeClr val="accent2"/>
-          </a:solidFill>
-          <a:ln>
-            <a:solidFill>
-              <a:schemeClr val="accent2"/>
-            </a:solidFill>
-          </a:ln>
-        </p:spPr>
-        <p:style>
-          <a:lnRef idx="2">
-            <a:schemeClr val="accent1">
-              <a:shade val="15000"/>
-            </a:schemeClr>
-          </a:lnRef>
-          <a:fillRef idx="1">
-            <a:schemeClr val="accent1"/>
-          </a:fillRef>
-          <a:effectRef idx="0">
-            <a:schemeClr val="accent1"/>
-          </a:effectRef>
-          <a:fontRef idx="minor">
-            <a:schemeClr val="lt1"/>
-          </a:fontRef>
-        </p:style>
-        <p:txBody>
-          <a:bodyPr rtlCol="0" anchor="ctr"/>
-          <a:lstStyle/>
-          <a:p>
-            <a:pPr algn="ctr"/>
-            <a:r>
-              <a:rPr lang="de-DE" dirty="0">
-                <a:latin typeface="+mj-lt"/>
-              </a:rPr>
-              <a:t>Light &amp; </a:t>
-            </a:r>
-            <a:r>
-              <a:rPr lang="de-DE" dirty="0" err="1">
-                <a:latin typeface="+mj-lt"/>
-              </a:rPr>
-              <a:t>efficient</a:t>
-            </a:r>
-            <a:endParaRPr lang="de-DE" dirty="0">
-              <a:latin typeface="+mj-lt"/>
-            </a:endParaRPr>
-          </a:p>
-          <a:p>
-            <a:pPr algn="ctr"/>
-            <a:endParaRPr lang="de-DE" sz="200" dirty="0">
-              <a:latin typeface="+mj-lt"/>
-            </a:endParaRPr>
-          </a:p>
-        </p:txBody>
-      </p:sp>
-      <p:sp>
-        <p:nvSpPr>
-          <p:cNvPr id="6" name="Rechteck: abgerundete Ecken 5">
-            <a:extLst>
-              <a:ext uri="{FF2B5EF4-FFF2-40B4-BE49-F238E27FC236}">
-                <a16:creationId xmlns:a16="http://schemas.microsoft.com/office/drawing/2014/main" id="{555032B6-F647-5192-4ABC-CAB7557D6CE9}"/>
-              </a:ext>
-            </a:extLst>
-          </p:cNvPr>
-          <p:cNvSpPr/>
-          <p:nvPr/>
-        </p:nvSpPr>
-        <p:spPr>
-          <a:xfrm>
-            <a:off x="4554717" y="1941733"/>
-            <a:ext cx="3082566" cy="1975291"/>
-          </a:xfrm>
-          <a:prstGeom prst="roundRect">
-            <a:avLst/>
-          </a:prstGeom>
-          <a:solidFill>
-            <a:srgbClr val="C0A500">
-              <a:alpha val="50000"/>
-            </a:srgbClr>
-          </a:solidFill>
-          <a:ln>
-            <a:solidFill>
-              <a:schemeClr val="accent6">
-                <a:alpha val="50000"/>
-              </a:schemeClr>
-            </a:solidFill>
-          </a:ln>
-        </p:spPr>
-        <p:style>
-          <a:lnRef idx="2">
-            <a:schemeClr val="accent1">
-              <a:shade val="15000"/>
-            </a:schemeClr>
-          </a:lnRef>
-          <a:fillRef idx="1">
-            <a:schemeClr val="accent1"/>
-          </a:fillRef>
-          <a:effectRef idx="0">
-            <a:schemeClr val="accent1"/>
-          </a:effectRef>
-          <a:fontRef idx="minor">
-            <a:schemeClr val="lt1"/>
-          </a:fontRef>
-        </p:style>
-        <p:txBody>
-          <a:bodyPr rtlCol="0" anchor="ctr"/>
-          <a:lstStyle/>
-          <a:p>
-            <a:pPr algn="ctr"/>
-            <a:r>
-              <a:rPr lang="de-DE" dirty="0" err="1">
-                <a:latin typeface="+mj-lt"/>
-              </a:rPr>
-              <a:t>Scalable</a:t>
-            </a:r>
-            <a:endParaRPr lang="de-DE" dirty="0">
-              <a:latin typeface="+mj-lt"/>
-            </a:endParaRPr>
-          </a:p>
-          <a:p>
-            <a:pPr algn="ctr"/>
-            <a:endParaRPr lang="de-DE" sz="200" dirty="0"/>
-          </a:p>
-          <a:p>
-            <a:pPr algn="ctr"/>
-            <a:endParaRPr lang="de-DE" dirty="0"/>
-          </a:p>
-        </p:txBody>
-      </p:sp>
-      <p:sp>
-        <p:nvSpPr>
-          <p:cNvPr id="7" name="Rechteck: abgerundete Ecken 6">
-            <a:extLst>
-              <a:ext uri="{FF2B5EF4-FFF2-40B4-BE49-F238E27FC236}">
-                <a16:creationId xmlns:a16="http://schemas.microsoft.com/office/drawing/2014/main" id="{03ACCC8E-3967-249F-172F-23EB00E62F94}"/>
-              </a:ext>
-            </a:extLst>
-          </p:cNvPr>
-          <p:cNvSpPr/>
-          <p:nvPr/>
-        </p:nvSpPr>
-        <p:spPr>
-          <a:xfrm>
-            <a:off x="7966434" y="1941733"/>
-            <a:ext cx="3082566" cy="1975291"/>
-          </a:xfrm>
-          <a:prstGeom prst="roundRect">
-            <a:avLst/>
-          </a:prstGeom>
-          <a:solidFill>
-            <a:schemeClr val="accent4">
-              <a:lumMod val="40000"/>
-              <a:lumOff val="60000"/>
-            </a:schemeClr>
-          </a:solidFill>
-          <a:ln>
-            <a:solidFill>
-              <a:schemeClr val="accent4">
-                <a:lumMod val="40000"/>
-                <a:lumOff val="60000"/>
-              </a:schemeClr>
-            </a:solidFill>
-          </a:ln>
-        </p:spPr>
-        <p:style>
-          <a:lnRef idx="2">
-            <a:schemeClr val="accent1">
-              <a:shade val="15000"/>
-            </a:schemeClr>
-          </a:lnRef>
-          <a:fillRef idx="1">
-            <a:schemeClr val="accent1"/>
-          </a:fillRef>
-          <a:effectRef idx="0">
-            <a:schemeClr val="accent1"/>
-          </a:effectRef>
-          <a:fontRef idx="minor">
-            <a:schemeClr val="lt1"/>
-          </a:fontRef>
-        </p:style>
-        <p:txBody>
-          <a:bodyPr rtlCol="0" anchor="ctr"/>
-          <a:lstStyle/>
-          <a:p>
-            <a:pPr algn="ctr"/>
-            <a:r>
-              <a:rPr lang="de-DE" dirty="0">
-                <a:latin typeface="+mj-lt"/>
-              </a:rPr>
-              <a:t>Reliable</a:t>
-            </a:r>
-          </a:p>
-          <a:p>
-            <a:pPr algn="ctr"/>
-            <a:endParaRPr lang="de-DE" sz="200" dirty="0"/>
-          </a:p>
-        </p:txBody>
-      </p:sp>
-      <p:sp>
-        <p:nvSpPr>
-          <p:cNvPr id="10" name="Rechteck: abgerundete Ecken 9">
-            <a:extLst>
-              <a:ext uri="{FF2B5EF4-FFF2-40B4-BE49-F238E27FC236}">
-                <a16:creationId xmlns:a16="http://schemas.microsoft.com/office/drawing/2014/main" id="{E0C90B0B-CF43-8605-3129-CFA5AF590B7D}"/>
-              </a:ext>
-            </a:extLst>
-          </p:cNvPr>
-          <p:cNvSpPr/>
-          <p:nvPr/>
-        </p:nvSpPr>
-        <p:spPr>
-          <a:xfrm>
-            <a:off x="2848065" y="4384846"/>
-            <a:ext cx="3082566" cy="1975291"/>
-          </a:xfrm>
-          <a:prstGeom prst="roundRect">
-            <a:avLst/>
-          </a:prstGeom>
-          <a:solidFill>
-            <a:schemeClr val="tx1">
-              <a:lumMod val="25000"/>
-              <a:lumOff val="75000"/>
-            </a:schemeClr>
-          </a:solidFill>
-          <a:ln>
-            <a:solidFill>
-              <a:schemeClr val="tx1">
-                <a:lumMod val="25000"/>
-                <a:lumOff val="75000"/>
-              </a:schemeClr>
-            </a:solidFill>
-          </a:ln>
-        </p:spPr>
-        <p:style>
-          <a:lnRef idx="2">
-            <a:schemeClr val="accent1">
-              <a:shade val="15000"/>
-            </a:schemeClr>
-          </a:lnRef>
-          <a:fillRef idx="1">
-            <a:schemeClr val="accent1"/>
-          </a:fillRef>
-          <a:effectRef idx="0">
-            <a:schemeClr val="accent1"/>
-          </a:effectRef>
-          <a:fontRef idx="minor">
-            <a:schemeClr val="lt1"/>
-          </a:fontRef>
-        </p:style>
-        <p:txBody>
-          <a:bodyPr rtlCol="0" anchor="ctr"/>
-          <a:lstStyle/>
-          <a:p>
-            <a:pPr algn="ctr"/>
-            <a:r>
-              <a:rPr lang="de-DE" dirty="0">
-                <a:latin typeface="+mj-lt"/>
-              </a:rPr>
-              <a:t>Secure</a:t>
-            </a:r>
-          </a:p>
-          <a:p>
-            <a:pPr algn="ctr"/>
-            <a:endParaRPr lang="de-DE" sz="200" dirty="0"/>
-          </a:p>
-        </p:txBody>
-      </p:sp>
-      <p:sp>
-        <p:nvSpPr>
-          <p:cNvPr id="11" name="Rechteck: abgerundete Ecken 10">
-            <a:extLst>
-              <a:ext uri="{FF2B5EF4-FFF2-40B4-BE49-F238E27FC236}">
-                <a16:creationId xmlns:a16="http://schemas.microsoft.com/office/drawing/2014/main" id="{509C1BC4-3363-2AC0-847E-98FBBA1C5539}"/>
-              </a:ext>
-            </a:extLst>
-          </p:cNvPr>
-          <p:cNvSpPr/>
-          <p:nvPr/>
-        </p:nvSpPr>
-        <p:spPr>
-          <a:xfrm>
-            <a:off x="6259782" y="4384846"/>
-            <a:ext cx="3082566" cy="1975291"/>
-          </a:xfrm>
-          <a:prstGeom prst="roundRect">
-            <a:avLst/>
-          </a:prstGeom>
-          <a:solidFill>
-            <a:schemeClr val="accent3"/>
-          </a:solidFill>
-          <a:ln>
-            <a:solidFill>
-              <a:schemeClr val="accent3"/>
-            </a:solidFill>
-          </a:ln>
-        </p:spPr>
-        <p:style>
-          <a:lnRef idx="2">
-            <a:schemeClr val="accent1">
-              <a:shade val="15000"/>
-            </a:schemeClr>
-          </a:lnRef>
-          <a:fillRef idx="1">
-            <a:schemeClr val="accent1"/>
-          </a:fillRef>
-          <a:effectRef idx="0">
-            <a:schemeClr val="accent1"/>
-          </a:effectRef>
-          <a:fontRef idx="minor">
-            <a:schemeClr val="lt1"/>
-          </a:fontRef>
-        </p:style>
-        <p:txBody>
-          <a:bodyPr rtlCol="0" anchor="ctr"/>
-          <a:lstStyle/>
-          <a:p>
-            <a:pPr algn="ctr"/>
-            <a:r>
-              <a:rPr lang="de-DE" dirty="0">
-                <a:latin typeface="+mj-lt"/>
-              </a:rPr>
-              <a:t>Well </a:t>
-            </a:r>
-            <a:r>
-              <a:rPr lang="de-DE" dirty="0" err="1">
-                <a:latin typeface="+mj-lt"/>
-              </a:rPr>
-              <a:t>supported</a:t>
-            </a:r>
-            <a:endParaRPr lang="de-DE" dirty="0">
-              <a:latin typeface="+mj-lt"/>
-            </a:endParaRPr>
-          </a:p>
-          <a:p>
-            <a:pPr algn="ctr"/>
-            <a:endParaRPr lang="de-DE" sz="200" dirty="0"/>
-          </a:p>
-        </p:txBody>
-      </p:sp>
-    </p:spTree>
-    <p:extLst>
-      <p:ext uri="{BB962C8B-B14F-4D97-AF65-F5344CB8AC3E}">
-        <p14:creationId xmlns:p14="http://schemas.microsoft.com/office/powerpoint/2010/main" val="3196655094"/>
-      </p:ext>
-    </p:extLst>
-  </p:cSld>
-  <p:clrMapOvr>
-    <a:masterClrMapping/>
-  </p:clrMapOvr>
-  <mc:AlternateContent xmlns:mc="http://schemas.openxmlformats.org/markup-compatibility/2006">
-    <mc:Choice xmlns:p14="http://schemas.microsoft.com/office/powerpoint/2010/main" Requires="p14">
-      <p:transition spd="slow" p14:dur="1250">
-        <p14:conveyor dir="l"/>
-      </p:transition>
-    </mc:Choice>
-    <mc:Fallback>
-      <p:transition spd="slow">
-        <p:fade/>
-      </p:transition>
-    </mc:Fallback>
-  </mc:AlternateContent>
-</p:sld>
-</file>
-
-<file path=ppt/slides/slide5.xml><?xml version="1.0" encoding="utf-8"?>
 <p:sld xmlns:a="http://schemas.openxmlformats.org/drawingml/2006/main" xmlns:r="http://schemas.openxmlformats.org/officeDocument/2006/relationships" xmlns:p="http://schemas.openxmlformats.org/presentationml/2006/main">
   <p:cSld>
     <p:spTree>
@@ -17827,9 +17310,1434 @@
     <a:masterClrMapping/>
   </p:clrMapOvr>
   <mc:AlternateContent xmlns:mc="http://schemas.openxmlformats.org/markup-compatibility/2006">
-    <mc:Choice xmlns:p159="http://schemas.microsoft.com/office/powerpoint/2015/09/main" Requires="p159">
-      <p:transition xmlns:p14="http://schemas.microsoft.com/office/powerpoint/2010/main" spd="slow" p14:dur="2000">
-        <p159:morph option="byObject"/>
+    <mc:Choice xmlns:p14="http://schemas.microsoft.com/office/powerpoint/2010/main" Requires="p14">
+      <p:transition spd="slow" p14:dur="1250">
+        <p14:conveyor dir="l"/>
+      </p:transition>
+    </mc:Choice>
+    <mc:Fallback>
+      <p:transition spd="slow">
+        <p:fade/>
+      </p:transition>
+    </mc:Fallback>
+  </mc:AlternateContent>
+</p:sld>
+</file>
+
+<file path=ppt/slides/slide5.xml><?xml version="1.0" encoding="utf-8"?>
+<p:sld xmlns:a="http://schemas.openxmlformats.org/drawingml/2006/main" xmlns:r="http://schemas.openxmlformats.org/officeDocument/2006/relationships" xmlns:p="http://schemas.openxmlformats.org/presentationml/2006/main">
+  <p:cSld>
+    <p:spTree>
+      <p:nvGrpSpPr>
+        <p:cNvPr id="1" name=""/>
+        <p:cNvGrpSpPr/>
+        <p:nvPr/>
+      </p:nvGrpSpPr>
+      <p:grpSpPr>
+        <a:xfrm>
+          <a:off x="0" y="0"/>
+          <a:ext cx="0" cy="0"/>
+          <a:chOff x="0" y="0"/>
+          <a:chExt cx="0" cy="0"/>
+        </a:xfrm>
+      </p:grpSpPr>
+      <p:sp>
+        <p:nvSpPr>
+          <p:cNvPr id="2" name="Titel 1">
+            <a:extLst>
+              <a:ext uri="{FF2B5EF4-FFF2-40B4-BE49-F238E27FC236}">
+                <a16:creationId xmlns:a16="http://schemas.microsoft.com/office/drawing/2014/main" id="{A45015B0-82DC-0EBA-04AA-9AD656EB5779}"/>
+              </a:ext>
+            </a:extLst>
+          </p:cNvPr>
+          <p:cNvSpPr>
+            <a:spLocks noGrp="1"/>
+          </p:cNvSpPr>
+          <p:nvPr>
+            <p:ph type="title"/>
+          </p:nvPr>
+        </p:nvSpPr>
+        <p:spPr/>
+        <p:txBody>
+          <a:bodyPr/>
+          <a:lstStyle/>
+          <a:p>
+            <a:r>
+              <a:rPr lang="de-DE" dirty="0"/>
+              <a:t>Competition</a:t>
+            </a:r>
+          </a:p>
+        </p:txBody>
+      </p:sp>
+      <p:sp>
+        <p:nvSpPr>
+          <p:cNvPr id="3" name="Textplatzhalter 2">
+            <a:extLst>
+              <a:ext uri="{FF2B5EF4-FFF2-40B4-BE49-F238E27FC236}">
+                <a16:creationId xmlns:a16="http://schemas.microsoft.com/office/drawing/2014/main" id="{36A6B2AF-403A-83F3-61E5-619B5CD1AED7}"/>
+              </a:ext>
+            </a:extLst>
+          </p:cNvPr>
+          <p:cNvSpPr>
+            <a:spLocks noGrp="1"/>
+          </p:cNvSpPr>
+          <p:nvPr>
+            <p:ph type="body" idx="1"/>
+          </p:nvPr>
+        </p:nvSpPr>
+        <p:spPr>
+          <a:xfrm>
+            <a:off x="1166811" y="1804985"/>
+            <a:ext cx="2846157" cy="823912"/>
+          </a:xfrm>
+          <a:ln>
+            <a:noFill/>
+          </a:ln>
+        </p:spPr>
+        <p:txBody>
+          <a:bodyPr/>
+          <a:lstStyle/>
+          <a:p>
+            <a:pPr algn="ctr"/>
+            <a:r>
+              <a:rPr lang="de-DE" dirty="0">
+                <a:latin typeface="+mj-lt"/>
+              </a:rPr>
+              <a:t>MQTT</a:t>
+            </a:r>
+          </a:p>
+        </p:txBody>
+      </p:sp>
+      <p:sp>
+        <p:nvSpPr>
+          <p:cNvPr id="4" name="Inhaltsplatzhalter 3">
+            <a:extLst>
+              <a:ext uri="{FF2B5EF4-FFF2-40B4-BE49-F238E27FC236}">
+                <a16:creationId xmlns:a16="http://schemas.microsoft.com/office/drawing/2014/main" id="{3B677683-6565-0DA5-C0FC-F635FA63C087}"/>
+              </a:ext>
+            </a:extLst>
+          </p:cNvPr>
+          <p:cNvSpPr>
+            <a:spLocks noGrp="1"/>
+          </p:cNvSpPr>
+          <p:nvPr>
+            <p:ph sz="half" idx="2"/>
+          </p:nvPr>
+        </p:nvSpPr>
+        <p:spPr>
+          <a:xfrm>
+            <a:off x="950910" y="2675077"/>
+            <a:ext cx="3204000" cy="3835403"/>
+          </a:xfrm>
+          <a:ln>
+            <a:noFill/>
+          </a:ln>
+        </p:spPr>
+        <p:txBody>
+          <a:bodyPr>
+            <a:normAutofit/>
+          </a:bodyPr>
+          <a:lstStyle/>
+          <a:p>
+            <a:pPr>
+              <a:buClr>
+                <a:schemeClr val="tx1"/>
+              </a:buClr>
+              <a:buSzPct val="90000"/>
+              <a:buFont typeface="Wingdings" panose="05000000000000000000" pitchFamily="2" charset="2"/>
+              <a:buChar char="v"/>
+            </a:pPr>
+            <a:r>
+              <a:rPr lang="de-DE" sz="1800" dirty="0">
+                <a:solidFill>
+                  <a:schemeClr val="accent2">
+                    <a:lumMod val="75000"/>
+                  </a:schemeClr>
+                </a:solidFill>
+              </a:rPr>
+              <a:t>Light &amp; </a:t>
+            </a:r>
+            <a:r>
+              <a:rPr lang="de-DE" sz="1800" dirty="0" err="1">
+                <a:solidFill>
+                  <a:schemeClr val="accent2">
+                    <a:lumMod val="75000"/>
+                  </a:schemeClr>
+                </a:solidFill>
+              </a:rPr>
+              <a:t>efficient</a:t>
+            </a:r>
+            <a:endParaRPr lang="de-DE" sz="1800" dirty="0">
+              <a:solidFill>
+                <a:schemeClr val="accent2">
+                  <a:lumMod val="75000"/>
+                </a:schemeClr>
+              </a:solidFill>
+            </a:endParaRPr>
+          </a:p>
+          <a:p>
+            <a:pPr>
+              <a:buClr>
+                <a:schemeClr val="tx1"/>
+              </a:buClr>
+              <a:buSzPct val="90000"/>
+              <a:buFont typeface="Wingdings" panose="05000000000000000000" pitchFamily="2" charset="2"/>
+              <a:buChar char="v"/>
+            </a:pPr>
+            <a:r>
+              <a:rPr lang="de-DE" sz="1800" dirty="0" err="1">
+                <a:solidFill>
+                  <a:schemeClr val="accent6">
+                    <a:lumMod val="50000"/>
+                  </a:schemeClr>
+                </a:solidFill>
+              </a:rPr>
+              <a:t>Scalable</a:t>
+            </a:r>
+            <a:endParaRPr lang="de-DE" sz="1800" dirty="0">
+              <a:solidFill>
+                <a:schemeClr val="accent6">
+                  <a:lumMod val="50000"/>
+                </a:schemeClr>
+              </a:solidFill>
+            </a:endParaRPr>
+          </a:p>
+          <a:p>
+            <a:pPr>
+              <a:buClr>
+                <a:schemeClr val="tx1"/>
+              </a:buClr>
+              <a:buSzPct val="90000"/>
+              <a:buFont typeface="Wingdings" panose="05000000000000000000" pitchFamily="2" charset="2"/>
+              <a:buChar char="v"/>
+            </a:pPr>
+            <a:r>
+              <a:rPr lang="de-DE" sz="1800" dirty="0">
+                <a:solidFill>
+                  <a:schemeClr val="accent4">
+                    <a:lumMod val="60000"/>
+                    <a:lumOff val="40000"/>
+                  </a:schemeClr>
+                </a:solidFill>
+              </a:rPr>
+              <a:t>Reliable</a:t>
+            </a:r>
+          </a:p>
+          <a:p>
+            <a:pPr>
+              <a:buClr>
+                <a:schemeClr val="tx1"/>
+              </a:buClr>
+              <a:buSzPct val="90000"/>
+              <a:buFont typeface="Wingdings" panose="05000000000000000000" pitchFamily="2" charset="2"/>
+              <a:buChar char="v"/>
+            </a:pPr>
+            <a:r>
+              <a:rPr lang="de-DE" sz="1800" dirty="0">
+                <a:solidFill>
+                  <a:schemeClr val="tx1">
+                    <a:lumMod val="50000"/>
+                    <a:lumOff val="50000"/>
+                  </a:schemeClr>
+                </a:solidFill>
+              </a:rPr>
+              <a:t>Secure</a:t>
+            </a:r>
+          </a:p>
+          <a:p>
+            <a:pPr>
+              <a:buClr>
+                <a:schemeClr val="tx1"/>
+              </a:buClr>
+              <a:buSzPct val="90000"/>
+              <a:buFont typeface="Wingdings" panose="05000000000000000000" pitchFamily="2" charset="2"/>
+              <a:buChar char="v"/>
+            </a:pPr>
+            <a:r>
+              <a:rPr lang="de-DE" sz="1800" dirty="0">
+                <a:solidFill>
+                  <a:schemeClr val="accent3">
+                    <a:lumMod val="90000"/>
+                  </a:schemeClr>
+                </a:solidFill>
+              </a:rPr>
+              <a:t>Well </a:t>
+            </a:r>
+            <a:r>
+              <a:rPr lang="de-DE" sz="1800" dirty="0" err="1">
+                <a:solidFill>
+                  <a:schemeClr val="accent3">
+                    <a:lumMod val="90000"/>
+                  </a:schemeClr>
+                </a:solidFill>
+              </a:rPr>
+              <a:t>supported</a:t>
+            </a:r>
+            <a:endParaRPr lang="de-DE" sz="1800" dirty="0">
+              <a:solidFill>
+                <a:schemeClr val="accent3">
+                  <a:lumMod val="90000"/>
+                </a:schemeClr>
+              </a:solidFill>
+            </a:endParaRPr>
+          </a:p>
+          <a:p>
+            <a:pPr>
+              <a:buClr>
+                <a:schemeClr val="tx1"/>
+              </a:buClr>
+              <a:buSzPct val="90000"/>
+              <a:buFont typeface="Wingdings" panose="05000000000000000000" pitchFamily="2" charset="2"/>
+              <a:buChar char="v"/>
+            </a:pPr>
+            <a:endParaRPr lang="de-DE" sz="1800" dirty="0">
+              <a:solidFill>
+                <a:schemeClr val="accent3">
+                  <a:lumMod val="90000"/>
+                </a:schemeClr>
+              </a:solidFill>
+            </a:endParaRPr>
+          </a:p>
+          <a:p>
+            <a:pPr marL="0" indent="0">
+              <a:buClr>
+                <a:schemeClr val="tx1"/>
+              </a:buClr>
+              <a:buSzPct val="90000"/>
+              <a:buNone/>
+            </a:pPr>
+            <a:r>
+              <a:rPr lang="de-DE" sz="1800" b="1" dirty="0">
+                <a:highlight>
+                  <a:srgbClr val="C0C0C0"/>
+                </a:highlight>
+              </a:rPr>
+              <a:t>UC: IoT </a:t>
+            </a:r>
+            <a:r>
+              <a:rPr lang="de-DE" sz="1800" b="1" dirty="0" err="1">
+                <a:highlight>
+                  <a:srgbClr val="C0C0C0"/>
+                </a:highlight>
+              </a:rPr>
+              <a:t>devices</a:t>
+            </a:r>
+            <a:endParaRPr lang="de-DE" sz="1800" b="1" dirty="0">
+              <a:highlight>
+                <a:srgbClr val="C0C0C0"/>
+              </a:highlight>
+            </a:endParaRPr>
+          </a:p>
+        </p:txBody>
+      </p:sp>
+      <p:sp>
+        <p:nvSpPr>
+          <p:cNvPr id="21" name="Textplatzhalter 2">
+            <a:extLst>
+              <a:ext uri="{FF2B5EF4-FFF2-40B4-BE49-F238E27FC236}">
+                <a16:creationId xmlns:a16="http://schemas.microsoft.com/office/drawing/2014/main" id="{177CC283-EAFB-8875-2EE1-F2187344740C}"/>
+              </a:ext>
+            </a:extLst>
+          </p:cNvPr>
+          <p:cNvSpPr txBox="1">
+            <a:spLocks/>
+          </p:cNvSpPr>
+          <p:nvPr/>
+        </p:nvSpPr>
+        <p:spPr>
+          <a:xfrm>
+            <a:off x="8084712" y="1804985"/>
+            <a:ext cx="2846157" cy="823912"/>
+          </a:xfrm>
+          <a:prstGeom prst="rect">
+            <a:avLst/>
+          </a:prstGeom>
+          <a:ln>
+            <a:noFill/>
+          </a:ln>
+        </p:spPr>
+        <p:txBody>
+          <a:bodyPr vert="horz" lIns="91440" tIns="45720" rIns="91440" bIns="45720" rtlCol="0" anchor="b">
+            <a:normAutofit/>
+          </a:bodyPr>
+          <a:lstStyle>
+            <a:lvl1pPr marL="0" indent="0" algn="l" defTabSz="914400" rtl="0" eaLnBrk="1" latinLnBrk="0" hangingPunct="1">
+              <a:lnSpc>
+                <a:spcPct val="90000"/>
+              </a:lnSpc>
+              <a:spcBef>
+                <a:spcPts val="1000"/>
+              </a:spcBef>
+              <a:buSzPct val="125000"/>
+              <a:buFont typeface="Arial" panose="020B0604020202020204" pitchFamily="34" charset="0"/>
+              <a:buNone/>
+              <a:defRPr sz="2400" b="0" kern="1200" cap="all" baseline="0">
+                <a:solidFill>
+                  <a:schemeClr val="tx1"/>
+                </a:solidFill>
+                <a:latin typeface="+mn-lt"/>
+                <a:ea typeface="+mn-ea"/>
+                <a:cs typeface="+mn-cs"/>
+              </a:defRPr>
+            </a:lvl1pPr>
+            <a:lvl2pPr marL="457200" indent="0" algn="l" defTabSz="914400" rtl="0" eaLnBrk="1" latinLnBrk="0" hangingPunct="1">
+              <a:lnSpc>
+                <a:spcPct val="120000"/>
+              </a:lnSpc>
+              <a:spcBef>
+                <a:spcPts val="500"/>
+              </a:spcBef>
+              <a:buSzPct val="125000"/>
+              <a:buFont typeface="Arial" panose="020B0604020202020204" pitchFamily="34" charset="0"/>
+              <a:buNone/>
+              <a:defRPr sz="2000" b="1" kern="1200">
+                <a:solidFill>
+                  <a:schemeClr val="tx1"/>
+                </a:solidFill>
+                <a:latin typeface="+mn-lt"/>
+                <a:ea typeface="+mn-ea"/>
+                <a:cs typeface="+mn-cs"/>
+              </a:defRPr>
+            </a:lvl2pPr>
+            <a:lvl3pPr marL="914400" indent="0" algn="l" defTabSz="914400" rtl="0" eaLnBrk="1" latinLnBrk="0" hangingPunct="1">
+              <a:lnSpc>
+                <a:spcPct val="120000"/>
+              </a:lnSpc>
+              <a:spcBef>
+                <a:spcPts val="500"/>
+              </a:spcBef>
+              <a:buSzPct val="125000"/>
+              <a:buFont typeface="Arial" panose="020B0604020202020204" pitchFamily="34" charset="0"/>
+              <a:buNone/>
+              <a:defRPr sz="1800" b="1" kern="1200">
+                <a:solidFill>
+                  <a:schemeClr val="tx1"/>
+                </a:solidFill>
+                <a:latin typeface="+mn-lt"/>
+                <a:ea typeface="+mn-ea"/>
+                <a:cs typeface="+mn-cs"/>
+              </a:defRPr>
+            </a:lvl3pPr>
+            <a:lvl4pPr marL="1371600" indent="0" algn="l" defTabSz="914400" rtl="0" eaLnBrk="1" latinLnBrk="0" hangingPunct="1">
+              <a:lnSpc>
+                <a:spcPct val="120000"/>
+              </a:lnSpc>
+              <a:spcBef>
+                <a:spcPts val="500"/>
+              </a:spcBef>
+              <a:buSzPct val="125000"/>
+              <a:buFont typeface="Arial" panose="020B0604020202020204" pitchFamily="34" charset="0"/>
+              <a:buNone/>
+              <a:defRPr sz="1600" b="1" kern="1200">
+                <a:solidFill>
+                  <a:schemeClr val="tx1"/>
+                </a:solidFill>
+                <a:latin typeface="+mn-lt"/>
+                <a:ea typeface="+mn-ea"/>
+                <a:cs typeface="+mn-cs"/>
+              </a:defRPr>
+            </a:lvl4pPr>
+            <a:lvl5pPr marL="1828800" indent="0" algn="l" defTabSz="914400" rtl="0" eaLnBrk="1" latinLnBrk="0" hangingPunct="1">
+              <a:lnSpc>
+                <a:spcPct val="120000"/>
+              </a:lnSpc>
+              <a:spcBef>
+                <a:spcPts val="500"/>
+              </a:spcBef>
+              <a:buSzPct val="125000"/>
+              <a:buFont typeface="Arial" panose="020B0604020202020204" pitchFamily="34" charset="0"/>
+              <a:buNone/>
+              <a:defRPr sz="1600" b="1" kern="1200">
+                <a:solidFill>
+                  <a:schemeClr val="tx1"/>
+                </a:solidFill>
+                <a:latin typeface="+mn-lt"/>
+                <a:ea typeface="+mn-ea"/>
+                <a:cs typeface="+mn-cs"/>
+              </a:defRPr>
+            </a:lvl5pPr>
+            <a:lvl6pPr marL="2286000" indent="0" algn="l" defTabSz="914400" rtl="0" eaLnBrk="1" latinLnBrk="0" hangingPunct="1">
+              <a:lnSpc>
+                <a:spcPct val="120000"/>
+              </a:lnSpc>
+              <a:spcBef>
+                <a:spcPts val="500"/>
+              </a:spcBef>
+              <a:buSzPct val="125000"/>
+              <a:buFont typeface="Arial" panose="020B0604020202020204" pitchFamily="34" charset="0"/>
+              <a:buNone/>
+              <a:defRPr sz="1600" b="1" kern="1200">
+                <a:solidFill>
+                  <a:schemeClr val="tx1"/>
+                </a:solidFill>
+                <a:latin typeface="+mn-lt"/>
+                <a:ea typeface="+mn-ea"/>
+                <a:cs typeface="+mn-cs"/>
+              </a:defRPr>
+            </a:lvl6pPr>
+            <a:lvl7pPr marL="2743200" indent="0" algn="l" defTabSz="914400" rtl="0" eaLnBrk="1" latinLnBrk="0" hangingPunct="1">
+              <a:lnSpc>
+                <a:spcPct val="120000"/>
+              </a:lnSpc>
+              <a:spcBef>
+                <a:spcPts val="500"/>
+              </a:spcBef>
+              <a:buSzPct val="125000"/>
+              <a:buFont typeface="Arial" panose="020B0604020202020204" pitchFamily="34" charset="0"/>
+              <a:buNone/>
+              <a:defRPr sz="1600" b="1" kern="1200">
+                <a:solidFill>
+                  <a:schemeClr val="tx1"/>
+                </a:solidFill>
+                <a:latin typeface="+mn-lt"/>
+                <a:ea typeface="+mn-ea"/>
+                <a:cs typeface="+mn-cs"/>
+              </a:defRPr>
+            </a:lvl7pPr>
+            <a:lvl8pPr marL="3200400" indent="0" algn="l" defTabSz="914400" rtl="0" eaLnBrk="1" latinLnBrk="0" hangingPunct="1">
+              <a:lnSpc>
+                <a:spcPct val="120000"/>
+              </a:lnSpc>
+              <a:spcBef>
+                <a:spcPts val="500"/>
+              </a:spcBef>
+              <a:buSzPct val="125000"/>
+              <a:buFont typeface="Arial" panose="020B0604020202020204" pitchFamily="34" charset="0"/>
+              <a:buNone/>
+              <a:defRPr sz="1600" b="1" kern="1200">
+                <a:solidFill>
+                  <a:schemeClr val="tx1"/>
+                </a:solidFill>
+                <a:latin typeface="+mn-lt"/>
+                <a:ea typeface="+mn-ea"/>
+                <a:cs typeface="+mn-cs"/>
+              </a:defRPr>
+            </a:lvl8pPr>
+            <a:lvl9pPr marL="3657600" indent="0" algn="l" defTabSz="914400" rtl="0" eaLnBrk="1" latinLnBrk="0" hangingPunct="1">
+              <a:lnSpc>
+                <a:spcPct val="120000"/>
+              </a:lnSpc>
+              <a:spcBef>
+                <a:spcPts val="500"/>
+              </a:spcBef>
+              <a:buSzPct val="125000"/>
+              <a:buFont typeface="Arial" panose="020B0604020202020204" pitchFamily="34" charset="0"/>
+              <a:buNone/>
+              <a:defRPr sz="1600" b="1" kern="1200">
+                <a:solidFill>
+                  <a:schemeClr val="tx1"/>
+                </a:solidFill>
+                <a:latin typeface="+mn-lt"/>
+                <a:ea typeface="+mn-ea"/>
+                <a:cs typeface="+mn-cs"/>
+              </a:defRPr>
+            </a:lvl9pPr>
+          </a:lstStyle>
+          <a:p>
+            <a:pPr algn="ctr"/>
+            <a:r>
+              <a:rPr lang="de-DE" dirty="0">
+                <a:latin typeface="+mj-lt"/>
+              </a:rPr>
+              <a:t>KAFKA</a:t>
+            </a:r>
+          </a:p>
+        </p:txBody>
+      </p:sp>
+      <p:sp>
+        <p:nvSpPr>
+          <p:cNvPr id="22" name="Inhaltsplatzhalter 3">
+            <a:extLst>
+              <a:ext uri="{FF2B5EF4-FFF2-40B4-BE49-F238E27FC236}">
+                <a16:creationId xmlns:a16="http://schemas.microsoft.com/office/drawing/2014/main" id="{2D460D12-7250-F74C-CA0E-F322425E8F6E}"/>
+              </a:ext>
+            </a:extLst>
+          </p:cNvPr>
+          <p:cNvSpPr txBox="1">
+            <a:spLocks/>
+          </p:cNvSpPr>
+          <p:nvPr/>
+        </p:nvSpPr>
+        <p:spPr>
+          <a:xfrm>
+            <a:off x="7868811" y="2675077"/>
+            <a:ext cx="3204000" cy="3835403"/>
+          </a:xfrm>
+          <a:prstGeom prst="rect">
+            <a:avLst/>
+          </a:prstGeom>
+          <a:ln>
+            <a:noFill/>
+          </a:ln>
+        </p:spPr>
+        <p:txBody>
+          <a:bodyPr vert="horz" lIns="91440" tIns="45720" rIns="91440" bIns="45720" rtlCol="0">
+            <a:normAutofit/>
+          </a:bodyPr>
+          <a:lstStyle>
+            <a:lvl1pPr marL="228600" indent="-228600" algn="l" defTabSz="914400" rtl="0" eaLnBrk="1" latinLnBrk="0" hangingPunct="1">
+              <a:lnSpc>
+                <a:spcPct val="120000"/>
+              </a:lnSpc>
+              <a:spcBef>
+                <a:spcPts val="1000"/>
+              </a:spcBef>
+              <a:buSzPct val="125000"/>
+              <a:buFont typeface="Arial" panose="020B0604020202020204" pitchFamily="34" charset="0"/>
+              <a:buChar char="•"/>
+              <a:defRPr sz="2400" kern="1200">
+                <a:solidFill>
+                  <a:schemeClr val="tx1"/>
+                </a:solidFill>
+                <a:latin typeface="+mn-lt"/>
+                <a:ea typeface="+mn-ea"/>
+                <a:cs typeface="+mn-cs"/>
+              </a:defRPr>
+            </a:lvl1pPr>
+            <a:lvl2pPr marL="685800" indent="-228600" algn="l" defTabSz="914400" rtl="0" eaLnBrk="1" latinLnBrk="0" hangingPunct="1">
+              <a:lnSpc>
+                <a:spcPct val="120000"/>
+              </a:lnSpc>
+              <a:spcBef>
+                <a:spcPts val="500"/>
+              </a:spcBef>
+              <a:buSzPct val="125000"/>
+              <a:buFont typeface="Arial" panose="020B0604020202020204" pitchFamily="34" charset="0"/>
+              <a:buChar char="•"/>
+              <a:defRPr sz="2000" kern="1200">
+                <a:solidFill>
+                  <a:schemeClr val="tx1"/>
+                </a:solidFill>
+                <a:latin typeface="+mn-lt"/>
+                <a:ea typeface="+mn-ea"/>
+                <a:cs typeface="+mn-cs"/>
+              </a:defRPr>
+            </a:lvl2pPr>
+            <a:lvl3pPr marL="1143000" indent="-228600" algn="l" defTabSz="914400" rtl="0" eaLnBrk="1" latinLnBrk="0" hangingPunct="1">
+              <a:lnSpc>
+                <a:spcPct val="120000"/>
+              </a:lnSpc>
+              <a:spcBef>
+                <a:spcPts val="500"/>
+              </a:spcBef>
+              <a:buSzPct val="125000"/>
+              <a:buFont typeface="Arial" panose="020B0604020202020204" pitchFamily="34" charset="0"/>
+              <a:buChar char="•"/>
+              <a:defRPr sz="1800" kern="1200">
+                <a:solidFill>
+                  <a:schemeClr val="tx1"/>
+                </a:solidFill>
+                <a:latin typeface="+mn-lt"/>
+                <a:ea typeface="+mn-ea"/>
+                <a:cs typeface="+mn-cs"/>
+              </a:defRPr>
+            </a:lvl3pPr>
+            <a:lvl4pPr marL="1600200" indent="-228600" algn="l" defTabSz="914400" rtl="0" eaLnBrk="1" latinLnBrk="0" hangingPunct="1">
+              <a:lnSpc>
+                <a:spcPct val="120000"/>
+              </a:lnSpc>
+              <a:spcBef>
+                <a:spcPts val="500"/>
+              </a:spcBef>
+              <a:buSzPct val="125000"/>
+              <a:buFont typeface="Arial" panose="020B0604020202020204" pitchFamily="34" charset="0"/>
+              <a:buChar char="•"/>
+              <a:defRPr sz="1600" kern="1200">
+                <a:solidFill>
+                  <a:schemeClr val="tx1"/>
+                </a:solidFill>
+                <a:latin typeface="+mn-lt"/>
+                <a:ea typeface="+mn-ea"/>
+                <a:cs typeface="+mn-cs"/>
+              </a:defRPr>
+            </a:lvl4pPr>
+            <a:lvl5pPr marL="2057400" indent="-228600" algn="l" defTabSz="914400" rtl="0" eaLnBrk="1" latinLnBrk="0" hangingPunct="1">
+              <a:lnSpc>
+                <a:spcPct val="120000"/>
+              </a:lnSpc>
+              <a:spcBef>
+                <a:spcPts val="500"/>
+              </a:spcBef>
+              <a:buSzPct val="125000"/>
+              <a:buFont typeface="Arial" panose="020B0604020202020204" pitchFamily="34" charset="0"/>
+              <a:buChar char="•"/>
+              <a:defRPr sz="1600" kern="1200">
+                <a:solidFill>
+                  <a:schemeClr val="tx1"/>
+                </a:solidFill>
+                <a:latin typeface="+mn-lt"/>
+                <a:ea typeface="+mn-ea"/>
+                <a:cs typeface="+mn-cs"/>
+              </a:defRPr>
+            </a:lvl5pPr>
+            <a:lvl6pPr marL="2514600" indent="-228600" algn="l" defTabSz="914400" rtl="0" eaLnBrk="1" latinLnBrk="0" hangingPunct="1">
+              <a:lnSpc>
+                <a:spcPct val="120000"/>
+              </a:lnSpc>
+              <a:spcBef>
+                <a:spcPts val="500"/>
+              </a:spcBef>
+              <a:buSzPct val="125000"/>
+              <a:buFont typeface="Arial" panose="020B0604020202020204" pitchFamily="34" charset="0"/>
+              <a:buChar char="•"/>
+              <a:defRPr sz="1400" kern="1200">
+                <a:solidFill>
+                  <a:schemeClr val="tx1"/>
+                </a:solidFill>
+                <a:latin typeface="+mn-lt"/>
+                <a:ea typeface="+mn-ea"/>
+                <a:cs typeface="+mn-cs"/>
+              </a:defRPr>
+            </a:lvl6pPr>
+            <a:lvl7pPr marL="2971800" indent="-228600" algn="l" defTabSz="914400" rtl="0" eaLnBrk="1" latinLnBrk="0" hangingPunct="1">
+              <a:lnSpc>
+                <a:spcPct val="120000"/>
+              </a:lnSpc>
+              <a:spcBef>
+                <a:spcPts val="500"/>
+              </a:spcBef>
+              <a:buSzPct val="125000"/>
+              <a:buFont typeface="Arial" panose="020B0604020202020204" pitchFamily="34" charset="0"/>
+              <a:buChar char="•"/>
+              <a:defRPr sz="1400" kern="1200">
+                <a:solidFill>
+                  <a:schemeClr val="tx1"/>
+                </a:solidFill>
+                <a:latin typeface="+mn-lt"/>
+                <a:ea typeface="+mn-ea"/>
+                <a:cs typeface="+mn-cs"/>
+              </a:defRPr>
+            </a:lvl7pPr>
+            <a:lvl8pPr marL="3429000" indent="-228600" algn="l" defTabSz="914400" rtl="0" eaLnBrk="1" latinLnBrk="0" hangingPunct="1">
+              <a:lnSpc>
+                <a:spcPct val="120000"/>
+              </a:lnSpc>
+              <a:spcBef>
+                <a:spcPts val="500"/>
+              </a:spcBef>
+              <a:buSzPct val="125000"/>
+              <a:buFont typeface="Arial" panose="020B0604020202020204" pitchFamily="34" charset="0"/>
+              <a:buChar char="•"/>
+              <a:defRPr sz="1400" kern="1200">
+                <a:solidFill>
+                  <a:schemeClr val="tx1"/>
+                </a:solidFill>
+                <a:latin typeface="+mn-lt"/>
+                <a:ea typeface="+mn-ea"/>
+                <a:cs typeface="+mn-cs"/>
+              </a:defRPr>
+            </a:lvl8pPr>
+            <a:lvl9pPr marL="3886200" indent="-228600" algn="l" defTabSz="914400" rtl="0" eaLnBrk="1" latinLnBrk="0" hangingPunct="1">
+              <a:lnSpc>
+                <a:spcPct val="120000"/>
+              </a:lnSpc>
+              <a:spcBef>
+                <a:spcPts val="500"/>
+              </a:spcBef>
+              <a:buSzPct val="125000"/>
+              <a:buFont typeface="Arial" panose="020B0604020202020204" pitchFamily="34" charset="0"/>
+              <a:buChar char="•"/>
+              <a:defRPr sz="1400" kern="1200">
+                <a:solidFill>
+                  <a:schemeClr val="tx1"/>
+                </a:solidFill>
+                <a:latin typeface="+mn-lt"/>
+                <a:ea typeface="+mn-ea"/>
+                <a:cs typeface="+mn-cs"/>
+              </a:defRPr>
+            </a:lvl9pPr>
+          </a:lstStyle>
+          <a:p>
+            <a:pPr>
+              <a:buSzPct val="90000"/>
+              <a:buFont typeface="Wingdings" panose="05000000000000000000" pitchFamily="2" charset="2"/>
+              <a:buChar char="v"/>
+            </a:pPr>
+            <a:r>
+              <a:rPr lang="de-DE" sz="1800" dirty="0"/>
+              <a:t>High </a:t>
+            </a:r>
+            <a:r>
+              <a:rPr lang="de-DE" sz="1800" dirty="0" err="1"/>
+              <a:t>availability</a:t>
+            </a:r>
+            <a:endParaRPr lang="de-DE" sz="1800" dirty="0"/>
+          </a:p>
+          <a:p>
+            <a:pPr>
+              <a:buSzPct val="90000"/>
+              <a:buFont typeface="Wingdings" panose="05000000000000000000" pitchFamily="2" charset="2"/>
+              <a:buChar char="v"/>
+            </a:pPr>
+            <a:r>
+              <a:rPr lang="de-DE" sz="1800" dirty="0" err="1"/>
+              <a:t>Scalable</a:t>
+            </a:r>
+            <a:endParaRPr lang="de-DE" sz="1800" dirty="0"/>
+          </a:p>
+          <a:p>
+            <a:pPr>
+              <a:buSzPct val="90000"/>
+              <a:buFont typeface="Wingdings" panose="05000000000000000000" pitchFamily="2" charset="2"/>
+              <a:buChar char="v"/>
+            </a:pPr>
+            <a:r>
+              <a:rPr lang="de-DE" sz="1800" dirty="0"/>
+              <a:t>Stores </a:t>
+            </a:r>
+            <a:r>
+              <a:rPr lang="de-DE" sz="1800" dirty="0" err="1"/>
+              <a:t>messages</a:t>
+            </a:r>
+            <a:endParaRPr lang="de-DE" sz="1800" dirty="0"/>
+          </a:p>
+          <a:p>
+            <a:pPr>
+              <a:buSzPct val="90000"/>
+              <a:buFont typeface="Wingdings" panose="05000000000000000000" pitchFamily="2" charset="2"/>
+              <a:buChar char="v"/>
+            </a:pPr>
+            <a:r>
+              <a:rPr lang="de-DE" sz="1800" dirty="0"/>
+              <a:t>Real time </a:t>
+            </a:r>
+            <a:r>
+              <a:rPr lang="de-DE" sz="1800" dirty="0" err="1"/>
+              <a:t>event</a:t>
+            </a:r>
+            <a:r>
+              <a:rPr lang="de-DE" sz="1800" dirty="0"/>
+              <a:t> </a:t>
+            </a:r>
+            <a:r>
+              <a:rPr lang="de-DE" sz="1800" dirty="0" err="1"/>
+              <a:t>streaming</a:t>
+            </a:r>
+            <a:r>
+              <a:rPr lang="de-DE" sz="1800" dirty="0"/>
+              <a:t> and </a:t>
+            </a:r>
+            <a:r>
+              <a:rPr lang="de-DE" sz="1800" dirty="0" err="1"/>
+              <a:t>data</a:t>
+            </a:r>
+            <a:r>
+              <a:rPr lang="de-DE" sz="1800" dirty="0"/>
+              <a:t> </a:t>
+            </a:r>
+            <a:r>
+              <a:rPr lang="de-DE" sz="1800" dirty="0" err="1"/>
+              <a:t>processing</a:t>
+            </a:r>
+            <a:endParaRPr lang="de-DE" sz="1800" dirty="0"/>
+          </a:p>
+          <a:p>
+            <a:pPr>
+              <a:buSzPct val="90000"/>
+              <a:buFont typeface="Wingdings" panose="05000000000000000000" pitchFamily="2" charset="2"/>
+              <a:buChar char="v"/>
+            </a:pPr>
+            <a:endParaRPr lang="de-DE" sz="1800" dirty="0"/>
+          </a:p>
+          <a:p>
+            <a:pPr marL="0" indent="0">
+              <a:buSzPct val="90000"/>
+              <a:buNone/>
+            </a:pPr>
+            <a:endParaRPr lang="de-DE" sz="100" dirty="0"/>
+          </a:p>
+          <a:p>
+            <a:pPr marL="0" indent="0">
+              <a:buSzPct val="90000"/>
+              <a:buNone/>
+            </a:pPr>
+            <a:r>
+              <a:rPr lang="de-DE" sz="1800" b="1" dirty="0">
+                <a:highlight>
+                  <a:srgbClr val="C0C0C0"/>
+                </a:highlight>
+              </a:rPr>
+              <a:t>UC: </a:t>
+            </a:r>
+            <a:r>
+              <a:rPr lang="de-DE" sz="1800" b="1" dirty="0" err="1">
+                <a:highlight>
+                  <a:srgbClr val="C0C0C0"/>
+                </a:highlight>
+              </a:rPr>
+              <a:t>E-commerce</a:t>
+            </a:r>
+            <a:r>
+              <a:rPr lang="de-DE" sz="1800" b="1" dirty="0">
+                <a:highlight>
+                  <a:srgbClr val="C0C0C0"/>
+                </a:highlight>
+              </a:rPr>
+              <a:t> </a:t>
+            </a:r>
+            <a:r>
+              <a:rPr lang="de-DE" sz="1800" b="1" dirty="0" err="1">
+                <a:highlight>
+                  <a:srgbClr val="C0C0C0"/>
+                </a:highlight>
+              </a:rPr>
+              <a:t>websites</a:t>
+            </a:r>
+            <a:endParaRPr lang="de-DE" sz="1800" b="1" dirty="0">
+              <a:highlight>
+                <a:srgbClr val="C0C0C0"/>
+              </a:highlight>
+            </a:endParaRPr>
+          </a:p>
+        </p:txBody>
+      </p:sp>
+      <p:sp>
+        <p:nvSpPr>
+          <p:cNvPr id="23" name="Textplatzhalter 2">
+            <a:extLst>
+              <a:ext uri="{FF2B5EF4-FFF2-40B4-BE49-F238E27FC236}">
+                <a16:creationId xmlns:a16="http://schemas.microsoft.com/office/drawing/2014/main" id="{60FA57ED-7B45-0BA6-F0A8-CE6341245608}"/>
+              </a:ext>
+            </a:extLst>
+          </p:cNvPr>
+          <p:cNvSpPr txBox="1">
+            <a:spLocks/>
+          </p:cNvSpPr>
+          <p:nvPr/>
+        </p:nvSpPr>
+        <p:spPr>
+          <a:xfrm>
+            <a:off x="4625761" y="1804985"/>
+            <a:ext cx="2846157" cy="823912"/>
+          </a:xfrm>
+          <a:prstGeom prst="rect">
+            <a:avLst/>
+          </a:prstGeom>
+          <a:ln>
+            <a:noFill/>
+          </a:ln>
+        </p:spPr>
+        <p:txBody>
+          <a:bodyPr vert="horz" lIns="91440" tIns="45720" rIns="91440" bIns="45720" rtlCol="0" anchor="b">
+            <a:normAutofit/>
+          </a:bodyPr>
+          <a:lstStyle>
+            <a:lvl1pPr marL="0" indent="0" algn="l" defTabSz="914400" rtl="0" eaLnBrk="1" latinLnBrk="0" hangingPunct="1">
+              <a:lnSpc>
+                <a:spcPct val="90000"/>
+              </a:lnSpc>
+              <a:spcBef>
+                <a:spcPts val="1000"/>
+              </a:spcBef>
+              <a:buSzPct val="125000"/>
+              <a:buFont typeface="Arial" panose="020B0604020202020204" pitchFamily="34" charset="0"/>
+              <a:buNone/>
+              <a:defRPr sz="2400" b="0" kern="1200" cap="all" baseline="0">
+                <a:solidFill>
+                  <a:schemeClr val="tx1"/>
+                </a:solidFill>
+                <a:latin typeface="+mn-lt"/>
+                <a:ea typeface="+mn-ea"/>
+                <a:cs typeface="+mn-cs"/>
+              </a:defRPr>
+            </a:lvl1pPr>
+            <a:lvl2pPr marL="457200" indent="0" algn="l" defTabSz="914400" rtl="0" eaLnBrk="1" latinLnBrk="0" hangingPunct="1">
+              <a:lnSpc>
+                <a:spcPct val="120000"/>
+              </a:lnSpc>
+              <a:spcBef>
+                <a:spcPts val="500"/>
+              </a:spcBef>
+              <a:buSzPct val="125000"/>
+              <a:buFont typeface="Arial" panose="020B0604020202020204" pitchFamily="34" charset="0"/>
+              <a:buNone/>
+              <a:defRPr sz="2000" b="1" kern="1200">
+                <a:solidFill>
+                  <a:schemeClr val="tx1"/>
+                </a:solidFill>
+                <a:latin typeface="+mn-lt"/>
+                <a:ea typeface="+mn-ea"/>
+                <a:cs typeface="+mn-cs"/>
+              </a:defRPr>
+            </a:lvl2pPr>
+            <a:lvl3pPr marL="914400" indent="0" algn="l" defTabSz="914400" rtl="0" eaLnBrk="1" latinLnBrk="0" hangingPunct="1">
+              <a:lnSpc>
+                <a:spcPct val="120000"/>
+              </a:lnSpc>
+              <a:spcBef>
+                <a:spcPts val="500"/>
+              </a:spcBef>
+              <a:buSzPct val="125000"/>
+              <a:buFont typeface="Arial" panose="020B0604020202020204" pitchFamily="34" charset="0"/>
+              <a:buNone/>
+              <a:defRPr sz="1800" b="1" kern="1200">
+                <a:solidFill>
+                  <a:schemeClr val="tx1"/>
+                </a:solidFill>
+                <a:latin typeface="+mn-lt"/>
+                <a:ea typeface="+mn-ea"/>
+                <a:cs typeface="+mn-cs"/>
+              </a:defRPr>
+            </a:lvl3pPr>
+            <a:lvl4pPr marL="1371600" indent="0" algn="l" defTabSz="914400" rtl="0" eaLnBrk="1" latinLnBrk="0" hangingPunct="1">
+              <a:lnSpc>
+                <a:spcPct val="120000"/>
+              </a:lnSpc>
+              <a:spcBef>
+                <a:spcPts val="500"/>
+              </a:spcBef>
+              <a:buSzPct val="125000"/>
+              <a:buFont typeface="Arial" panose="020B0604020202020204" pitchFamily="34" charset="0"/>
+              <a:buNone/>
+              <a:defRPr sz="1600" b="1" kern="1200">
+                <a:solidFill>
+                  <a:schemeClr val="tx1"/>
+                </a:solidFill>
+                <a:latin typeface="+mn-lt"/>
+                <a:ea typeface="+mn-ea"/>
+                <a:cs typeface="+mn-cs"/>
+              </a:defRPr>
+            </a:lvl4pPr>
+            <a:lvl5pPr marL="1828800" indent="0" algn="l" defTabSz="914400" rtl="0" eaLnBrk="1" latinLnBrk="0" hangingPunct="1">
+              <a:lnSpc>
+                <a:spcPct val="120000"/>
+              </a:lnSpc>
+              <a:spcBef>
+                <a:spcPts val="500"/>
+              </a:spcBef>
+              <a:buSzPct val="125000"/>
+              <a:buFont typeface="Arial" panose="020B0604020202020204" pitchFamily="34" charset="0"/>
+              <a:buNone/>
+              <a:defRPr sz="1600" b="1" kern="1200">
+                <a:solidFill>
+                  <a:schemeClr val="tx1"/>
+                </a:solidFill>
+                <a:latin typeface="+mn-lt"/>
+                <a:ea typeface="+mn-ea"/>
+                <a:cs typeface="+mn-cs"/>
+              </a:defRPr>
+            </a:lvl5pPr>
+            <a:lvl6pPr marL="2286000" indent="0" algn="l" defTabSz="914400" rtl="0" eaLnBrk="1" latinLnBrk="0" hangingPunct="1">
+              <a:lnSpc>
+                <a:spcPct val="120000"/>
+              </a:lnSpc>
+              <a:spcBef>
+                <a:spcPts val="500"/>
+              </a:spcBef>
+              <a:buSzPct val="125000"/>
+              <a:buFont typeface="Arial" panose="020B0604020202020204" pitchFamily="34" charset="0"/>
+              <a:buNone/>
+              <a:defRPr sz="1600" b="1" kern="1200">
+                <a:solidFill>
+                  <a:schemeClr val="tx1"/>
+                </a:solidFill>
+                <a:latin typeface="+mn-lt"/>
+                <a:ea typeface="+mn-ea"/>
+                <a:cs typeface="+mn-cs"/>
+              </a:defRPr>
+            </a:lvl6pPr>
+            <a:lvl7pPr marL="2743200" indent="0" algn="l" defTabSz="914400" rtl="0" eaLnBrk="1" latinLnBrk="0" hangingPunct="1">
+              <a:lnSpc>
+                <a:spcPct val="120000"/>
+              </a:lnSpc>
+              <a:spcBef>
+                <a:spcPts val="500"/>
+              </a:spcBef>
+              <a:buSzPct val="125000"/>
+              <a:buFont typeface="Arial" panose="020B0604020202020204" pitchFamily="34" charset="0"/>
+              <a:buNone/>
+              <a:defRPr sz="1600" b="1" kern="1200">
+                <a:solidFill>
+                  <a:schemeClr val="tx1"/>
+                </a:solidFill>
+                <a:latin typeface="+mn-lt"/>
+                <a:ea typeface="+mn-ea"/>
+                <a:cs typeface="+mn-cs"/>
+              </a:defRPr>
+            </a:lvl7pPr>
+            <a:lvl8pPr marL="3200400" indent="0" algn="l" defTabSz="914400" rtl="0" eaLnBrk="1" latinLnBrk="0" hangingPunct="1">
+              <a:lnSpc>
+                <a:spcPct val="120000"/>
+              </a:lnSpc>
+              <a:spcBef>
+                <a:spcPts val="500"/>
+              </a:spcBef>
+              <a:buSzPct val="125000"/>
+              <a:buFont typeface="Arial" panose="020B0604020202020204" pitchFamily="34" charset="0"/>
+              <a:buNone/>
+              <a:defRPr sz="1600" b="1" kern="1200">
+                <a:solidFill>
+                  <a:schemeClr val="tx1"/>
+                </a:solidFill>
+                <a:latin typeface="+mn-lt"/>
+                <a:ea typeface="+mn-ea"/>
+                <a:cs typeface="+mn-cs"/>
+              </a:defRPr>
+            </a:lvl8pPr>
+            <a:lvl9pPr marL="3657600" indent="0" algn="l" defTabSz="914400" rtl="0" eaLnBrk="1" latinLnBrk="0" hangingPunct="1">
+              <a:lnSpc>
+                <a:spcPct val="120000"/>
+              </a:lnSpc>
+              <a:spcBef>
+                <a:spcPts val="500"/>
+              </a:spcBef>
+              <a:buSzPct val="125000"/>
+              <a:buFont typeface="Arial" panose="020B0604020202020204" pitchFamily="34" charset="0"/>
+              <a:buNone/>
+              <a:defRPr sz="1600" b="1" kern="1200">
+                <a:solidFill>
+                  <a:schemeClr val="tx1"/>
+                </a:solidFill>
+                <a:latin typeface="+mn-lt"/>
+                <a:ea typeface="+mn-ea"/>
+                <a:cs typeface="+mn-cs"/>
+              </a:defRPr>
+            </a:lvl9pPr>
+          </a:lstStyle>
+          <a:p>
+            <a:pPr algn="ctr"/>
+            <a:r>
+              <a:rPr lang="de-DE" dirty="0" err="1">
+                <a:latin typeface="+mj-lt"/>
+              </a:rPr>
+              <a:t>RabbitMQ</a:t>
+            </a:r>
+            <a:endParaRPr lang="de-DE" dirty="0">
+              <a:latin typeface="+mj-lt"/>
+            </a:endParaRPr>
+          </a:p>
+        </p:txBody>
+      </p:sp>
+      <p:sp>
+        <p:nvSpPr>
+          <p:cNvPr id="24" name="Inhaltsplatzhalter 3">
+            <a:extLst>
+              <a:ext uri="{FF2B5EF4-FFF2-40B4-BE49-F238E27FC236}">
+                <a16:creationId xmlns:a16="http://schemas.microsoft.com/office/drawing/2014/main" id="{F644326D-80B9-8172-6176-9701CDD2C028}"/>
+              </a:ext>
+            </a:extLst>
+          </p:cNvPr>
+          <p:cNvSpPr txBox="1">
+            <a:spLocks/>
+          </p:cNvSpPr>
+          <p:nvPr/>
+        </p:nvSpPr>
+        <p:spPr>
+          <a:xfrm>
+            <a:off x="4409860" y="2675077"/>
+            <a:ext cx="3204000" cy="3835403"/>
+          </a:xfrm>
+          <a:prstGeom prst="rect">
+            <a:avLst/>
+          </a:prstGeom>
+          <a:ln>
+            <a:noFill/>
+          </a:ln>
+        </p:spPr>
+        <p:txBody>
+          <a:bodyPr vert="horz" lIns="91440" tIns="45720" rIns="91440" bIns="45720" rtlCol="0">
+            <a:normAutofit/>
+          </a:bodyPr>
+          <a:lstStyle>
+            <a:lvl1pPr marL="228600" indent="-228600" algn="l" defTabSz="914400" rtl="0" eaLnBrk="1" latinLnBrk="0" hangingPunct="1">
+              <a:lnSpc>
+                <a:spcPct val="120000"/>
+              </a:lnSpc>
+              <a:spcBef>
+                <a:spcPts val="1000"/>
+              </a:spcBef>
+              <a:buSzPct val="125000"/>
+              <a:buFont typeface="Arial" panose="020B0604020202020204" pitchFamily="34" charset="0"/>
+              <a:buChar char="•"/>
+              <a:defRPr sz="2400" kern="1200">
+                <a:solidFill>
+                  <a:schemeClr val="tx1"/>
+                </a:solidFill>
+                <a:latin typeface="+mn-lt"/>
+                <a:ea typeface="+mn-ea"/>
+                <a:cs typeface="+mn-cs"/>
+              </a:defRPr>
+            </a:lvl1pPr>
+            <a:lvl2pPr marL="685800" indent="-228600" algn="l" defTabSz="914400" rtl="0" eaLnBrk="1" latinLnBrk="0" hangingPunct="1">
+              <a:lnSpc>
+                <a:spcPct val="120000"/>
+              </a:lnSpc>
+              <a:spcBef>
+                <a:spcPts val="500"/>
+              </a:spcBef>
+              <a:buSzPct val="125000"/>
+              <a:buFont typeface="Arial" panose="020B0604020202020204" pitchFamily="34" charset="0"/>
+              <a:buChar char="•"/>
+              <a:defRPr sz="2000" kern="1200">
+                <a:solidFill>
+                  <a:schemeClr val="tx1"/>
+                </a:solidFill>
+                <a:latin typeface="+mn-lt"/>
+                <a:ea typeface="+mn-ea"/>
+                <a:cs typeface="+mn-cs"/>
+              </a:defRPr>
+            </a:lvl2pPr>
+            <a:lvl3pPr marL="1143000" indent="-228600" algn="l" defTabSz="914400" rtl="0" eaLnBrk="1" latinLnBrk="0" hangingPunct="1">
+              <a:lnSpc>
+                <a:spcPct val="120000"/>
+              </a:lnSpc>
+              <a:spcBef>
+                <a:spcPts val="500"/>
+              </a:spcBef>
+              <a:buSzPct val="125000"/>
+              <a:buFont typeface="Arial" panose="020B0604020202020204" pitchFamily="34" charset="0"/>
+              <a:buChar char="•"/>
+              <a:defRPr sz="1800" kern="1200">
+                <a:solidFill>
+                  <a:schemeClr val="tx1"/>
+                </a:solidFill>
+                <a:latin typeface="+mn-lt"/>
+                <a:ea typeface="+mn-ea"/>
+                <a:cs typeface="+mn-cs"/>
+              </a:defRPr>
+            </a:lvl3pPr>
+            <a:lvl4pPr marL="1600200" indent="-228600" algn="l" defTabSz="914400" rtl="0" eaLnBrk="1" latinLnBrk="0" hangingPunct="1">
+              <a:lnSpc>
+                <a:spcPct val="120000"/>
+              </a:lnSpc>
+              <a:spcBef>
+                <a:spcPts val="500"/>
+              </a:spcBef>
+              <a:buSzPct val="125000"/>
+              <a:buFont typeface="Arial" panose="020B0604020202020204" pitchFamily="34" charset="0"/>
+              <a:buChar char="•"/>
+              <a:defRPr sz="1600" kern="1200">
+                <a:solidFill>
+                  <a:schemeClr val="tx1"/>
+                </a:solidFill>
+                <a:latin typeface="+mn-lt"/>
+                <a:ea typeface="+mn-ea"/>
+                <a:cs typeface="+mn-cs"/>
+              </a:defRPr>
+            </a:lvl4pPr>
+            <a:lvl5pPr marL="2057400" indent="-228600" algn="l" defTabSz="914400" rtl="0" eaLnBrk="1" latinLnBrk="0" hangingPunct="1">
+              <a:lnSpc>
+                <a:spcPct val="120000"/>
+              </a:lnSpc>
+              <a:spcBef>
+                <a:spcPts val="500"/>
+              </a:spcBef>
+              <a:buSzPct val="125000"/>
+              <a:buFont typeface="Arial" panose="020B0604020202020204" pitchFamily="34" charset="0"/>
+              <a:buChar char="•"/>
+              <a:defRPr sz="1600" kern="1200">
+                <a:solidFill>
+                  <a:schemeClr val="tx1"/>
+                </a:solidFill>
+                <a:latin typeface="+mn-lt"/>
+                <a:ea typeface="+mn-ea"/>
+                <a:cs typeface="+mn-cs"/>
+              </a:defRPr>
+            </a:lvl5pPr>
+            <a:lvl6pPr marL="2514600" indent="-228600" algn="l" defTabSz="914400" rtl="0" eaLnBrk="1" latinLnBrk="0" hangingPunct="1">
+              <a:lnSpc>
+                <a:spcPct val="120000"/>
+              </a:lnSpc>
+              <a:spcBef>
+                <a:spcPts val="500"/>
+              </a:spcBef>
+              <a:buSzPct val="125000"/>
+              <a:buFont typeface="Arial" panose="020B0604020202020204" pitchFamily="34" charset="0"/>
+              <a:buChar char="•"/>
+              <a:defRPr sz="1400" kern="1200">
+                <a:solidFill>
+                  <a:schemeClr val="tx1"/>
+                </a:solidFill>
+                <a:latin typeface="+mn-lt"/>
+                <a:ea typeface="+mn-ea"/>
+                <a:cs typeface="+mn-cs"/>
+              </a:defRPr>
+            </a:lvl6pPr>
+            <a:lvl7pPr marL="2971800" indent="-228600" algn="l" defTabSz="914400" rtl="0" eaLnBrk="1" latinLnBrk="0" hangingPunct="1">
+              <a:lnSpc>
+                <a:spcPct val="120000"/>
+              </a:lnSpc>
+              <a:spcBef>
+                <a:spcPts val="500"/>
+              </a:spcBef>
+              <a:buSzPct val="125000"/>
+              <a:buFont typeface="Arial" panose="020B0604020202020204" pitchFamily="34" charset="0"/>
+              <a:buChar char="•"/>
+              <a:defRPr sz="1400" kern="1200">
+                <a:solidFill>
+                  <a:schemeClr val="tx1"/>
+                </a:solidFill>
+                <a:latin typeface="+mn-lt"/>
+                <a:ea typeface="+mn-ea"/>
+                <a:cs typeface="+mn-cs"/>
+              </a:defRPr>
+            </a:lvl7pPr>
+            <a:lvl8pPr marL="3429000" indent="-228600" algn="l" defTabSz="914400" rtl="0" eaLnBrk="1" latinLnBrk="0" hangingPunct="1">
+              <a:lnSpc>
+                <a:spcPct val="120000"/>
+              </a:lnSpc>
+              <a:spcBef>
+                <a:spcPts val="500"/>
+              </a:spcBef>
+              <a:buSzPct val="125000"/>
+              <a:buFont typeface="Arial" panose="020B0604020202020204" pitchFamily="34" charset="0"/>
+              <a:buChar char="•"/>
+              <a:defRPr sz="1400" kern="1200">
+                <a:solidFill>
+                  <a:schemeClr val="tx1"/>
+                </a:solidFill>
+                <a:latin typeface="+mn-lt"/>
+                <a:ea typeface="+mn-ea"/>
+                <a:cs typeface="+mn-cs"/>
+              </a:defRPr>
+            </a:lvl8pPr>
+            <a:lvl9pPr marL="3886200" indent="-228600" algn="l" defTabSz="914400" rtl="0" eaLnBrk="1" latinLnBrk="0" hangingPunct="1">
+              <a:lnSpc>
+                <a:spcPct val="120000"/>
+              </a:lnSpc>
+              <a:spcBef>
+                <a:spcPts val="500"/>
+              </a:spcBef>
+              <a:buSzPct val="125000"/>
+              <a:buFont typeface="Arial" panose="020B0604020202020204" pitchFamily="34" charset="0"/>
+              <a:buChar char="•"/>
+              <a:defRPr sz="1400" kern="1200">
+                <a:solidFill>
+                  <a:schemeClr val="tx1"/>
+                </a:solidFill>
+                <a:latin typeface="+mn-lt"/>
+                <a:ea typeface="+mn-ea"/>
+                <a:cs typeface="+mn-cs"/>
+              </a:defRPr>
+            </a:lvl9pPr>
+          </a:lstStyle>
+          <a:p>
+            <a:pPr>
+              <a:buSzPct val="90000"/>
+              <a:buFont typeface="Wingdings" panose="05000000000000000000" pitchFamily="2" charset="2"/>
+              <a:buChar char="v"/>
+            </a:pPr>
+            <a:r>
+              <a:rPr lang="de-DE" sz="1800" dirty="0"/>
+              <a:t>Heavy &amp; </a:t>
+            </a:r>
+            <a:r>
+              <a:rPr lang="de-DE" sz="1800" dirty="0" err="1"/>
+              <a:t>efficient</a:t>
+            </a:r>
+            <a:endParaRPr lang="de-DE" sz="1800" dirty="0"/>
+          </a:p>
+          <a:p>
+            <a:pPr>
+              <a:buSzPct val="90000"/>
+              <a:buFont typeface="Wingdings" panose="05000000000000000000" pitchFamily="2" charset="2"/>
+              <a:buChar char="v"/>
+            </a:pPr>
+            <a:r>
+              <a:rPr lang="de-DE" sz="1800" dirty="0"/>
+              <a:t>Plugins</a:t>
+            </a:r>
+          </a:p>
+          <a:p>
+            <a:pPr>
+              <a:buSzPct val="90000"/>
+              <a:buFont typeface="Wingdings" panose="05000000000000000000" pitchFamily="2" charset="2"/>
+              <a:buChar char="v"/>
+            </a:pPr>
+            <a:r>
+              <a:rPr lang="de-DE" sz="1800" dirty="0"/>
+              <a:t>Reliable</a:t>
+            </a:r>
+          </a:p>
+          <a:p>
+            <a:pPr>
+              <a:buSzPct val="90000"/>
+              <a:buFont typeface="Wingdings" panose="05000000000000000000" pitchFamily="2" charset="2"/>
+              <a:buChar char="v"/>
+            </a:pPr>
+            <a:r>
+              <a:rPr lang="de-DE" sz="1800" dirty="0"/>
+              <a:t>Secure</a:t>
+            </a:r>
+          </a:p>
+          <a:p>
+            <a:pPr>
+              <a:buSzPct val="90000"/>
+              <a:buFont typeface="Wingdings" panose="05000000000000000000" pitchFamily="2" charset="2"/>
+              <a:buChar char="v"/>
+            </a:pPr>
+            <a:r>
+              <a:rPr lang="de-DE" sz="1800" dirty="0"/>
+              <a:t>Clustering</a:t>
+            </a:r>
+          </a:p>
+          <a:p>
+            <a:pPr>
+              <a:buSzPct val="90000"/>
+              <a:buFont typeface="Wingdings" panose="05000000000000000000" pitchFamily="2" charset="2"/>
+              <a:buChar char="v"/>
+            </a:pPr>
+            <a:endParaRPr lang="de-DE" sz="1800" dirty="0"/>
+          </a:p>
+          <a:p>
+            <a:pPr marL="0" indent="0">
+              <a:buSzPct val="90000"/>
+              <a:buNone/>
+            </a:pPr>
+            <a:r>
+              <a:rPr lang="de-DE" sz="1800" b="1" dirty="0">
+                <a:highlight>
+                  <a:srgbClr val="C0C0C0"/>
+                </a:highlight>
+              </a:rPr>
+              <a:t>UC: </a:t>
+            </a:r>
+            <a:r>
+              <a:rPr lang="de-DE" sz="1800" b="1" dirty="0" err="1">
+                <a:highlight>
+                  <a:srgbClr val="C0C0C0"/>
+                </a:highlight>
+              </a:rPr>
+              <a:t>Complex</a:t>
+            </a:r>
+            <a:r>
+              <a:rPr lang="de-DE" sz="1800" b="1" dirty="0">
+                <a:highlight>
+                  <a:srgbClr val="C0C0C0"/>
+                </a:highlight>
+              </a:rPr>
+              <a:t> </a:t>
+            </a:r>
+            <a:r>
+              <a:rPr lang="de-DE" sz="1800" b="1" dirty="0" err="1">
+                <a:highlight>
+                  <a:srgbClr val="C0C0C0"/>
+                </a:highlight>
+              </a:rPr>
+              <a:t>enterprises</a:t>
+            </a:r>
+            <a:endParaRPr lang="de-DE" sz="1800" b="1" dirty="0">
+              <a:highlight>
+                <a:srgbClr val="C0C0C0"/>
+              </a:highlight>
+            </a:endParaRPr>
+          </a:p>
+        </p:txBody>
+      </p:sp>
+    </p:spTree>
+    <p:extLst>
+      <p:ext uri="{BB962C8B-B14F-4D97-AF65-F5344CB8AC3E}">
+        <p14:creationId xmlns:p14="http://schemas.microsoft.com/office/powerpoint/2010/main" val="501833240"/>
+      </p:ext>
+    </p:extLst>
+  </p:cSld>
+  <p:clrMapOvr>
+    <a:masterClrMapping/>
+  </p:clrMapOvr>
+  <mc:AlternateContent xmlns:mc="http://schemas.openxmlformats.org/markup-compatibility/2006">
+    <mc:Choice xmlns:p14="http://schemas.microsoft.com/office/powerpoint/2010/main" Requires="p14">
+      <p:transition spd="slow" p14:dur="1250">
+        <p14:conveyor dir="l"/>
       </p:transition>
     </mc:Choice>
     <mc:Fallback>
@@ -18181,7 +19089,7 @@
         </p:spPr>
         <p:txBody>
           <a:bodyPr>
-            <a:normAutofit/>
+            <a:normAutofit fontScale="92500"/>
           </a:bodyPr>
           <a:lstStyle/>
           <a:p>
@@ -18327,6 +19235,37 @@
               <a:t>protocol</a:t>
             </a:r>
             <a:endParaRPr lang="de-DE" sz="2000" dirty="0"/>
+          </a:p>
+          <a:p>
+            <a:pPr>
+              <a:buSzPct val="90000"/>
+              <a:buFont typeface="Wingdings" panose="05000000000000000000" pitchFamily="2" charset="2"/>
+              <a:buChar char="v"/>
+            </a:pPr>
+            <a:r>
+              <a:rPr lang="de-DE" sz="2000" dirty="0" err="1"/>
+              <a:t>Deterines</a:t>
+            </a:r>
+            <a:r>
+              <a:rPr lang="de-DE" sz="2000" dirty="0"/>
+              <a:t> </a:t>
+            </a:r>
+            <a:r>
+              <a:rPr lang="de-DE" sz="2000" dirty="0" err="1"/>
+              <a:t>data</a:t>
+            </a:r>
+            <a:r>
+              <a:rPr lang="de-DE" sz="2000" dirty="0"/>
+              <a:t> </a:t>
+            </a:r>
+            <a:r>
+              <a:rPr lang="de-DE" sz="2000" dirty="0" err="1"/>
+              <a:t>format</a:t>
+            </a:r>
+            <a:r>
+              <a:rPr lang="de-DE" sz="2000" dirty="0"/>
+              <a:t> (XML, JSON)</a:t>
+            </a:r>
           </a:p>
         </p:txBody>
       </p:sp>
@@ -18394,7 +19333,7 @@
         </p:spPr>
         <p:txBody>
           <a:bodyPr>
-            <a:normAutofit/>
+            <a:normAutofit fontScale="92500"/>
           </a:bodyPr>
           <a:lstStyle/>
           <a:p>
@@ -18404,78 +19343,66 @@
               <a:buChar char="v"/>
             </a:pPr>
             <a:r>
-              <a:rPr lang="de-DE" sz="1800" dirty="0"/>
-              <a:t>Servers </a:t>
-            </a:r>
-            <a:r>
-              <a:rPr lang="de-DE" sz="1800" dirty="0" err="1"/>
-              <a:t>that</a:t>
-            </a:r>
-            <a:r>
-              <a:rPr lang="de-DE" sz="1800" dirty="0"/>
-              <a:t> </a:t>
-            </a:r>
-            <a:r>
-              <a:rPr lang="de-DE" sz="1800" dirty="0" err="1"/>
-              <a:t>recieve</a:t>
-            </a:r>
-            <a:r>
-              <a:rPr lang="de-DE" sz="1800" dirty="0"/>
-              <a:t> </a:t>
-            </a:r>
-            <a:r>
-              <a:rPr lang="de-DE" sz="1800" dirty="0" err="1"/>
+              <a:rPr lang="de-DE" sz="2000" dirty="0" err="1"/>
+              <a:t>Recieve</a:t>
+            </a:r>
+            <a:r>
+              <a:rPr lang="de-DE" sz="2000" dirty="0"/>
+              <a:t> </a:t>
+            </a:r>
+            <a:r>
+              <a:rPr lang="de-DE" sz="2000" dirty="0" err="1"/>
               <a:t>messages</a:t>
             </a:r>
             <a:r>
-              <a:rPr lang="de-DE" sz="1800" dirty="0"/>
-              <a:t> </a:t>
-            </a:r>
-            <a:r>
-              <a:rPr lang="de-DE" sz="1800" dirty="0" err="1"/>
+              <a:rPr lang="de-DE" sz="2000" dirty="0"/>
+              <a:t> </a:t>
+            </a:r>
+            <a:r>
+              <a:rPr lang="de-DE" sz="2000" dirty="0" err="1"/>
               <a:t>published</a:t>
             </a:r>
             <a:r>
-              <a:rPr lang="de-DE" sz="1800" dirty="0"/>
-              <a:t> </a:t>
-            </a:r>
-            <a:r>
-              <a:rPr lang="de-DE" sz="1800" dirty="0" err="1"/>
+              <a:rPr lang="de-DE" sz="2000" dirty="0"/>
+              <a:t> </a:t>
+            </a:r>
+            <a:r>
+              <a:rPr lang="de-DE" sz="2000" dirty="0" err="1"/>
               <a:t>by</a:t>
             </a:r>
             <a:r>
-              <a:rPr lang="de-DE" sz="1800" dirty="0"/>
+              <a:rPr lang="de-DE" sz="2000" dirty="0"/>
               <a:t> MQTT Clients and </a:t>
             </a:r>
             <a:r>
-              <a:rPr lang="de-DE" sz="1800" dirty="0" err="1"/>
+              <a:rPr lang="de-DE" sz="2000" dirty="0" err="1"/>
               <a:t>deliver</a:t>
             </a:r>
             <a:r>
-              <a:rPr lang="de-DE" sz="1800" dirty="0"/>
-              <a:t> </a:t>
-            </a:r>
-            <a:r>
-              <a:rPr lang="de-DE" sz="1800" dirty="0" err="1"/>
+              <a:rPr lang="de-DE" sz="2000" dirty="0"/>
+              <a:t> </a:t>
+            </a:r>
+            <a:r>
+              <a:rPr lang="de-DE" sz="2000" dirty="0" err="1"/>
               <a:t>them</a:t>
             </a:r>
             <a:r>
-              <a:rPr lang="de-DE" sz="1800" dirty="0"/>
-              <a:t> </a:t>
-            </a:r>
-            <a:r>
-              <a:rPr lang="de-DE" sz="1800" dirty="0" err="1"/>
+              <a:rPr lang="de-DE" sz="2000" dirty="0"/>
+              <a:t> </a:t>
+            </a:r>
+            <a:r>
+              <a:rPr lang="de-DE" sz="2000" dirty="0" err="1"/>
               <a:t>to</a:t>
             </a:r>
             <a:r>
-              <a:rPr lang="de-DE" sz="1800" dirty="0"/>
-              <a:t> </a:t>
-            </a:r>
-            <a:r>
-              <a:rPr lang="de-DE" sz="1800" dirty="0" err="1"/>
+              <a:rPr lang="de-DE" sz="2000" dirty="0"/>
+              <a:t> </a:t>
+            </a:r>
+            <a:r>
+              <a:rPr lang="de-DE" sz="2000" dirty="0" err="1"/>
               <a:t>subscribers</a:t>
             </a:r>
-            <a:endParaRPr lang="de-DE" sz="1800" dirty="0"/>
+            <a:endParaRPr lang="de-DE" sz="2000" dirty="0"/>
           </a:p>
           <a:p>
             <a:pPr>
@@ -18484,94 +19411,94 @@
               <a:buChar char="v"/>
             </a:pPr>
             <a:r>
-              <a:rPr lang="de-DE" sz="1800" dirty="0"/>
+              <a:rPr lang="de-DE" sz="2000" dirty="0"/>
               <a:t>Manage </a:t>
             </a:r>
             <a:r>
-              <a:rPr lang="de-DE" sz="1800" dirty="0" err="1"/>
+              <a:rPr lang="de-DE" sz="2000" dirty="0" err="1"/>
               <a:t>subscriptions</a:t>
             </a:r>
             <a:r>
-              <a:rPr lang="de-DE" sz="1800" dirty="0"/>
+              <a:rPr lang="de-DE" sz="2000" dirty="0"/>
               <a:t> and </a:t>
             </a:r>
             <a:r>
-              <a:rPr lang="de-DE" sz="1800" dirty="0" err="1"/>
+              <a:rPr lang="de-DE" sz="2000" dirty="0" err="1"/>
               <a:t>ensure</a:t>
             </a:r>
             <a:r>
-              <a:rPr lang="de-DE" sz="1800" dirty="0"/>
-              <a:t> </a:t>
-            </a:r>
-            <a:r>
-              <a:rPr lang="de-DE" sz="1800" dirty="0" err="1"/>
+              <a:rPr lang="de-DE" sz="2000" dirty="0"/>
+              <a:t> </a:t>
+            </a:r>
+            <a:r>
+              <a:rPr lang="de-DE" sz="2000" dirty="0" err="1"/>
               <a:t>messages</a:t>
             </a:r>
             <a:r>
-              <a:rPr lang="de-DE" sz="1800" dirty="0"/>
-              <a:t> </a:t>
-            </a:r>
-            <a:r>
-              <a:rPr lang="de-DE" sz="1800" dirty="0" err="1"/>
+              <a:rPr lang="de-DE" sz="2000" dirty="0"/>
+              <a:t> </a:t>
+            </a:r>
+            <a:r>
+              <a:rPr lang="de-DE" sz="2000" dirty="0" err="1"/>
               <a:t>are</a:t>
             </a:r>
             <a:r>
-              <a:rPr lang="de-DE" sz="1800" dirty="0"/>
-              <a:t> </a:t>
-            </a:r>
-            <a:r>
-              <a:rPr lang="de-DE" sz="1800" dirty="0" err="1"/>
+              <a:rPr lang="de-DE" sz="2000" dirty="0"/>
+              <a:t> </a:t>
+            </a:r>
+            <a:r>
+              <a:rPr lang="de-DE" sz="2000" dirty="0" err="1"/>
               <a:t>delivered</a:t>
             </a:r>
             <a:r>
-              <a:rPr lang="de-DE" sz="1800" dirty="0"/>
-              <a:t> </a:t>
-            </a:r>
-            <a:r>
-              <a:rPr lang="de-DE" sz="1800" dirty="0" err="1"/>
+              <a:rPr lang="de-DE" sz="2000" dirty="0"/>
+              <a:t> </a:t>
+            </a:r>
+            <a:r>
+              <a:rPr lang="de-DE" sz="2000" dirty="0" err="1"/>
               <a:t>according</a:t>
             </a:r>
             <a:r>
-              <a:rPr lang="de-DE" sz="1800" dirty="0"/>
-              <a:t> </a:t>
-            </a:r>
-            <a:r>
-              <a:rPr lang="de-DE" sz="1800" dirty="0" err="1"/>
+              <a:rPr lang="de-DE" sz="2000" dirty="0"/>
+              <a:t> </a:t>
+            </a:r>
+            <a:r>
+              <a:rPr lang="de-DE" sz="2000" dirty="0" err="1"/>
               <a:t>to</a:t>
             </a:r>
             <a:r>
-              <a:rPr lang="de-DE" sz="1800" dirty="0"/>
-              <a:t> </a:t>
-            </a:r>
-            <a:r>
-              <a:rPr lang="de-DE" sz="1800" dirty="0" err="1"/>
+              <a:rPr lang="de-DE" sz="2000" dirty="0"/>
+              <a:t> </a:t>
+            </a:r>
+            <a:r>
+              <a:rPr lang="de-DE" sz="2000" dirty="0" err="1"/>
               <a:t>quality</a:t>
             </a:r>
             <a:r>
-              <a:rPr lang="de-DE" sz="1800" dirty="0"/>
-              <a:t> </a:t>
-            </a:r>
-            <a:r>
-              <a:rPr lang="de-DE" sz="1800" dirty="0" err="1"/>
+              <a:rPr lang="de-DE" sz="2000" dirty="0"/>
+              <a:t> </a:t>
+            </a:r>
+            <a:r>
+              <a:rPr lang="de-DE" sz="2000" dirty="0" err="1"/>
               <a:t>of</a:t>
             </a:r>
             <a:r>
-              <a:rPr lang="de-DE" sz="1800" dirty="0"/>
-              <a:t> </a:t>
-            </a:r>
-            <a:r>
-              <a:rPr lang="de-DE" sz="1800" dirty="0" err="1"/>
+              <a:rPr lang="de-DE" sz="2000" dirty="0"/>
+              <a:t> </a:t>
+            </a:r>
+            <a:r>
+              <a:rPr lang="de-DE" sz="2000" dirty="0" err="1"/>
               <a:t>service</a:t>
             </a:r>
             <a:r>
-              <a:rPr lang="de-DE" sz="1800" dirty="0"/>
-              <a:t> </a:t>
-            </a:r>
-            <a:r>
-              <a:rPr lang="de-DE" sz="1800" dirty="0" err="1"/>
+              <a:rPr lang="de-DE" sz="2000" dirty="0"/>
+              <a:t> </a:t>
+            </a:r>
+            <a:r>
+              <a:rPr lang="de-DE" sz="2000" dirty="0" err="1"/>
               <a:t>level</a:t>
             </a:r>
-            <a:endParaRPr lang="de-DE" sz="1800" dirty="0"/>
+            <a:endParaRPr lang="de-DE" sz="2000" dirty="0"/>
           </a:p>
         </p:txBody>
       </p:sp>
@@ -18585,13 +19512,13 @@
   <p:clrMapOvr>
     <a:masterClrMapping/>
   </p:clrMapOvr>
-  <mc:AlternateContent xmlns:mc="http://schemas.openxmlformats.org/markup-compatibility/2006">
-    <mc:Choice xmlns:p14="http://schemas.microsoft.com/office/powerpoint/2010/main" Requires="p14">
+  <mc:AlternateContent xmlns:mc="http://schemas.openxmlformats.org/markup-compatibility/2006" xmlns:p14="http://schemas.microsoft.com/office/powerpoint/2010/main">
+    <mc:Choice Requires="p14">
       <p:transition spd="slow" p14:dur="1250">
         <p14:conveyor dir="l"/>
       </p:transition>
     </mc:Choice>
-    <mc:Fallback>
+    <mc:Fallback xmlns="">
       <p:transition spd="slow">
         <p:fade/>
       </p:transition>
@@ -18951,20 +19878,16 @@
               <a:buChar char="v"/>
             </a:pPr>
             <a:r>
+              <a:rPr lang="de-DE" sz="1800" dirty="0" err="1"/>
+              <a:t>Payloads</a:t>
+            </a:r>
+            <a:r>
               <a:rPr lang="de-DE" sz="1800" dirty="0"/>
-              <a:t>Payload </a:t>
+              <a:t> </a:t>
             </a:r>
             <a:r>
               <a:rPr lang="de-DE" sz="1800" dirty="0" err="1"/>
-              <a:t>can</a:t>
-            </a:r>
-            <a:r>
-              <a:rPr lang="de-DE" sz="1800" dirty="0"/>
-              <a:t> </a:t>
-            </a:r>
-            <a:r>
-              <a:rPr lang="de-DE" sz="1800" dirty="0" err="1"/>
-              <a:t>be</a:t>
+              <a:t>are</a:t>
             </a:r>
             <a:r>
               <a:rPr lang="de-DE" sz="1800" dirty="0"/>
@@ -18981,6 +19904,22 @@
             <a:r>
               <a:rPr lang="de-DE" sz="1800" dirty="0" err="1"/>
               <a:t>data</a:t>
+            </a:r>
+            <a:r>
+              <a:rPr lang="de-DE" sz="1800" dirty="0"/>
+              <a:t> in </a:t>
+            </a:r>
+            <a:r>
+              <a:rPr lang="de-DE" sz="1800" dirty="0" err="1"/>
+              <a:t>byte</a:t>
+            </a:r>
+            <a:r>
+              <a:rPr lang="de-DE" sz="1800" dirty="0"/>
+              <a:t> </a:t>
+            </a:r>
+            <a:r>
+              <a:rPr lang="de-DE" sz="1800" dirty="0" err="1"/>
+              <a:t>format</a:t>
             </a:r>
             <a:endParaRPr lang="de-DE" sz="1800" dirty="0"/>
           </a:p>
@@ -19092,13 +20031,13 @@
   <p:clrMapOvr>
     <a:masterClrMapping/>
   </p:clrMapOvr>
-  <mc:AlternateContent xmlns:mc="http://schemas.openxmlformats.org/markup-compatibility/2006">
-    <mc:Choice xmlns:p14="http://schemas.microsoft.com/office/powerpoint/2010/main" Requires="p14">
+  <mc:AlternateContent xmlns:mc="http://schemas.openxmlformats.org/markup-compatibility/2006" xmlns:p14="http://schemas.microsoft.com/office/powerpoint/2010/main">
+    <mc:Choice Requires="p14">
       <p:transition spd="slow" p14:dur="1250">
         <p14:conveyor dir="l"/>
       </p:transition>
     </mc:Choice>
-    <mc:Fallback>
+    <mc:Fallback xmlns="">
       <p:transition spd="slow">
         <p:fade/>
       </p:transition>
@@ -19145,6 +20084,11 @@
           <a:bodyPr/>
           <a:lstStyle/>
           <a:p>
+            <a:pPr>
+              <a:lnSpc>
+                <a:spcPct val="100000"/>
+              </a:lnSpc>
+            </a:pPr>
             <a:r>
               <a:rPr lang="de-DE" dirty="0"/>
               <a:t>Quality </a:t>
@@ -19157,6 +20101,106 @@
               <a:rPr lang="de-DE" dirty="0"/>
               <a:t> Service</a:t>
             </a:r>
+            <a:br>
+              <a:rPr lang="de-DE" dirty="0"/>
+            </a:br>
+            <a:r>
+              <a:rPr lang="de-DE" sz="1600" dirty="0"/>
+              <a:t>The QoS </a:t>
+            </a:r>
+            <a:r>
+              <a:rPr lang="de-DE" sz="1600" dirty="0" err="1"/>
+              <a:t>level</a:t>
+            </a:r>
+            <a:r>
+              <a:rPr lang="de-DE" sz="1600" dirty="0"/>
+              <a:t> </a:t>
+            </a:r>
+            <a:r>
+              <a:rPr lang="de-DE" sz="1600" dirty="0" err="1"/>
+              <a:t>is</a:t>
+            </a:r>
+            <a:r>
+              <a:rPr lang="de-DE" sz="1600" dirty="0"/>
+              <a:t> </a:t>
+            </a:r>
+            <a:r>
+              <a:rPr lang="de-DE" sz="1600" dirty="0" err="1"/>
+              <a:t>set</a:t>
+            </a:r>
+            <a:r>
+              <a:rPr lang="de-DE" sz="1600" dirty="0"/>
+              <a:t> </a:t>
+            </a:r>
+            <a:r>
+              <a:rPr lang="de-DE" sz="1600" dirty="0" err="1"/>
+              <a:t>by</a:t>
+            </a:r>
+            <a:r>
+              <a:rPr lang="de-DE" sz="1600" dirty="0"/>
+              <a:t> </a:t>
+            </a:r>
+            <a:r>
+              <a:rPr lang="de-DE" sz="1600" dirty="0" err="1"/>
+              <a:t>the</a:t>
+            </a:r>
+            <a:r>
+              <a:rPr lang="de-DE" sz="1600" dirty="0"/>
+              <a:t> </a:t>
+            </a:r>
+            <a:r>
+              <a:rPr lang="de-DE" sz="1600" dirty="0" err="1"/>
+              <a:t>subscribing</a:t>
+            </a:r>
+            <a:r>
+              <a:rPr lang="de-DE" sz="1600" dirty="0"/>
+              <a:t> </a:t>
+            </a:r>
+            <a:r>
+              <a:rPr lang="de-DE" sz="1600" dirty="0" err="1"/>
+              <a:t>client</a:t>
+            </a:r>
+            <a:r>
+              <a:rPr lang="de-DE" sz="1600" dirty="0"/>
+              <a:t> and </a:t>
+            </a:r>
+            <a:r>
+              <a:rPr lang="de-DE" sz="1600" dirty="0" err="1"/>
+              <a:t>part</a:t>
+            </a:r>
+            <a:r>
+              <a:rPr lang="de-DE" sz="1600" dirty="0"/>
+              <a:t> </a:t>
+            </a:r>
+            <a:r>
+              <a:rPr lang="de-DE" sz="1600" dirty="0" err="1"/>
+              <a:t>of</a:t>
+            </a:r>
+            <a:r>
+              <a:rPr lang="de-DE" sz="1600" dirty="0"/>
+              <a:t> </a:t>
+            </a:r>
+            <a:r>
+              <a:rPr lang="de-DE" sz="1600" dirty="0" err="1"/>
+              <a:t>the</a:t>
+            </a:r>
+            <a:r>
+              <a:rPr lang="de-DE" sz="1600" dirty="0"/>
+              <a:t> </a:t>
+            </a:r>
+            <a:r>
+              <a:rPr lang="de-DE" sz="1600" dirty="0" err="1"/>
+              <a:t>message</a:t>
+            </a:r>
+            <a:r>
+              <a:rPr lang="de-DE" sz="1600" dirty="0"/>
+              <a:t> </a:t>
+            </a:r>
+            <a:r>
+              <a:rPr lang="de-DE" sz="1600" dirty="0" err="1"/>
+              <a:t>header</a:t>
+            </a:r>
+            <a:endParaRPr lang="de-DE" dirty="0"/>
           </a:p>
         </p:txBody>
       </p:sp>
@@ -19650,13 +20694,13 @@
   <p:clrMapOvr>
     <a:masterClrMapping/>
   </p:clrMapOvr>
-  <mc:AlternateContent xmlns:mc="http://schemas.openxmlformats.org/markup-compatibility/2006">
-    <mc:Choice xmlns:p14="http://schemas.microsoft.com/office/powerpoint/2010/main" Requires="p14">
+  <mc:AlternateContent xmlns:mc="http://schemas.openxmlformats.org/markup-compatibility/2006" xmlns:p14="http://schemas.microsoft.com/office/powerpoint/2010/main">
+    <mc:Choice Requires="p14">
       <p:transition spd="slow" p14:dur="1250">
         <p14:conveyor dir="l"/>
       </p:transition>
     </mc:Choice>
-    <mc:Fallback>
+    <mc:Fallback xmlns="">
       <p:transition spd="slow">
         <p:fade/>
       </p:transition>
@@ -20175,6 +21219,7 @@
                     <a:lumOff val="25000"/>
                   </a:schemeClr>
                 </a:solidFill>
+                <a:latin typeface="+mj-lt"/>
               </a:rPr>
               <a:t>Authorization</a:t>
             </a:r>
@@ -20185,6 +21230,7 @@
                   <a:lumOff val="25000"/>
                 </a:schemeClr>
               </a:solidFill>
+              <a:latin typeface="+mj-lt"/>
             </a:endParaRPr>
           </a:p>
           <a:p>
@@ -20287,13 +21333,13 @@
   <p:clrMapOvr>
     <a:masterClrMapping/>
   </p:clrMapOvr>
-  <mc:AlternateContent xmlns:mc="http://schemas.openxmlformats.org/markup-compatibility/2006">
-    <mc:Choice xmlns:p14="http://schemas.microsoft.com/office/powerpoint/2010/main" Requires="p14">
+  <mc:AlternateContent xmlns:mc="http://schemas.openxmlformats.org/markup-compatibility/2006" xmlns:p14="http://schemas.microsoft.com/office/powerpoint/2010/main">
+    <mc:Choice Requires="p14">
       <p:transition spd="slow" p14:dur="1250">
         <p14:conveyor dir="l"/>
       </p:transition>
     </mc:Choice>
-    <mc:Fallback>
+    <mc:Fallback xmlns="">
       <p:transition spd="slow">
         <p:fade/>
       </p:transition>

--- a/Presentation/Jonas MQTT.pptx
+++ b/Presentation/Jonas MQTT.pptx
@@ -5,7 +5,7 @@
     <p:sldMasterId id="2147483660" r:id="rId1"/>
   </p:sldMasterIdLst>
   <p:notesMasterIdLst>
-    <p:notesMasterId r:id="rId14"/>
+    <p:notesMasterId r:id="rId15"/>
   </p:notesMasterIdLst>
   <p:sldIdLst>
     <p:sldId id="256" r:id="rId2"/>
@@ -20,6 +20,7 @@
     <p:sldId id="280" r:id="rId11"/>
     <p:sldId id="273" r:id="rId12"/>
     <p:sldId id="259" r:id="rId13"/>
+    <p:sldId id="282" r:id="rId14"/>
   </p:sldIdLst>
   <p:sldSz cx="12192000" cy="6858000"/>
   <p:notesSz cx="6858000" cy="9144000"/>
@@ -697,7 +698,7 @@
           <a:noFill/>
           <a:extLst>
             <a:ext uri="{909E8E84-426E-40dd-AFC4-6F175D3DCCD1}">
-              <a14:hiddenFill xmlns="" xmlns:a14="http://schemas.microsoft.com/office/drawing/2010/main">
+              <a14:hiddenFill xmlns:a14="http://schemas.microsoft.com/office/drawing/2010/main" xmlns="">
                 <a:solidFill>
                   <a:srgbClr val="FFFFFF"/>
                 </a:solidFill>
@@ -757,7 +758,7 @@
             </a:ln>
             <a:extLst>
               <a:ext uri="{91240B29-F687-4f45-9708-019B960494DF}">
-                <a14:hiddenLine xmlns="" xmlns:a14="http://schemas.microsoft.com/office/drawing/2010/main" w="9525">
+                <a14:hiddenLine xmlns:a14="http://schemas.microsoft.com/office/drawing/2010/main" xmlns="" w="9525">
                   <a:solidFill>
                     <a:srgbClr val="000000"/>
                   </a:solidFill>
@@ -847,7 +848,7 @@
             </a:ln>
             <a:extLst>
               <a:ext uri="{91240B29-F687-4f45-9708-019B960494DF}">
-                <a14:hiddenLine xmlns="" xmlns:a14="http://schemas.microsoft.com/office/drawing/2010/main" w="9525">
+                <a14:hiddenLine xmlns:a14="http://schemas.microsoft.com/office/drawing/2010/main" xmlns="" w="9525">
                   <a:solidFill>
                     <a:srgbClr val="000000"/>
                   </a:solidFill>
@@ -937,7 +938,7 @@
             </a:ln>
             <a:extLst>
               <a:ext uri="{91240B29-F687-4f45-9708-019B960494DF}">
-                <a14:hiddenLine xmlns="" xmlns:a14="http://schemas.microsoft.com/office/drawing/2010/main" w="9525">
+                <a14:hiddenLine xmlns:a14="http://schemas.microsoft.com/office/drawing/2010/main" xmlns="" w="9525">
                   <a:solidFill>
                     <a:srgbClr val="000000"/>
                   </a:solidFill>
@@ -971,7 +972,7 @@
             </a:ln>
             <a:extLst>
               <a:ext uri="{91240B29-F687-4f45-9708-019B960494DF}">
-                <a14:hiddenLine xmlns="" xmlns:a14="http://schemas.microsoft.com/office/drawing/2010/main" w="9525">
+                <a14:hiddenLine xmlns:a14="http://schemas.microsoft.com/office/drawing/2010/main" xmlns="" w="9525">
                   <a:solidFill>
                     <a:srgbClr val="000000"/>
                   </a:solidFill>
@@ -1061,7 +1062,7 @@
             </a:ln>
             <a:extLst>
               <a:ext uri="{91240B29-F687-4f45-9708-019B960494DF}">
-                <a14:hiddenLine xmlns="" xmlns:a14="http://schemas.microsoft.com/office/drawing/2010/main" w="9525">
+                <a14:hiddenLine xmlns:a14="http://schemas.microsoft.com/office/drawing/2010/main" xmlns="" w="9525">
                   <a:solidFill>
                     <a:srgbClr val="000000"/>
                   </a:solidFill>
@@ -1123,7 +1124,7 @@
             </a:ln>
             <a:extLst>
               <a:ext uri="{91240B29-F687-4f45-9708-019B960494DF}">
-                <a14:hiddenLine xmlns="" xmlns:a14="http://schemas.microsoft.com/office/drawing/2010/main" w="9525">
+                <a14:hiddenLine xmlns:a14="http://schemas.microsoft.com/office/drawing/2010/main" xmlns="" w="9525">
                   <a:solidFill>
                     <a:srgbClr val="000000"/>
                   </a:solidFill>
@@ -1185,7 +1186,7 @@
             </a:ln>
             <a:extLst>
               <a:ext uri="{91240B29-F687-4f45-9708-019B960494DF}">
-                <a14:hiddenLine xmlns="" xmlns:a14="http://schemas.microsoft.com/office/drawing/2010/main" w="9525">
+                <a14:hiddenLine xmlns:a14="http://schemas.microsoft.com/office/drawing/2010/main" xmlns="" w="9525">
                   <a:solidFill>
                     <a:srgbClr val="000000"/>
                   </a:solidFill>
@@ -1275,7 +1276,7 @@
             </a:ln>
             <a:extLst>
               <a:ext uri="{91240B29-F687-4f45-9708-019B960494DF}">
-                <a14:hiddenLine xmlns="" xmlns:a14="http://schemas.microsoft.com/office/drawing/2010/main" w="9525">
+                <a14:hiddenLine xmlns:a14="http://schemas.microsoft.com/office/drawing/2010/main" xmlns="" w="9525">
                   <a:solidFill>
                     <a:srgbClr val="000000"/>
                   </a:solidFill>
@@ -1337,7 +1338,7 @@
             </a:ln>
             <a:extLst>
               <a:ext uri="{91240B29-F687-4f45-9708-019B960494DF}">
-                <a14:hiddenLine xmlns="" xmlns:a14="http://schemas.microsoft.com/office/drawing/2010/main" w="9525">
+                <a14:hiddenLine xmlns:a14="http://schemas.microsoft.com/office/drawing/2010/main" xmlns="" w="9525">
                   <a:solidFill>
                     <a:srgbClr val="000000"/>
                   </a:solidFill>
@@ -1399,7 +1400,7 @@
             </a:ln>
             <a:extLst>
               <a:ext uri="{91240B29-F687-4f45-9708-019B960494DF}">
-                <a14:hiddenLine xmlns="" xmlns:a14="http://schemas.microsoft.com/office/drawing/2010/main" w="9525">
+                <a14:hiddenLine xmlns:a14="http://schemas.microsoft.com/office/drawing/2010/main" xmlns="" w="9525">
                   <a:solidFill>
                     <a:srgbClr val="000000"/>
                   </a:solidFill>
@@ -1489,7 +1490,7 @@
             </a:ln>
             <a:extLst>
               <a:ext uri="{91240B29-F687-4f45-9708-019B960494DF}">
-                <a14:hiddenLine xmlns="" xmlns:a14="http://schemas.microsoft.com/office/drawing/2010/main" w="9525">
+                <a14:hiddenLine xmlns:a14="http://schemas.microsoft.com/office/drawing/2010/main" xmlns="" w="9525">
                   <a:solidFill>
                     <a:srgbClr val="000000"/>
                   </a:solidFill>
@@ -1579,7 +1580,7 @@
             </a:ln>
             <a:extLst>
               <a:ext uri="{91240B29-F687-4f45-9708-019B960494DF}">
-                <a14:hiddenLine xmlns="" xmlns:a14="http://schemas.microsoft.com/office/drawing/2010/main" w="9525">
+                <a14:hiddenLine xmlns:a14="http://schemas.microsoft.com/office/drawing/2010/main" xmlns="" w="9525">
                   <a:solidFill>
                     <a:srgbClr val="000000"/>
                   </a:solidFill>
@@ -1641,7 +1642,7 @@
             </a:ln>
             <a:extLst>
               <a:ext uri="{91240B29-F687-4f45-9708-019B960494DF}">
-                <a14:hiddenLine xmlns="" xmlns:a14="http://schemas.microsoft.com/office/drawing/2010/main" w="9525">
+                <a14:hiddenLine xmlns:a14="http://schemas.microsoft.com/office/drawing/2010/main" xmlns="" w="9525">
                   <a:solidFill>
                     <a:srgbClr val="000000"/>
                   </a:solidFill>
@@ -1751,7 +1752,7 @@
             </a:ln>
             <a:extLst>
               <a:ext uri="{91240B29-F687-4f45-9708-019B960494DF}">
-                <a14:hiddenLine xmlns="" xmlns:a14="http://schemas.microsoft.com/office/drawing/2010/main" w="9525">
+                <a14:hiddenLine xmlns:a14="http://schemas.microsoft.com/office/drawing/2010/main" xmlns="" w="9525">
                   <a:solidFill>
                     <a:srgbClr val="000000"/>
                   </a:solidFill>
@@ -1813,7 +1814,7 @@
             </a:ln>
             <a:extLst>
               <a:ext uri="{91240B29-F687-4f45-9708-019B960494DF}">
-                <a14:hiddenLine xmlns="" xmlns:a14="http://schemas.microsoft.com/office/drawing/2010/main" w="9525">
+                <a14:hiddenLine xmlns:a14="http://schemas.microsoft.com/office/drawing/2010/main" xmlns="" w="9525">
                   <a:solidFill>
                     <a:srgbClr val="000000"/>
                   </a:solidFill>
@@ -1903,7 +1904,7 @@
             </a:ln>
             <a:extLst>
               <a:ext uri="{91240B29-F687-4f45-9708-019B960494DF}">
-                <a14:hiddenLine xmlns="" xmlns:a14="http://schemas.microsoft.com/office/drawing/2010/main" w="9525">
+                <a14:hiddenLine xmlns:a14="http://schemas.microsoft.com/office/drawing/2010/main" xmlns="" w="9525">
                   <a:solidFill>
                     <a:srgbClr val="000000"/>
                   </a:solidFill>
@@ -1993,7 +1994,7 @@
             </a:ln>
             <a:extLst>
               <a:ext uri="{91240B29-F687-4f45-9708-019B960494DF}">
-                <a14:hiddenLine xmlns="" xmlns:a14="http://schemas.microsoft.com/office/drawing/2010/main" w="9525">
+                <a14:hiddenLine xmlns:a14="http://schemas.microsoft.com/office/drawing/2010/main" xmlns="" w="9525">
                   <a:solidFill>
                     <a:srgbClr val="000000"/>
                   </a:solidFill>
@@ -2055,7 +2056,7 @@
             </a:ln>
             <a:extLst>
               <a:ext uri="{91240B29-F687-4f45-9708-019B960494DF}">
-                <a14:hiddenLine xmlns="" xmlns:a14="http://schemas.microsoft.com/office/drawing/2010/main" w="9525">
+                <a14:hiddenLine xmlns:a14="http://schemas.microsoft.com/office/drawing/2010/main" xmlns="" w="9525">
                   <a:solidFill>
                     <a:srgbClr val="000000"/>
                   </a:solidFill>
@@ -2145,7 +2146,7 @@
             </a:ln>
             <a:extLst>
               <a:ext uri="{91240B29-F687-4f45-9708-019B960494DF}">
-                <a14:hiddenLine xmlns="" xmlns:a14="http://schemas.microsoft.com/office/drawing/2010/main" w="9525">
+                <a14:hiddenLine xmlns:a14="http://schemas.microsoft.com/office/drawing/2010/main" xmlns="" w="9525">
                   <a:solidFill>
                     <a:srgbClr val="000000"/>
                   </a:solidFill>
@@ -2235,7 +2236,7 @@
             </a:ln>
             <a:extLst>
               <a:ext uri="{91240B29-F687-4f45-9708-019B960494DF}">
-                <a14:hiddenLine xmlns="" xmlns:a14="http://schemas.microsoft.com/office/drawing/2010/main" w="9525">
+                <a14:hiddenLine xmlns:a14="http://schemas.microsoft.com/office/drawing/2010/main" xmlns="" w="9525">
                   <a:solidFill>
                     <a:srgbClr val="000000"/>
                   </a:solidFill>
@@ -2291,7 +2292,7 @@
             </a:ln>
             <a:extLst>
               <a:ext uri="{91240B29-F687-4f45-9708-019B960494DF}">
-                <a14:hiddenLine xmlns="" xmlns:a14="http://schemas.microsoft.com/office/drawing/2010/main" w="9525">
+                <a14:hiddenLine xmlns:a14="http://schemas.microsoft.com/office/drawing/2010/main" xmlns="" w="9525">
                   <a:solidFill>
                     <a:srgbClr val="000000"/>
                   </a:solidFill>
@@ -2381,7 +2382,7 @@
             </a:ln>
             <a:extLst>
               <a:ext uri="{91240B29-F687-4f45-9708-019B960494DF}">
-                <a14:hiddenLine xmlns="" xmlns:a14="http://schemas.microsoft.com/office/drawing/2010/main" w="9525">
+                <a14:hiddenLine xmlns:a14="http://schemas.microsoft.com/office/drawing/2010/main" xmlns="" w="9525">
                   <a:solidFill>
                     <a:srgbClr val="000000"/>
                   </a:solidFill>
@@ -2437,7 +2438,7 @@
             </a:ln>
             <a:extLst>
               <a:ext uri="{91240B29-F687-4f45-9708-019B960494DF}">
-                <a14:hiddenLine xmlns="" xmlns:a14="http://schemas.microsoft.com/office/drawing/2010/main" w="9525">
+                <a14:hiddenLine xmlns:a14="http://schemas.microsoft.com/office/drawing/2010/main" xmlns="" w="9525">
                   <a:solidFill>
                     <a:srgbClr val="000000"/>
                   </a:solidFill>
@@ -2527,7 +2528,7 @@
             </a:ln>
             <a:extLst>
               <a:ext uri="{91240B29-F687-4f45-9708-019B960494DF}">
-                <a14:hiddenLine xmlns="" xmlns:a14="http://schemas.microsoft.com/office/drawing/2010/main" w="9525">
+                <a14:hiddenLine xmlns:a14="http://schemas.microsoft.com/office/drawing/2010/main" xmlns="" w="9525">
                   <a:solidFill>
                     <a:srgbClr val="000000"/>
                   </a:solidFill>
@@ -2595,7 +2596,7 @@
             </a:ln>
             <a:extLst>
               <a:ext uri="{91240B29-F687-4f45-9708-019B960494DF}">
-                <a14:hiddenLine xmlns="" xmlns:a14="http://schemas.microsoft.com/office/drawing/2010/main" w="9525">
+                <a14:hiddenLine xmlns:a14="http://schemas.microsoft.com/office/drawing/2010/main" xmlns="" w="9525">
                   <a:solidFill>
                     <a:srgbClr val="000000"/>
                   </a:solidFill>
@@ -2685,7 +2686,7 @@
             </a:ln>
             <a:extLst>
               <a:ext uri="{91240B29-F687-4f45-9708-019B960494DF}">
-                <a14:hiddenLine xmlns="" xmlns:a14="http://schemas.microsoft.com/office/drawing/2010/main" w="9525">
+                <a14:hiddenLine xmlns:a14="http://schemas.microsoft.com/office/drawing/2010/main" xmlns="" w="9525">
                   <a:solidFill>
                     <a:srgbClr val="000000"/>
                   </a:solidFill>
@@ -2753,7 +2754,7 @@
             </a:ln>
             <a:extLst>
               <a:ext uri="{91240B29-F687-4f45-9708-019B960494DF}">
-                <a14:hiddenLine xmlns="" xmlns:a14="http://schemas.microsoft.com/office/drawing/2010/main" w="9525">
+                <a14:hiddenLine xmlns:a14="http://schemas.microsoft.com/office/drawing/2010/main" xmlns="" w="9525">
                   <a:solidFill>
                     <a:srgbClr val="000000"/>
                   </a:solidFill>
@@ -2843,7 +2844,7 @@
             </a:ln>
             <a:extLst>
               <a:ext uri="{91240B29-F687-4f45-9708-019B960494DF}">
-                <a14:hiddenLine xmlns="" xmlns:a14="http://schemas.microsoft.com/office/drawing/2010/main" w="9525">
+                <a14:hiddenLine xmlns:a14="http://schemas.microsoft.com/office/drawing/2010/main" xmlns="" w="9525">
                   <a:solidFill>
                     <a:srgbClr val="000000"/>
                   </a:solidFill>
@@ -2877,7 +2878,7 @@
             </a:ln>
             <a:extLst>
               <a:ext uri="{91240B29-F687-4f45-9708-019B960494DF}">
-                <a14:hiddenLine xmlns="" xmlns:a14="http://schemas.microsoft.com/office/drawing/2010/main" w="9525">
+                <a14:hiddenLine xmlns:a14="http://schemas.microsoft.com/office/drawing/2010/main" xmlns="" w="9525">
                   <a:solidFill>
                     <a:srgbClr val="000000"/>
                   </a:solidFill>
@@ -2967,7 +2968,7 @@
             </a:ln>
             <a:extLst>
               <a:ext uri="{91240B29-F687-4f45-9708-019B960494DF}">
-                <a14:hiddenLine xmlns="" xmlns:a14="http://schemas.microsoft.com/office/drawing/2010/main" w="9525">
+                <a14:hiddenLine xmlns:a14="http://schemas.microsoft.com/office/drawing/2010/main" xmlns="" w="9525">
                   <a:solidFill>
                     <a:srgbClr val="000000"/>
                   </a:solidFill>
@@ -3029,7 +3030,7 @@
             </a:ln>
             <a:extLst>
               <a:ext uri="{91240B29-F687-4f45-9708-019B960494DF}">
-                <a14:hiddenLine xmlns="" xmlns:a14="http://schemas.microsoft.com/office/drawing/2010/main" w="9525">
+                <a14:hiddenLine xmlns:a14="http://schemas.microsoft.com/office/drawing/2010/main" xmlns="" w="9525">
                   <a:solidFill>
                     <a:srgbClr val="000000"/>
                   </a:solidFill>
@@ -3091,7 +3092,7 @@
             </a:ln>
             <a:extLst>
               <a:ext uri="{91240B29-F687-4f45-9708-019B960494DF}">
-                <a14:hiddenLine xmlns="" xmlns:a14="http://schemas.microsoft.com/office/drawing/2010/main" w="9525">
+                <a14:hiddenLine xmlns:a14="http://schemas.microsoft.com/office/drawing/2010/main" xmlns="" w="9525">
                   <a:solidFill>
                     <a:srgbClr val="000000"/>
                   </a:solidFill>
@@ -3181,7 +3182,7 @@
             </a:ln>
             <a:extLst>
               <a:ext uri="{91240B29-F687-4f45-9708-019B960494DF}">
-                <a14:hiddenLine xmlns="" xmlns:a14="http://schemas.microsoft.com/office/drawing/2010/main" w="9525">
+                <a14:hiddenLine xmlns:a14="http://schemas.microsoft.com/office/drawing/2010/main" xmlns="" w="9525">
                   <a:solidFill>
                     <a:srgbClr val="000000"/>
                   </a:solidFill>
@@ -3249,7 +3250,7 @@
             </a:ln>
             <a:extLst>
               <a:ext uri="{91240B29-F687-4f45-9708-019B960494DF}">
-                <a14:hiddenLine xmlns="" xmlns:a14="http://schemas.microsoft.com/office/drawing/2010/main" w="9525">
+                <a14:hiddenLine xmlns:a14="http://schemas.microsoft.com/office/drawing/2010/main" xmlns="" w="9525">
                   <a:solidFill>
                     <a:srgbClr val="000000"/>
                   </a:solidFill>
@@ -3311,7 +3312,7 @@
             </a:ln>
             <a:extLst>
               <a:ext uri="{91240B29-F687-4f45-9708-019B960494DF}">
-                <a14:hiddenLine xmlns="" xmlns:a14="http://schemas.microsoft.com/office/drawing/2010/main" w="9525">
+                <a14:hiddenLine xmlns:a14="http://schemas.microsoft.com/office/drawing/2010/main" xmlns="" w="9525">
                   <a:solidFill>
                     <a:srgbClr val="000000"/>
                   </a:solidFill>
@@ -3401,7 +3402,7 @@
             </a:ln>
             <a:extLst>
               <a:ext uri="{91240B29-F687-4f45-9708-019B960494DF}">
-                <a14:hiddenLine xmlns="" xmlns:a14="http://schemas.microsoft.com/office/drawing/2010/main" w="9525">
+                <a14:hiddenLine xmlns:a14="http://schemas.microsoft.com/office/drawing/2010/main" xmlns="" w="9525">
                   <a:solidFill>
                     <a:srgbClr val="000000"/>
                   </a:solidFill>
@@ -3463,7 +3464,7 @@
             </a:ln>
             <a:extLst>
               <a:ext uri="{91240B29-F687-4f45-9708-019B960494DF}">
-                <a14:hiddenLine xmlns="" xmlns:a14="http://schemas.microsoft.com/office/drawing/2010/main" w="9525">
+                <a14:hiddenLine xmlns:a14="http://schemas.microsoft.com/office/drawing/2010/main" xmlns="" w="9525">
                   <a:solidFill>
                     <a:srgbClr val="000000"/>
                   </a:solidFill>
@@ -3553,7 +3554,7 @@
             </a:ln>
             <a:extLst>
               <a:ext uri="{91240B29-F687-4f45-9708-019B960494DF}">
-                <a14:hiddenLine xmlns="" xmlns:a14="http://schemas.microsoft.com/office/drawing/2010/main" w="9525">
+                <a14:hiddenLine xmlns:a14="http://schemas.microsoft.com/office/drawing/2010/main" xmlns="" w="9525">
                   <a:solidFill>
                     <a:srgbClr val="000000"/>
                   </a:solidFill>
@@ -3615,7 +3616,7 @@
             </a:ln>
             <a:extLst>
               <a:ext uri="{91240B29-F687-4f45-9708-019B960494DF}">
-                <a14:hiddenLine xmlns="" xmlns:a14="http://schemas.microsoft.com/office/drawing/2010/main" w="9525">
+                <a14:hiddenLine xmlns:a14="http://schemas.microsoft.com/office/drawing/2010/main" xmlns="" w="9525">
                   <a:solidFill>
                     <a:srgbClr val="000000"/>
                   </a:solidFill>
@@ -3705,7 +3706,7 @@
             </a:ln>
             <a:extLst>
               <a:ext uri="{91240B29-F687-4f45-9708-019B960494DF}">
-                <a14:hiddenLine xmlns="" xmlns:a14="http://schemas.microsoft.com/office/drawing/2010/main" w="9525">
+                <a14:hiddenLine xmlns:a14="http://schemas.microsoft.com/office/drawing/2010/main" xmlns="" w="9525">
                   <a:solidFill>
                     <a:srgbClr val="000000"/>
                   </a:solidFill>
@@ -3739,7 +3740,7 @@
             </a:ln>
             <a:extLst>
               <a:ext uri="{91240B29-F687-4f45-9708-019B960494DF}">
-                <a14:hiddenLine xmlns="" xmlns:a14="http://schemas.microsoft.com/office/drawing/2010/main" w="9525">
+                <a14:hiddenLine xmlns:a14="http://schemas.microsoft.com/office/drawing/2010/main" xmlns="" w="9525">
                   <a:solidFill>
                     <a:srgbClr val="000000"/>
                   </a:solidFill>
@@ -3804,7 +3805,7 @@
             </a:ln>
             <a:extLst>
               <a:ext uri="{91240B29-F687-4f45-9708-019B960494DF}">
-                <a14:hiddenLine xmlns="" xmlns:a14="http://schemas.microsoft.com/office/drawing/2010/main" w="9525">
+                <a14:hiddenLine xmlns:a14="http://schemas.microsoft.com/office/drawing/2010/main" xmlns="" w="9525">
                   <a:solidFill>
                     <a:srgbClr val="000000"/>
                   </a:solidFill>
@@ -3894,7 +3895,7 @@
             </a:ln>
             <a:extLst>
               <a:ext uri="{91240B29-F687-4f45-9708-019B960494DF}">
-                <a14:hiddenLine xmlns="" xmlns:a14="http://schemas.microsoft.com/office/drawing/2010/main" w="9525">
+                <a14:hiddenLine xmlns:a14="http://schemas.microsoft.com/office/drawing/2010/main" xmlns="" w="9525">
                   <a:solidFill>
                     <a:srgbClr val="000000"/>
                   </a:solidFill>
@@ -3956,7 +3957,7 @@
             </a:ln>
             <a:extLst>
               <a:ext uri="{91240B29-F687-4f45-9708-019B960494DF}">
-                <a14:hiddenLine xmlns="" xmlns:a14="http://schemas.microsoft.com/office/drawing/2010/main" w="9525">
+                <a14:hiddenLine xmlns:a14="http://schemas.microsoft.com/office/drawing/2010/main" xmlns="" w="9525">
                   <a:solidFill>
                     <a:srgbClr val="000000"/>
                   </a:solidFill>
@@ -4046,7 +4047,7 @@
             </a:ln>
             <a:extLst>
               <a:ext uri="{91240B29-F687-4f45-9708-019B960494DF}">
-                <a14:hiddenLine xmlns="" xmlns:a14="http://schemas.microsoft.com/office/drawing/2010/main" w="9525">
+                <a14:hiddenLine xmlns:a14="http://schemas.microsoft.com/office/drawing/2010/main" xmlns="" w="9525">
                   <a:solidFill>
                     <a:srgbClr val="000000"/>
                   </a:solidFill>
@@ -4136,7 +4137,7 @@
             </a:ln>
             <a:extLst>
               <a:ext uri="{91240B29-F687-4f45-9708-019B960494DF}">
-                <a14:hiddenLine xmlns="" xmlns:a14="http://schemas.microsoft.com/office/drawing/2010/main" w="9525">
+                <a14:hiddenLine xmlns:a14="http://schemas.microsoft.com/office/drawing/2010/main" xmlns="" w="9525">
                   <a:solidFill>
                     <a:srgbClr val="000000"/>
                   </a:solidFill>
@@ -4201,7 +4202,7 @@
             </a:ln>
             <a:extLst>
               <a:ext uri="{91240B29-F687-4f45-9708-019B960494DF}">
-                <a14:hiddenLine xmlns="" xmlns:a14="http://schemas.microsoft.com/office/drawing/2010/main" w="9525">
+                <a14:hiddenLine xmlns:a14="http://schemas.microsoft.com/office/drawing/2010/main" xmlns="" w="9525">
                   <a:solidFill>
                     <a:srgbClr val="000000"/>
                   </a:solidFill>
@@ -4263,7 +4264,7 @@
             </a:ln>
             <a:extLst>
               <a:ext uri="{91240B29-F687-4f45-9708-019B960494DF}">
-                <a14:hiddenLine xmlns="" xmlns:a14="http://schemas.microsoft.com/office/drawing/2010/main" w="9525">
+                <a14:hiddenLine xmlns:a14="http://schemas.microsoft.com/office/drawing/2010/main" xmlns="" w="9525">
                   <a:solidFill>
                     <a:srgbClr val="000000"/>
                   </a:solidFill>
@@ -4353,7 +4354,7 @@
             </a:ln>
             <a:extLst>
               <a:ext uri="{91240B29-F687-4f45-9708-019B960494DF}">
-                <a14:hiddenLine xmlns="" xmlns:a14="http://schemas.microsoft.com/office/drawing/2010/main" w="9525">
+                <a14:hiddenLine xmlns:a14="http://schemas.microsoft.com/office/drawing/2010/main" xmlns="" w="9525">
                   <a:solidFill>
                     <a:srgbClr val="000000"/>
                   </a:solidFill>
@@ -4443,7 +4444,7 @@
             </a:ln>
             <a:extLst>
               <a:ext uri="{91240B29-F687-4f45-9708-019B960494DF}">
-                <a14:hiddenLine xmlns="" xmlns:a14="http://schemas.microsoft.com/office/drawing/2010/main" w="9525">
+                <a14:hiddenLine xmlns:a14="http://schemas.microsoft.com/office/drawing/2010/main" xmlns="" w="9525">
                   <a:solidFill>
                     <a:srgbClr val="000000"/>
                   </a:solidFill>
@@ -4505,7 +4506,7 @@
             </a:ln>
             <a:extLst>
               <a:ext uri="{91240B29-F687-4f45-9708-019B960494DF}">
-                <a14:hiddenLine xmlns="" xmlns:a14="http://schemas.microsoft.com/office/drawing/2010/main" w="9525">
+                <a14:hiddenLine xmlns:a14="http://schemas.microsoft.com/office/drawing/2010/main" xmlns="" w="9525">
                   <a:solidFill>
                     <a:srgbClr val="000000"/>
                   </a:solidFill>
@@ -4625,7 +4626,7 @@
             </a:ln>
             <a:extLst>
               <a:ext uri="{91240B29-F687-4f45-9708-019B960494DF}">
-                <a14:hiddenLine xmlns="" xmlns:a14="http://schemas.microsoft.com/office/drawing/2010/main" w="9525">
+                <a14:hiddenLine xmlns:a14="http://schemas.microsoft.com/office/drawing/2010/main" xmlns="" w="9525">
                   <a:solidFill>
                     <a:srgbClr val="000000"/>
                   </a:solidFill>
@@ -4693,7 +4694,7 @@
             </a:ln>
             <a:extLst>
               <a:ext uri="{91240B29-F687-4f45-9708-019B960494DF}">
-                <a14:hiddenLine xmlns="" xmlns:a14="http://schemas.microsoft.com/office/drawing/2010/main" w="9525">
+                <a14:hiddenLine xmlns:a14="http://schemas.microsoft.com/office/drawing/2010/main" xmlns="" w="9525">
                   <a:solidFill>
                     <a:srgbClr val="000000"/>
                   </a:solidFill>
@@ -4783,7 +4784,7 @@
             </a:ln>
             <a:extLst>
               <a:ext uri="{91240B29-F687-4f45-9708-019B960494DF}">
-                <a14:hiddenLine xmlns="" xmlns:a14="http://schemas.microsoft.com/office/drawing/2010/main" w="9525">
+                <a14:hiddenLine xmlns:a14="http://schemas.microsoft.com/office/drawing/2010/main" xmlns="" w="9525">
                   <a:solidFill>
                     <a:srgbClr val="000000"/>
                   </a:solidFill>
@@ -9590,7 +9591,7 @@
           <a:noFill/>
           <a:extLst>
             <a:ext uri="{909E8E84-426E-40dd-AFC4-6F175D3DCCD1}">
-              <a14:hiddenFill xmlns="" xmlns:a14="http://schemas.microsoft.com/office/drawing/2010/main">
+              <a14:hiddenFill xmlns:a14="http://schemas.microsoft.com/office/drawing/2010/main" xmlns="">
                 <a:solidFill>
                   <a:srgbClr val="FFFFFF"/>
                 </a:solidFill>
@@ -9664,7 +9665,7 @@
               </a:ln>
               <a:extLst>
                 <a:ext uri="{91240B29-F687-4f45-9708-019B960494DF}">
-                  <a14:hiddenLine xmlns="" xmlns:a14="http://schemas.microsoft.com/office/drawing/2010/main" w="9525">
+                  <a14:hiddenLine xmlns:a14="http://schemas.microsoft.com/office/drawing/2010/main" xmlns="" w="9525">
                     <a:solidFill>
                       <a:srgbClr val="000000"/>
                     </a:solidFill>
@@ -9754,7 +9755,7 @@
               </a:ln>
               <a:extLst>
                 <a:ext uri="{91240B29-F687-4f45-9708-019B960494DF}">
-                  <a14:hiddenLine xmlns="" xmlns:a14="http://schemas.microsoft.com/office/drawing/2010/main" w="9525">
+                  <a14:hiddenLine xmlns:a14="http://schemas.microsoft.com/office/drawing/2010/main" xmlns="" w="9525">
                     <a:solidFill>
                       <a:srgbClr val="000000"/>
                     </a:solidFill>
@@ -9844,7 +9845,7 @@
               </a:ln>
               <a:extLst>
                 <a:ext uri="{91240B29-F687-4f45-9708-019B960494DF}">
-                  <a14:hiddenLine xmlns="" xmlns:a14="http://schemas.microsoft.com/office/drawing/2010/main" w="9525">
+                  <a14:hiddenLine xmlns:a14="http://schemas.microsoft.com/office/drawing/2010/main" xmlns="" w="9525">
                     <a:solidFill>
                       <a:srgbClr val="000000"/>
                     </a:solidFill>
@@ -9906,7 +9907,7 @@
               </a:ln>
               <a:extLst>
                 <a:ext uri="{91240B29-F687-4f45-9708-019B960494DF}">
-                  <a14:hiddenLine xmlns="" xmlns:a14="http://schemas.microsoft.com/office/drawing/2010/main" w="9525">
+                  <a14:hiddenLine xmlns:a14="http://schemas.microsoft.com/office/drawing/2010/main" xmlns="" w="9525">
                     <a:solidFill>
                       <a:srgbClr val="000000"/>
                     </a:solidFill>
@@ -9996,7 +9997,7 @@
               </a:ln>
               <a:extLst>
                 <a:ext uri="{91240B29-F687-4f45-9708-019B960494DF}">
-                  <a14:hiddenLine xmlns="" xmlns:a14="http://schemas.microsoft.com/office/drawing/2010/main" w="9525">
+                  <a14:hiddenLine xmlns:a14="http://schemas.microsoft.com/office/drawing/2010/main" xmlns="" w="9525">
                     <a:solidFill>
                       <a:srgbClr val="000000"/>
                     </a:solidFill>
@@ -10058,7 +10059,7 @@
               </a:ln>
               <a:extLst>
                 <a:ext uri="{91240B29-F687-4f45-9708-019B960494DF}">
-                  <a14:hiddenLine xmlns="" xmlns:a14="http://schemas.microsoft.com/office/drawing/2010/main" w="9525">
+                  <a14:hiddenLine xmlns:a14="http://schemas.microsoft.com/office/drawing/2010/main" xmlns="" w="9525">
                     <a:solidFill>
                       <a:srgbClr val="000000"/>
                     </a:solidFill>
@@ -10120,7 +10121,7 @@
               </a:ln>
               <a:extLst>
                 <a:ext uri="{91240B29-F687-4f45-9708-019B960494DF}">
-                  <a14:hiddenLine xmlns="" xmlns:a14="http://schemas.microsoft.com/office/drawing/2010/main" w="9525">
+                  <a14:hiddenLine xmlns:a14="http://schemas.microsoft.com/office/drawing/2010/main" xmlns="" w="9525">
                     <a:solidFill>
                       <a:srgbClr val="000000"/>
                     </a:solidFill>
@@ -10210,7 +10211,7 @@
               </a:ln>
               <a:extLst>
                 <a:ext uri="{91240B29-F687-4f45-9708-019B960494DF}">
-                  <a14:hiddenLine xmlns="" xmlns:a14="http://schemas.microsoft.com/office/drawing/2010/main" w="9525">
+                  <a14:hiddenLine xmlns:a14="http://schemas.microsoft.com/office/drawing/2010/main" xmlns="" w="9525">
                     <a:solidFill>
                       <a:srgbClr val="000000"/>
                     </a:solidFill>
@@ -10300,7 +10301,7 @@
               </a:ln>
               <a:extLst>
                 <a:ext uri="{91240B29-F687-4f45-9708-019B960494DF}">
-                  <a14:hiddenLine xmlns="" xmlns:a14="http://schemas.microsoft.com/office/drawing/2010/main" w="9525">
+                  <a14:hiddenLine xmlns:a14="http://schemas.microsoft.com/office/drawing/2010/main" xmlns="" w="9525">
                     <a:solidFill>
                       <a:srgbClr val="000000"/>
                     </a:solidFill>
@@ -10362,7 +10363,7 @@
               </a:ln>
               <a:extLst>
                 <a:ext uri="{91240B29-F687-4f45-9708-019B960494DF}">
-                  <a14:hiddenLine xmlns="" xmlns:a14="http://schemas.microsoft.com/office/drawing/2010/main" w="9525">
+                  <a14:hiddenLine xmlns:a14="http://schemas.microsoft.com/office/drawing/2010/main" xmlns="" w="9525">
                     <a:solidFill>
                       <a:srgbClr val="000000"/>
                     </a:solidFill>
@@ -10472,7 +10473,7 @@
               </a:ln>
               <a:extLst>
                 <a:ext uri="{91240B29-F687-4f45-9708-019B960494DF}">
-                  <a14:hiddenLine xmlns="" xmlns:a14="http://schemas.microsoft.com/office/drawing/2010/main" w="9525">
+                  <a14:hiddenLine xmlns:a14="http://schemas.microsoft.com/office/drawing/2010/main" xmlns="" w="9525">
                     <a:solidFill>
                       <a:srgbClr val="000000"/>
                     </a:solidFill>
@@ -10556,7 +10557,7 @@
               </a:ln>
               <a:extLst>
                 <a:ext uri="{91240B29-F687-4f45-9708-019B960494DF}">
-                  <a14:hiddenLine xmlns="" xmlns:a14="http://schemas.microsoft.com/office/drawing/2010/main" w="9525">
+                  <a14:hiddenLine xmlns:a14="http://schemas.microsoft.com/office/drawing/2010/main" xmlns="" w="9525">
                     <a:solidFill>
                       <a:srgbClr val="000000"/>
                     </a:solidFill>
@@ -10618,7 +10619,7 @@
               </a:ln>
               <a:extLst>
                 <a:ext uri="{91240B29-F687-4f45-9708-019B960494DF}">
-                  <a14:hiddenLine xmlns="" xmlns:a14="http://schemas.microsoft.com/office/drawing/2010/main" w="9525">
+                  <a14:hiddenLine xmlns:a14="http://schemas.microsoft.com/office/drawing/2010/main" xmlns="" w="9525">
                     <a:solidFill>
                       <a:srgbClr val="000000"/>
                     </a:solidFill>
@@ -10680,7 +10681,7 @@
               </a:ln>
               <a:extLst>
                 <a:ext uri="{91240B29-F687-4f45-9708-019B960494DF}">
-                  <a14:hiddenLine xmlns="" xmlns:a14="http://schemas.microsoft.com/office/drawing/2010/main" w="9525">
+                  <a14:hiddenLine xmlns:a14="http://schemas.microsoft.com/office/drawing/2010/main" xmlns="" w="9525">
                     <a:solidFill>
                       <a:srgbClr val="000000"/>
                     </a:solidFill>
@@ -10770,7 +10771,7 @@
               </a:ln>
               <a:extLst>
                 <a:ext uri="{91240B29-F687-4f45-9708-019B960494DF}">
-                  <a14:hiddenLine xmlns="" xmlns:a14="http://schemas.microsoft.com/office/drawing/2010/main" w="9525">
+                  <a14:hiddenLine xmlns:a14="http://schemas.microsoft.com/office/drawing/2010/main" xmlns="" w="9525">
                     <a:solidFill>
                       <a:srgbClr val="000000"/>
                     </a:solidFill>
@@ -10804,7 +10805,7 @@
               </a:ln>
               <a:extLst>
                 <a:ext uri="{91240B29-F687-4f45-9708-019B960494DF}">
-                  <a14:hiddenLine xmlns="" xmlns:a14="http://schemas.microsoft.com/office/drawing/2010/main" w="9525">
+                  <a14:hiddenLine xmlns:a14="http://schemas.microsoft.com/office/drawing/2010/main" xmlns="" w="9525">
                     <a:solidFill>
                       <a:srgbClr val="000000"/>
                     </a:solidFill>
@@ -10869,7 +10870,7 @@
               </a:ln>
               <a:extLst>
                 <a:ext uri="{91240B29-F687-4f45-9708-019B960494DF}">
-                  <a14:hiddenLine xmlns="" xmlns:a14="http://schemas.microsoft.com/office/drawing/2010/main" w="9525">
+                  <a14:hiddenLine xmlns:a14="http://schemas.microsoft.com/office/drawing/2010/main" xmlns="" w="9525">
                     <a:solidFill>
                       <a:srgbClr val="000000"/>
                     </a:solidFill>
@@ -10959,7 +10960,7 @@
               </a:ln>
               <a:extLst>
                 <a:ext uri="{91240B29-F687-4f45-9708-019B960494DF}">
-                  <a14:hiddenLine xmlns="" xmlns:a14="http://schemas.microsoft.com/office/drawing/2010/main" w="9525">
+                  <a14:hiddenLine xmlns:a14="http://schemas.microsoft.com/office/drawing/2010/main" xmlns="" w="9525">
                     <a:solidFill>
                       <a:srgbClr val="000000"/>
                     </a:solidFill>
@@ -11021,7 +11022,7 @@
               </a:ln>
               <a:extLst>
                 <a:ext uri="{91240B29-F687-4f45-9708-019B960494DF}">
-                  <a14:hiddenLine xmlns="" xmlns:a14="http://schemas.microsoft.com/office/drawing/2010/main" w="9525">
+                  <a14:hiddenLine xmlns:a14="http://schemas.microsoft.com/office/drawing/2010/main" xmlns="" w="9525">
                     <a:solidFill>
                       <a:srgbClr val="000000"/>
                     </a:solidFill>
@@ -11111,7 +11112,7 @@
               </a:ln>
               <a:extLst>
                 <a:ext uri="{91240B29-F687-4f45-9708-019B960494DF}">
-                  <a14:hiddenLine xmlns="" xmlns:a14="http://schemas.microsoft.com/office/drawing/2010/main" w="9525">
+                  <a14:hiddenLine xmlns:a14="http://schemas.microsoft.com/office/drawing/2010/main" xmlns="" w="9525">
                     <a:solidFill>
                       <a:srgbClr val="000000"/>
                     </a:solidFill>
@@ -11176,7 +11177,7 @@
               </a:ln>
               <a:extLst>
                 <a:ext uri="{91240B29-F687-4f45-9708-019B960494DF}">
-                  <a14:hiddenLine xmlns="" xmlns:a14="http://schemas.microsoft.com/office/drawing/2010/main" w="9525">
+                  <a14:hiddenLine xmlns:a14="http://schemas.microsoft.com/office/drawing/2010/main" xmlns="" w="9525">
                     <a:solidFill>
                       <a:srgbClr val="000000"/>
                     </a:solidFill>
@@ -11238,7 +11239,7 @@
               </a:ln>
               <a:extLst>
                 <a:ext uri="{91240B29-F687-4f45-9708-019B960494DF}">
-                  <a14:hiddenLine xmlns="" xmlns:a14="http://schemas.microsoft.com/office/drawing/2010/main" w="9525">
+                  <a14:hiddenLine xmlns:a14="http://schemas.microsoft.com/office/drawing/2010/main" xmlns="" w="9525">
                     <a:solidFill>
                       <a:srgbClr val="000000"/>
                     </a:solidFill>
@@ -11328,7 +11329,7 @@
               </a:ln>
               <a:extLst>
                 <a:ext uri="{91240B29-F687-4f45-9708-019B960494DF}">
-                  <a14:hiddenLine xmlns="" xmlns:a14="http://schemas.microsoft.com/office/drawing/2010/main" w="9525">
+                  <a14:hiddenLine xmlns:a14="http://schemas.microsoft.com/office/drawing/2010/main" xmlns="" w="9525">
                     <a:solidFill>
                       <a:srgbClr val="000000"/>
                     </a:solidFill>
@@ -11418,7 +11419,7 @@
               </a:ln>
               <a:extLst>
                 <a:ext uri="{91240B29-F687-4f45-9708-019B960494DF}">
-                  <a14:hiddenLine xmlns="" xmlns:a14="http://schemas.microsoft.com/office/drawing/2010/main" w="9525">
+                  <a14:hiddenLine xmlns:a14="http://schemas.microsoft.com/office/drawing/2010/main" xmlns="" w="9525">
                     <a:solidFill>
                       <a:srgbClr val="000000"/>
                     </a:solidFill>
@@ -11483,7 +11484,7 @@
               </a:ln>
               <a:extLst>
                 <a:ext uri="{91240B29-F687-4f45-9708-019B960494DF}">
-                  <a14:hiddenLine xmlns="" xmlns:a14="http://schemas.microsoft.com/office/drawing/2010/main" w="9525">
+                  <a14:hiddenLine xmlns:a14="http://schemas.microsoft.com/office/drawing/2010/main" xmlns="" w="9525">
                     <a:solidFill>
                       <a:srgbClr val="000000"/>
                     </a:solidFill>
@@ -11603,7 +11604,7 @@
               </a:ln>
               <a:extLst>
                 <a:ext uri="{91240B29-F687-4f45-9708-019B960494DF}">
-                  <a14:hiddenLine xmlns="" xmlns:a14="http://schemas.microsoft.com/office/drawing/2010/main" w="9525">
+                  <a14:hiddenLine xmlns:a14="http://schemas.microsoft.com/office/drawing/2010/main" xmlns="" w="9525">
                     <a:solidFill>
                       <a:srgbClr val="000000"/>
                     </a:solidFill>
@@ -11701,7 +11702,7 @@
               </a:ln>
               <a:extLst>
                 <a:ext uri="{91240B29-F687-4f45-9708-019B960494DF}">
-                  <a14:hiddenLine xmlns="" xmlns:a14="http://schemas.microsoft.com/office/drawing/2010/main" w="9525">
+                  <a14:hiddenLine xmlns:a14="http://schemas.microsoft.com/office/drawing/2010/main" xmlns="" w="9525">
                     <a:solidFill>
                       <a:srgbClr val="000000"/>
                     </a:solidFill>
@@ -11816,7 +11817,7 @@
               </a:ln>
               <a:extLst>
                 <a:ext uri="{91240B29-F687-4f45-9708-019B960494DF}">
-                  <a14:hiddenLine xmlns="" xmlns:a14="http://schemas.microsoft.com/office/drawing/2010/main" w="9525">
+                  <a14:hiddenLine xmlns:a14="http://schemas.microsoft.com/office/drawing/2010/main" xmlns="" w="9525">
                     <a:solidFill>
                       <a:srgbClr val="000000"/>
                     </a:solidFill>
@@ -11906,7 +11907,7 @@
               </a:ln>
               <a:extLst>
                 <a:ext uri="{91240B29-F687-4f45-9708-019B960494DF}">
-                  <a14:hiddenLine xmlns="" xmlns:a14="http://schemas.microsoft.com/office/drawing/2010/main" w="9525">
+                  <a14:hiddenLine xmlns:a14="http://schemas.microsoft.com/office/drawing/2010/main" xmlns="" w="9525">
                     <a:solidFill>
                       <a:srgbClr val="000000"/>
                     </a:solidFill>
@@ -11971,7 +11972,7 @@
               </a:ln>
               <a:extLst>
                 <a:ext uri="{91240B29-F687-4f45-9708-019B960494DF}">
-                  <a14:hiddenLine xmlns="" xmlns:a14="http://schemas.microsoft.com/office/drawing/2010/main" w="9525">
+                  <a14:hiddenLine xmlns:a14="http://schemas.microsoft.com/office/drawing/2010/main" xmlns="" w="9525">
                     <a:solidFill>
                       <a:srgbClr val="000000"/>
                     </a:solidFill>
@@ -12061,7 +12062,7 @@
               </a:ln>
               <a:extLst>
                 <a:ext uri="{91240B29-F687-4f45-9708-019B960494DF}">
-                  <a14:hiddenLine xmlns="" xmlns:a14="http://schemas.microsoft.com/office/drawing/2010/main" w="9525">
+                  <a14:hiddenLine xmlns:a14="http://schemas.microsoft.com/office/drawing/2010/main" xmlns="" w="9525">
                     <a:solidFill>
                       <a:srgbClr val="000000"/>
                     </a:solidFill>
@@ -12129,7 +12130,7 @@
               </a:ln>
               <a:extLst>
                 <a:ext uri="{91240B29-F687-4f45-9708-019B960494DF}">
-                  <a14:hiddenLine xmlns="" xmlns:a14="http://schemas.microsoft.com/office/drawing/2010/main" w="9525">
+                  <a14:hiddenLine xmlns:a14="http://schemas.microsoft.com/office/drawing/2010/main" xmlns="" w="9525">
                     <a:solidFill>
                       <a:srgbClr val="000000"/>
                     </a:solidFill>
@@ -12219,7 +12220,7 @@
               </a:ln>
               <a:extLst>
                 <a:ext uri="{91240B29-F687-4f45-9708-019B960494DF}">
-                  <a14:hiddenLine xmlns="" xmlns:a14="http://schemas.microsoft.com/office/drawing/2010/main" w="9525">
+                  <a14:hiddenLine xmlns:a14="http://schemas.microsoft.com/office/drawing/2010/main" xmlns="" w="9525">
                     <a:solidFill>
                       <a:srgbClr val="000000"/>
                     </a:solidFill>
@@ -12287,7 +12288,7 @@
               </a:ln>
               <a:extLst>
                 <a:ext uri="{91240B29-F687-4f45-9708-019B960494DF}">
-                  <a14:hiddenLine xmlns="" xmlns:a14="http://schemas.microsoft.com/office/drawing/2010/main" w="9525">
+                  <a14:hiddenLine xmlns:a14="http://schemas.microsoft.com/office/drawing/2010/main" xmlns="" w="9525">
                     <a:solidFill>
                       <a:srgbClr val="000000"/>
                     </a:solidFill>
@@ -12377,7 +12378,7 @@
               </a:ln>
               <a:extLst>
                 <a:ext uri="{91240B29-F687-4f45-9708-019B960494DF}">
-                  <a14:hiddenLine xmlns="" xmlns:a14="http://schemas.microsoft.com/office/drawing/2010/main" w="9525">
+                  <a14:hiddenLine xmlns:a14="http://schemas.microsoft.com/office/drawing/2010/main" xmlns="" w="9525">
                     <a:solidFill>
                       <a:srgbClr val="000000"/>
                     </a:solidFill>
@@ -12411,7 +12412,7 @@
               </a:ln>
               <a:extLst>
                 <a:ext uri="{91240B29-F687-4f45-9708-019B960494DF}">
-                  <a14:hiddenLine xmlns="" xmlns:a14="http://schemas.microsoft.com/office/drawing/2010/main" w="9525">
+                  <a14:hiddenLine xmlns:a14="http://schemas.microsoft.com/office/drawing/2010/main" xmlns="" w="9525">
                     <a:solidFill>
                       <a:srgbClr val="000000"/>
                     </a:solidFill>
@@ -15968,6 +15969,1328 @@
 </p:sld>
 </file>
 
+<file path=ppt/slides/slide13.xml><?xml version="1.0" encoding="utf-8"?>
+<p:sld xmlns:a="http://schemas.openxmlformats.org/drawingml/2006/main" xmlns:r="http://schemas.openxmlformats.org/officeDocument/2006/relationships" xmlns:p="http://schemas.openxmlformats.org/presentationml/2006/main">
+  <p:cSld>
+    <p:spTree>
+      <p:nvGrpSpPr>
+        <p:cNvPr id="1" name=""/>
+        <p:cNvGrpSpPr/>
+        <p:nvPr/>
+      </p:nvGrpSpPr>
+      <p:grpSpPr>
+        <a:xfrm>
+          <a:off x="0" y="0"/>
+          <a:ext cx="0" cy="0"/>
+          <a:chOff x="0" y="0"/>
+          <a:chExt cx="0" cy="0"/>
+        </a:xfrm>
+      </p:grpSpPr>
+      <p:sp>
+        <p:nvSpPr>
+          <p:cNvPr id="2" name="Titel 1">
+            <a:extLst>
+              <a:ext uri="{FF2B5EF4-FFF2-40B4-BE49-F238E27FC236}">
+                <a16:creationId xmlns:a16="http://schemas.microsoft.com/office/drawing/2014/main" id="{32CC0858-0D0F-E768-C112-D76D58E20640}"/>
+              </a:ext>
+            </a:extLst>
+          </p:cNvPr>
+          <p:cNvSpPr>
+            <a:spLocks noGrp="1"/>
+          </p:cNvSpPr>
+          <p:nvPr>
+            <p:ph type="title"/>
+          </p:nvPr>
+        </p:nvSpPr>
+        <p:spPr>
+          <a:xfrm>
+            <a:off x="1141412" y="604982"/>
+            <a:ext cx="3625897" cy="1111614"/>
+          </a:xfrm>
+        </p:spPr>
+        <p:txBody>
+          <a:bodyPr/>
+          <a:lstStyle/>
+          <a:p>
+            <a:r>
+              <a:rPr lang="de-DE" dirty="0" err="1"/>
+              <a:t>Assignment</a:t>
+            </a:r>
+            <a:endParaRPr lang="en-GB" dirty="0"/>
+          </a:p>
+        </p:txBody>
+      </p:sp>
+      <p:sp>
+        <p:nvSpPr>
+          <p:cNvPr id="4" name="Rechteck 3">
+            <a:extLst>
+              <a:ext uri="{FF2B5EF4-FFF2-40B4-BE49-F238E27FC236}">
+                <a16:creationId xmlns:a16="http://schemas.microsoft.com/office/drawing/2014/main" id="{426B0F61-295C-1560-CF09-1E25224101AA}"/>
+              </a:ext>
+            </a:extLst>
+          </p:cNvPr>
+          <p:cNvSpPr/>
+          <p:nvPr/>
+        </p:nvSpPr>
+        <p:spPr>
+          <a:xfrm>
+            <a:off x="986418" y="4936878"/>
+            <a:ext cx="2736000" cy="531810"/>
+          </a:xfrm>
+          <a:prstGeom prst="rect">
+            <a:avLst/>
+          </a:prstGeom>
+          <a:noFill/>
+          <a:ln>
+            <a:noFill/>
+          </a:ln>
+        </p:spPr>
+        <p:style>
+          <a:lnRef idx="2">
+            <a:schemeClr val="accent1">
+              <a:shade val="15000"/>
+            </a:schemeClr>
+          </a:lnRef>
+          <a:fillRef idx="1">
+            <a:schemeClr val="accent1"/>
+          </a:fillRef>
+          <a:effectRef idx="0">
+            <a:schemeClr val="accent1"/>
+          </a:effectRef>
+          <a:fontRef idx="minor">
+            <a:schemeClr val="lt1"/>
+          </a:fontRef>
+        </p:style>
+        <p:txBody>
+          <a:bodyPr rtlCol="0" anchor="ctr"/>
+          <a:lstStyle/>
+          <a:p>
+            <a:pPr algn="ctr"/>
+            <a:r>
+              <a:rPr lang="de-DE" dirty="0">
+                <a:solidFill>
+                  <a:schemeClr val="accent4">
+                    <a:lumMod val="60000"/>
+                    <a:lumOff val="40000"/>
+                  </a:schemeClr>
+                </a:solidFill>
+                <a:latin typeface="+mj-lt"/>
+              </a:rPr>
+              <a:t>PUBLISHER</a:t>
+            </a:r>
+          </a:p>
+        </p:txBody>
+      </p:sp>
+      <p:sp>
+        <p:nvSpPr>
+          <p:cNvPr id="5" name="Rechteck 4">
+            <a:extLst>
+              <a:ext uri="{FF2B5EF4-FFF2-40B4-BE49-F238E27FC236}">
+                <a16:creationId xmlns:a16="http://schemas.microsoft.com/office/drawing/2014/main" id="{39261C44-4B41-5F4B-3244-CE95F1DD50CA}"/>
+              </a:ext>
+            </a:extLst>
+          </p:cNvPr>
+          <p:cNvSpPr/>
+          <p:nvPr/>
+        </p:nvSpPr>
+        <p:spPr>
+          <a:xfrm>
+            <a:off x="4442197" y="4936878"/>
+            <a:ext cx="2736000" cy="531810"/>
+          </a:xfrm>
+          <a:prstGeom prst="rect">
+            <a:avLst/>
+          </a:prstGeom>
+          <a:noFill/>
+          <a:ln>
+            <a:noFill/>
+          </a:ln>
+        </p:spPr>
+        <p:style>
+          <a:lnRef idx="2">
+            <a:schemeClr val="accent1">
+              <a:shade val="15000"/>
+            </a:schemeClr>
+          </a:lnRef>
+          <a:fillRef idx="1">
+            <a:schemeClr val="accent1"/>
+          </a:fillRef>
+          <a:effectRef idx="0">
+            <a:schemeClr val="accent1"/>
+          </a:effectRef>
+          <a:fontRef idx="minor">
+            <a:schemeClr val="lt1"/>
+          </a:fontRef>
+        </p:style>
+        <p:txBody>
+          <a:bodyPr rtlCol="0" anchor="ctr"/>
+          <a:lstStyle/>
+          <a:p>
+            <a:pPr algn="ctr"/>
+            <a:r>
+              <a:rPr lang="de-DE" dirty="0">
+                <a:solidFill>
+                  <a:schemeClr val="accent2">
+                    <a:lumMod val="75000"/>
+                  </a:schemeClr>
+                </a:solidFill>
+                <a:latin typeface="+mj-lt"/>
+              </a:rPr>
+              <a:t>BROKER</a:t>
+            </a:r>
+          </a:p>
+        </p:txBody>
+      </p:sp>
+      <p:pic>
+        <p:nvPicPr>
+          <p:cNvPr id="6" name="Grafik 5" descr="Ein Bild, das Screenshot, Text, Design, Darstellung enthält.&#10;&#10;Automatisch generierte Beschreibung">
+            <a:extLst>
+              <a:ext uri="{FF2B5EF4-FFF2-40B4-BE49-F238E27FC236}">
+                <a16:creationId xmlns:a16="http://schemas.microsoft.com/office/drawing/2014/main" id="{C4AA5D24-3BF5-B659-28BC-A9D249B638BF}"/>
+              </a:ext>
+            </a:extLst>
+          </p:cNvPr>
+          <p:cNvPicPr>
+            <a:picLocks noChangeAspect="1"/>
+          </p:cNvPicPr>
+          <p:nvPr/>
+        </p:nvPicPr>
+        <p:blipFill>
+          <a:blip r:embed="rId2">
+            <a:extLst>
+              <a:ext uri="{28A0092B-C50C-407E-A947-70E740481C1C}">
+                <a14:useLocalDpi xmlns:a14="http://schemas.microsoft.com/office/drawing/2010/main" val="0"/>
+              </a:ext>
+            </a:extLst>
+          </a:blip>
+          <a:stretch>
+            <a:fillRect/>
+          </a:stretch>
+        </p:blipFill>
+        <p:spPr>
+          <a:xfrm>
+            <a:off x="1789273" y="5421928"/>
+            <a:ext cx="1130290" cy="1130290"/>
+          </a:xfrm>
+          <a:prstGeom prst="rect">
+            <a:avLst/>
+          </a:prstGeom>
+        </p:spPr>
+      </p:pic>
+      <p:pic>
+        <p:nvPicPr>
+          <p:cNvPr id="7" name="Grafik 6" descr="Ein Bild, das Screenshot, Design enthält.&#10;&#10;Automatisch generierte Beschreibung">
+            <a:extLst>
+              <a:ext uri="{FF2B5EF4-FFF2-40B4-BE49-F238E27FC236}">
+                <a16:creationId xmlns:a16="http://schemas.microsoft.com/office/drawing/2014/main" id="{41C597E4-612A-32E9-6791-14CFA7DBB4BB}"/>
+              </a:ext>
+            </a:extLst>
+          </p:cNvPr>
+          <p:cNvPicPr>
+            <a:picLocks noChangeAspect="1"/>
+          </p:cNvPicPr>
+          <p:nvPr/>
+        </p:nvPicPr>
+        <p:blipFill>
+          <a:blip r:embed="rId3">
+            <a:extLst>
+              <a:ext uri="{28A0092B-C50C-407E-A947-70E740481C1C}">
+                <a14:useLocalDpi xmlns:a14="http://schemas.microsoft.com/office/drawing/2010/main" val="0"/>
+              </a:ext>
+            </a:extLst>
+          </a:blip>
+          <a:stretch>
+            <a:fillRect/>
+          </a:stretch>
+        </p:blipFill>
+        <p:spPr>
+          <a:xfrm>
+            <a:off x="5136446" y="5331555"/>
+            <a:ext cx="1347502" cy="1347502"/>
+          </a:xfrm>
+          <a:prstGeom prst="rect">
+            <a:avLst/>
+          </a:prstGeom>
+        </p:spPr>
+      </p:pic>
+      <p:pic>
+        <p:nvPicPr>
+          <p:cNvPr id="9" name="Grafik 8" descr="Ein Bild, das Screenshot, Gerät, Kommunikationsgerät, Elektronisches Gerät enthält.&#10;&#10;Automatisch generierte Beschreibung">
+            <a:extLst>
+              <a:ext uri="{FF2B5EF4-FFF2-40B4-BE49-F238E27FC236}">
+                <a16:creationId xmlns:a16="http://schemas.microsoft.com/office/drawing/2014/main" id="{24ECB942-55DA-779F-48C5-55969AEA2519}"/>
+              </a:ext>
+            </a:extLst>
+          </p:cNvPr>
+          <p:cNvPicPr>
+            <a:picLocks noChangeAspect="1"/>
+          </p:cNvPicPr>
+          <p:nvPr/>
+        </p:nvPicPr>
+        <p:blipFill>
+          <a:blip r:embed="rId4">
+            <a:extLst>
+              <a:ext uri="{28A0092B-C50C-407E-A947-70E740481C1C}">
+                <a14:useLocalDpi xmlns:a14="http://schemas.microsoft.com/office/drawing/2010/main" val="0"/>
+              </a:ext>
+            </a:extLst>
+          </a:blip>
+          <a:stretch>
+            <a:fillRect/>
+          </a:stretch>
+        </p:blipFill>
+        <p:spPr>
+          <a:xfrm>
+            <a:off x="8859559" y="5516982"/>
+            <a:ext cx="854685" cy="929742"/>
+          </a:xfrm>
+          <a:prstGeom prst="rect">
+            <a:avLst/>
+          </a:prstGeom>
+        </p:spPr>
+      </p:pic>
+      <p:cxnSp>
+        <p:nvCxnSpPr>
+          <p:cNvPr id="10" name="Gerade Verbindung mit Pfeil 9">
+            <a:extLst>
+              <a:ext uri="{FF2B5EF4-FFF2-40B4-BE49-F238E27FC236}">
+                <a16:creationId xmlns:a16="http://schemas.microsoft.com/office/drawing/2014/main" id="{C398934A-10D9-4B14-BA46-2E132BBE8DB0}"/>
+              </a:ext>
+            </a:extLst>
+          </p:cNvPr>
+          <p:cNvCxnSpPr/>
+          <p:nvPr/>
+        </p:nvCxnSpPr>
+        <p:spPr>
+          <a:xfrm>
+            <a:off x="3041454" y="5928439"/>
+            <a:ext cx="2016000" cy="0"/>
+          </a:xfrm>
+          <a:prstGeom prst="straightConnector1">
+            <a:avLst/>
+          </a:prstGeom>
+          <a:ln w="38100">
+            <a:tailEnd type="triangle"/>
+          </a:ln>
+        </p:spPr>
+        <p:style>
+          <a:lnRef idx="1">
+            <a:schemeClr val="accent1"/>
+          </a:lnRef>
+          <a:fillRef idx="0">
+            <a:schemeClr val="accent1"/>
+          </a:fillRef>
+          <a:effectRef idx="0">
+            <a:schemeClr val="accent1"/>
+          </a:effectRef>
+          <a:fontRef idx="minor">
+            <a:schemeClr val="tx1"/>
+          </a:fontRef>
+        </p:style>
+      </p:cxnSp>
+      <p:cxnSp>
+        <p:nvCxnSpPr>
+          <p:cNvPr id="12" name="Gerade Verbindung mit Pfeil 11">
+            <a:extLst>
+              <a:ext uri="{FF2B5EF4-FFF2-40B4-BE49-F238E27FC236}">
+                <a16:creationId xmlns:a16="http://schemas.microsoft.com/office/drawing/2014/main" id="{A88F31FD-6796-DC7C-5FC3-65EB931F703F}"/>
+              </a:ext>
+            </a:extLst>
+          </p:cNvPr>
+          <p:cNvCxnSpPr/>
+          <p:nvPr/>
+        </p:nvCxnSpPr>
+        <p:spPr>
+          <a:xfrm>
+            <a:off x="6620567" y="6164548"/>
+            <a:ext cx="2160000" cy="0"/>
+          </a:xfrm>
+          <a:prstGeom prst="straightConnector1">
+            <a:avLst/>
+          </a:prstGeom>
+          <a:ln w="38100">
+            <a:tailEnd type="triangle"/>
+          </a:ln>
+        </p:spPr>
+        <p:style>
+          <a:lnRef idx="1">
+            <a:schemeClr val="accent1"/>
+          </a:lnRef>
+          <a:fillRef idx="0">
+            <a:schemeClr val="accent1"/>
+          </a:fillRef>
+          <a:effectRef idx="0">
+            <a:schemeClr val="accent1"/>
+          </a:effectRef>
+          <a:fontRef idx="minor">
+            <a:schemeClr val="tx1"/>
+          </a:fontRef>
+        </p:style>
+      </p:cxnSp>
+      <p:cxnSp>
+        <p:nvCxnSpPr>
+          <p:cNvPr id="13" name="Gerade Verbindung mit Pfeil 12">
+            <a:extLst>
+              <a:ext uri="{FF2B5EF4-FFF2-40B4-BE49-F238E27FC236}">
+                <a16:creationId xmlns:a16="http://schemas.microsoft.com/office/drawing/2014/main" id="{0C6D2D6D-A5B4-C06D-75B1-9BB0786D301D}"/>
+              </a:ext>
+            </a:extLst>
+          </p:cNvPr>
+          <p:cNvCxnSpPr>
+            <a:cxnSpLocks/>
+          </p:cNvCxnSpPr>
+          <p:nvPr/>
+        </p:nvCxnSpPr>
+        <p:spPr>
+          <a:xfrm flipH="1">
+            <a:off x="6619809" y="5937250"/>
+            <a:ext cx="2160000" cy="0"/>
+          </a:xfrm>
+          <a:prstGeom prst="straightConnector1">
+            <a:avLst/>
+          </a:prstGeom>
+          <a:ln w="38100">
+            <a:tailEnd type="triangle"/>
+          </a:ln>
+        </p:spPr>
+        <p:style>
+          <a:lnRef idx="1">
+            <a:schemeClr val="accent4"/>
+          </a:lnRef>
+          <a:fillRef idx="0">
+            <a:schemeClr val="accent4"/>
+          </a:fillRef>
+          <a:effectRef idx="0">
+            <a:schemeClr val="accent4"/>
+          </a:effectRef>
+          <a:fontRef idx="minor">
+            <a:schemeClr val="tx1"/>
+          </a:fontRef>
+        </p:style>
+      </p:cxnSp>
+      <p:sp>
+        <p:nvSpPr>
+          <p:cNvPr id="15" name="Textfeld 14">
+            <a:extLst>
+              <a:ext uri="{FF2B5EF4-FFF2-40B4-BE49-F238E27FC236}">
+                <a16:creationId xmlns:a16="http://schemas.microsoft.com/office/drawing/2014/main" id="{2A609996-67D3-E6FC-29F7-B194B635FC0C}"/>
+              </a:ext>
+            </a:extLst>
+          </p:cNvPr>
+          <p:cNvSpPr txBox="1"/>
+          <p:nvPr/>
+        </p:nvSpPr>
+        <p:spPr>
+          <a:xfrm>
+            <a:off x="2911028" y="5567750"/>
+            <a:ext cx="2311240" cy="276999"/>
+          </a:xfrm>
+          <a:prstGeom prst="rect">
+            <a:avLst/>
+          </a:prstGeom>
+          <a:noFill/>
+        </p:spPr>
+        <p:txBody>
+          <a:bodyPr wrap="square" rtlCol="0">
+            <a:spAutoFit/>
+          </a:bodyPr>
+          <a:lstStyle/>
+          <a:p>
+            <a:r>
+              <a:rPr lang="de-DE" sz="1200" dirty="0">
+                <a:solidFill>
+                  <a:srgbClr val="663366"/>
+                </a:solidFill>
+                <a:latin typeface="+mj-lt"/>
+              </a:rPr>
+              <a:t>Publish </a:t>
+            </a:r>
+            <a:r>
+              <a:rPr lang="de-DE" sz="1200" dirty="0" err="1">
+                <a:solidFill>
+                  <a:srgbClr val="663366"/>
+                </a:solidFill>
+                <a:latin typeface="+mj-lt"/>
+              </a:rPr>
+              <a:t>to</a:t>
+            </a:r>
+            <a:r>
+              <a:rPr lang="de-DE" sz="1200" dirty="0">
+                <a:solidFill>
+                  <a:srgbClr val="663366"/>
+                </a:solidFill>
+                <a:latin typeface="+mj-lt"/>
+              </a:rPr>
+              <a:t> </a:t>
+            </a:r>
+            <a:r>
+              <a:rPr lang="de-DE" sz="1200" dirty="0" err="1">
+                <a:solidFill>
+                  <a:srgbClr val="663366"/>
+                </a:solidFill>
+                <a:latin typeface="+mj-lt"/>
+              </a:rPr>
+              <a:t>topic</a:t>
+            </a:r>
+            <a:r>
+              <a:rPr lang="de-DE" sz="1200" dirty="0">
+                <a:solidFill>
+                  <a:srgbClr val="663366"/>
+                </a:solidFill>
+                <a:latin typeface="+mj-lt"/>
+              </a:rPr>
+              <a:t>: </a:t>
+            </a:r>
+            <a:r>
+              <a:rPr lang="de-DE" sz="1200" dirty="0" err="1">
+                <a:solidFill>
+                  <a:srgbClr val="663366"/>
+                </a:solidFill>
+                <a:latin typeface="+mj-lt"/>
+              </a:rPr>
+              <a:t>temperature</a:t>
+            </a:r>
+            <a:endParaRPr lang="de-DE" sz="1200" dirty="0">
+              <a:solidFill>
+                <a:srgbClr val="663366"/>
+              </a:solidFill>
+              <a:latin typeface="+mj-lt"/>
+            </a:endParaRPr>
+          </a:p>
+        </p:txBody>
+      </p:sp>
+      <p:sp>
+        <p:nvSpPr>
+          <p:cNvPr id="16" name="Textfeld 15">
+            <a:extLst>
+              <a:ext uri="{FF2B5EF4-FFF2-40B4-BE49-F238E27FC236}">
+                <a16:creationId xmlns:a16="http://schemas.microsoft.com/office/drawing/2014/main" id="{47363ED3-8C8F-EC5B-25D0-DFB02B861F2F}"/>
+              </a:ext>
+            </a:extLst>
+          </p:cNvPr>
+          <p:cNvSpPr txBox="1"/>
+          <p:nvPr/>
+        </p:nvSpPr>
+        <p:spPr>
+          <a:xfrm>
+            <a:off x="2911028" y="6005306"/>
+            <a:ext cx="2311240" cy="276999"/>
+          </a:xfrm>
+          <a:prstGeom prst="rect">
+            <a:avLst/>
+          </a:prstGeom>
+          <a:noFill/>
+        </p:spPr>
+        <p:txBody>
+          <a:bodyPr wrap="square" rtlCol="0">
+            <a:spAutoFit/>
+          </a:bodyPr>
+          <a:lstStyle/>
+          <a:p>
+            <a:pPr algn="ctr"/>
+            <a:r>
+              <a:rPr lang="de-DE" sz="1200" dirty="0">
+                <a:solidFill>
+                  <a:srgbClr val="663366"/>
+                </a:solidFill>
+                <a:latin typeface="+mj-lt"/>
+              </a:rPr>
+              <a:t>Publish: 13</a:t>
+            </a:r>
+            <a:r>
+              <a:rPr lang="de-DE" sz="1200" dirty="0">
+                <a:solidFill>
+                  <a:srgbClr val="663366"/>
+                </a:solidFill>
+                <a:latin typeface="Abel" panose="02000506030000020004" pitchFamily="2" charset="0"/>
+              </a:rPr>
+              <a:t>°</a:t>
+            </a:r>
+            <a:r>
+              <a:rPr lang="de-DE" sz="1200" dirty="0">
+                <a:solidFill>
+                  <a:srgbClr val="663366"/>
+                </a:solidFill>
+                <a:latin typeface="+mj-lt"/>
+              </a:rPr>
+              <a:t>C</a:t>
+            </a:r>
+          </a:p>
+        </p:txBody>
+      </p:sp>
+      <p:sp>
+        <p:nvSpPr>
+          <p:cNvPr id="18" name="Textfeld 17">
+            <a:extLst>
+              <a:ext uri="{FF2B5EF4-FFF2-40B4-BE49-F238E27FC236}">
+                <a16:creationId xmlns:a16="http://schemas.microsoft.com/office/drawing/2014/main" id="{13CF72C0-E09B-0A0C-6AAD-823EFFA780D2}"/>
+              </a:ext>
+            </a:extLst>
+          </p:cNvPr>
+          <p:cNvSpPr txBox="1"/>
+          <p:nvPr/>
+        </p:nvSpPr>
+        <p:spPr>
+          <a:xfrm>
+            <a:off x="6440739" y="5568127"/>
+            <a:ext cx="2595742" cy="276999"/>
+          </a:xfrm>
+          <a:prstGeom prst="rect">
+            <a:avLst/>
+          </a:prstGeom>
+          <a:noFill/>
+        </p:spPr>
+        <p:txBody>
+          <a:bodyPr wrap="square" rtlCol="0">
+            <a:spAutoFit/>
+          </a:bodyPr>
+          <a:lstStyle/>
+          <a:p>
+            <a:r>
+              <a:rPr lang="de-DE" sz="1200" dirty="0" err="1">
+                <a:solidFill>
+                  <a:schemeClr val="accent4"/>
+                </a:solidFill>
+                <a:latin typeface="+mj-lt"/>
+              </a:rPr>
+              <a:t>Subscribe</a:t>
+            </a:r>
+            <a:r>
+              <a:rPr lang="de-DE" sz="1200" dirty="0">
+                <a:solidFill>
+                  <a:schemeClr val="accent4"/>
+                </a:solidFill>
+                <a:latin typeface="+mj-lt"/>
+              </a:rPr>
+              <a:t> </a:t>
+            </a:r>
+            <a:r>
+              <a:rPr lang="de-DE" sz="1200" dirty="0" err="1">
+                <a:solidFill>
+                  <a:schemeClr val="accent4"/>
+                </a:solidFill>
+                <a:latin typeface="+mj-lt"/>
+              </a:rPr>
+              <a:t>to</a:t>
+            </a:r>
+            <a:r>
+              <a:rPr lang="de-DE" sz="1200" dirty="0">
+                <a:solidFill>
+                  <a:schemeClr val="accent4"/>
+                </a:solidFill>
+                <a:latin typeface="+mj-lt"/>
+              </a:rPr>
+              <a:t> </a:t>
+            </a:r>
+            <a:r>
+              <a:rPr lang="de-DE" sz="1200" dirty="0" err="1">
+                <a:solidFill>
+                  <a:schemeClr val="accent4"/>
+                </a:solidFill>
+                <a:latin typeface="+mj-lt"/>
+              </a:rPr>
+              <a:t>topic</a:t>
+            </a:r>
+            <a:r>
+              <a:rPr lang="de-DE" sz="1200" dirty="0">
+                <a:solidFill>
+                  <a:schemeClr val="accent4"/>
+                </a:solidFill>
+                <a:latin typeface="+mj-lt"/>
+              </a:rPr>
+              <a:t>: </a:t>
+            </a:r>
+            <a:r>
+              <a:rPr lang="de-DE" sz="1200" dirty="0" err="1">
+                <a:solidFill>
+                  <a:schemeClr val="accent4"/>
+                </a:solidFill>
+                <a:latin typeface="+mj-lt"/>
+              </a:rPr>
+              <a:t>temperature</a:t>
+            </a:r>
+            <a:endParaRPr lang="de-DE" sz="1200" dirty="0">
+              <a:solidFill>
+                <a:schemeClr val="accent4"/>
+              </a:solidFill>
+              <a:latin typeface="+mj-lt"/>
+            </a:endParaRPr>
+          </a:p>
+        </p:txBody>
+      </p:sp>
+      <p:sp>
+        <p:nvSpPr>
+          <p:cNvPr id="20" name="Textfeld 19">
+            <a:extLst>
+              <a:ext uri="{FF2B5EF4-FFF2-40B4-BE49-F238E27FC236}">
+                <a16:creationId xmlns:a16="http://schemas.microsoft.com/office/drawing/2014/main" id="{0B273BE9-08F4-35AA-0327-5E4C6C70AC6B}"/>
+              </a:ext>
+            </a:extLst>
+          </p:cNvPr>
+          <p:cNvSpPr txBox="1"/>
+          <p:nvPr/>
+        </p:nvSpPr>
+        <p:spPr>
+          <a:xfrm>
+            <a:off x="6605839" y="6219736"/>
+            <a:ext cx="2311240" cy="276999"/>
+          </a:xfrm>
+          <a:prstGeom prst="rect">
+            <a:avLst/>
+          </a:prstGeom>
+          <a:noFill/>
+        </p:spPr>
+        <p:txBody>
+          <a:bodyPr wrap="square" rtlCol="0">
+            <a:spAutoFit/>
+          </a:bodyPr>
+          <a:lstStyle/>
+          <a:p>
+            <a:pPr algn="ctr"/>
+            <a:r>
+              <a:rPr lang="de-DE" sz="1200" dirty="0">
+                <a:solidFill>
+                  <a:srgbClr val="663366"/>
+                </a:solidFill>
+                <a:latin typeface="+mj-lt"/>
+              </a:rPr>
+              <a:t>Publish: 13</a:t>
+            </a:r>
+            <a:r>
+              <a:rPr lang="de-DE" sz="1200" dirty="0">
+                <a:solidFill>
+                  <a:srgbClr val="663366"/>
+                </a:solidFill>
+                <a:latin typeface="Abel" panose="02000506030000020004" pitchFamily="2" charset="0"/>
+              </a:rPr>
+              <a:t>°</a:t>
+            </a:r>
+            <a:r>
+              <a:rPr lang="de-DE" sz="1200" dirty="0">
+                <a:solidFill>
+                  <a:srgbClr val="663366"/>
+                </a:solidFill>
+                <a:latin typeface="+mj-lt"/>
+              </a:rPr>
+              <a:t>C</a:t>
+            </a:r>
+          </a:p>
+        </p:txBody>
+      </p:sp>
+      <p:sp>
+        <p:nvSpPr>
+          <p:cNvPr id="21" name="Textfeld 20">
+            <a:extLst>
+              <a:ext uri="{FF2B5EF4-FFF2-40B4-BE49-F238E27FC236}">
+                <a16:creationId xmlns:a16="http://schemas.microsoft.com/office/drawing/2014/main" id="{030ECCCA-BDAF-0AD9-C400-0BEB3D01A26E}"/>
+              </a:ext>
+            </a:extLst>
+          </p:cNvPr>
+          <p:cNvSpPr txBox="1"/>
+          <p:nvPr/>
+        </p:nvSpPr>
+        <p:spPr>
+          <a:xfrm>
+            <a:off x="1149333" y="1571692"/>
+            <a:ext cx="4283801" cy="1754326"/>
+          </a:xfrm>
+          <a:prstGeom prst="rect">
+            <a:avLst/>
+          </a:prstGeom>
+          <a:noFill/>
+        </p:spPr>
+        <p:txBody>
+          <a:bodyPr wrap="square" rtlCol="0">
+            <a:spAutoFit/>
+          </a:bodyPr>
+          <a:lstStyle/>
+          <a:p>
+            <a:pPr marL="285750" indent="-285750">
+              <a:buFont typeface="Arial" panose="020B0604020202020204" pitchFamily="34" charset="0"/>
+              <a:buChar char="•"/>
+            </a:pPr>
+            <a:r>
+              <a:rPr lang="de-DE" dirty="0"/>
+              <a:t>Create a </a:t>
+            </a:r>
+            <a:r>
+              <a:rPr lang="de-DE" dirty="0" err="1"/>
+              <a:t>new</a:t>
+            </a:r>
+            <a:r>
+              <a:rPr lang="de-DE" dirty="0"/>
+              <a:t> </a:t>
+            </a:r>
+            <a:r>
+              <a:rPr lang="de-DE" dirty="0" err="1"/>
+              <a:t>topic</a:t>
+            </a:r>
+            <a:r>
+              <a:rPr lang="de-DE" dirty="0"/>
+              <a:t> (‚</a:t>
+            </a:r>
+            <a:r>
+              <a:rPr lang="de-DE" dirty="0" err="1"/>
+              <a:t>temperature</a:t>
+            </a:r>
+            <a:r>
+              <a:rPr lang="de-DE" dirty="0"/>
+              <a:t>‘) and </a:t>
+            </a:r>
+            <a:r>
+              <a:rPr lang="de-DE" dirty="0" err="1"/>
+              <a:t>subscribe</a:t>
+            </a:r>
+            <a:r>
+              <a:rPr lang="de-DE" dirty="0"/>
+              <a:t> </a:t>
+            </a:r>
+            <a:r>
+              <a:rPr lang="de-DE" dirty="0" err="1"/>
+              <a:t>it</a:t>
+            </a:r>
+            <a:r>
+              <a:rPr lang="de-DE" dirty="0"/>
+              <a:t> </a:t>
+            </a:r>
+            <a:r>
+              <a:rPr lang="de-DE" dirty="0" err="1"/>
+              <a:t>with</a:t>
+            </a:r>
+            <a:r>
+              <a:rPr lang="de-DE" dirty="0"/>
+              <a:t> </a:t>
+            </a:r>
+            <a:r>
+              <a:rPr lang="de-DE" dirty="0" err="1"/>
+              <a:t>the</a:t>
+            </a:r>
+            <a:r>
+              <a:rPr lang="de-DE" dirty="0"/>
+              <a:t> </a:t>
+            </a:r>
+            <a:r>
+              <a:rPr lang="de-DE" dirty="0" err="1"/>
+              <a:t>WebApp</a:t>
+            </a:r>
+            <a:r>
+              <a:rPr lang="de-DE" dirty="0"/>
+              <a:t> </a:t>
+            </a:r>
+            <a:r>
+              <a:rPr lang="de-DE" dirty="0" err="1"/>
+              <a:t>client</a:t>
+            </a:r>
+            <a:endParaRPr lang="de-DE" dirty="0"/>
+          </a:p>
+          <a:p>
+            <a:pPr marL="285750" indent="-285750">
+              <a:buFont typeface="Arial" panose="020B0604020202020204" pitchFamily="34" charset="0"/>
+              <a:buChar char="•"/>
+            </a:pPr>
+            <a:r>
+              <a:rPr lang="de-DE" dirty="0"/>
+              <a:t>Publish a </a:t>
+            </a:r>
+            <a:r>
+              <a:rPr lang="de-DE" dirty="0" err="1"/>
+              <a:t>message</a:t>
+            </a:r>
+            <a:r>
+              <a:rPr lang="de-DE" dirty="0"/>
+              <a:t> (e.g. 13 °C) </a:t>
+            </a:r>
+            <a:r>
+              <a:rPr lang="de-DE" dirty="0" err="1"/>
+              <a:t>to</a:t>
+            </a:r>
+            <a:r>
+              <a:rPr lang="de-DE" dirty="0"/>
+              <a:t> </a:t>
+            </a:r>
+            <a:r>
+              <a:rPr lang="de-DE" dirty="0" err="1"/>
+              <a:t>the</a:t>
+            </a:r>
+            <a:r>
+              <a:rPr lang="de-DE" dirty="0"/>
+              <a:t> </a:t>
+            </a:r>
+            <a:r>
+              <a:rPr lang="de-DE" dirty="0" err="1"/>
+              <a:t>topic</a:t>
+            </a:r>
+            <a:r>
+              <a:rPr lang="de-DE" dirty="0"/>
+              <a:t> </a:t>
+            </a:r>
+            <a:r>
+              <a:rPr lang="de-DE" dirty="0" err="1"/>
+              <a:t>with</a:t>
+            </a:r>
+            <a:r>
+              <a:rPr lang="de-DE" dirty="0"/>
+              <a:t> </a:t>
+            </a:r>
+            <a:r>
+              <a:rPr lang="de-DE" dirty="0" err="1"/>
+              <a:t>the</a:t>
+            </a:r>
+            <a:r>
+              <a:rPr lang="de-DE" dirty="0"/>
+              <a:t> </a:t>
+            </a:r>
+            <a:r>
+              <a:rPr lang="de-DE" dirty="0" err="1"/>
+              <a:t>TemperatureSensor</a:t>
+            </a:r>
+            <a:r>
+              <a:rPr lang="de-DE" dirty="0"/>
+              <a:t> </a:t>
+            </a:r>
+            <a:r>
+              <a:rPr lang="de-DE" dirty="0" err="1"/>
+              <a:t>client</a:t>
+            </a:r>
+            <a:endParaRPr lang="de-DE" dirty="0"/>
+          </a:p>
+        </p:txBody>
+      </p:sp>
+      <p:pic>
+        <p:nvPicPr>
+          <p:cNvPr id="24" name="Grafik 23" descr="Browserfenster Silhouette">
+            <a:extLst>
+              <a:ext uri="{FF2B5EF4-FFF2-40B4-BE49-F238E27FC236}">
+                <a16:creationId xmlns:a16="http://schemas.microsoft.com/office/drawing/2014/main" id="{E07D82BE-395B-B52E-D861-B20AF6532D39}"/>
+              </a:ext>
+            </a:extLst>
+          </p:cNvPr>
+          <p:cNvPicPr>
+            <a:picLocks noChangeAspect="1"/>
+          </p:cNvPicPr>
+          <p:nvPr/>
+        </p:nvPicPr>
+        <p:blipFill>
+          <a:blip r:embed="rId5">
+            <a:extLst>
+              <a:ext uri="{28A0092B-C50C-407E-A947-70E740481C1C}">
+                <a14:useLocalDpi xmlns:a14="http://schemas.microsoft.com/office/drawing/2010/main" val="0"/>
+              </a:ext>
+              <a:ext uri="{96DAC541-7B7A-43D3-8B79-37D633B846F1}">
+                <asvg:svgBlip xmlns:asvg="http://schemas.microsoft.com/office/drawing/2016/SVG/main" r:embed="rId6"/>
+              </a:ext>
+            </a:extLst>
+          </a:blip>
+          <a:stretch>
+            <a:fillRect/>
+          </a:stretch>
+        </p:blipFill>
+        <p:spPr>
+          <a:xfrm>
+            <a:off x="1798331" y="3684156"/>
+            <a:ext cx="1218798" cy="1218798"/>
+          </a:xfrm>
+          <a:prstGeom prst="rect">
+            <a:avLst/>
+          </a:prstGeom>
+        </p:spPr>
+      </p:pic>
+      <p:pic>
+        <p:nvPicPr>
+          <p:cNvPr id="25" name="Grafik 24" descr="Browserfenster Silhouette">
+            <a:extLst>
+              <a:ext uri="{FF2B5EF4-FFF2-40B4-BE49-F238E27FC236}">
+                <a16:creationId xmlns:a16="http://schemas.microsoft.com/office/drawing/2014/main" id="{35DF377E-29A6-19EB-EF0B-E0EE1EE6BA4E}"/>
+              </a:ext>
+            </a:extLst>
+          </p:cNvPr>
+          <p:cNvPicPr>
+            <a:picLocks noChangeAspect="1"/>
+          </p:cNvPicPr>
+          <p:nvPr/>
+        </p:nvPicPr>
+        <p:blipFill>
+          <a:blip r:embed="rId5">
+            <a:extLst>
+              <a:ext uri="{28A0092B-C50C-407E-A947-70E740481C1C}">
+                <a14:useLocalDpi xmlns:a14="http://schemas.microsoft.com/office/drawing/2010/main" val="0"/>
+              </a:ext>
+              <a:ext uri="{96DAC541-7B7A-43D3-8B79-37D633B846F1}">
+                <asvg:svgBlip xmlns:asvg="http://schemas.microsoft.com/office/drawing/2016/SVG/main" r:embed="rId6"/>
+              </a:ext>
+            </a:extLst>
+          </a:blip>
+          <a:stretch>
+            <a:fillRect/>
+          </a:stretch>
+        </p:blipFill>
+        <p:spPr>
+          <a:xfrm>
+            <a:off x="8677502" y="3690357"/>
+            <a:ext cx="1218798" cy="1218798"/>
+          </a:xfrm>
+          <a:prstGeom prst="rect">
+            <a:avLst/>
+          </a:prstGeom>
+        </p:spPr>
+      </p:pic>
+      <p:pic>
+        <p:nvPicPr>
+          <p:cNvPr id="28" name="Grafik 27" descr="Browserfenster Silhouette">
+            <a:extLst>
+              <a:ext uri="{FF2B5EF4-FFF2-40B4-BE49-F238E27FC236}">
+                <a16:creationId xmlns:a16="http://schemas.microsoft.com/office/drawing/2014/main" id="{C725682F-1FD6-2AFB-3D1F-8F84EC838359}"/>
+              </a:ext>
+            </a:extLst>
+          </p:cNvPr>
+          <p:cNvPicPr>
+            <a:picLocks noChangeAspect="1"/>
+          </p:cNvPicPr>
+          <p:nvPr/>
+        </p:nvPicPr>
+        <p:blipFill>
+          <a:blip r:embed="rId5">
+            <a:extLst>
+              <a:ext uri="{28A0092B-C50C-407E-A947-70E740481C1C}">
+                <a14:useLocalDpi xmlns:a14="http://schemas.microsoft.com/office/drawing/2010/main" val="0"/>
+              </a:ext>
+              <a:ext uri="{96DAC541-7B7A-43D3-8B79-37D633B846F1}">
+                <asvg:svgBlip xmlns:asvg="http://schemas.microsoft.com/office/drawing/2016/SVG/main" r:embed="rId6"/>
+              </a:ext>
+            </a:extLst>
+          </a:blip>
+          <a:stretch>
+            <a:fillRect/>
+          </a:stretch>
+        </p:blipFill>
+        <p:spPr>
+          <a:xfrm>
+            <a:off x="4868405" y="3376081"/>
+            <a:ext cx="1883583" cy="1883583"/>
+          </a:xfrm>
+          <a:prstGeom prst="rect">
+            <a:avLst/>
+          </a:prstGeom>
+        </p:spPr>
+      </p:pic>
+      <p:sp>
+        <p:nvSpPr>
+          <p:cNvPr id="29" name="Textfeld 28">
+            <a:extLst>
+              <a:ext uri="{FF2B5EF4-FFF2-40B4-BE49-F238E27FC236}">
+                <a16:creationId xmlns:a16="http://schemas.microsoft.com/office/drawing/2014/main" id="{7525E66A-8941-93BD-2885-7A16862CC73C}"/>
+              </a:ext>
+            </a:extLst>
+          </p:cNvPr>
+          <p:cNvSpPr txBox="1"/>
+          <p:nvPr/>
+        </p:nvSpPr>
+        <p:spPr>
+          <a:xfrm>
+            <a:off x="5057454" y="3687370"/>
+            <a:ext cx="1059906" cy="369332"/>
+          </a:xfrm>
+          <a:prstGeom prst="rect">
+            <a:avLst/>
+          </a:prstGeom>
+          <a:noFill/>
+        </p:spPr>
+        <p:txBody>
+          <a:bodyPr wrap="none" rtlCol="0">
+            <a:spAutoFit/>
+          </a:bodyPr>
+          <a:lstStyle/>
+          <a:p>
+            <a:r>
+              <a:rPr lang="de-DE" dirty="0"/>
+              <a:t>Browser</a:t>
+            </a:r>
+            <a:endParaRPr lang="en-GB" dirty="0"/>
+          </a:p>
+        </p:txBody>
+      </p:sp>
+      <p:sp>
+        <p:nvSpPr>
+          <p:cNvPr id="30" name="Textfeld 29">
+            <a:extLst>
+              <a:ext uri="{FF2B5EF4-FFF2-40B4-BE49-F238E27FC236}">
+                <a16:creationId xmlns:a16="http://schemas.microsoft.com/office/drawing/2014/main" id="{059C71EF-CC8F-A23E-88C6-AB3A3F41D8DD}"/>
+              </a:ext>
+            </a:extLst>
+          </p:cNvPr>
+          <p:cNvSpPr txBox="1"/>
+          <p:nvPr/>
+        </p:nvSpPr>
+        <p:spPr>
+          <a:xfrm>
+            <a:off x="1855770" y="3861460"/>
+            <a:ext cx="1117763" cy="276999"/>
+          </a:xfrm>
+          <a:prstGeom prst="rect">
+            <a:avLst/>
+          </a:prstGeom>
+          <a:noFill/>
+        </p:spPr>
+        <p:txBody>
+          <a:bodyPr wrap="square" rtlCol="0">
+            <a:spAutoFit/>
+          </a:bodyPr>
+          <a:lstStyle/>
+          <a:p>
+            <a:r>
+              <a:rPr lang="de-DE" sz="1200" dirty="0"/>
+              <a:t>Terminal</a:t>
+            </a:r>
+            <a:endParaRPr lang="en-GB" sz="1200" dirty="0"/>
+          </a:p>
+        </p:txBody>
+      </p:sp>
+      <p:sp>
+        <p:nvSpPr>
+          <p:cNvPr id="31" name="Textfeld 30">
+            <a:extLst>
+              <a:ext uri="{FF2B5EF4-FFF2-40B4-BE49-F238E27FC236}">
+                <a16:creationId xmlns:a16="http://schemas.microsoft.com/office/drawing/2014/main" id="{2F8C7219-EC60-9F06-C172-A0FFBD70661D}"/>
+              </a:ext>
+            </a:extLst>
+          </p:cNvPr>
+          <p:cNvSpPr txBox="1"/>
+          <p:nvPr/>
+        </p:nvSpPr>
+        <p:spPr>
+          <a:xfrm>
+            <a:off x="8728019" y="3880914"/>
+            <a:ext cx="1117763" cy="276999"/>
+          </a:xfrm>
+          <a:prstGeom prst="rect">
+            <a:avLst/>
+          </a:prstGeom>
+          <a:noFill/>
+        </p:spPr>
+        <p:txBody>
+          <a:bodyPr wrap="square" rtlCol="0">
+            <a:spAutoFit/>
+          </a:bodyPr>
+          <a:lstStyle/>
+          <a:p>
+            <a:r>
+              <a:rPr lang="de-DE" sz="1200" dirty="0"/>
+              <a:t>Terminal</a:t>
+            </a:r>
+            <a:endParaRPr lang="en-GB" sz="1200" dirty="0"/>
+          </a:p>
+        </p:txBody>
+      </p:sp>
+      <p:sp>
+        <p:nvSpPr>
+          <p:cNvPr id="32" name="Titel 1">
+            <a:extLst>
+              <a:ext uri="{FF2B5EF4-FFF2-40B4-BE49-F238E27FC236}">
+                <a16:creationId xmlns:a16="http://schemas.microsoft.com/office/drawing/2014/main" id="{2372BE8B-0CD2-2B96-08BF-7291B7C7EBFA}"/>
+              </a:ext>
+            </a:extLst>
+          </p:cNvPr>
+          <p:cNvSpPr txBox="1">
+            <a:spLocks/>
+          </p:cNvSpPr>
+          <p:nvPr/>
+        </p:nvSpPr>
+        <p:spPr>
+          <a:xfrm>
+            <a:off x="7178196" y="604982"/>
+            <a:ext cx="3625897" cy="1111614"/>
+          </a:xfrm>
+          <a:prstGeom prst="rect">
+            <a:avLst/>
+          </a:prstGeom>
+        </p:spPr>
+        <p:txBody>
+          <a:bodyPr vert="horz" lIns="91440" tIns="45720" rIns="91440" bIns="45720" rtlCol="0" anchor="ctr">
+            <a:normAutofit/>
+          </a:bodyPr>
+          <a:lstStyle>
+            <a:lvl1pPr algn="l" defTabSz="914400" rtl="0" eaLnBrk="1" latinLnBrk="0" hangingPunct="1">
+              <a:lnSpc>
+                <a:spcPct val="90000"/>
+              </a:lnSpc>
+              <a:spcBef>
+                <a:spcPct val="0"/>
+              </a:spcBef>
+              <a:buNone/>
+              <a:defRPr sz="3600" kern="1200" cap="all" baseline="0">
+                <a:solidFill>
+                  <a:schemeClr val="tx1"/>
+                </a:solidFill>
+                <a:latin typeface="+mj-lt"/>
+                <a:ea typeface="+mj-ea"/>
+                <a:cs typeface="+mj-cs"/>
+              </a:defRPr>
+            </a:lvl1pPr>
+          </a:lstStyle>
+          <a:p>
+            <a:r>
+              <a:rPr lang="de-DE" dirty="0"/>
+              <a:t>Setup &amp; </a:t>
+            </a:r>
+            <a:r>
+              <a:rPr lang="de-DE" dirty="0" err="1"/>
+              <a:t>hints</a:t>
+            </a:r>
+            <a:endParaRPr lang="en-GB" dirty="0"/>
+          </a:p>
+        </p:txBody>
+      </p:sp>
+      <p:sp>
+        <p:nvSpPr>
+          <p:cNvPr id="33" name="Textfeld 32">
+            <a:extLst>
+              <a:ext uri="{FF2B5EF4-FFF2-40B4-BE49-F238E27FC236}">
+                <a16:creationId xmlns:a16="http://schemas.microsoft.com/office/drawing/2014/main" id="{9B2B512B-F5AA-C618-E152-4A60E28E5DF6}"/>
+              </a:ext>
+            </a:extLst>
+          </p:cNvPr>
+          <p:cNvSpPr txBox="1"/>
+          <p:nvPr/>
+        </p:nvSpPr>
+        <p:spPr>
+          <a:xfrm>
+            <a:off x="7186117" y="1571692"/>
+            <a:ext cx="4283801" cy="923330"/>
+          </a:xfrm>
+          <a:prstGeom prst="rect">
+            <a:avLst/>
+          </a:prstGeom>
+          <a:noFill/>
+        </p:spPr>
+        <p:txBody>
+          <a:bodyPr wrap="square" rtlCol="0">
+            <a:spAutoFit/>
+          </a:bodyPr>
+          <a:lstStyle/>
+          <a:p>
+            <a:pPr marL="285750" indent="-285750">
+              <a:buFont typeface="Arial" panose="020B0604020202020204" pitchFamily="34" charset="0"/>
+              <a:buChar char="•"/>
+            </a:pPr>
+            <a:r>
+              <a:rPr lang="de-DE" dirty="0"/>
+              <a:t>Follow </a:t>
+            </a:r>
+            <a:r>
+              <a:rPr lang="de-DE" dirty="0" err="1"/>
+              <a:t>instructions</a:t>
+            </a:r>
+            <a:r>
+              <a:rPr lang="de-DE" dirty="0"/>
+              <a:t> in README.md</a:t>
+            </a:r>
+          </a:p>
+          <a:p>
+            <a:pPr marL="285750" indent="-285750">
+              <a:buFont typeface="Arial" panose="020B0604020202020204" pitchFamily="34" charset="0"/>
+              <a:buChar char="•"/>
+            </a:pPr>
+            <a:r>
+              <a:rPr lang="de-DE" dirty="0" err="1"/>
+              <a:t>Observe</a:t>
+            </a:r>
+            <a:r>
+              <a:rPr lang="de-DE" dirty="0"/>
+              <a:t> </a:t>
+            </a:r>
+            <a:r>
+              <a:rPr lang="de-DE" dirty="0" err="1"/>
+              <a:t>messages</a:t>
+            </a:r>
+            <a:r>
+              <a:rPr lang="de-DE" dirty="0"/>
+              <a:t> in </a:t>
+            </a:r>
+            <a:r>
+              <a:rPr lang="de-DE" dirty="0" err="1"/>
+              <a:t>browser</a:t>
+            </a:r>
+            <a:r>
+              <a:rPr lang="de-DE" dirty="0"/>
+              <a:t> (MQTT Explorer)</a:t>
+            </a:r>
+          </a:p>
+        </p:txBody>
+      </p:sp>
+      <p:sp>
+        <p:nvSpPr>
+          <p:cNvPr id="34" name="Rechteck 33">
+            <a:extLst>
+              <a:ext uri="{FF2B5EF4-FFF2-40B4-BE49-F238E27FC236}">
+                <a16:creationId xmlns:a16="http://schemas.microsoft.com/office/drawing/2014/main" id="{761653CC-93E3-04B3-9692-88E17ABAA390}"/>
+              </a:ext>
+            </a:extLst>
+          </p:cNvPr>
+          <p:cNvSpPr/>
+          <p:nvPr/>
+        </p:nvSpPr>
+        <p:spPr>
+          <a:xfrm>
+            <a:off x="7960017" y="4939109"/>
+            <a:ext cx="2736000" cy="531810"/>
+          </a:xfrm>
+          <a:prstGeom prst="rect">
+            <a:avLst/>
+          </a:prstGeom>
+          <a:noFill/>
+          <a:ln>
+            <a:noFill/>
+          </a:ln>
+        </p:spPr>
+        <p:style>
+          <a:lnRef idx="2">
+            <a:schemeClr val="accent1">
+              <a:shade val="15000"/>
+            </a:schemeClr>
+          </a:lnRef>
+          <a:fillRef idx="1">
+            <a:schemeClr val="accent1"/>
+          </a:fillRef>
+          <a:effectRef idx="0">
+            <a:schemeClr val="accent1"/>
+          </a:effectRef>
+          <a:fontRef idx="minor">
+            <a:schemeClr val="lt1"/>
+          </a:fontRef>
+        </p:style>
+        <p:txBody>
+          <a:bodyPr rtlCol="0" anchor="ctr"/>
+          <a:lstStyle/>
+          <a:p>
+            <a:pPr algn="ctr"/>
+            <a:r>
+              <a:rPr lang="de-DE" dirty="0">
+                <a:solidFill>
+                  <a:schemeClr val="accent4">
+                    <a:lumMod val="60000"/>
+                    <a:lumOff val="40000"/>
+                  </a:schemeClr>
+                </a:solidFill>
+                <a:latin typeface="+mj-lt"/>
+              </a:rPr>
+              <a:t>Subscriber</a:t>
+            </a:r>
+          </a:p>
+        </p:txBody>
+      </p:sp>
+    </p:spTree>
+    <p:extLst>
+      <p:ext uri="{BB962C8B-B14F-4D97-AF65-F5344CB8AC3E}">
+        <p14:creationId xmlns:p14="http://schemas.microsoft.com/office/powerpoint/2010/main" val="1654704598"/>
+      </p:ext>
+    </p:extLst>
+  </p:cSld>
+  <p:clrMapOvr>
+    <a:masterClrMapping/>
+  </p:clrMapOvr>
+</p:sld>
+</file>
+
 <file path=ppt/slides/slide2.xml><?xml version="1.0" encoding="utf-8"?>
 <p:sld xmlns:a="http://schemas.openxmlformats.org/drawingml/2006/main" xmlns:r="http://schemas.openxmlformats.org/officeDocument/2006/relationships" xmlns:p="http://schemas.openxmlformats.org/presentationml/2006/main">
   <p:cSld>
@@ -17309,13 +18632,13 @@
   <p:clrMapOvr>
     <a:masterClrMapping/>
   </p:clrMapOvr>
-  <mc:AlternateContent xmlns:mc="http://schemas.openxmlformats.org/markup-compatibility/2006">
-    <mc:Choice xmlns:p14="http://schemas.microsoft.com/office/powerpoint/2010/main" Requires="p14">
+  <mc:AlternateContent xmlns:mc="http://schemas.openxmlformats.org/markup-compatibility/2006" xmlns:p14="http://schemas.microsoft.com/office/powerpoint/2010/main">
+    <mc:Choice Requires="p14">
       <p:transition spd="slow" p14:dur="1250">
         <p14:conveyor dir="l"/>
       </p:transition>
     </mc:Choice>
-    <mc:Fallback>
+    <mc:Fallback xmlns="">
       <p:transition spd="slow">
         <p:fade/>
       </p:transition>
@@ -18734,13 +20057,13 @@
   <p:clrMapOvr>
     <a:masterClrMapping/>
   </p:clrMapOvr>
-  <mc:AlternateContent xmlns:mc="http://schemas.openxmlformats.org/markup-compatibility/2006">
-    <mc:Choice xmlns:p14="http://schemas.microsoft.com/office/powerpoint/2010/main" Requires="p14">
+  <mc:AlternateContent xmlns:mc="http://schemas.openxmlformats.org/markup-compatibility/2006" xmlns:p14="http://schemas.microsoft.com/office/powerpoint/2010/main">
+    <mc:Choice Requires="p14">
       <p:transition spd="slow" p14:dur="1250">
         <p14:conveyor dir="l"/>
       </p:transition>
     </mc:Choice>
-    <mc:Fallback>
+    <mc:Fallback xmlns="">
       <p:transition spd="slow">
         <p:fade/>
       </p:transition>
